--- a/Powerpoint/2 Data Science.pptx
+++ b/Powerpoint/2 Data Science.pptx
@@ -5,10 +5,10 @@
     <p:sldMasterId id="2147483658" r:id="rId1"/>
   </p:sldMasterIdLst>
   <p:notesMasterIdLst>
-    <p:notesMasterId r:id="rId26"/>
+    <p:notesMasterId r:id="rId28"/>
   </p:notesMasterIdLst>
   <p:handoutMasterIdLst>
-    <p:handoutMasterId r:id="rId27"/>
+    <p:handoutMasterId r:id="rId29"/>
   </p:handoutMasterIdLst>
   <p:sldIdLst>
     <p:sldId id="256" r:id="rId2"/>
@@ -22,8 +22,8 @@
     <p:sldId id="342" r:id="rId10"/>
     <p:sldId id="343" r:id="rId11"/>
     <p:sldId id="344" r:id="rId12"/>
-    <p:sldId id="345" r:id="rId13"/>
-    <p:sldId id="346" r:id="rId14"/>
+    <p:sldId id="346" r:id="rId13"/>
+    <p:sldId id="345" r:id="rId14"/>
     <p:sldId id="347" r:id="rId15"/>
     <p:sldId id="348" r:id="rId16"/>
     <p:sldId id="334" r:id="rId17"/>
@@ -31,39 +31,41 @@
     <p:sldId id="351" r:id="rId19"/>
     <p:sldId id="352" r:id="rId20"/>
     <p:sldId id="353" r:id="rId21"/>
-    <p:sldId id="354" r:id="rId22"/>
-    <p:sldId id="335" r:id="rId23"/>
-    <p:sldId id="340" r:id="rId24"/>
-    <p:sldId id="280" r:id="rId25"/>
+    <p:sldId id="355" r:id="rId22"/>
+    <p:sldId id="356" r:id="rId23"/>
+    <p:sldId id="354" r:id="rId24"/>
+    <p:sldId id="335" r:id="rId25"/>
+    <p:sldId id="340" r:id="rId26"/>
+    <p:sldId id="280" r:id="rId27"/>
   </p:sldIdLst>
   <p:sldSz cx="9144000" cy="5143500" type="screen16x9"/>
   <p:notesSz cx="6858000" cy="9144000"/>
   <p:embeddedFontLst>
     <p:embeddedFont>
       <p:font typeface="Consolas" panose="020B0609020204030204" pitchFamily="49" charset="0"/>
-      <p:regular r:id="rId28"/>
-      <p:bold r:id="rId29"/>
-      <p:italic r:id="rId30"/>
-      <p:boldItalic r:id="rId31"/>
+      <p:regular r:id="rId30"/>
+      <p:bold r:id="rId31"/>
+      <p:italic r:id="rId32"/>
+      <p:boldItalic r:id="rId33"/>
     </p:embeddedFont>
     <p:embeddedFont>
       <p:font typeface="Roboto Slab" panose="020B0604020202020204" charset="0"/>
-      <p:regular r:id="rId32"/>
-      <p:bold r:id="rId33"/>
+      <p:regular r:id="rId34"/>
+      <p:bold r:id="rId35"/>
     </p:embeddedFont>
     <p:embeddedFont>
       <p:font typeface="Source Sans Pro" panose="020B0503030403020204" pitchFamily="34" charset="0"/>
-      <p:regular r:id="rId34"/>
-      <p:bold r:id="rId35"/>
-      <p:italic r:id="rId36"/>
-      <p:boldItalic r:id="rId37"/>
+      <p:regular r:id="rId36"/>
+      <p:bold r:id="rId37"/>
+      <p:italic r:id="rId38"/>
+      <p:boldItalic r:id="rId39"/>
     </p:embeddedFont>
     <p:embeddedFont>
       <p:font typeface="Trebuchet MS" panose="020B0603020202020204" pitchFamily="34" charset="0"/>
-      <p:regular r:id="rId38"/>
-      <p:bold r:id="rId39"/>
-      <p:italic r:id="rId40"/>
-      <p:boldItalic r:id="rId41"/>
+      <p:regular r:id="rId40"/>
+      <p:bold r:id="rId41"/>
+      <p:italic r:id="rId42"/>
+      <p:boldItalic r:id="rId43"/>
     </p:embeddedFont>
   </p:embeddedFontLst>
   <p:defaultTextStyle>
@@ -6753,7 +6755,7 @@
           <a:p>
             <a:fld id="{7CEEE0ED-A0F5-4442-9C94-5288E26FF1D3}" type="datetimeFigureOut">
               <a:rPr lang="fa-IR" smtClean="0"/>
-              <a:t>19/09/1444</a:t>
+              <a:t>21/09/1444</a:t>
             </a:fld>
             <a:endParaRPr lang="fa-IR"/>
           </a:p>
@@ -7398,6 +7400,115 @@
   <p:cSld>
     <p:spTree>
       <p:nvGrpSpPr>
+        <p:cNvPr id="1" name="Shape 93"/>
+        <p:cNvGrpSpPr/>
+        <p:nvPr/>
+      </p:nvGrpSpPr>
+      <p:grpSpPr>
+        <a:xfrm>
+          <a:off x="0" y="0"/>
+          <a:ext cx="0" cy="0"/>
+          <a:chOff x="0" y="0"/>
+          <a:chExt cx="0" cy="0"/>
+        </a:xfrm>
+      </p:grpSpPr>
+      <p:sp>
+        <p:nvSpPr>
+          <p:cNvPr id="94" name="Google Shape;94;g35f391192_029:notes"/>
+          <p:cNvSpPr>
+            <a:spLocks noGrp="1" noRot="1" noChangeAspect="1"/>
+          </p:cNvSpPr>
+          <p:nvPr>
+            <p:ph type="sldImg" idx="2"/>
+          </p:nvPr>
+        </p:nvSpPr>
+        <p:spPr>
+          <a:xfrm>
+            <a:off x="381000" y="685800"/>
+            <a:ext cx="6096000" cy="3429000"/>
+          </a:xfrm>
+          <a:custGeom>
+            <a:avLst/>
+            <a:gdLst/>
+            <a:ahLst/>
+            <a:cxnLst/>
+            <a:rect l="l" t="t" r="r" b="b"/>
+            <a:pathLst>
+              <a:path w="120000" h="120000" extrusionOk="0">
+                <a:moveTo>
+                  <a:pt x="0" y="0"/>
+                </a:moveTo>
+                <a:lnTo>
+                  <a:pt x="120000" y="0"/>
+                </a:lnTo>
+                <a:lnTo>
+                  <a:pt x="120000" y="120000"/>
+                </a:lnTo>
+                <a:lnTo>
+                  <a:pt x="0" y="120000"/>
+                </a:lnTo>
+                <a:close/>
+              </a:path>
+            </a:pathLst>
+          </a:custGeom>
+        </p:spPr>
+      </p:sp>
+      <p:sp>
+        <p:nvSpPr>
+          <p:cNvPr id="95" name="Google Shape;95;g35f391192_029:notes"/>
+          <p:cNvSpPr txBox="1">
+            <a:spLocks noGrp="1"/>
+          </p:cNvSpPr>
+          <p:nvPr>
+            <p:ph type="body" idx="1"/>
+          </p:nvPr>
+        </p:nvSpPr>
+        <p:spPr>
+          <a:xfrm>
+            <a:off x="685800" y="4343400"/>
+            <a:ext cx="5486400" cy="4114800"/>
+          </a:xfrm>
+          <a:prstGeom prst="rect">
+            <a:avLst/>
+          </a:prstGeom>
+        </p:spPr>
+        <p:txBody>
+          <a:bodyPr spcFirstLastPara="1" wrap="square" lIns="91425" tIns="91425" rIns="91425" bIns="91425" anchor="t" anchorCtr="0">
+            <a:noAutofit/>
+          </a:bodyPr>
+          <a:lstStyle/>
+          <a:p>
+            <a:pPr marL="0" lvl="0" indent="0" algn="l" rtl="0">
+              <a:spcBef>
+                <a:spcPts val="0"/>
+              </a:spcBef>
+              <a:spcAft>
+                <a:spcPts val="0"/>
+              </a:spcAft>
+              <a:buNone/>
+            </a:pPr>
+            <a:endParaRPr/>
+          </a:p>
+        </p:txBody>
+      </p:sp>
+    </p:spTree>
+    <p:extLst>
+      <p:ext uri="{BB962C8B-B14F-4D97-AF65-F5344CB8AC3E}">
+        <p14:creationId xmlns:p14="http://schemas.microsoft.com/office/powerpoint/2010/main" val="1150731996"/>
+      </p:ext>
+    </p:extLst>
+  </p:cSld>
+  <p:clrMapOvr>
+    <a:masterClrMapping/>
+  </p:clrMapOvr>
+</p:notes>
+</file>
+
+<file path=ppt/notesSlides/notesSlide11.xml><?xml version="1.0" encoding="utf-8"?>
+<p:notes xmlns:a="http://schemas.openxmlformats.org/drawingml/2006/main" xmlns:r="http://schemas.openxmlformats.org/officeDocument/2006/relationships" xmlns:p="http://schemas.openxmlformats.org/presentationml/2006/main" showMasterSp="0" showMasterPhAnim="0">
+  <p:cSld>
+    <p:spTree>
+      <p:nvGrpSpPr>
         <p:cNvPr id="1" name="Shape 399"/>
         <p:cNvGrpSpPr/>
         <p:nvPr/>
@@ -8012,7 +8123,7 @@
     </p:spTree>
     <p:extLst>
       <p:ext uri="{BB962C8B-B14F-4D97-AF65-F5344CB8AC3E}">
-        <p14:creationId xmlns:p14="http://schemas.microsoft.com/office/powerpoint/2010/main" val="641327374"/>
+        <p14:creationId xmlns:p14="http://schemas.microsoft.com/office/powerpoint/2010/main" val="4162882744"/>
       </p:ext>
     </p:extLst>
   </p:cSld>
@@ -8023,11 +8134,11 @@
 </file>
 
 <file path=ppt/notesSlides/notesSlide8.xml><?xml version="1.0" encoding="utf-8"?>
-<p:notes xmlns:a="http://schemas.openxmlformats.org/drawingml/2006/main" xmlns:r="http://schemas.openxmlformats.org/officeDocument/2006/relationships" xmlns:p="http://schemas.openxmlformats.org/presentationml/2006/main" showMasterSp="0" showMasterPhAnim="0">
+<p:notes xmlns:a="http://schemas.openxmlformats.org/drawingml/2006/main" xmlns:r="http://schemas.openxmlformats.org/officeDocument/2006/relationships" xmlns:p="http://schemas.openxmlformats.org/presentationml/2006/main">
   <p:cSld>
     <p:spTree>
       <p:nvGrpSpPr>
-        <p:cNvPr id="1" name="Shape 93"/>
+        <p:cNvPr id="1" name=""/>
         <p:cNvGrpSpPr/>
         <p:nvPr/>
       </p:nvGrpSpPr>
@@ -8041,12 +8152,12 @@
       </p:grpSpPr>
       <p:sp>
         <p:nvSpPr>
-          <p:cNvPr id="94" name="Google Shape;94;g35f391192_029:notes"/>
+          <p:cNvPr id="2" name="Slide Image Placeholder 1"/>
           <p:cNvSpPr>
             <a:spLocks noGrp="1" noRot="1" noChangeAspect="1"/>
           </p:cNvSpPr>
           <p:nvPr>
-            <p:ph type="sldImg" idx="2"/>
+            <p:ph type="sldImg"/>
           </p:nvPr>
         </p:nvSpPr>
         <p:spPr>
@@ -8054,74 +8165,31 @@
             <a:off x="381000" y="685800"/>
             <a:ext cx="6096000" cy="3429000"/>
           </a:xfrm>
-          <a:custGeom>
-            <a:avLst/>
-            <a:gdLst/>
-            <a:ahLst/>
-            <a:cxnLst/>
-            <a:rect l="l" t="t" r="r" b="b"/>
-            <a:pathLst>
-              <a:path w="120000" h="120000" extrusionOk="0">
-                <a:moveTo>
-                  <a:pt x="0" y="0"/>
-                </a:moveTo>
-                <a:lnTo>
-                  <a:pt x="120000" y="0"/>
-                </a:lnTo>
-                <a:lnTo>
-                  <a:pt x="120000" y="120000"/>
-                </a:lnTo>
-                <a:lnTo>
-                  <a:pt x="0" y="120000"/>
-                </a:lnTo>
-                <a:close/>
-              </a:path>
-            </a:pathLst>
-          </a:custGeom>
         </p:spPr>
       </p:sp>
       <p:sp>
         <p:nvSpPr>
-          <p:cNvPr id="95" name="Google Shape;95;g35f391192_029:notes"/>
-          <p:cNvSpPr txBox="1">
+          <p:cNvPr id="3" name="Notes Placeholder 2"/>
+          <p:cNvSpPr>
             <a:spLocks noGrp="1"/>
           </p:cNvSpPr>
           <p:nvPr>
             <p:ph type="body" idx="1"/>
           </p:nvPr>
         </p:nvSpPr>
-        <p:spPr>
-          <a:xfrm>
-            <a:off x="685800" y="4343400"/>
-            <a:ext cx="5486400" cy="4114800"/>
-          </a:xfrm>
-          <a:prstGeom prst="rect">
-            <a:avLst/>
-          </a:prstGeom>
-        </p:spPr>
+        <p:spPr/>
         <p:txBody>
-          <a:bodyPr spcFirstLastPara="1" wrap="square" lIns="91425" tIns="91425" rIns="91425" bIns="91425" anchor="t" anchorCtr="0">
-            <a:noAutofit/>
-          </a:bodyPr>
+          <a:bodyPr/>
           <a:lstStyle/>
           <a:p>
-            <a:pPr marL="0" lvl="0" indent="0" algn="l" rtl="0">
-              <a:spcBef>
-                <a:spcPts val="0"/>
-              </a:spcBef>
-              <a:spcAft>
-                <a:spcPts val="0"/>
-              </a:spcAft>
-              <a:buNone/>
-            </a:pPr>
-            <a:endParaRPr/>
+            <a:endParaRPr lang="en-US"/>
           </a:p>
         </p:txBody>
       </p:sp>
     </p:spTree>
     <p:extLst>
       <p:ext uri="{BB962C8B-B14F-4D97-AF65-F5344CB8AC3E}">
-        <p14:creationId xmlns:p14="http://schemas.microsoft.com/office/powerpoint/2010/main" val="3390362646"/>
+        <p14:creationId xmlns:p14="http://schemas.microsoft.com/office/powerpoint/2010/main" val="641327374"/>
       </p:ext>
     </p:extLst>
   </p:cSld>
@@ -8230,7 +8298,7 @@
     </p:spTree>
     <p:extLst>
       <p:ext uri="{BB962C8B-B14F-4D97-AF65-F5344CB8AC3E}">
-        <p14:creationId xmlns:p14="http://schemas.microsoft.com/office/powerpoint/2010/main" val="1150731996"/>
+        <p14:creationId xmlns:p14="http://schemas.microsoft.com/office/powerpoint/2010/main" val="3390362646"/>
       </p:ext>
     </p:extLst>
   </p:cSld>
@@ -12186,7 +12254,7 @@
           <a:p>
             <a:r>
               <a:rPr lang="en-US" sz="2400"/>
-              <a:t>Search and Filter</a:t>
+              <a:t>Sort</a:t>
             </a:r>
             <a:endParaRPr lang="fa-IR"/>
           </a:p>
@@ -12223,7 +12291,7 @@
             </a:pPr>
             <a:r>
               <a:rPr lang="en-US" sz="1400"/>
-              <a:t>Searching arrays</a:t>
+              <a:t>Sorting arrays</a:t>
             </a:r>
           </a:p>
           <a:p>
@@ -12254,13 +12322,13 @@
                 </a:solidFill>
                 <a:latin typeface="Consolas" panose="020B0609020204030204" pitchFamily="49" charset="0"/>
               </a:rPr>
-              <a:t>where(</a:t>
-            </a:r>
-            <a:r>
-              <a:rPr lang="en-US" sz="1100">
-                <a:latin typeface="Consolas" panose="020B0609020204030204" pitchFamily="49" charset="0"/>
-              </a:rPr>
-              <a:t>arr == 4</a:t>
+              <a:t>sort(</a:t>
+            </a:r>
+            <a:r>
+              <a:rPr lang="en-US" sz="1100">
+                <a:latin typeface="Consolas" panose="020B0609020204030204" pitchFamily="49" charset="0"/>
+              </a:rPr>
+              <a:t>arr</a:t>
             </a:r>
             <a:r>
               <a:rPr lang="en-US" sz="1100">
@@ -12282,17 +12350,6 @@
             <a:pPr marL="76200" indent="0">
               <a:buNone/>
             </a:pPr>
-            <a:r>
-              <a:rPr lang="en-US" sz="1100">
-                <a:latin typeface="Consolas" panose="020B0609020204030204" pitchFamily="49" charset="0"/>
-              </a:rPr>
-              <a:t>print(np.where(arr % 2 == 0))</a:t>
-            </a:r>
-          </a:p>
-          <a:p>
-            <a:pPr marL="76200" indent="0">
-              <a:buNone/>
-            </a:pPr>
             <a:endParaRPr lang="en-US" sz="1100">
               <a:latin typeface="Consolas" panose="020B0609020204030204" pitchFamily="49" charset="0"/>
             </a:endParaRPr>
@@ -12303,7 +12360,7 @@
             </a:pPr>
             <a:r>
               <a:rPr lang="en-US" sz="1400"/>
-              <a:t>Filtering arrays</a:t>
+              <a:t>Search Sorted</a:t>
             </a:r>
           </a:p>
           <a:p>
@@ -12325,7 +12382,7 @@
               <a:rPr lang="en-US" sz="1100">
                 <a:latin typeface="Consolas" panose="020B0609020204030204" pitchFamily="49" charset="0"/>
               </a:rPr>
-              <a:t>print(arr</a:t>
+              <a:t>print(np.</a:t>
             </a:r>
             <a:r>
               <a:rPr lang="en-US" sz="1100">
@@ -12334,13 +12391,13 @@
                 </a:solidFill>
                 <a:latin typeface="Consolas" panose="020B0609020204030204" pitchFamily="49" charset="0"/>
               </a:rPr>
-              <a:t>[</a:t>
-            </a:r>
-            <a:r>
-              <a:rPr lang="en-US" sz="1100">
-                <a:latin typeface="Consolas" panose="020B0609020204030204" pitchFamily="49" charset="0"/>
-              </a:rPr>
-              <a:t>arr % 2 == 0</a:t>
+              <a:t>searchsorted(</a:t>
+            </a:r>
+            <a:r>
+              <a:rPr lang="en-US" sz="1100">
+                <a:latin typeface="Consolas" panose="020B0609020204030204" pitchFamily="49" charset="0"/>
+              </a:rPr>
+              <a:t>arr, 3</a:t>
             </a:r>
             <a:r>
               <a:rPr lang="en-US" sz="1100">
@@ -12349,13 +12406,24 @@
                 </a:solidFill>
                 <a:latin typeface="Consolas" panose="020B0609020204030204" pitchFamily="49" charset="0"/>
               </a:rPr>
-              <a:t>]</a:t>
-            </a:r>
-            <a:r>
-              <a:rPr lang="en-US" sz="1100">
-                <a:latin typeface="Consolas" panose="020B0609020204030204" pitchFamily="49" charset="0"/>
-              </a:rPr>
               <a:t>)</a:t>
+            </a:r>
+            <a:r>
+              <a:rPr lang="en-US" sz="1100">
+                <a:latin typeface="Consolas" panose="020B0609020204030204" pitchFamily="49" charset="0"/>
+              </a:rPr>
+              <a:t>)</a:t>
+            </a:r>
+          </a:p>
+          <a:p>
+            <a:pPr marL="76200" indent="0">
+              <a:buNone/>
+            </a:pPr>
+            <a:r>
+              <a:rPr lang="en-US" sz="1100">
+                <a:latin typeface="Consolas" panose="020B0609020204030204" pitchFamily="49" charset="0"/>
+              </a:rPr>
+              <a:t>print(np.searchsorted(arr, 5))</a:t>
             </a:r>
           </a:p>
         </p:txBody>
@@ -12401,7 +12469,7 @@
     </p:spTree>
     <p:extLst>
       <p:ext uri="{BB962C8B-B14F-4D97-AF65-F5344CB8AC3E}">
-        <p14:creationId xmlns:p14="http://schemas.microsoft.com/office/powerpoint/2010/main" val="1557836894"/>
+        <p14:creationId xmlns:p14="http://schemas.microsoft.com/office/powerpoint/2010/main" val="133725986"/>
       </p:ext>
     </p:extLst>
   </p:cSld>
@@ -12451,7 +12519,7 @@
           <a:p>
             <a:r>
               <a:rPr lang="en-US" sz="2400"/>
-              <a:t>Sort</a:t>
+              <a:t>Search and Filter</a:t>
             </a:r>
             <a:endParaRPr lang="fa-IR"/>
           </a:p>
@@ -12488,7 +12556,7 @@
             </a:pPr>
             <a:r>
               <a:rPr lang="en-US" sz="1400"/>
-              <a:t>Sorting arrays</a:t>
+              <a:t>Searching arrays</a:t>
             </a:r>
           </a:p>
           <a:p>
@@ -12519,13 +12587,13 @@
                 </a:solidFill>
                 <a:latin typeface="Consolas" panose="020B0609020204030204" pitchFamily="49" charset="0"/>
               </a:rPr>
-              <a:t>sort(</a:t>
-            </a:r>
-            <a:r>
-              <a:rPr lang="en-US" sz="1100">
-                <a:latin typeface="Consolas" panose="020B0609020204030204" pitchFamily="49" charset="0"/>
-              </a:rPr>
-              <a:t>arr</a:t>
+              <a:t>where(</a:t>
+            </a:r>
+            <a:r>
+              <a:rPr lang="en-US" sz="1100">
+                <a:latin typeface="Consolas" panose="020B0609020204030204" pitchFamily="49" charset="0"/>
+              </a:rPr>
+              <a:t>arr == 4</a:t>
             </a:r>
             <a:r>
               <a:rPr lang="en-US" sz="1100">
@@ -12547,6 +12615,17 @@
             <a:pPr marL="76200" indent="0">
               <a:buNone/>
             </a:pPr>
+            <a:r>
+              <a:rPr lang="en-US" sz="1100">
+                <a:latin typeface="Consolas" panose="020B0609020204030204" pitchFamily="49" charset="0"/>
+              </a:rPr>
+              <a:t>print(np.where(arr % 2 == 0))</a:t>
+            </a:r>
+          </a:p>
+          <a:p>
+            <a:pPr marL="76200" indent="0">
+              <a:buNone/>
+            </a:pPr>
             <a:endParaRPr lang="en-US" sz="1100">
               <a:latin typeface="Consolas" panose="020B0609020204030204" pitchFamily="49" charset="0"/>
             </a:endParaRPr>
@@ -12557,7 +12636,7 @@
             </a:pPr>
             <a:r>
               <a:rPr lang="en-US" sz="1400"/>
-              <a:t>Search Sorted</a:t>
+              <a:t>Filtering arrays</a:t>
             </a:r>
           </a:p>
           <a:p>
@@ -12579,7 +12658,7 @@
               <a:rPr lang="en-US" sz="1100">
                 <a:latin typeface="Consolas" panose="020B0609020204030204" pitchFamily="49" charset="0"/>
               </a:rPr>
-              <a:t>print(np.</a:t>
+              <a:t>print(arr</a:t>
             </a:r>
             <a:r>
               <a:rPr lang="en-US" sz="1100">
@@ -12588,13 +12667,13 @@
                 </a:solidFill>
                 <a:latin typeface="Consolas" panose="020B0609020204030204" pitchFamily="49" charset="0"/>
               </a:rPr>
-              <a:t>searchsorted(</a:t>
-            </a:r>
-            <a:r>
-              <a:rPr lang="en-US" sz="1100">
-                <a:latin typeface="Consolas" panose="020B0609020204030204" pitchFamily="49" charset="0"/>
-              </a:rPr>
-              <a:t>arr, 3</a:t>
+              <a:t>[</a:t>
+            </a:r>
+            <a:r>
+              <a:rPr lang="en-US" sz="1100">
+                <a:latin typeface="Consolas" panose="020B0609020204030204" pitchFamily="49" charset="0"/>
+              </a:rPr>
+              <a:t>arr % 2 == 0</a:t>
             </a:r>
             <a:r>
               <a:rPr lang="en-US" sz="1100">
@@ -12603,24 +12682,13 @@
                 </a:solidFill>
                 <a:latin typeface="Consolas" panose="020B0609020204030204" pitchFamily="49" charset="0"/>
               </a:rPr>
+              <a:t>]</a:t>
+            </a:r>
+            <a:r>
+              <a:rPr lang="en-US" sz="1100">
+                <a:latin typeface="Consolas" panose="020B0609020204030204" pitchFamily="49" charset="0"/>
+              </a:rPr>
               <a:t>)</a:t>
-            </a:r>
-            <a:r>
-              <a:rPr lang="en-US" sz="1100">
-                <a:latin typeface="Consolas" panose="020B0609020204030204" pitchFamily="49" charset="0"/>
-              </a:rPr>
-              <a:t>)</a:t>
-            </a:r>
-          </a:p>
-          <a:p>
-            <a:pPr marL="76200" indent="0">
-              <a:buNone/>
-            </a:pPr>
-            <a:r>
-              <a:rPr lang="en-US" sz="1100">
-                <a:latin typeface="Consolas" panose="020B0609020204030204" pitchFamily="49" charset="0"/>
-              </a:rPr>
-              <a:t>print(np.searchsorted(arr, 5))</a:t>
             </a:r>
           </a:p>
         </p:txBody>
@@ -12666,7 +12734,7 @@
     </p:spTree>
     <p:extLst>
       <p:ext uri="{BB962C8B-B14F-4D97-AF65-F5344CB8AC3E}">
-        <p14:creationId xmlns:p14="http://schemas.microsoft.com/office/powerpoint/2010/main" val="133725986"/>
+        <p14:creationId xmlns:p14="http://schemas.microsoft.com/office/powerpoint/2010/main" val="1557836894"/>
       </p:ext>
     </p:extLst>
   </p:cSld>
@@ -14275,7 +14343,7 @@
               <a:rPr lang="en-US" sz="1100">
                 <a:latin typeface="Consolas" panose="020B0609020204030204" pitchFamily="49" charset="0"/>
               </a:rPr>
-              <a:t> 1</a:t>
+              <a:t> 2</a:t>
             </a:r>
             <a:r>
               <a:rPr lang="en-US" sz="1100">
@@ -14621,7 +14689,7 @@
             </a:pPr>
             <a:r>
               <a:rPr lang="en-US"/>
-              <a:t>Read and view</a:t>
+              <a:t>Read files</a:t>
             </a:r>
           </a:p>
           <a:p>
@@ -14727,101 +14795,6 @@
             </a:r>
           </a:p>
           <a:p>
-            <a:pPr marL="76200" indent="0" algn="just">
-              <a:buNone/>
-            </a:pPr>
-            <a:r>
-              <a:rPr lang="en-US" sz="1100">
-                <a:latin typeface="Consolas" panose="020B0609020204030204" pitchFamily="49" charset="0"/>
-              </a:rPr>
-              <a:t>print(df</a:t>
-            </a:r>
-            <a:r>
-              <a:rPr lang="en-US" sz="1100">
-                <a:solidFill>
-                  <a:schemeClr val="accent1"/>
-                </a:solidFill>
-                <a:latin typeface="Consolas" panose="020B0609020204030204" pitchFamily="49" charset="0"/>
-              </a:rPr>
-              <a:t>.head()</a:t>
-            </a:r>
-            <a:r>
-              <a:rPr lang="en-US" sz="1100">
-                <a:latin typeface="Consolas" panose="020B0609020204030204" pitchFamily="49" charset="0"/>
-              </a:rPr>
-              <a:t>)</a:t>
-            </a:r>
-          </a:p>
-          <a:p>
-            <a:r>
-              <a:rPr lang="en-US" sz="1100">
-                <a:latin typeface="Consolas" panose="020B0609020204030204" pitchFamily="49" charset="0"/>
-              </a:rPr>
-              <a:t>print(df</a:t>
-            </a:r>
-            <a:r>
-              <a:rPr lang="en-US" sz="1100">
-                <a:solidFill>
-                  <a:schemeClr val="accent1"/>
-                </a:solidFill>
-                <a:latin typeface="Consolas" panose="020B0609020204030204" pitchFamily="49" charset="0"/>
-              </a:rPr>
-              <a:t>.tail()</a:t>
-            </a:r>
-            <a:r>
-              <a:rPr lang="en-US" sz="1100">
-                <a:latin typeface="Consolas" panose="020B0609020204030204" pitchFamily="49" charset="0"/>
-              </a:rPr>
-              <a:t>)</a:t>
-            </a:r>
-          </a:p>
-          <a:p>
-            <a:r>
-              <a:rPr lang="en-US" sz="1100">
-                <a:latin typeface="Consolas" panose="020B0609020204030204" pitchFamily="49" charset="0"/>
-              </a:rPr>
-              <a:t>print(df</a:t>
-            </a:r>
-            <a:r>
-              <a:rPr lang="en-US" sz="1100">
-                <a:solidFill>
-                  <a:schemeClr val="accent1"/>
-                </a:solidFill>
-                <a:latin typeface="Consolas" panose="020B0609020204030204" pitchFamily="49" charset="0"/>
-              </a:rPr>
-              <a:t>.info()</a:t>
-            </a:r>
-            <a:r>
-              <a:rPr lang="en-US" sz="1100">
-                <a:latin typeface="Consolas" panose="020B0609020204030204" pitchFamily="49" charset="0"/>
-              </a:rPr>
-              <a:t>)</a:t>
-            </a:r>
-          </a:p>
-          <a:p>
-            <a:r>
-              <a:rPr lang="en-US" sz="1100">
-                <a:latin typeface="Consolas" panose="020B0609020204030204" pitchFamily="49" charset="0"/>
-              </a:rPr>
-              <a:t>print(df</a:t>
-            </a:r>
-            <a:r>
-              <a:rPr lang="en-US" sz="1100">
-                <a:solidFill>
-                  <a:schemeClr val="accent1"/>
-                </a:solidFill>
-                <a:latin typeface="Consolas" panose="020B0609020204030204" pitchFamily="49" charset="0"/>
-              </a:rPr>
-              <a:t>.describe()</a:t>
-            </a:r>
-            <a:r>
-              <a:rPr lang="en-US" sz="1100">
-                <a:latin typeface="Consolas" panose="020B0609020204030204" pitchFamily="49" charset="0"/>
-              </a:rPr>
-              <a:t>)</a:t>
-            </a:r>
-          </a:p>
-          <a:p>
             <a:endParaRPr lang="en-US" sz="1100">
               <a:latin typeface="Consolas" panose="020B0609020204030204" pitchFamily="49" charset="0"/>
             </a:endParaRPr>
@@ -14829,7 +14802,7 @@
           <a:p>
             <a:r>
               <a:rPr lang="en-US"/>
-              <a:t>Write to file</a:t>
+              <a:t>Write files</a:t>
             </a:r>
             <a:endParaRPr lang="en-US">
               <a:latin typeface="Consolas" panose="020B0609020204030204" pitchFamily="49" charset="0"/>
@@ -15035,6 +15008,563 @@
           <a:p>
             <a:r>
               <a:rPr lang="en-US"/>
+              <a:t>Analyze</a:t>
+            </a:r>
+            <a:endParaRPr lang="fa-IR"/>
+          </a:p>
+        </p:txBody>
+      </p:sp>
+      <p:sp>
+        <p:nvSpPr>
+          <p:cNvPr id="3" name="Text Placeholder 2">
+            <a:extLst>
+              <a:ext uri="{FF2B5EF4-FFF2-40B4-BE49-F238E27FC236}">
+                <a16:creationId xmlns:a16="http://schemas.microsoft.com/office/drawing/2014/main" id="{58BE3078-8B89-4550-B497-93E4DADBD57E}"/>
+              </a:ext>
+            </a:extLst>
+          </p:cNvPr>
+          <p:cNvSpPr>
+            <a:spLocks noGrp="1"/>
+          </p:cNvSpPr>
+          <p:nvPr>
+            <p:ph type="body" idx="1"/>
+          </p:nvPr>
+        </p:nvSpPr>
+        <p:spPr>
+          <a:xfrm>
+            <a:off x="786150" y="1142608"/>
+            <a:ext cx="7571700" cy="3626431"/>
+          </a:xfrm>
+        </p:spPr>
+        <p:txBody>
+          <a:bodyPr/>
+          <a:lstStyle/>
+          <a:p>
+            <a:pPr marL="76200" indent="0" algn="just">
+              <a:buNone/>
+            </a:pPr>
+            <a:r>
+              <a:rPr lang="en-US"/>
+              <a:t>View</a:t>
+            </a:r>
+          </a:p>
+          <a:p>
+            <a:r>
+              <a:rPr lang="en-US" sz="1100">
+                <a:latin typeface="Consolas" panose="020B0609020204030204" pitchFamily="49" charset="0"/>
+              </a:rPr>
+              <a:t>df = pd.DataFrame({'calories': [420, 380, 390], 'duration': [50, 40, 45]})</a:t>
+            </a:r>
+          </a:p>
+          <a:p>
+            <a:pPr marL="76200" indent="0" algn="just">
+              <a:buNone/>
+            </a:pPr>
+            <a:r>
+              <a:rPr lang="en-US" sz="1100">
+                <a:latin typeface="Consolas" panose="020B0609020204030204" pitchFamily="49" charset="0"/>
+              </a:rPr>
+              <a:t>print(df</a:t>
+            </a:r>
+            <a:r>
+              <a:rPr lang="en-US" sz="1100">
+                <a:solidFill>
+                  <a:schemeClr val="accent1"/>
+                </a:solidFill>
+                <a:latin typeface="Consolas" panose="020B0609020204030204" pitchFamily="49" charset="0"/>
+              </a:rPr>
+              <a:t>.head()</a:t>
+            </a:r>
+            <a:r>
+              <a:rPr lang="en-US" sz="1100">
+                <a:latin typeface="Consolas" panose="020B0609020204030204" pitchFamily="49" charset="0"/>
+              </a:rPr>
+              <a:t>)</a:t>
+            </a:r>
+          </a:p>
+          <a:p>
+            <a:r>
+              <a:rPr lang="en-US" sz="1100">
+                <a:latin typeface="Consolas" panose="020B0609020204030204" pitchFamily="49" charset="0"/>
+              </a:rPr>
+              <a:t>print(df</a:t>
+            </a:r>
+            <a:r>
+              <a:rPr lang="en-US" sz="1100">
+                <a:solidFill>
+                  <a:schemeClr val="accent1"/>
+                </a:solidFill>
+                <a:latin typeface="Consolas" panose="020B0609020204030204" pitchFamily="49" charset="0"/>
+              </a:rPr>
+              <a:t>.tail()</a:t>
+            </a:r>
+            <a:r>
+              <a:rPr lang="en-US" sz="1100">
+                <a:latin typeface="Consolas" panose="020B0609020204030204" pitchFamily="49" charset="0"/>
+              </a:rPr>
+              <a:t>)</a:t>
+            </a:r>
+          </a:p>
+          <a:p>
+            <a:r>
+              <a:rPr lang="en-US" sz="1100">
+                <a:latin typeface="Consolas" panose="020B0609020204030204" pitchFamily="49" charset="0"/>
+              </a:rPr>
+              <a:t>print(df</a:t>
+            </a:r>
+            <a:r>
+              <a:rPr lang="en-US" sz="1100">
+                <a:solidFill>
+                  <a:schemeClr val="accent1"/>
+                </a:solidFill>
+                <a:latin typeface="Consolas" panose="020B0609020204030204" pitchFamily="49" charset="0"/>
+              </a:rPr>
+              <a:t>.index</a:t>
+            </a:r>
+            <a:r>
+              <a:rPr lang="en-US" sz="1100">
+                <a:latin typeface="Consolas" panose="020B0609020204030204" pitchFamily="49" charset="0"/>
+              </a:rPr>
+              <a:t>)</a:t>
+            </a:r>
+          </a:p>
+          <a:p>
+            <a:r>
+              <a:rPr lang="en-US" sz="1100">
+                <a:latin typeface="Consolas" panose="020B0609020204030204" pitchFamily="49" charset="0"/>
+              </a:rPr>
+              <a:t>print(df</a:t>
+            </a:r>
+            <a:r>
+              <a:rPr lang="en-US" sz="1100">
+                <a:solidFill>
+                  <a:schemeClr val="accent1"/>
+                </a:solidFill>
+                <a:latin typeface="Consolas" panose="020B0609020204030204" pitchFamily="49" charset="0"/>
+              </a:rPr>
+              <a:t>.columns</a:t>
+            </a:r>
+            <a:r>
+              <a:rPr lang="en-US" sz="1100">
+                <a:latin typeface="Consolas" panose="020B0609020204030204" pitchFamily="49" charset="0"/>
+              </a:rPr>
+              <a:t>)</a:t>
+            </a:r>
+          </a:p>
+          <a:p>
+            <a:endParaRPr lang="en-US" sz="1100">
+              <a:latin typeface="Consolas" panose="020B0609020204030204" pitchFamily="49" charset="0"/>
+            </a:endParaRPr>
+          </a:p>
+          <a:p>
+            <a:r>
+              <a:rPr lang="en-US"/>
+              <a:t>Information</a:t>
+            </a:r>
+            <a:endParaRPr lang="en-US" sz="1100">
+              <a:latin typeface="Consolas" panose="020B0609020204030204" pitchFamily="49" charset="0"/>
+            </a:endParaRPr>
+          </a:p>
+          <a:p>
+            <a:r>
+              <a:rPr lang="en-US" sz="1100">
+                <a:latin typeface="Consolas" panose="020B0609020204030204" pitchFamily="49" charset="0"/>
+              </a:rPr>
+              <a:t>print(df</a:t>
+            </a:r>
+            <a:r>
+              <a:rPr lang="en-US" sz="1100">
+                <a:solidFill>
+                  <a:schemeClr val="accent1"/>
+                </a:solidFill>
+                <a:latin typeface="Consolas" panose="020B0609020204030204" pitchFamily="49" charset="0"/>
+              </a:rPr>
+              <a:t>.info()</a:t>
+            </a:r>
+            <a:r>
+              <a:rPr lang="en-US" sz="1100">
+                <a:latin typeface="Consolas" panose="020B0609020204030204" pitchFamily="49" charset="0"/>
+              </a:rPr>
+              <a:t>)</a:t>
+            </a:r>
+          </a:p>
+          <a:p>
+            <a:r>
+              <a:rPr lang="en-US" sz="1100">
+                <a:latin typeface="Consolas" panose="020B0609020204030204" pitchFamily="49" charset="0"/>
+              </a:rPr>
+              <a:t>print(df</a:t>
+            </a:r>
+            <a:r>
+              <a:rPr lang="en-US" sz="1100">
+                <a:solidFill>
+                  <a:schemeClr val="accent1"/>
+                </a:solidFill>
+                <a:latin typeface="Consolas" panose="020B0609020204030204" pitchFamily="49" charset="0"/>
+              </a:rPr>
+              <a:t>.describe()</a:t>
+            </a:r>
+            <a:r>
+              <a:rPr lang="en-US" sz="1100">
+                <a:latin typeface="Consolas" panose="020B0609020204030204" pitchFamily="49" charset="0"/>
+              </a:rPr>
+              <a:t>)</a:t>
+            </a:r>
+          </a:p>
+        </p:txBody>
+      </p:sp>
+      <p:sp>
+        <p:nvSpPr>
+          <p:cNvPr id="4" name="Slide Number Placeholder 3">
+            <a:extLst>
+              <a:ext uri="{FF2B5EF4-FFF2-40B4-BE49-F238E27FC236}">
+                <a16:creationId xmlns:a16="http://schemas.microsoft.com/office/drawing/2014/main" id="{64987AE6-EC0E-43DD-9376-95A5602EE5E1}"/>
+              </a:ext>
+            </a:extLst>
+          </p:cNvPr>
+          <p:cNvSpPr>
+            <a:spLocks noGrp="1"/>
+          </p:cNvSpPr>
+          <p:nvPr>
+            <p:ph type="sldNum" idx="12"/>
+          </p:nvPr>
+        </p:nvSpPr>
+        <p:spPr/>
+        <p:txBody>
+          <a:bodyPr/>
+          <a:lstStyle/>
+          <a:p>
+            <a:pPr marL="0" lvl="0" indent="0" algn="r" rtl="0">
+              <a:spcBef>
+                <a:spcPts val="0"/>
+              </a:spcBef>
+              <a:spcAft>
+                <a:spcPts val="0"/>
+              </a:spcAft>
+              <a:buNone/>
+            </a:pPr>
+            <a:fld id="{00000000-1234-1234-1234-123412341234}" type="slidenum">
+              <a:rPr lang="en" smtClean="0"/>
+              <a:t>21</a:t>
+            </a:fld>
+            <a:endParaRPr lang="en"/>
+          </a:p>
+        </p:txBody>
+      </p:sp>
+    </p:spTree>
+    <p:extLst>
+      <p:ext uri="{BB962C8B-B14F-4D97-AF65-F5344CB8AC3E}">
+        <p14:creationId xmlns:p14="http://schemas.microsoft.com/office/powerpoint/2010/main" val="259866504"/>
+      </p:ext>
+    </p:extLst>
+  </p:cSld>
+  <p:clrMapOvr>
+    <a:masterClrMapping/>
+  </p:clrMapOvr>
+</p:sld>
+</file>
+
+<file path=ppt/slides/slide22.xml><?xml version="1.0" encoding="utf-8"?>
+<p:sld xmlns:a="http://schemas.openxmlformats.org/drawingml/2006/main" xmlns:r="http://schemas.openxmlformats.org/officeDocument/2006/relationships" xmlns:p="http://schemas.openxmlformats.org/presentationml/2006/main">
+  <p:cSld>
+    <p:spTree>
+      <p:nvGrpSpPr>
+        <p:cNvPr id="1" name=""/>
+        <p:cNvGrpSpPr/>
+        <p:nvPr/>
+      </p:nvGrpSpPr>
+      <p:grpSpPr>
+        <a:xfrm>
+          <a:off x="0" y="0"/>
+          <a:ext cx="0" cy="0"/>
+          <a:chOff x="0" y="0"/>
+          <a:chExt cx="0" cy="0"/>
+        </a:xfrm>
+      </p:grpSpPr>
+      <p:sp>
+        <p:nvSpPr>
+          <p:cNvPr id="2" name="Title 1">
+            <a:extLst>
+              <a:ext uri="{FF2B5EF4-FFF2-40B4-BE49-F238E27FC236}">
+                <a16:creationId xmlns:a16="http://schemas.microsoft.com/office/drawing/2014/main" id="{024AD384-5AD1-4435-A943-1241B2FACD62}"/>
+              </a:ext>
+            </a:extLst>
+          </p:cNvPr>
+          <p:cNvSpPr>
+            <a:spLocks noGrp="1"/>
+          </p:cNvSpPr>
+          <p:nvPr>
+            <p:ph type="title"/>
+          </p:nvPr>
+        </p:nvSpPr>
+        <p:spPr/>
+        <p:txBody>
+          <a:bodyPr/>
+          <a:lstStyle/>
+          <a:p>
+            <a:r>
+              <a:rPr lang="en-US"/>
+              <a:t>Sort and Filter</a:t>
+            </a:r>
+            <a:endParaRPr lang="fa-IR"/>
+          </a:p>
+        </p:txBody>
+      </p:sp>
+      <p:sp>
+        <p:nvSpPr>
+          <p:cNvPr id="3" name="Text Placeholder 2">
+            <a:extLst>
+              <a:ext uri="{FF2B5EF4-FFF2-40B4-BE49-F238E27FC236}">
+                <a16:creationId xmlns:a16="http://schemas.microsoft.com/office/drawing/2014/main" id="{58BE3078-8B89-4550-B497-93E4DADBD57E}"/>
+              </a:ext>
+            </a:extLst>
+          </p:cNvPr>
+          <p:cNvSpPr>
+            <a:spLocks noGrp="1"/>
+          </p:cNvSpPr>
+          <p:nvPr>
+            <p:ph type="body" idx="1"/>
+          </p:nvPr>
+        </p:nvSpPr>
+        <p:spPr>
+          <a:xfrm>
+            <a:off x="786150" y="1142608"/>
+            <a:ext cx="7571700" cy="3626431"/>
+          </a:xfrm>
+        </p:spPr>
+        <p:txBody>
+          <a:bodyPr/>
+          <a:lstStyle/>
+          <a:p>
+            <a:r>
+              <a:rPr lang="en-US" sz="1100">
+                <a:latin typeface="Consolas" panose="020B0609020204030204" pitchFamily="49" charset="0"/>
+              </a:rPr>
+              <a:t>data = {'calories': [420, 380, 390], 'duration': [50, 40, -45]}</a:t>
+            </a:r>
+          </a:p>
+          <a:p>
+            <a:r>
+              <a:rPr lang="en-US" sz="1100">
+                <a:latin typeface="Consolas" panose="020B0609020204030204" pitchFamily="49" charset="0"/>
+              </a:rPr>
+              <a:t>df = pd.DataFrame(data, index = ['day2', 'day3', 'day1'])</a:t>
+            </a:r>
+          </a:p>
+          <a:p>
+            <a:pPr marL="76200" indent="0" algn="just">
+              <a:buNone/>
+            </a:pPr>
+            <a:endParaRPr lang="en-US"/>
+          </a:p>
+          <a:p>
+            <a:pPr marL="76200" indent="0" algn="just">
+              <a:buNone/>
+            </a:pPr>
+            <a:r>
+              <a:rPr lang="en-US"/>
+              <a:t>Sort</a:t>
+            </a:r>
+          </a:p>
+          <a:p>
+            <a:pPr marL="76200" indent="0" algn="just">
+              <a:buNone/>
+            </a:pPr>
+            <a:r>
+              <a:rPr lang="en-US" sz="1100">
+                <a:latin typeface="Consolas" panose="020B0609020204030204" pitchFamily="49" charset="0"/>
+              </a:rPr>
+              <a:t>print(df</a:t>
+            </a:r>
+            <a:r>
+              <a:rPr lang="en-US" sz="1100">
+                <a:solidFill>
+                  <a:schemeClr val="accent1"/>
+                </a:solidFill>
+                <a:latin typeface="Consolas" panose="020B0609020204030204" pitchFamily="49" charset="0"/>
+              </a:rPr>
+              <a:t>.sort_index()</a:t>
+            </a:r>
+            <a:r>
+              <a:rPr lang="en-US" sz="1100">
+                <a:latin typeface="Consolas" panose="020B0609020204030204" pitchFamily="49" charset="0"/>
+              </a:rPr>
+              <a:t>)</a:t>
+            </a:r>
+          </a:p>
+          <a:p>
+            <a:pPr marL="76200" indent="0" algn="just">
+              <a:buNone/>
+            </a:pPr>
+            <a:r>
+              <a:rPr lang="en-US" sz="1100">
+                <a:latin typeface="Consolas" panose="020B0609020204030204" pitchFamily="49" charset="0"/>
+              </a:rPr>
+              <a:t>print(df</a:t>
+            </a:r>
+            <a:r>
+              <a:rPr lang="en-US" sz="1100">
+                <a:solidFill>
+                  <a:schemeClr val="accent1"/>
+                </a:solidFill>
+                <a:latin typeface="Consolas" panose="020B0609020204030204" pitchFamily="49" charset="0"/>
+              </a:rPr>
+              <a:t>.sort_values(by </a:t>
+            </a:r>
+            <a:r>
+              <a:rPr lang="en-US" sz="1100">
+                <a:latin typeface="Consolas" panose="020B0609020204030204" pitchFamily="49" charset="0"/>
+              </a:rPr>
+              <a:t>= 'calories'</a:t>
+            </a:r>
+            <a:r>
+              <a:rPr lang="en-US" sz="1100">
+                <a:solidFill>
+                  <a:schemeClr val="accent1"/>
+                </a:solidFill>
+                <a:latin typeface="Consolas" panose="020B0609020204030204" pitchFamily="49" charset="0"/>
+              </a:rPr>
+              <a:t>)</a:t>
+            </a:r>
+            <a:r>
+              <a:rPr lang="en-US" sz="1100">
+                <a:latin typeface="Consolas" panose="020B0609020204030204" pitchFamily="49" charset="0"/>
+              </a:rPr>
+              <a:t>)</a:t>
+            </a:r>
+          </a:p>
+          <a:p>
+            <a:pPr marL="76200" indent="0" algn="just">
+              <a:buNone/>
+            </a:pPr>
+            <a:endParaRPr lang="en-US" sz="1100">
+              <a:latin typeface="Consolas" panose="020B0609020204030204" pitchFamily="49" charset="0"/>
+            </a:endParaRPr>
+          </a:p>
+          <a:p>
+            <a:pPr marL="76200" indent="0" algn="just">
+              <a:buNone/>
+            </a:pPr>
+            <a:r>
+              <a:rPr lang="en-US"/>
+              <a:t>Filter</a:t>
+            </a:r>
+          </a:p>
+          <a:p>
+            <a:pPr marL="76200" indent="0" algn="just">
+              <a:buNone/>
+            </a:pPr>
+            <a:r>
+              <a:rPr lang="en-US" sz="1100">
+                <a:latin typeface="Consolas" panose="020B0609020204030204" pitchFamily="49" charset="0"/>
+              </a:rPr>
+              <a:t>df[df['duration'] &gt; 0]</a:t>
+            </a:r>
+          </a:p>
+          <a:p>
+            <a:pPr marL="76200" indent="0" algn="just">
+              <a:buNone/>
+            </a:pPr>
+            <a:r>
+              <a:rPr lang="en-US" sz="1100">
+                <a:latin typeface="Consolas" panose="020B0609020204030204" pitchFamily="49" charset="0"/>
+              </a:rPr>
+              <a:t>df[df &lt; 0] = -df</a:t>
+            </a:r>
+          </a:p>
+        </p:txBody>
+      </p:sp>
+      <p:sp>
+        <p:nvSpPr>
+          <p:cNvPr id="4" name="Slide Number Placeholder 3">
+            <a:extLst>
+              <a:ext uri="{FF2B5EF4-FFF2-40B4-BE49-F238E27FC236}">
+                <a16:creationId xmlns:a16="http://schemas.microsoft.com/office/drawing/2014/main" id="{64987AE6-EC0E-43DD-9376-95A5602EE5E1}"/>
+              </a:ext>
+            </a:extLst>
+          </p:cNvPr>
+          <p:cNvSpPr>
+            <a:spLocks noGrp="1"/>
+          </p:cNvSpPr>
+          <p:nvPr>
+            <p:ph type="sldNum" idx="12"/>
+          </p:nvPr>
+        </p:nvSpPr>
+        <p:spPr/>
+        <p:txBody>
+          <a:bodyPr/>
+          <a:lstStyle/>
+          <a:p>
+            <a:pPr marL="0" lvl="0" indent="0" algn="r" rtl="0">
+              <a:spcBef>
+                <a:spcPts val="0"/>
+              </a:spcBef>
+              <a:spcAft>
+                <a:spcPts val="0"/>
+              </a:spcAft>
+              <a:buNone/>
+            </a:pPr>
+            <a:fld id="{00000000-1234-1234-1234-123412341234}" type="slidenum">
+              <a:rPr lang="en" smtClean="0"/>
+              <a:t>22</a:t>
+            </a:fld>
+            <a:endParaRPr lang="en"/>
+          </a:p>
+        </p:txBody>
+      </p:sp>
+    </p:spTree>
+    <p:extLst>
+      <p:ext uri="{BB962C8B-B14F-4D97-AF65-F5344CB8AC3E}">
+        <p14:creationId xmlns:p14="http://schemas.microsoft.com/office/powerpoint/2010/main" val="1285548710"/>
+      </p:ext>
+    </p:extLst>
+  </p:cSld>
+  <p:clrMapOvr>
+    <a:masterClrMapping/>
+  </p:clrMapOvr>
+</p:sld>
+</file>
+
+<file path=ppt/slides/slide23.xml><?xml version="1.0" encoding="utf-8"?>
+<p:sld xmlns:a="http://schemas.openxmlformats.org/drawingml/2006/main" xmlns:r="http://schemas.openxmlformats.org/officeDocument/2006/relationships" xmlns:p="http://schemas.openxmlformats.org/presentationml/2006/main">
+  <p:cSld>
+    <p:spTree>
+      <p:nvGrpSpPr>
+        <p:cNvPr id="1" name=""/>
+        <p:cNvGrpSpPr/>
+        <p:nvPr/>
+      </p:nvGrpSpPr>
+      <p:grpSpPr>
+        <a:xfrm>
+          <a:off x="0" y="0"/>
+          <a:ext cx="0" cy="0"/>
+          <a:chOff x="0" y="0"/>
+          <a:chExt cx="0" cy="0"/>
+        </a:xfrm>
+      </p:grpSpPr>
+      <p:sp>
+        <p:nvSpPr>
+          <p:cNvPr id="2" name="Title 1">
+            <a:extLst>
+              <a:ext uri="{FF2B5EF4-FFF2-40B4-BE49-F238E27FC236}">
+                <a16:creationId xmlns:a16="http://schemas.microsoft.com/office/drawing/2014/main" id="{024AD384-5AD1-4435-A943-1241B2FACD62}"/>
+              </a:ext>
+            </a:extLst>
+          </p:cNvPr>
+          <p:cNvSpPr>
+            <a:spLocks noGrp="1"/>
+          </p:cNvSpPr>
+          <p:nvPr>
+            <p:ph type="title"/>
+          </p:nvPr>
+        </p:nvSpPr>
+        <p:spPr/>
+        <p:txBody>
+          <a:bodyPr/>
+          <a:lstStyle/>
+          <a:p>
+            <a:r>
+              <a:rPr lang="en-US"/>
               <a:t>Data Cleaning</a:t>
             </a:r>
             <a:endParaRPr lang="fa-IR"/>
@@ -15083,6 +15613,16 @@
               <a:rPr lang="en-US"/>
               <a:t>: row 18, 22, and 28.</a:t>
             </a:r>
+          </a:p>
+          <a:p>
+            <a:r>
+              <a:rPr lang="en-US" sz="1100">
+                <a:latin typeface="Consolas" panose="020B0609020204030204" pitchFamily="49" charset="0"/>
+              </a:rPr>
+              <a:t>isna()  dropna()  fillna()</a:t>
+            </a:r>
+          </a:p>
+          <a:p>
             <a:endParaRPr lang="en-US" sz="1100">
               <a:latin typeface="Consolas" panose="020B0609020204030204" pitchFamily="49" charset="0"/>
             </a:endParaRPr>
@@ -15104,6 +15644,16 @@
               <a:rPr lang="en-US"/>
               <a:t>: row 26.</a:t>
             </a:r>
+          </a:p>
+          <a:p>
+            <a:r>
+              <a:rPr lang="en-US" sz="1100">
+                <a:latin typeface="Consolas" panose="020B0609020204030204" pitchFamily="49" charset="0"/>
+              </a:rPr>
+              <a:t>dtype  astype()  to_numeric()  to_datetime()</a:t>
+            </a:r>
+          </a:p>
+          <a:p>
             <a:endParaRPr lang="en-US" sz="1100">
               <a:latin typeface="Consolas" panose="020B0609020204030204" pitchFamily="49" charset="0"/>
             </a:endParaRPr>
@@ -15125,6 +15675,16 @@
               <a:rPr lang="en-US"/>
               <a:t>: row 7.</a:t>
             </a:r>
+          </a:p>
+          <a:p>
+            <a:r>
+              <a:rPr lang="en-US" sz="1100">
+                <a:latin typeface="Consolas" panose="020B0609020204030204" pitchFamily="49" charset="0"/>
+              </a:rPr>
+              <a:t>loc[]  iloc[]</a:t>
+            </a:r>
+          </a:p>
+          <a:p>
             <a:endParaRPr lang="en-US" sz="1100">
               <a:latin typeface="Consolas" panose="020B0609020204030204" pitchFamily="49" charset="0"/>
             </a:endParaRPr>
@@ -15145,6 +15705,14 @@
             <a:r>
               <a:rPr lang="en-US"/>
               <a:t>: row 11 and 12.</a:t>
+            </a:r>
+          </a:p>
+          <a:p>
+            <a:r>
+              <a:rPr lang="en-US" sz="1100">
+                <a:latin typeface="Consolas" panose="020B0609020204030204" pitchFamily="49" charset="0"/>
+              </a:rPr>
+              <a:t>duplicated()  drop_duplicates()</a:t>
             </a:r>
           </a:p>
         </p:txBody>
@@ -15181,7 +15749,7 @@
             </a:pPr>
             <a:fld id="{00000000-1234-1234-1234-123412341234}" type="slidenum">
               <a:rPr lang="en" smtClean="0"/>
-              <a:t>21</a:t>
+              <a:t>23</a:t>
             </a:fld>
             <a:endParaRPr lang="en"/>
           </a:p>
@@ -15229,7 +15797,7 @@
 </p:sld>
 </file>
 
-<file path=ppt/slides/slide22.xml><?xml version="1.0" encoding="utf-8"?>
+<file path=ppt/slides/slide24.xml><?xml version="1.0" encoding="utf-8"?>
 <p:sld xmlns:a="http://schemas.openxmlformats.org/drawingml/2006/main" xmlns:r="http://schemas.openxmlformats.org/officeDocument/2006/relationships" xmlns:p="http://schemas.openxmlformats.org/presentationml/2006/main">
   <p:cSld>
     <p:spTree>
@@ -15339,7 +15907,7 @@
             </a:pPr>
             <a:fld id="{00000000-1234-1234-1234-123412341234}" type="slidenum">
               <a:rPr lang="en"/>
-              <a:t>22</a:t>
+              <a:t>24</a:t>
             </a:fld>
             <a:endParaRPr/>
           </a:p>
@@ -15358,7 +15926,7 @@
 </p:sld>
 </file>
 
-<file path=ppt/slides/slide23.xml><?xml version="1.0" encoding="utf-8"?>
+<file path=ppt/slides/slide25.xml><?xml version="1.0" encoding="utf-8"?>
 <p:sld xmlns:a="http://schemas.openxmlformats.org/drawingml/2006/main" xmlns:r="http://schemas.openxmlformats.org/officeDocument/2006/relationships" xmlns:p="http://schemas.openxmlformats.org/presentationml/2006/main">
   <p:cSld>
     <p:spTree>
@@ -15468,7 +16036,7 @@
             </a:pPr>
             <a:fld id="{00000000-1234-1234-1234-123412341234}" type="slidenum">
               <a:rPr lang="en"/>
-              <a:t>23</a:t>
+              <a:t>25</a:t>
             </a:fld>
             <a:endParaRPr/>
           </a:p>
@@ -15487,7 +16055,7 @@
 </p:sld>
 </file>
 
-<file path=ppt/slides/slide24.xml><?xml version="1.0" encoding="utf-8"?>
+<file path=ppt/slides/slide26.xml><?xml version="1.0" encoding="utf-8"?>
 <p:sld xmlns:a="http://schemas.openxmlformats.org/drawingml/2006/main" xmlns:r="http://schemas.openxmlformats.org/officeDocument/2006/relationships" xmlns:p="http://schemas.openxmlformats.org/presentationml/2006/main">
   <p:cSld>
     <p:spTree>
@@ -15740,7 +16308,7 @@
             </a:pPr>
             <a:fld id="{00000000-1234-1234-1234-123412341234}" type="slidenum">
               <a:rPr lang="en"/>
-              <a:t>24</a:t>
+              <a:t>26</a:t>
             </a:fld>
             <a:endParaRPr/>
           </a:p>

--- a/Powerpoint/2 Data Science.pptx
+++ b/Powerpoint/2 Data Science.pptx
@@ -5,10 +5,10 @@
     <p:sldMasterId id="2147483658" r:id="rId1"/>
   </p:sldMasterIdLst>
   <p:notesMasterIdLst>
-    <p:notesMasterId r:id="rId28"/>
+    <p:notesMasterId r:id="rId29"/>
   </p:notesMasterIdLst>
   <p:handoutMasterIdLst>
-    <p:handoutMasterId r:id="rId29"/>
+    <p:handoutMasterId r:id="rId30"/>
   </p:handoutMasterIdLst>
   <p:sldIdLst>
     <p:sldId id="256" r:id="rId2"/>
@@ -33,39 +33,40 @@
     <p:sldId id="353" r:id="rId21"/>
     <p:sldId id="355" r:id="rId22"/>
     <p:sldId id="356" r:id="rId23"/>
-    <p:sldId id="354" r:id="rId24"/>
-    <p:sldId id="335" r:id="rId25"/>
-    <p:sldId id="340" r:id="rId26"/>
-    <p:sldId id="280" r:id="rId27"/>
+    <p:sldId id="357" r:id="rId24"/>
+    <p:sldId id="354" r:id="rId25"/>
+    <p:sldId id="335" r:id="rId26"/>
+    <p:sldId id="340" r:id="rId27"/>
+    <p:sldId id="280" r:id="rId28"/>
   </p:sldIdLst>
   <p:sldSz cx="9144000" cy="5143500" type="screen16x9"/>
   <p:notesSz cx="6858000" cy="9144000"/>
   <p:embeddedFontLst>
     <p:embeddedFont>
       <p:font typeface="Consolas" panose="020B0609020204030204" pitchFamily="49" charset="0"/>
-      <p:regular r:id="rId30"/>
-      <p:bold r:id="rId31"/>
-      <p:italic r:id="rId32"/>
-      <p:boldItalic r:id="rId33"/>
+      <p:regular r:id="rId31"/>
+      <p:bold r:id="rId32"/>
+      <p:italic r:id="rId33"/>
+      <p:boldItalic r:id="rId34"/>
     </p:embeddedFont>
     <p:embeddedFont>
       <p:font typeface="Roboto Slab" panose="020B0604020202020204" charset="0"/>
-      <p:regular r:id="rId34"/>
-      <p:bold r:id="rId35"/>
+      <p:regular r:id="rId35"/>
+      <p:bold r:id="rId36"/>
     </p:embeddedFont>
     <p:embeddedFont>
       <p:font typeface="Source Sans Pro" panose="020B0503030403020204" pitchFamily="34" charset="0"/>
-      <p:regular r:id="rId36"/>
-      <p:bold r:id="rId37"/>
-      <p:italic r:id="rId38"/>
-      <p:boldItalic r:id="rId39"/>
+      <p:regular r:id="rId37"/>
+      <p:bold r:id="rId38"/>
+      <p:italic r:id="rId39"/>
+      <p:boldItalic r:id="rId40"/>
     </p:embeddedFont>
     <p:embeddedFont>
       <p:font typeface="Trebuchet MS" panose="020B0603020202020204" pitchFamily="34" charset="0"/>
-      <p:regular r:id="rId40"/>
-      <p:bold r:id="rId41"/>
-      <p:italic r:id="rId42"/>
-      <p:boldItalic r:id="rId43"/>
+      <p:regular r:id="rId41"/>
+      <p:bold r:id="rId42"/>
+      <p:italic r:id="rId43"/>
+      <p:boldItalic r:id="rId44"/>
     </p:embeddedFont>
   </p:embeddedFontLst>
   <p:defaultTextStyle>
@@ -15040,20 +15041,23 @@
           <a:bodyPr/>
           <a:lstStyle/>
           <a:p>
+            <a:r>
+              <a:rPr lang="en-US" sz="1100">
+                <a:latin typeface="Consolas" panose="020B0609020204030204" pitchFamily="49" charset="0"/>
+              </a:rPr>
+              <a:t>df = pd.DataFrame({'calories': [420, 380, 390], 'duration': [50, 50, 45]})</a:t>
+            </a:r>
+          </a:p>
+          <a:p>
+            <a:endParaRPr lang="en-US" sz="1100"/>
+          </a:p>
+          <a:p>
             <a:pPr marL="76200" indent="0" algn="just">
               <a:buNone/>
             </a:pPr>
             <a:r>
               <a:rPr lang="en-US"/>
               <a:t>View</a:t>
-            </a:r>
-          </a:p>
-          <a:p>
-            <a:r>
-              <a:rPr lang="en-US" sz="1100">
-                <a:latin typeface="Consolas" panose="020B0609020204030204" pitchFamily="49" charset="0"/>
-              </a:rPr>
-              <a:t>df = pd.DataFrame({'calories': [420, 380, 390], 'duration': [50, 40, 45]})</a:t>
             </a:r>
           </a:p>
           <a:p>
@@ -15143,6 +15147,29 @@
                 <a:latin typeface="Consolas" panose="020B0609020204030204" pitchFamily="49" charset="0"/>
               </a:rPr>
               <a:t>.columns</a:t>
+            </a:r>
+            <a:r>
+              <a:rPr lang="en-US" sz="1100">
+                <a:latin typeface="Consolas" panose="020B0609020204030204" pitchFamily="49" charset="0"/>
+              </a:rPr>
+              <a:t>)</a:t>
+            </a:r>
+          </a:p>
+          <a:p>
+            <a:r>
+              <a:rPr lang="en-US" sz="1100">
+                <a:latin typeface="Consolas" panose="020B0609020204030204" pitchFamily="49" charset="0"/>
+              </a:rPr>
+              <a:t>print(df['duration']</a:t>
+            </a:r>
+            <a:r>
+              <a:rPr lang="en-US" sz="1100">
+                <a:solidFill>
+                  <a:schemeClr val="accent1"/>
+                </a:solidFill>
+                <a:latin typeface="Consolas" panose="020B0609020204030204" pitchFamily="49" charset="0"/>
+              </a:rPr>
+              <a:t>.value_counts()</a:t>
             </a:r>
             <a:r>
               <a:rPr lang="en-US" sz="1100">
@@ -15565,6 +15592,321 @@
           <a:p>
             <a:r>
               <a:rPr lang="en-US"/>
+              <a:t>Operations</a:t>
+            </a:r>
+            <a:endParaRPr lang="fa-IR"/>
+          </a:p>
+        </p:txBody>
+      </p:sp>
+      <p:sp>
+        <p:nvSpPr>
+          <p:cNvPr id="3" name="Text Placeholder 2">
+            <a:extLst>
+              <a:ext uri="{FF2B5EF4-FFF2-40B4-BE49-F238E27FC236}">
+                <a16:creationId xmlns:a16="http://schemas.microsoft.com/office/drawing/2014/main" id="{58BE3078-8B89-4550-B497-93E4DADBD57E}"/>
+              </a:ext>
+            </a:extLst>
+          </p:cNvPr>
+          <p:cNvSpPr>
+            <a:spLocks noGrp="1"/>
+          </p:cNvSpPr>
+          <p:nvPr>
+            <p:ph type="body" idx="1"/>
+          </p:nvPr>
+        </p:nvSpPr>
+        <p:spPr>
+          <a:xfrm>
+            <a:off x="786150" y="1142608"/>
+            <a:ext cx="7571700" cy="3626431"/>
+          </a:xfrm>
+        </p:spPr>
+        <p:txBody>
+          <a:bodyPr/>
+          <a:lstStyle/>
+          <a:p>
+            <a:r>
+              <a:rPr lang="en-US" sz="1100">
+                <a:latin typeface="Consolas" panose="020B0609020204030204" pitchFamily="49" charset="0"/>
+              </a:rPr>
+              <a:t>df = pd.DataFrame({'calories': [420, 380, 390], 'duration': [50, 40, 45]})</a:t>
+            </a:r>
+          </a:p>
+          <a:p>
+            <a:endParaRPr lang="en-US" sz="1100"/>
+          </a:p>
+          <a:p>
+            <a:pPr marL="76200" indent="0" algn="just">
+              <a:buNone/>
+            </a:pPr>
+            <a:r>
+              <a:rPr lang="en-US"/>
+              <a:t>Stats</a:t>
+            </a:r>
+          </a:p>
+          <a:p>
+            <a:pPr marL="76200" indent="0" algn="just">
+              <a:buNone/>
+            </a:pPr>
+            <a:r>
+              <a:rPr lang="en-US" sz="1100">
+                <a:latin typeface="Consolas" panose="020B0609020204030204" pitchFamily="49" charset="0"/>
+              </a:rPr>
+              <a:t>print(df</a:t>
+            </a:r>
+            <a:r>
+              <a:rPr lang="en-US" sz="1100">
+                <a:solidFill>
+                  <a:schemeClr val="accent1"/>
+                </a:solidFill>
+                <a:latin typeface="Consolas" panose="020B0609020204030204" pitchFamily="49" charset="0"/>
+              </a:rPr>
+              <a:t>.sum()</a:t>
+            </a:r>
+            <a:r>
+              <a:rPr lang="en-US" sz="1100">
+                <a:latin typeface="Consolas" panose="020B0609020204030204" pitchFamily="49" charset="0"/>
+              </a:rPr>
+              <a:t>)</a:t>
+            </a:r>
+          </a:p>
+          <a:p>
+            <a:r>
+              <a:rPr lang="en-US" sz="1100">
+                <a:latin typeface="Consolas" panose="020B0609020204030204" pitchFamily="49" charset="0"/>
+              </a:rPr>
+              <a:t>print(df.sum(</a:t>
+            </a:r>
+            <a:r>
+              <a:rPr lang="en-US" sz="1100">
+                <a:solidFill>
+                  <a:schemeClr val="accent1"/>
+                </a:solidFill>
+                <a:latin typeface="Consolas" panose="020B0609020204030204" pitchFamily="49" charset="0"/>
+              </a:rPr>
+              <a:t>axis</a:t>
+            </a:r>
+            <a:r>
+              <a:rPr lang="en-US" sz="1100">
+                <a:latin typeface="Consolas" panose="020B0609020204030204" pitchFamily="49" charset="0"/>
+              </a:rPr>
+              <a:t> = 1))</a:t>
+            </a:r>
+          </a:p>
+          <a:p>
+            <a:pPr marL="76200" indent="0" algn="just">
+              <a:buNone/>
+            </a:pPr>
+            <a:r>
+              <a:rPr lang="en-US" sz="1100">
+                <a:latin typeface="Consolas" panose="020B0609020204030204" pitchFamily="49" charset="0"/>
+              </a:rPr>
+              <a:t>print(df</a:t>
+            </a:r>
+            <a:r>
+              <a:rPr lang="en-US" sz="1100">
+                <a:solidFill>
+                  <a:schemeClr val="accent1"/>
+                </a:solidFill>
+                <a:latin typeface="Consolas" panose="020B0609020204030204" pitchFamily="49" charset="0"/>
+              </a:rPr>
+              <a:t>.mean()</a:t>
+            </a:r>
+            <a:r>
+              <a:rPr lang="en-US" sz="1100">
+                <a:latin typeface="Consolas" panose="020B0609020204030204" pitchFamily="49" charset="0"/>
+              </a:rPr>
+              <a:t>)</a:t>
+            </a:r>
+          </a:p>
+          <a:p>
+            <a:pPr marL="76200" indent="0" algn="just">
+              <a:buNone/>
+            </a:pPr>
+            <a:r>
+              <a:rPr lang="en-US" sz="1100">
+                <a:latin typeface="Consolas" panose="020B0609020204030204" pitchFamily="49" charset="0"/>
+              </a:rPr>
+              <a:t>print(df.max())</a:t>
+            </a:r>
+          </a:p>
+          <a:p>
+            <a:r>
+              <a:rPr lang="en-US" sz="1100">
+                <a:latin typeface="Consolas" panose="020B0609020204030204" pitchFamily="49" charset="0"/>
+              </a:rPr>
+              <a:t>print(df.min())</a:t>
+            </a:r>
+          </a:p>
+          <a:p>
+            <a:pPr marL="76200" indent="0" algn="just">
+              <a:buNone/>
+            </a:pPr>
+            <a:endParaRPr lang="en-US" sz="1100">
+              <a:latin typeface="Consolas" panose="020B0609020204030204" pitchFamily="49" charset="0"/>
+            </a:endParaRPr>
+          </a:p>
+          <a:p>
+            <a:pPr marL="76200" indent="0" algn="just">
+              <a:buNone/>
+            </a:pPr>
+            <a:r>
+              <a:rPr lang="en-US"/>
+              <a:t>Apply</a:t>
+            </a:r>
+          </a:p>
+          <a:p>
+            <a:r>
+              <a:rPr lang="en-US" sz="1100">
+                <a:latin typeface="Consolas" panose="020B0609020204030204" pitchFamily="49" charset="0"/>
+              </a:rPr>
+              <a:t>print(df</a:t>
+            </a:r>
+            <a:r>
+              <a:rPr lang="en-US" sz="1100">
+                <a:solidFill>
+                  <a:schemeClr val="accent1"/>
+                </a:solidFill>
+                <a:latin typeface="Consolas" panose="020B0609020204030204" pitchFamily="49" charset="0"/>
+              </a:rPr>
+              <a:t>.apply(</a:t>
+            </a:r>
+            <a:r>
+              <a:rPr lang="en-US" sz="1100">
+                <a:latin typeface="Consolas" panose="020B0609020204030204" pitchFamily="49" charset="0"/>
+              </a:rPr>
+              <a:t>np.cumsum</a:t>
+            </a:r>
+            <a:r>
+              <a:rPr lang="en-US" sz="1100">
+                <a:solidFill>
+                  <a:schemeClr val="accent1"/>
+                </a:solidFill>
+                <a:latin typeface="Consolas" panose="020B0609020204030204" pitchFamily="49" charset="0"/>
+              </a:rPr>
+              <a:t>)</a:t>
+            </a:r>
+            <a:r>
+              <a:rPr lang="en-US" sz="1100">
+                <a:latin typeface="Consolas" panose="020B0609020204030204" pitchFamily="49" charset="0"/>
+              </a:rPr>
+              <a:t>)</a:t>
+            </a:r>
+          </a:p>
+          <a:p>
+            <a:pPr marL="76200" indent="0" algn="just">
+              <a:buNone/>
+            </a:pPr>
+            <a:r>
+              <a:rPr lang="en-US" sz="1100">
+                <a:latin typeface="Consolas" panose="020B0609020204030204" pitchFamily="49" charset="0"/>
+              </a:rPr>
+              <a:t>print(df.apply(lambda x: x.max() - x.min(), axis = 1))</a:t>
+            </a:r>
+          </a:p>
+          <a:p>
+            <a:pPr marL="76200" indent="0" algn="just">
+              <a:buNone/>
+            </a:pPr>
+            <a:r>
+              <a:rPr lang="en-US" sz="1100">
+                <a:latin typeface="Consolas" panose="020B0609020204030204" pitchFamily="49" charset="0"/>
+              </a:rPr>
+              <a:t>print(df['calories'].apply(lambda x: x * 2))</a:t>
+            </a:r>
+          </a:p>
+        </p:txBody>
+      </p:sp>
+      <p:sp>
+        <p:nvSpPr>
+          <p:cNvPr id="4" name="Slide Number Placeholder 3">
+            <a:extLst>
+              <a:ext uri="{FF2B5EF4-FFF2-40B4-BE49-F238E27FC236}">
+                <a16:creationId xmlns:a16="http://schemas.microsoft.com/office/drawing/2014/main" id="{64987AE6-EC0E-43DD-9376-95A5602EE5E1}"/>
+              </a:ext>
+            </a:extLst>
+          </p:cNvPr>
+          <p:cNvSpPr>
+            <a:spLocks noGrp="1"/>
+          </p:cNvSpPr>
+          <p:nvPr>
+            <p:ph type="sldNum" idx="12"/>
+          </p:nvPr>
+        </p:nvSpPr>
+        <p:spPr/>
+        <p:txBody>
+          <a:bodyPr/>
+          <a:lstStyle/>
+          <a:p>
+            <a:pPr marL="0" lvl="0" indent="0" algn="r" rtl="0">
+              <a:spcBef>
+                <a:spcPts val="0"/>
+              </a:spcBef>
+              <a:spcAft>
+                <a:spcPts val="0"/>
+              </a:spcAft>
+              <a:buNone/>
+            </a:pPr>
+            <a:fld id="{00000000-1234-1234-1234-123412341234}" type="slidenum">
+              <a:rPr lang="en" smtClean="0"/>
+              <a:t>23</a:t>
+            </a:fld>
+            <a:endParaRPr lang="en"/>
+          </a:p>
+        </p:txBody>
+      </p:sp>
+    </p:spTree>
+    <p:extLst>
+      <p:ext uri="{BB962C8B-B14F-4D97-AF65-F5344CB8AC3E}">
+        <p14:creationId xmlns:p14="http://schemas.microsoft.com/office/powerpoint/2010/main" val="398562938"/>
+      </p:ext>
+    </p:extLst>
+  </p:cSld>
+  <p:clrMapOvr>
+    <a:masterClrMapping/>
+  </p:clrMapOvr>
+</p:sld>
+</file>
+
+<file path=ppt/slides/slide24.xml><?xml version="1.0" encoding="utf-8"?>
+<p:sld xmlns:a="http://schemas.openxmlformats.org/drawingml/2006/main" xmlns:r="http://schemas.openxmlformats.org/officeDocument/2006/relationships" xmlns:p="http://schemas.openxmlformats.org/presentationml/2006/main">
+  <p:cSld>
+    <p:spTree>
+      <p:nvGrpSpPr>
+        <p:cNvPr id="1" name=""/>
+        <p:cNvGrpSpPr/>
+        <p:nvPr/>
+      </p:nvGrpSpPr>
+      <p:grpSpPr>
+        <a:xfrm>
+          <a:off x="0" y="0"/>
+          <a:ext cx="0" cy="0"/>
+          <a:chOff x="0" y="0"/>
+          <a:chExt cx="0" cy="0"/>
+        </a:xfrm>
+      </p:grpSpPr>
+      <p:sp>
+        <p:nvSpPr>
+          <p:cNvPr id="2" name="Title 1">
+            <a:extLst>
+              <a:ext uri="{FF2B5EF4-FFF2-40B4-BE49-F238E27FC236}">
+                <a16:creationId xmlns:a16="http://schemas.microsoft.com/office/drawing/2014/main" id="{024AD384-5AD1-4435-A943-1241B2FACD62}"/>
+              </a:ext>
+            </a:extLst>
+          </p:cNvPr>
+          <p:cNvSpPr>
+            <a:spLocks noGrp="1"/>
+          </p:cNvSpPr>
+          <p:nvPr>
+            <p:ph type="title"/>
+          </p:nvPr>
+        </p:nvSpPr>
+        <p:spPr/>
+        <p:txBody>
+          <a:bodyPr/>
+          <a:lstStyle/>
+          <a:p>
+            <a:r>
+              <a:rPr lang="en-US"/>
               <a:t>Data Cleaning</a:t>
             </a:r>
             <a:endParaRPr lang="fa-IR"/>
@@ -15749,7 +16091,7 @@
             </a:pPr>
             <a:fld id="{00000000-1234-1234-1234-123412341234}" type="slidenum">
               <a:rPr lang="en" smtClean="0"/>
-              <a:t>23</a:t>
+              <a:t>24</a:t>
             </a:fld>
             <a:endParaRPr lang="en"/>
           </a:p>
@@ -15788,135 +16130,6 @@
     <p:extLst>
       <p:ext uri="{BB962C8B-B14F-4D97-AF65-F5344CB8AC3E}">
         <p14:creationId xmlns:p14="http://schemas.microsoft.com/office/powerpoint/2010/main" val="2224071834"/>
-      </p:ext>
-    </p:extLst>
-  </p:cSld>
-  <p:clrMapOvr>
-    <a:masterClrMapping/>
-  </p:clrMapOvr>
-</p:sld>
-</file>
-
-<file path=ppt/slides/slide24.xml><?xml version="1.0" encoding="utf-8"?>
-<p:sld xmlns:a="http://schemas.openxmlformats.org/drawingml/2006/main" xmlns:r="http://schemas.openxmlformats.org/officeDocument/2006/relationships" xmlns:p="http://schemas.openxmlformats.org/presentationml/2006/main">
-  <p:cSld>
-    <p:spTree>
-      <p:nvGrpSpPr>
-        <p:cNvPr id="1" name="Shape 96"/>
-        <p:cNvGrpSpPr/>
-        <p:nvPr/>
-      </p:nvGrpSpPr>
-      <p:grpSpPr>
-        <a:xfrm>
-          <a:off x="0" y="0"/>
-          <a:ext cx="0" cy="0"/>
-          <a:chOff x="0" y="0"/>
-          <a:chExt cx="0" cy="0"/>
-        </a:xfrm>
-      </p:grpSpPr>
-      <p:sp>
-        <p:nvSpPr>
-          <p:cNvPr id="97" name="Google Shape;97;p15"/>
-          <p:cNvSpPr txBox="1">
-            <a:spLocks noGrp="1"/>
-          </p:cNvSpPr>
-          <p:nvPr>
-            <p:ph type="ctrTitle"/>
-          </p:nvPr>
-        </p:nvSpPr>
-        <p:spPr>
-          <a:xfrm>
-            <a:off x="1655700" y="1991850"/>
-            <a:ext cx="5832600" cy="1159800"/>
-          </a:xfrm>
-          <a:prstGeom prst="rect">
-            <a:avLst/>
-          </a:prstGeom>
-        </p:spPr>
-        <p:txBody>
-          <a:bodyPr spcFirstLastPara="1" wrap="square" lIns="91425" tIns="91425" rIns="91425" bIns="91425" anchor="ctr" anchorCtr="0">
-            <a:noAutofit/>
-          </a:bodyPr>
-          <a:lstStyle/>
-          <a:p>
-            <a:pPr marL="0" lvl="0" indent="0" algn="ctr" rtl="0">
-              <a:spcBef>
-                <a:spcPts val="0"/>
-              </a:spcBef>
-              <a:spcAft>
-                <a:spcPts val="0"/>
-              </a:spcAft>
-              <a:buNone/>
-            </a:pPr>
-            <a:r>
-              <a:rPr lang="en-US" sz="6000">
-                <a:solidFill>
-                  <a:srgbClr val="E6E6E6"/>
-                </a:solidFill>
-              </a:rPr>
-              <a:t>3</a:t>
-            </a:r>
-            <a:endParaRPr sz="6000">
-              <a:solidFill>
-                <a:srgbClr val="E6E6E6"/>
-              </a:solidFill>
-            </a:endParaRPr>
-          </a:p>
-          <a:p>
-            <a:r>
-              <a:rPr lang="en"/>
-              <a:t>Matplotlib</a:t>
-            </a:r>
-            <a:endParaRPr/>
-          </a:p>
-        </p:txBody>
-      </p:sp>
-      <p:sp>
-        <p:nvSpPr>
-          <p:cNvPr id="99" name="Google Shape;99;p15"/>
-          <p:cNvSpPr txBox="1">
-            <a:spLocks noGrp="1"/>
-          </p:cNvSpPr>
-          <p:nvPr>
-            <p:ph type="sldNum" idx="4294967295"/>
-          </p:nvPr>
-        </p:nvSpPr>
-        <p:spPr>
-          <a:xfrm>
-            <a:off x="8404384" y="4749851"/>
-            <a:ext cx="548700" cy="393600"/>
-          </a:xfrm>
-          <a:prstGeom prst="rect">
-            <a:avLst/>
-          </a:prstGeom>
-        </p:spPr>
-        <p:txBody>
-          <a:bodyPr spcFirstLastPara="1" wrap="square" lIns="91425" tIns="91425" rIns="91425" bIns="91425" anchor="t" anchorCtr="0">
-            <a:noAutofit/>
-          </a:bodyPr>
-          <a:lstStyle/>
-          <a:p>
-            <a:pPr marL="0" lvl="0" indent="0" algn="r" rtl="0">
-              <a:spcBef>
-                <a:spcPts val="0"/>
-              </a:spcBef>
-              <a:spcAft>
-                <a:spcPts val="0"/>
-              </a:spcAft>
-              <a:buNone/>
-            </a:pPr>
-            <a:fld id="{00000000-1234-1234-1234-123412341234}" type="slidenum">
-              <a:rPr lang="en"/>
-              <a:t>24</a:t>
-            </a:fld>
-            <a:endParaRPr/>
-          </a:p>
-        </p:txBody>
-      </p:sp>
-    </p:spTree>
-    <p:extLst>
-      <p:ext uri="{BB962C8B-B14F-4D97-AF65-F5344CB8AC3E}">
-        <p14:creationId xmlns:p14="http://schemas.microsoft.com/office/powerpoint/2010/main" val="550571345"/>
       </p:ext>
     </p:extLst>
   </p:cSld>
@@ -15983,7 +16196,7 @@
                   <a:srgbClr val="E6E6E6"/>
                 </a:solidFill>
               </a:rPr>
-              <a:t>4</a:t>
+              <a:t>3</a:t>
             </a:r>
             <a:endParaRPr sz="6000">
               <a:solidFill>
@@ -15993,8 +16206,8 @@
           </a:p>
           <a:p>
             <a:r>
-              <a:rPr lang="en-US"/>
-              <a:t>Scikit-learn</a:t>
+              <a:rPr lang="en"/>
+              <a:t>Matplotlib</a:t>
             </a:r>
             <a:endParaRPr/>
           </a:p>
@@ -16045,6 +16258,135 @@
     </p:spTree>
     <p:extLst>
       <p:ext uri="{BB962C8B-B14F-4D97-AF65-F5344CB8AC3E}">
+        <p14:creationId xmlns:p14="http://schemas.microsoft.com/office/powerpoint/2010/main" val="550571345"/>
+      </p:ext>
+    </p:extLst>
+  </p:cSld>
+  <p:clrMapOvr>
+    <a:masterClrMapping/>
+  </p:clrMapOvr>
+</p:sld>
+</file>
+
+<file path=ppt/slides/slide26.xml><?xml version="1.0" encoding="utf-8"?>
+<p:sld xmlns:a="http://schemas.openxmlformats.org/drawingml/2006/main" xmlns:r="http://schemas.openxmlformats.org/officeDocument/2006/relationships" xmlns:p="http://schemas.openxmlformats.org/presentationml/2006/main">
+  <p:cSld>
+    <p:spTree>
+      <p:nvGrpSpPr>
+        <p:cNvPr id="1" name="Shape 96"/>
+        <p:cNvGrpSpPr/>
+        <p:nvPr/>
+      </p:nvGrpSpPr>
+      <p:grpSpPr>
+        <a:xfrm>
+          <a:off x="0" y="0"/>
+          <a:ext cx="0" cy="0"/>
+          <a:chOff x="0" y="0"/>
+          <a:chExt cx="0" cy="0"/>
+        </a:xfrm>
+      </p:grpSpPr>
+      <p:sp>
+        <p:nvSpPr>
+          <p:cNvPr id="97" name="Google Shape;97;p15"/>
+          <p:cNvSpPr txBox="1">
+            <a:spLocks noGrp="1"/>
+          </p:cNvSpPr>
+          <p:nvPr>
+            <p:ph type="ctrTitle"/>
+          </p:nvPr>
+        </p:nvSpPr>
+        <p:spPr>
+          <a:xfrm>
+            <a:off x="1655700" y="1991850"/>
+            <a:ext cx="5832600" cy="1159800"/>
+          </a:xfrm>
+          <a:prstGeom prst="rect">
+            <a:avLst/>
+          </a:prstGeom>
+        </p:spPr>
+        <p:txBody>
+          <a:bodyPr spcFirstLastPara="1" wrap="square" lIns="91425" tIns="91425" rIns="91425" bIns="91425" anchor="ctr" anchorCtr="0">
+            <a:noAutofit/>
+          </a:bodyPr>
+          <a:lstStyle/>
+          <a:p>
+            <a:pPr marL="0" lvl="0" indent="0" algn="ctr" rtl="0">
+              <a:spcBef>
+                <a:spcPts val="0"/>
+              </a:spcBef>
+              <a:spcAft>
+                <a:spcPts val="0"/>
+              </a:spcAft>
+              <a:buNone/>
+            </a:pPr>
+            <a:r>
+              <a:rPr lang="en-US" sz="6000">
+                <a:solidFill>
+                  <a:srgbClr val="E6E6E6"/>
+                </a:solidFill>
+              </a:rPr>
+              <a:t>4</a:t>
+            </a:r>
+            <a:endParaRPr sz="6000">
+              <a:solidFill>
+                <a:srgbClr val="E6E6E6"/>
+              </a:solidFill>
+            </a:endParaRPr>
+          </a:p>
+          <a:p>
+            <a:r>
+              <a:rPr lang="en-US"/>
+              <a:t>Scikit-learn</a:t>
+            </a:r>
+            <a:endParaRPr/>
+          </a:p>
+        </p:txBody>
+      </p:sp>
+      <p:sp>
+        <p:nvSpPr>
+          <p:cNvPr id="99" name="Google Shape;99;p15"/>
+          <p:cNvSpPr txBox="1">
+            <a:spLocks noGrp="1"/>
+          </p:cNvSpPr>
+          <p:nvPr>
+            <p:ph type="sldNum" idx="4294967295"/>
+          </p:nvPr>
+        </p:nvSpPr>
+        <p:spPr>
+          <a:xfrm>
+            <a:off x="8404384" y="4749851"/>
+            <a:ext cx="548700" cy="393600"/>
+          </a:xfrm>
+          <a:prstGeom prst="rect">
+            <a:avLst/>
+          </a:prstGeom>
+        </p:spPr>
+        <p:txBody>
+          <a:bodyPr spcFirstLastPara="1" wrap="square" lIns="91425" tIns="91425" rIns="91425" bIns="91425" anchor="t" anchorCtr="0">
+            <a:noAutofit/>
+          </a:bodyPr>
+          <a:lstStyle/>
+          <a:p>
+            <a:pPr marL="0" lvl="0" indent="0" algn="r" rtl="0">
+              <a:spcBef>
+                <a:spcPts val="0"/>
+              </a:spcBef>
+              <a:spcAft>
+                <a:spcPts val="0"/>
+              </a:spcAft>
+              <a:buNone/>
+            </a:pPr>
+            <a:fld id="{00000000-1234-1234-1234-123412341234}" type="slidenum">
+              <a:rPr lang="en"/>
+              <a:t>26</a:t>
+            </a:fld>
+            <a:endParaRPr/>
+          </a:p>
+        </p:txBody>
+      </p:sp>
+    </p:spTree>
+    <p:extLst>
+      <p:ext uri="{BB962C8B-B14F-4D97-AF65-F5344CB8AC3E}">
         <p14:creationId xmlns:p14="http://schemas.microsoft.com/office/powerpoint/2010/main" val="2239011547"/>
       </p:ext>
     </p:extLst>
@@ -16055,7 +16397,7 @@
 </p:sld>
 </file>
 
-<file path=ppt/slides/slide26.xml><?xml version="1.0" encoding="utf-8"?>
+<file path=ppt/slides/slide27.xml><?xml version="1.0" encoding="utf-8"?>
 <p:sld xmlns:a="http://schemas.openxmlformats.org/drawingml/2006/main" xmlns:r="http://schemas.openxmlformats.org/officeDocument/2006/relationships" xmlns:p="http://schemas.openxmlformats.org/presentationml/2006/main">
   <p:cSld>
     <p:spTree>
@@ -16308,7 +16650,7 @@
             </a:pPr>
             <a:fld id="{00000000-1234-1234-1234-123412341234}" type="slidenum">
               <a:rPr lang="en"/>
-              <a:t>26</a:t>
+              <a:t>27</a:t>
             </a:fld>
             <a:endParaRPr/>
           </a:p>

--- a/Powerpoint/2 Data Science.pptx
+++ b/Powerpoint/2 Data Science.pptx
@@ -5,10 +5,10 @@
     <p:sldMasterId id="2147483658" r:id="rId1"/>
   </p:sldMasterIdLst>
   <p:notesMasterIdLst>
-    <p:notesMasterId r:id="rId29"/>
+    <p:notesMasterId r:id="rId30"/>
   </p:notesMasterIdLst>
   <p:handoutMasterIdLst>
-    <p:handoutMasterId r:id="rId30"/>
+    <p:handoutMasterId r:id="rId31"/>
   </p:handoutMasterIdLst>
   <p:sldIdLst>
     <p:sldId id="256" r:id="rId2"/>
@@ -36,37 +36,38 @@
     <p:sldId id="357" r:id="rId24"/>
     <p:sldId id="354" r:id="rId25"/>
     <p:sldId id="335" r:id="rId26"/>
-    <p:sldId id="340" r:id="rId27"/>
-    <p:sldId id="280" r:id="rId28"/>
+    <p:sldId id="358" r:id="rId27"/>
+    <p:sldId id="359" r:id="rId28"/>
+    <p:sldId id="280" r:id="rId29"/>
   </p:sldIdLst>
   <p:sldSz cx="9144000" cy="5143500" type="screen16x9"/>
   <p:notesSz cx="6858000" cy="9144000"/>
   <p:embeddedFontLst>
     <p:embeddedFont>
       <p:font typeface="Consolas" panose="020B0609020204030204" pitchFamily="49" charset="0"/>
-      <p:regular r:id="rId31"/>
-      <p:bold r:id="rId32"/>
-      <p:italic r:id="rId33"/>
-      <p:boldItalic r:id="rId34"/>
+      <p:regular r:id="rId32"/>
+      <p:bold r:id="rId33"/>
+      <p:italic r:id="rId34"/>
+      <p:boldItalic r:id="rId35"/>
     </p:embeddedFont>
     <p:embeddedFont>
       <p:font typeface="Roboto Slab" panose="020B0604020202020204" charset="0"/>
-      <p:regular r:id="rId35"/>
-      <p:bold r:id="rId36"/>
+      <p:regular r:id="rId36"/>
+      <p:bold r:id="rId37"/>
     </p:embeddedFont>
     <p:embeddedFont>
       <p:font typeface="Source Sans Pro" panose="020B0503030403020204" pitchFamily="34" charset="0"/>
-      <p:regular r:id="rId37"/>
-      <p:bold r:id="rId38"/>
-      <p:italic r:id="rId39"/>
-      <p:boldItalic r:id="rId40"/>
+      <p:regular r:id="rId38"/>
+      <p:bold r:id="rId39"/>
+      <p:italic r:id="rId40"/>
+      <p:boldItalic r:id="rId41"/>
     </p:embeddedFont>
     <p:embeddedFont>
       <p:font typeface="Trebuchet MS" panose="020B0603020202020204" pitchFamily="34" charset="0"/>
-      <p:regular r:id="rId41"/>
-      <p:bold r:id="rId42"/>
-      <p:italic r:id="rId43"/>
-      <p:boldItalic r:id="rId44"/>
+      <p:regular r:id="rId42"/>
+      <p:bold r:id="rId43"/>
+      <p:italic r:id="rId44"/>
+      <p:boldItalic r:id="rId45"/>
     </p:embeddedFont>
   </p:embeddedFontLst>
   <p:defaultTextStyle>
@@ -6756,7 +6757,7 @@
           <a:p>
             <a:fld id="{7CEEE0ED-A0F5-4442-9C94-5288E26FF1D3}" type="datetimeFigureOut">
               <a:rPr lang="fa-IR" smtClean="0"/>
-              <a:t>21/09/1444</a:t>
+              <a:t>26/09/1444</a:t>
             </a:fld>
             <a:endParaRPr lang="fa-IR"/>
           </a:p>
@@ -7397,115 +7398,6 @@
 </file>
 
 <file path=ppt/notesSlides/notesSlide10.xml><?xml version="1.0" encoding="utf-8"?>
-<p:notes xmlns:a="http://schemas.openxmlformats.org/drawingml/2006/main" xmlns:r="http://schemas.openxmlformats.org/officeDocument/2006/relationships" xmlns:p="http://schemas.openxmlformats.org/presentationml/2006/main" showMasterSp="0" showMasterPhAnim="0">
-  <p:cSld>
-    <p:spTree>
-      <p:nvGrpSpPr>
-        <p:cNvPr id="1" name="Shape 93"/>
-        <p:cNvGrpSpPr/>
-        <p:nvPr/>
-      </p:nvGrpSpPr>
-      <p:grpSpPr>
-        <a:xfrm>
-          <a:off x="0" y="0"/>
-          <a:ext cx="0" cy="0"/>
-          <a:chOff x="0" y="0"/>
-          <a:chExt cx="0" cy="0"/>
-        </a:xfrm>
-      </p:grpSpPr>
-      <p:sp>
-        <p:nvSpPr>
-          <p:cNvPr id="94" name="Google Shape;94;g35f391192_029:notes"/>
-          <p:cNvSpPr>
-            <a:spLocks noGrp="1" noRot="1" noChangeAspect="1"/>
-          </p:cNvSpPr>
-          <p:nvPr>
-            <p:ph type="sldImg" idx="2"/>
-          </p:nvPr>
-        </p:nvSpPr>
-        <p:spPr>
-          <a:xfrm>
-            <a:off x="381000" y="685800"/>
-            <a:ext cx="6096000" cy="3429000"/>
-          </a:xfrm>
-          <a:custGeom>
-            <a:avLst/>
-            <a:gdLst/>
-            <a:ahLst/>
-            <a:cxnLst/>
-            <a:rect l="l" t="t" r="r" b="b"/>
-            <a:pathLst>
-              <a:path w="120000" h="120000" extrusionOk="0">
-                <a:moveTo>
-                  <a:pt x="0" y="0"/>
-                </a:moveTo>
-                <a:lnTo>
-                  <a:pt x="120000" y="0"/>
-                </a:lnTo>
-                <a:lnTo>
-                  <a:pt x="120000" y="120000"/>
-                </a:lnTo>
-                <a:lnTo>
-                  <a:pt x="0" y="120000"/>
-                </a:lnTo>
-                <a:close/>
-              </a:path>
-            </a:pathLst>
-          </a:custGeom>
-        </p:spPr>
-      </p:sp>
-      <p:sp>
-        <p:nvSpPr>
-          <p:cNvPr id="95" name="Google Shape;95;g35f391192_029:notes"/>
-          <p:cNvSpPr txBox="1">
-            <a:spLocks noGrp="1"/>
-          </p:cNvSpPr>
-          <p:nvPr>
-            <p:ph type="body" idx="1"/>
-          </p:nvPr>
-        </p:nvSpPr>
-        <p:spPr>
-          <a:xfrm>
-            <a:off x="685800" y="4343400"/>
-            <a:ext cx="5486400" cy="4114800"/>
-          </a:xfrm>
-          <a:prstGeom prst="rect">
-            <a:avLst/>
-          </a:prstGeom>
-        </p:spPr>
-        <p:txBody>
-          <a:bodyPr spcFirstLastPara="1" wrap="square" lIns="91425" tIns="91425" rIns="91425" bIns="91425" anchor="t" anchorCtr="0">
-            <a:noAutofit/>
-          </a:bodyPr>
-          <a:lstStyle/>
-          <a:p>
-            <a:pPr marL="0" lvl="0" indent="0" algn="l" rtl="0">
-              <a:spcBef>
-                <a:spcPts val="0"/>
-              </a:spcBef>
-              <a:spcAft>
-                <a:spcPts val="0"/>
-              </a:spcAft>
-              <a:buNone/>
-            </a:pPr>
-            <a:endParaRPr/>
-          </a:p>
-        </p:txBody>
-      </p:sp>
-    </p:spTree>
-    <p:extLst>
-      <p:ext uri="{BB962C8B-B14F-4D97-AF65-F5344CB8AC3E}">
-        <p14:creationId xmlns:p14="http://schemas.microsoft.com/office/powerpoint/2010/main" val="1150731996"/>
-      </p:ext>
-    </p:extLst>
-  </p:cSld>
-  <p:clrMapOvr>
-    <a:masterClrMapping/>
-  </p:clrMapOvr>
-</p:notes>
-</file>
-
-<file path=ppt/notesSlides/notesSlide11.xml><?xml version="1.0" encoding="utf-8"?>
 <p:notes xmlns:a="http://schemas.openxmlformats.org/drawingml/2006/main" xmlns:r="http://schemas.openxmlformats.org/officeDocument/2006/relationships" xmlns:p="http://schemas.openxmlformats.org/presentationml/2006/main" showMasterSp="0" showMasterPhAnim="0">
   <p:cSld>
     <p:spTree>
@@ -16273,7 +16165,7 @@
   <p:cSld>
     <p:spTree>
       <p:nvGrpSpPr>
-        <p:cNvPr id="1" name="Shape 96"/>
+        <p:cNvPr id="1" name=""/>
         <p:cNvGrpSpPr/>
         <p:nvPr/>
       </p:nvGrpSpPr>
@@ -16287,84 +16179,253 @@
       </p:grpSpPr>
       <p:sp>
         <p:nvSpPr>
-          <p:cNvPr id="97" name="Google Shape;97;p15"/>
-          <p:cNvSpPr txBox="1">
+          <p:cNvPr id="2" name="Title 1">
+            <a:extLst>
+              <a:ext uri="{FF2B5EF4-FFF2-40B4-BE49-F238E27FC236}">
+                <a16:creationId xmlns:a16="http://schemas.microsoft.com/office/drawing/2014/main" id="{024AD384-5AD1-4435-A943-1241B2FACD62}"/>
+              </a:ext>
+            </a:extLst>
+          </p:cNvPr>
+          <p:cNvSpPr>
             <a:spLocks noGrp="1"/>
           </p:cNvSpPr>
           <p:nvPr>
-            <p:ph type="ctrTitle"/>
+            <p:ph type="title"/>
+          </p:nvPr>
+        </p:nvSpPr>
+        <p:spPr/>
+        <p:txBody>
+          <a:bodyPr/>
+          <a:lstStyle/>
+          <a:p>
+            <a:r>
+              <a:rPr lang="en-US"/>
+              <a:t>Introduction</a:t>
+            </a:r>
+            <a:endParaRPr lang="fa-IR"/>
+          </a:p>
+        </p:txBody>
+      </p:sp>
+      <p:sp>
+        <p:nvSpPr>
+          <p:cNvPr id="3" name="Text Placeholder 2">
+            <a:extLst>
+              <a:ext uri="{FF2B5EF4-FFF2-40B4-BE49-F238E27FC236}">
+                <a16:creationId xmlns:a16="http://schemas.microsoft.com/office/drawing/2014/main" id="{58BE3078-8B89-4550-B497-93E4DADBD57E}"/>
+              </a:ext>
+            </a:extLst>
+          </p:cNvPr>
+          <p:cNvSpPr>
+            <a:spLocks noGrp="1"/>
+          </p:cNvSpPr>
+          <p:nvPr>
+            <p:ph type="body" idx="1"/>
           </p:nvPr>
         </p:nvSpPr>
         <p:spPr>
           <a:xfrm>
-            <a:off x="1655700" y="1991850"/>
-            <a:ext cx="5832600" cy="1159800"/>
+            <a:off x="786150" y="1142608"/>
+            <a:ext cx="7571700" cy="3626431"/>
           </a:xfrm>
-          <a:prstGeom prst="rect">
-            <a:avLst/>
-          </a:prstGeom>
         </p:spPr>
         <p:txBody>
-          <a:bodyPr spcFirstLastPara="1" wrap="square" lIns="91425" tIns="91425" rIns="91425" bIns="91425" anchor="ctr" anchorCtr="0">
-            <a:noAutofit/>
-          </a:bodyPr>
+          <a:bodyPr/>
           <a:lstStyle/>
           <a:p>
-            <a:pPr marL="0" lvl="0" indent="0" algn="ctr" rtl="0">
-              <a:spcBef>
-                <a:spcPts val="0"/>
-              </a:spcBef>
-              <a:spcAft>
-                <a:spcPts val="0"/>
-              </a:spcAft>
-              <a:buNone/>
-            </a:pPr>
-            <a:r>
-              <a:rPr lang="en-US" sz="6000">
+            <a:pPr marL="76200" indent="0" algn="just">
+              <a:buNone/>
+            </a:pPr>
+            <a:r>
+              <a:rPr lang="en-US" sz="1400">
                 <a:solidFill>
-                  <a:srgbClr val="E6E6E6"/>
+                  <a:schemeClr val="accent1"/>
                 </a:solidFill>
               </a:rPr>
-              <a:t>4</a:t>
-            </a:r>
-            <a:endParaRPr sz="6000">
-              <a:solidFill>
-                <a:srgbClr val="E6E6E6"/>
-              </a:solidFill>
+              <a:t>Matplotlib</a:t>
+            </a:r>
+            <a:r>
+              <a:rPr lang="en-US" sz="1400"/>
+              <a:t> is a </a:t>
+            </a:r>
+            <a:r>
+              <a:rPr lang="en-US" sz="1400">
+                <a:solidFill>
+                  <a:schemeClr val="accent1"/>
+                </a:solidFill>
+              </a:rPr>
+              <a:t>graph plotting </a:t>
+            </a:r>
+            <a:r>
+              <a:rPr lang="en-US" sz="1400"/>
+              <a:t>library in python that serves as a visualization utility.</a:t>
+            </a:r>
+          </a:p>
+          <a:p>
+            <a:pPr marL="76200" indent="0" algn="just">
+              <a:buNone/>
+            </a:pPr>
+            <a:r>
+              <a:rPr lang="en-US"/>
+              <a:t>Matplotlib is mostly written in python, a few segments are written in C, Objective-C and Javascript for Platform compatibility.</a:t>
+            </a:r>
+          </a:p>
+          <a:p>
+            <a:pPr marL="76200" indent="0" algn="just">
+              <a:buNone/>
+            </a:pPr>
+            <a:r>
+              <a:rPr lang="en-US" sz="1400"/>
+              <a:t>Most of the Matplotlib utilities lies under the </a:t>
+            </a:r>
+            <a:r>
+              <a:rPr lang="en-US" sz="1400">
+                <a:solidFill>
+                  <a:schemeClr val="accent1"/>
+                </a:solidFill>
+              </a:rPr>
+              <a:t>pyplot</a:t>
+            </a:r>
+            <a:r>
+              <a:rPr lang="en-US" sz="1400"/>
+              <a:t> submodule, and are usually imported under the </a:t>
+            </a:r>
+            <a:r>
+              <a:rPr lang="en-US" sz="1400">
+                <a:solidFill>
+                  <a:schemeClr val="accent1"/>
+                </a:solidFill>
+              </a:rPr>
+              <a:t>plt</a:t>
+            </a:r>
+            <a:r>
+              <a:rPr lang="en-US" sz="1400"/>
+              <a:t> alias.</a:t>
+            </a:r>
+          </a:p>
+          <a:p>
+            <a:pPr marL="76200" indent="0" algn="just">
+              <a:buNone/>
+            </a:pPr>
+            <a:r>
+              <a:rPr lang="en-US" sz="1400"/>
+              <a:t>Matplotlib documentation: </a:t>
+            </a:r>
+            <a:r>
+              <a:rPr lang="en-US" sz="1100">
+                <a:latin typeface="Consolas" panose="020B0609020204030204" pitchFamily="49" charset="0"/>
+                <a:hlinkClick r:id="rId2"/>
+              </a:rPr>
+              <a:t>https://matplotlib.org/stable/</a:t>
+            </a:r>
+            <a:endParaRPr lang="en-US" sz="1100">
+              <a:latin typeface="Consolas" panose="020B0609020204030204" pitchFamily="49" charset="0"/>
             </a:endParaRPr>
           </a:p>
           <a:p>
-            <a:r>
-              <a:rPr lang="en-US"/>
-              <a:t>Scikit-learn</a:t>
-            </a:r>
-            <a:endParaRPr/>
+            <a:pPr marL="76200" indent="0" algn="just">
+              <a:buNone/>
+            </a:pPr>
+            <a:endParaRPr lang="en-US" sz="1100">
+              <a:latin typeface="Consolas" panose="020B0609020204030204" pitchFamily="49" charset="0"/>
+            </a:endParaRPr>
+          </a:p>
+          <a:p>
+            <a:pPr marL="76200" indent="0" algn="just">
+              <a:buNone/>
+            </a:pPr>
+            <a:r>
+              <a:rPr lang="en-US" sz="1400"/>
+              <a:t>Import</a:t>
+            </a:r>
+          </a:p>
+          <a:p>
+            <a:pPr marL="76200" indent="0" algn="just">
+              <a:buNone/>
+            </a:pPr>
+            <a:r>
+              <a:rPr lang="en-US" sz="1100">
+                <a:latin typeface="Consolas" panose="020B0609020204030204" pitchFamily="49" charset="0"/>
+              </a:rPr>
+              <a:t>import </a:t>
+            </a:r>
+            <a:r>
+              <a:rPr lang="en-US" sz="1100">
+                <a:solidFill>
+                  <a:schemeClr val="accent1"/>
+                </a:solidFill>
+                <a:latin typeface="Consolas" panose="020B0609020204030204" pitchFamily="49" charset="0"/>
+              </a:rPr>
+              <a:t>matplotlib</a:t>
+            </a:r>
+            <a:r>
+              <a:rPr lang="en-US" sz="1100">
+                <a:latin typeface="Consolas" panose="020B0609020204030204" pitchFamily="49" charset="0"/>
+              </a:rPr>
+              <a:t> as </a:t>
+            </a:r>
+            <a:r>
+              <a:rPr lang="en-US" sz="1100">
+                <a:solidFill>
+                  <a:schemeClr val="accent1"/>
+                </a:solidFill>
+                <a:latin typeface="Consolas" panose="020B0609020204030204" pitchFamily="49" charset="0"/>
+              </a:rPr>
+              <a:t>mpl</a:t>
+            </a:r>
+          </a:p>
+          <a:p>
+            <a:r>
+              <a:rPr lang="en-US" sz="1100">
+                <a:latin typeface="Consolas" panose="020B0609020204030204" pitchFamily="49" charset="0"/>
+              </a:rPr>
+              <a:t>import matplotlib.</a:t>
+            </a:r>
+            <a:r>
+              <a:rPr lang="en-US" sz="1100">
+                <a:solidFill>
+                  <a:schemeClr val="accent1"/>
+                </a:solidFill>
+                <a:latin typeface="Consolas" panose="020B0609020204030204" pitchFamily="49" charset="0"/>
+              </a:rPr>
+              <a:t>pyplot</a:t>
+            </a:r>
+            <a:r>
+              <a:rPr lang="en-US" sz="1100">
+                <a:latin typeface="Consolas" panose="020B0609020204030204" pitchFamily="49" charset="0"/>
+              </a:rPr>
+              <a:t> as </a:t>
+            </a:r>
+            <a:r>
+              <a:rPr lang="en-US" sz="1100">
+                <a:solidFill>
+                  <a:schemeClr val="accent1"/>
+                </a:solidFill>
+                <a:latin typeface="Consolas" panose="020B0609020204030204" pitchFamily="49" charset="0"/>
+              </a:rPr>
+              <a:t>plt</a:t>
+            </a:r>
           </a:p>
         </p:txBody>
       </p:sp>
       <p:sp>
         <p:nvSpPr>
-          <p:cNvPr id="99" name="Google Shape;99;p15"/>
-          <p:cNvSpPr txBox="1">
+          <p:cNvPr id="4" name="Slide Number Placeholder 3">
+            <a:extLst>
+              <a:ext uri="{FF2B5EF4-FFF2-40B4-BE49-F238E27FC236}">
+                <a16:creationId xmlns:a16="http://schemas.microsoft.com/office/drawing/2014/main" id="{64987AE6-EC0E-43DD-9376-95A5602EE5E1}"/>
+              </a:ext>
+            </a:extLst>
+          </p:cNvPr>
+          <p:cNvSpPr>
             <a:spLocks noGrp="1"/>
           </p:cNvSpPr>
           <p:nvPr>
-            <p:ph type="sldNum" idx="4294967295"/>
+            <p:ph type="sldNum" idx="12"/>
           </p:nvPr>
         </p:nvSpPr>
-        <p:spPr>
-          <a:xfrm>
-            <a:off x="8404384" y="4749851"/>
-            <a:ext cx="548700" cy="393600"/>
-          </a:xfrm>
-          <a:prstGeom prst="rect">
-            <a:avLst/>
-          </a:prstGeom>
-        </p:spPr>
+        <p:spPr/>
         <p:txBody>
-          <a:bodyPr spcFirstLastPara="1" wrap="square" lIns="91425" tIns="91425" rIns="91425" bIns="91425" anchor="t" anchorCtr="0">
-            <a:noAutofit/>
-          </a:bodyPr>
+          <a:bodyPr/>
           <a:lstStyle/>
           <a:p>
             <a:pPr marL="0" lvl="0" indent="0" algn="r" rtl="0">
@@ -16377,17 +16438,17 @@
               <a:buNone/>
             </a:pPr>
             <a:fld id="{00000000-1234-1234-1234-123412341234}" type="slidenum">
-              <a:rPr lang="en"/>
+              <a:rPr lang="en" smtClean="0"/>
               <a:t>26</a:t>
             </a:fld>
-            <a:endParaRPr/>
+            <a:endParaRPr lang="en"/>
           </a:p>
         </p:txBody>
       </p:sp>
     </p:spTree>
     <p:extLst>
       <p:ext uri="{BB962C8B-B14F-4D97-AF65-F5344CB8AC3E}">
-        <p14:creationId xmlns:p14="http://schemas.microsoft.com/office/powerpoint/2010/main" val="2239011547"/>
+        <p14:creationId xmlns:p14="http://schemas.microsoft.com/office/powerpoint/2010/main" val="549091048"/>
       </p:ext>
     </p:extLst>
   </p:cSld>
@@ -16398,6 +16459,279 @@
 </file>
 
 <file path=ppt/slides/slide27.xml><?xml version="1.0" encoding="utf-8"?>
+<p:sld xmlns:a="http://schemas.openxmlformats.org/drawingml/2006/main" xmlns:r="http://schemas.openxmlformats.org/officeDocument/2006/relationships" xmlns:p="http://schemas.openxmlformats.org/presentationml/2006/main">
+  <p:cSld>
+    <p:spTree>
+      <p:nvGrpSpPr>
+        <p:cNvPr id="1" name=""/>
+        <p:cNvGrpSpPr/>
+        <p:nvPr/>
+      </p:nvGrpSpPr>
+      <p:grpSpPr>
+        <a:xfrm>
+          <a:off x="0" y="0"/>
+          <a:ext cx="0" cy="0"/>
+          <a:chOff x="0" y="0"/>
+          <a:chExt cx="0" cy="0"/>
+        </a:xfrm>
+      </p:grpSpPr>
+      <p:sp>
+        <p:nvSpPr>
+          <p:cNvPr id="2" name="Title 1">
+            <a:extLst>
+              <a:ext uri="{FF2B5EF4-FFF2-40B4-BE49-F238E27FC236}">
+                <a16:creationId xmlns:a16="http://schemas.microsoft.com/office/drawing/2014/main" id="{024AD384-5AD1-4435-A943-1241B2FACD62}"/>
+              </a:ext>
+            </a:extLst>
+          </p:cNvPr>
+          <p:cNvSpPr>
+            <a:spLocks noGrp="1"/>
+          </p:cNvSpPr>
+          <p:nvPr>
+            <p:ph type="title"/>
+          </p:nvPr>
+        </p:nvSpPr>
+        <p:spPr/>
+        <p:txBody>
+          <a:bodyPr/>
+          <a:lstStyle/>
+          <a:p>
+            <a:r>
+              <a:rPr lang="en-US"/>
+              <a:t>Plotting</a:t>
+            </a:r>
+            <a:endParaRPr lang="fa-IR"/>
+          </a:p>
+        </p:txBody>
+      </p:sp>
+      <p:sp>
+        <p:nvSpPr>
+          <p:cNvPr id="3" name="Text Placeholder 2">
+            <a:extLst>
+              <a:ext uri="{FF2B5EF4-FFF2-40B4-BE49-F238E27FC236}">
+                <a16:creationId xmlns:a16="http://schemas.microsoft.com/office/drawing/2014/main" id="{58BE3078-8B89-4550-B497-93E4DADBD57E}"/>
+              </a:ext>
+            </a:extLst>
+          </p:cNvPr>
+          <p:cNvSpPr>
+            <a:spLocks noGrp="1"/>
+          </p:cNvSpPr>
+          <p:nvPr>
+            <p:ph type="body" idx="1"/>
+          </p:nvPr>
+        </p:nvSpPr>
+        <p:spPr>
+          <a:xfrm>
+            <a:off x="786150" y="1142608"/>
+            <a:ext cx="7571700" cy="3626431"/>
+          </a:xfrm>
+        </p:spPr>
+        <p:txBody>
+          <a:bodyPr/>
+          <a:lstStyle/>
+          <a:p>
+            <a:pPr marL="76200" indent="0" algn="just">
+              <a:buNone/>
+            </a:pPr>
+            <a:r>
+              <a:rPr lang="en-US" sz="1100">
+                <a:latin typeface="Consolas" panose="020B0609020204030204" pitchFamily="49" charset="0"/>
+              </a:rPr>
+              <a:t>xpoints = np.array([0, 10, 8])</a:t>
+            </a:r>
+          </a:p>
+          <a:p>
+            <a:pPr marL="76200" indent="0" algn="just">
+              <a:buNone/>
+            </a:pPr>
+            <a:r>
+              <a:rPr lang="en-US" sz="1100">
+                <a:latin typeface="Consolas" panose="020B0609020204030204" pitchFamily="49" charset="0"/>
+              </a:rPr>
+              <a:t>ypoints = np.array([0, 15, 4])</a:t>
+            </a:r>
+          </a:p>
+          <a:p>
+            <a:pPr marL="76200" indent="0" algn="just">
+              <a:buNone/>
+            </a:pPr>
+            <a:endParaRPr lang="en-US" sz="1100"/>
+          </a:p>
+          <a:p>
+            <a:pPr marL="76200" indent="0" algn="just">
+              <a:buNone/>
+            </a:pPr>
+            <a:r>
+              <a:rPr lang="en-US" sz="1400"/>
+              <a:t>Plotting x and y points</a:t>
+            </a:r>
+          </a:p>
+          <a:p>
+            <a:pPr marL="76200" indent="0" algn="just">
+              <a:buNone/>
+            </a:pPr>
+            <a:r>
+              <a:rPr lang="en-US" sz="1100">
+                <a:latin typeface="Consolas" panose="020B0609020204030204" pitchFamily="49" charset="0"/>
+              </a:rPr>
+              <a:t>plt.</a:t>
+            </a:r>
+            <a:r>
+              <a:rPr lang="en-US" sz="1100">
+                <a:solidFill>
+                  <a:schemeClr val="accent1"/>
+                </a:solidFill>
+                <a:latin typeface="Consolas" panose="020B0609020204030204" pitchFamily="49" charset="0"/>
+              </a:rPr>
+              <a:t>plot(</a:t>
+            </a:r>
+            <a:r>
+              <a:rPr lang="en-US" sz="1100">
+                <a:latin typeface="Consolas" panose="020B0609020204030204" pitchFamily="49" charset="0"/>
+              </a:rPr>
+              <a:t>xpoints, ypoints</a:t>
+            </a:r>
+            <a:r>
+              <a:rPr lang="en-US" sz="1100">
+                <a:solidFill>
+                  <a:schemeClr val="accent1"/>
+                </a:solidFill>
+                <a:latin typeface="Consolas" panose="020B0609020204030204" pitchFamily="49" charset="0"/>
+              </a:rPr>
+              <a:t>)</a:t>
+            </a:r>
+          </a:p>
+          <a:p>
+            <a:pPr marL="76200" indent="0" algn="just">
+              <a:buNone/>
+            </a:pPr>
+            <a:r>
+              <a:rPr lang="en-US" sz="1100">
+                <a:latin typeface="Consolas" panose="020B0609020204030204" pitchFamily="49" charset="0"/>
+              </a:rPr>
+              <a:t>plt.</a:t>
+            </a:r>
+            <a:r>
+              <a:rPr lang="en-US" sz="1100">
+                <a:solidFill>
+                  <a:schemeClr val="accent1"/>
+                </a:solidFill>
+                <a:latin typeface="Consolas" panose="020B0609020204030204" pitchFamily="49" charset="0"/>
+              </a:rPr>
+              <a:t>show()</a:t>
+            </a:r>
+          </a:p>
+          <a:p>
+            <a:pPr marL="76200" indent="0" algn="just">
+              <a:buNone/>
+            </a:pPr>
+            <a:endParaRPr lang="en-US" sz="1100">
+              <a:solidFill>
+                <a:schemeClr val="accent1"/>
+              </a:solidFill>
+              <a:latin typeface="Consolas" panose="020B0609020204030204" pitchFamily="49" charset="0"/>
+            </a:endParaRPr>
+          </a:p>
+          <a:p>
+            <a:pPr marL="76200" indent="0" algn="just">
+              <a:buNone/>
+            </a:pPr>
+            <a:r>
+              <a:rPr lang="en-US" sz="1400"/>
+              <a:t>Plotting without line</a:t>
+            </a:r>
+          </a:p>
+          <a:p>
+            <a:pPr marL="76200" indent="0" algn="just">
+              <a:buNone/>
+            </a:pPr>
+            <a:r>
+              <a:rPr lang="en-US" sz="1100">
+                <a:latin typeface="Consolas" panose="020B0609020204030204" pitchFamily="49" charset="0"/>
+              </a:rPr>
+              <a:t>plt.plot(xpoints, ypoints, </a:t>
+            </a:r>
+            <a:r>
+              <a:rPr lang="en-US" sz="1100">
+                <a:solidFill>
+                  <a:schemeClr val="accent1"/>
+                </a:solidFill>
+                <a:latin typeface="Consolas" panose="020B0609020204030204" pitchFamily="49" charset="0"/>
+              </a:rPr>
+              <a:t>'o'</a:t>
+            </a:r>
+            <a:r>
+              <a:rPr lang="en-US" sz="1100">
+                <a:latin typeface="Consolas" panose="020B0609020204030204" pitchFamily="49" charset="0"/>
+              </a:rPr>
+              <a:t>)</a:t>
+            </a:r>
+          </a:p>
+          <a:p>
+            <a:pPr marL="76200" indent="0" algn="just">
+              <a:buNone/>
+            </a:pPr>
+            <a:r>
+              <a:rPr lang="en-US" sz="1100">
+                <a:latin typeface="Consolas" panose="020B0609020204030204" pitchFamily="49" charset="0"/>
+              </a:rPr>
+              <a:t>plt.show()</a:t>
+            </a:r>
+          </a:p>
+        </p:txBody>
+      </p:sp>
+      <p:sp>
+        <p:nvSpPr>
+          <p:cNvPr id="4" name="Slide Number Placeholder 3">
+            <a:extLst>
+              <a:ext uri="{FF2B5EF4-FFF2-40B4-BE49-F238E27FC236}">
+                <a16:creationId xmlns:a16="http://schemas.microsoft.com/office/drawing/2014/main" id="{64987AE6-EC0E-43DD-9376-95A5602EE5E1}"/>
+              </a:ext>
+            </a:extLst>
+          </p:cNvPr>
+          <p:cNvSpPr>
+            <a:spLocks noGrp="1"/>
+          </p:cNvSpPr>
+          <p:nvPr>
+            <p:ph type="sldNum" idx="12"/>
+          </p:nvPr>
+        </p:nvSpPr>
+        <p:spPr/>
+        <p:txBody>
+          <a:bodyPr/>
+          <a:lstStyle/>
+          <a:p>
+            <a:pPr marL="0" lvl="0" indent="0" algn="r" rtl="0">
+              <a:spcBef>
+                <a:spcPts val="0"/>
+              </a:spcBef>
+              <a:spcAft>
+                <a:spcPts val="0"/>
+              </a:spcAft>
+              <a:buNone/>
+            </a:pPr>
+            <a:fld id="{00000000-1234-1234-1234-123412341234}" type="slidenum">
+              <a:rPr lang="en" smtClean="0"/>
+              <a:t>27</a:t>
+            </a:fld>
+            <a:endParaRPr lang="en"/>
+          </a:p>
+        </p:txBody>
+      </p:sp>
+    </p:spTree>
+    <p:extLst>
+      <p:ext uri="{BB962C8B-B14F-4D97-AF65-F5344CB8AC3E}">
+        <p14:creationId xmlns:p14="http://schemas.microsoft.com/office/powerpoint/2010/main" val="2691195353"/>
+      </p:ext>
+    </p:extLst>
+  </p:cSld>
+  <p:clrMapOvr>
+    <a:masterClrMapping/>
+  </p:clrMapOvr>
+</p:sld>
+</file>
+
+<file path=ppt/slides/slide28.xml><?xml version="1.0" encoding="utf-8"?>
 <p:sld xmlns:a="http://schemas.openxmlformats.org/drawingml/2006/main" xmlns:r="http://schemas.openxmlformats.org/officeDocument/2006/relationships" xmlns:p="http://schemas.openxmlformats.org/presentationml/2006/main">
   <p:cSld>
     <p:spTree>
@@ -16650,7 +16984,7 @@
             </a:pPr>
             <a:fld id="{00000000-1234-1234-1234-123412341234}" type="slidenum">
               <a:rPr lang="en"/>
-              <a:t>27</a:t>
+              <a:t>28</a:t>
             </a:fld>
             <a:endParaRPr/>
           </a:p>
@@ -17079,7 +17413,19 @@
             </a:pPr>
             <a:r>
               <a:rPr lang="en-US" sz="1400"/>
-              <a:t>NumPy is a Python library used for working with arrays. It also has functions for working in domain of linear algebra, fourier transform, and matrices.</a:t>
+              <a:t>NumPy is a Python library used for working with </a:t>
+            </a:r>
+            <a:r>
+              <a:rPr lang="en-US" sz="1400">
+                <a:solidFill>
+                  <a:schemeClr val="accent1"/>
+                </a:solidFill>
+              </a:rPr>
+              <a:t>arrays</a:t>
+            </a:r>
+            <a:r>
+              <a:rPr lang="en-US" sz="1400"/>
+              <a:t>. It also has functions for working in domain of linear algebra, fourier transform, and matrices.</a:t>
             </a:r>
           </a:p>
           <a:p>

--- a/Powerpoint/2 Data Science.pptx
+++ b/Powerpoint/2 Data Science.pptx
@@ -5,10 +5,10 @@
     <p:sldMasterId id="2147483658" r:id="rId1"/>
   </p:sldMasterIdLst>
   <p:notesMasterIdLst>
-    <p:notesMasterId r:id="rId30"/>
+    <p:notesMasterId r:id="rId31"/>
   </p:notesMasterIdLst>
   <p:handoutMasterIdLst>
-    <p:handoutMasterId r:id="rId31"/>
+    <p:handoutMasterId r:id="rId32"/>
   </p:handoutMasterIdLst>
   <p:sldIdLst>
     <p:sldId id="256" r:id="rId2"/>
@@ -38,36 +38,37 @@
     <p:sldId id="335" r:id="rId26"/>
     <p:sldId id="358" r:id="rId27"/>
     <p:sldId id="359" r:id="rId28"/>
-    <p:sldId id="280" r:id="rId29"/>
+    <p:sldId id="361" r:id="rId29"/>
+    <p:sldId id="280" r:id="rId30"/>
   </p:sldIdLst>
   <p:sldSz cx="9144000" cy="5143500" type="screen16x9"/>
   <p:notesSz cx="6858000" cy="9144000"/>
   <p:embeddedFontLst>
     <p:embeddedFont>
       <p:font typeface="Consolas" panose="020B0609020204030204" pitchFamily="49" charset="0"/>
-      <p:regular r:id="rId32"/>
-      <p:bold r:id="rId33"/>
-      <p:italic r:id="rId34"/>
-      <p:boldItalic r:id="rId35"/>
+      <p:regular r:id="rId33"/>
+      <p:bold r:id="rId34"/>
+      <p:italic r:id="rId35"/>
+      <p:boldItalic r:id="rId36"/>
     </p:embeddedFont>
     <p:embeddedFont>
       <p:font typeface="Roboto Slab" panose="020B0604020202020204" charset="0"/>
-      <p:regular r:id="rId36"/>
-      <p:bold r:id="rId37"/>
+      <p:regular r:id="rId37"/>
+      <p:bold r:id="rId38"/>
     </p:embeddedFont>
     <p:embeddedFont>
       <p:font typeface="Source Sans Pro" panose="020B0503030403020204" pitchFamily="34" charset="0"/>
-      <p:regular r:id="rId38"/>
-      <p:bold r:id="rId39"/>
-      <p:italic r:id="rId40"/>
-      <p:boldItalic r:id="rId41"/>
+      <p:regular r:id="rId39"/>
+      <p:bold r:id="rId40"/>
+      <p:italic r:id="rId41"/>
+      <p:boldItalic r:id="rId42"/>
     </p:embeddedFont>
     <p:embeddedFont>
       <p:font typeface="Trebuchet MS" panose="020B0603020202020204" pitchFamily="34" charset="0"/>
-      <p:regular r:id="rId42"/>
-      <p:bold r:id="rId43"/>
-      <p:italic r:id="rId44"/>
-      <p:boldItalic r:id="rId45"/>
+      <p:regular r:id="rId43"/>
+      <p:bold r:id="rId44"/>
+      <p:italic r:id="rId45"/>
+      <p:boldItalic r:id="rId46"/>
     </p:embeddedFont>
   </p:embeddedFontLst>
   <p:defaultTextStyle>
@@ -16736,6 +16737,286 @@
   <p:cSld>
     <p:spTree>
       <p:nvGrpSpPr>
+        <p:cNvPr id="1" name=""/>
+        <p:cNvGrpSpPr/>
+        <p:nvPr/>
+      </p:nvGrpSpPr>
+      <p:grpSpPr>
+        <a:xfrm>
+          <a:off x="0" y="0"/>
+          <a:ext cx="0" cy="0"/>
+          <a:chOff x="0" y="0"/>
+          <a:chExt cx="0" cy="0"/>
+        </a:xfrm>
+      </p:grpSpPr>
+      <p:sp>
+        <p:nvSpPr>
+          <p:cNvPr id="2" name="Title 1">
+            <a:extLst>
+              <a:ext uri="{FF2B5EF4-FFF2-40B4-BE49-F238E27FC236}">
+                <a16:creationId xmlns:a16="http://schemas.microsoft.com/office/drawing/2014/main" id="{024AD384-5AD1-4435-A943-1241B2FACD62}"/>
+              </a:ext>
+            </a:extLst>
+          </p:cNvPr>
+          <p:cNvSpPr>
+            <a:spLocks noGrp="1"/>
+          </p:cNvSpPr>
+          <p:nvPr>
+            <p:ph type="title"/>
+          </p:nvPr>
+        </p:nvSpPr>
+        <p:spPr/>
+        <p:txBody>
+          <a:bodyPr/>
+          <a:lstStyle/>
+          <a:p>
+            <a:r>
+              <a:rPr lang="en-US"/>
+              <a:t>Format Strings</a:t>
+            </a:r>
+            <a:endParaRPr lang="fa-IR"/>
+          </a:p>
+        </p:txBody>
+      </p:sp>
+      <p:sp>
+        <p:nvSpPr>
+          <p:cNvPr id="3" name="Text Placeholder 2">
+            <a:extLst>
+              <a:ext uri="{FF2B5EF4-FFF2-40B4-BE49-F238E27FC236}">
+                <a16:creationId xmlns:a16="http://schemas.microsoft.com/office/drawing/2014/main" id="{58BE3078-8B89-4550-B497-93E4DADBD57E}"/>
+              </a:ext>
+            </a:extLst>
+          </p:cNvPr>
+          <p:cNvSpPr>
+            <a:spLocks noGrp="1"/>
+          </p:cNvSpPr>
+          <p:nvPr>
+            <p:ph type="body" idx="1"/>
+          </p:nvPr>
+        </p:nvSpPr>
+        <p:spPr>
+          <a:xfrm>
+            <a:off x="786150" y="1142608"/>
+            <a:ext cx="7571700" cy="3626431"/>
+          </a:xfrm>
+        </p:spPr>
+        <p:txBody>
+          <a:bodyPr/>
+          <a:lstStyle/>
+          <a:p>
+            <a:pPr marL="76200" indent="0" algn="just">
+              <a:buNone/>
+            </a:pPr>
+            <a:r>
+              <a:rPr lang="en-US" sz="1400"/>
+              <a:t>fmt parameter</a:t>
+            </a:r>
+          </a:p>
+          <a:p>
+            <a:pPr marL="76200" indent="0" algn="just">
+              <a:buNone/>
+            </a:pPr>
+            <a:r>
+              <a:rPr lang="en-US" sz="1100">
+                <a:latin typeface="Consolas" panose="020B0609020204030204" pitchFamily="49" charset="0"/>
+              </a:rPr>
+              <a:t>xpoints = np.array([0, 10, 8])</a:t>
+            </a:r>
+          </a:p>
+          <a:p>
+            <a:pPr marL="76200" indent="0" algn="just">
+              <a:buNone/>
+            </a:pPr>
+            <a:r>
+              <a:rPr lang="en-US" sz="1100">
+                <a:latin typeface="Consolas" panose="020B0609020204030204" pitchFamily="49" charset="0"/>
+              </a:rPr>
+              <a:t>ypoints = np.array([0, 15, 4])</a:t>
+            </a:r>
+          </a:p>
+          <a:p>
+            <a:pPr marL="76200" indent="0" algn="just">
+              <a:buNone/>
+            </a:pPr>
+            <a:r>
+              <a:rPr lang="en-US" sz="1100">
+                <a:solidFill>
+                  <a:schemeClr val="accent1"/>
+                </a:solidFill>
+                <a:latin typeface="Consolas" panose="020B0609020204030204" pitchFamily="49" charset="0"/>
+              </a:rPr>
+              <a:t>marker</a:t>
+            </a:r>
+            <a:r>
+              <a:rPr lang="en-US" sz="1100">
+                <a:latin typeface="Consolas" panose="020B0609020204030204" pitchFamily="49" charset="0"/>
+              </a:rPr>
+              <a:t>, </a:t>
+            </a:r>
+            <a:r>
+              <a:rPr lang="en-US" sz="1100">
+                <a:solidFill>
+                  <a:schemeClr val="accent1"/>
+                </a:solidFill>
+                <a:latin typeface="Consolas" panose="020B0609020204030204" pitchFamily="49" charset="0"/>
+              </a:rPr>
+              <a:t>line</a:t>
+            </a:r>
+            <a:r>
+              <a:rPr lang="en-US" sz="1100">
+                <a:latin typeface="Consolas" panose="020B0609020204030204" pitchFamily="49" charset="0"/>
+              </a:rPr>
+              <a:t>, </a:t>
+            </a:r>
+            <a:r>
+              <a:rPr lang="en-US" sz="1100">
+                <a:solidFill>
+                  <a:schemeClr val="accent1"/>
+                </a:solidFill>
+                <a:latin typeface="Consolas" panose="020B0609020204030204" pitchFamily="49" charset="0"/>
+              </a:rPr>
+              <a:t>color</a:t>
+            </a:r>
+            <a:r>
+              <a:rPr lang="en-US" sz="1100">
+                <a:latin typeface="Consolas" panose="020B0609020204030204" pitchFamily="49" charset="0"/>
+              </a:rPr>
+              <a:t> = '*', '--', 'g'</a:t>
+            </a:r>
+          </a:p>
+          <a:p>
+            <a:pPr marL="76200" indent="0" algn="just">
+              <a:buNone/>
+            </a:pPr>
+            <a:r>
+              <a:rPr lang="en-US" sz="1100">
+                <a:latin typeface="Consolas" panose="020B0609020204030204" pitchFamily="49" charset="0"/>
+              </a:rPr>
+              <a:t>plt.plot(xpoints, ypoints, f'{marker}{line}{color}')</a:t>
+            </a:r>
+          </a:p>
+          <a:p>
+            <a:pPr marL="76200" indent="0" algn="just">
+              <a:buNone/>
+            </a:pPr>
+            <a:r>
+              <a:rPr lang="en-US" sz="1100">
+                <a:latin typeface="Consolas" panose="020B0609020204030204" pitchFamily="49" charset="0"/>
+              </a:rPr>
+              <a:t>plt.show</a:t>
+            </a:r>
+          </a:p>
+          <a:p>
+            <a:pPr marL="76200" indent="0" algn="just">
+              <a:buNone/>
+            </a:pPr>
+            <a:endParaRPr lang="en-US" sz="1100">
+              <a:latin typeface="Consolas" panose="020B0609020204030204" pitchFamily="49" charset="0"/>
+            </a:endParaRPr>
+          </a:p>
+          <a:p>
+            <a:r>
+              <a:rPr lang="en-US"/>
+              <a:t>Marker, line, and color</a:t>
+            </a:r>
+            <a:endParaRPr lang="en-US">
+              <a:latin typeface="Consolas" panose="020B0609020204030204" pitchFamily="49" charset="0"/>
+            </a:endParaRPr>
+          </a:p>
+          <a:p>
+            <a:r>
+              <a:rPr lang="en-US" sz="1100"/>
+              <a:t>Marker</a:t>
+            </a:r>
+            <a:r>
+              <a:rPr lang="en-US" sz="1100">
+                <a:latin typeface="Consolas" panose="020B0609020204030204" pitchFamily="49" charset="0"/>
+              </a:rPr>
+              <a:t>:  o  *  .  ,  x  X  +  P  s  D  d  p  h  H  v  ^  &lt;  &gt;  1  2  3  4  |  _</a:t>
+            </a:r>
+          </a:p>
+          <a:p>
+            <a:r>
+              <a:rPr lang="en-US" sz="1100"/>
+              <a:t>Line</a:t>
+            </a:r>
+            <a:r>
+              <a:rPr lang="en-US" sz="1100">
+                <a:latin typeface="Consolas" panose="020B0609020204030204" pitchFamily="49" charset="0"/>
+              </a:rPr>
+              <a:t>:  -  :  --  -.</a:t>
+            </a:r>
+          </a:p>
+          <a:p>
+            <a:r>
+              <a:rPr lang="en-US" sz="1100"/>
+              <a:t>Color:</a:t>
+            </a:r>
+            <a:r>
+              <a:rPr lang="en-US" sz="1100">
+                <a:latin typeface="Consolas" panose="020B0609020204030204" pitchFamily="49" charset="0"/>
+              </a:rPr>
+              <a:t>  r  g  b  c  m  y  k  w</a:t>
+            </a:r>
+          </a:p>
+        </p:txBody>
+      </p:sp>
+      <p:sp>
+        <p:nvSpPr>
+          <p:cNvPr id="4" name="Slide Number Placeholder 3">
+            <a:extLst>
+              <a:ext uri="{FF2B5EF4-FFF2-40B4-BE49-F238E27FC236}">
+                <a16:creationId xmlns:a16="http://schemas.microsoft.com/office/drawing/2014/main" id="{64987AE6-EC0E-43DD-9376-95A5602EE5E1}"/>
+              </a:ext>
+            </a:extLst>
+          </p:cNvPr>
+          <p:cNvSpPr>
+            <a:spLocks noGrp="1"/>
+          </p:cNvSpPr>
+          <p:nvPr>
+            <p:ph type="sldNum" idx="12"/>
+          </p:nvPr>
+        </p:nvSpPr>
+        <p:spPr/>
+        <p:txBody>
+          <a:bodyPr/>
+          <a:lstStyle/>
+          <a:p>
+            <a:pPr marL="0" lvl="0" indent="0" algn="r" rtl="0">
+              <a:spcBef>
+                <a:spcPts val="0"/>
+              </a:spcBef>
+              <a:spcAft>
+                <a:spcPts val="0"/>
+              </a:spcAft>
+              <a:buNone/>
+            </a:pPr>
+            <a:fld id="{00000000-1234-1234-1234-123412341234}" type="slidenum">
+              <a:rPr lang="en" smtClean="0"/>
+              <a:t>28</a:t>
+            </a:fld>
+            <a:endParaRPr lang="en"/>
+          </a:p>
+        </p:txBody>
+      </p:sp>
+    </p:spTree>
+    <p:extLst>
+      <p:ext uri="{BB962C8B-B14F-4D97-AF65-F5344CB8AC3E}">
+        <p14:creationId xmlns:p14="http://schemas.microsoft.com/office/powerpoint/2010/main" val="3799765536"/>
+      </p:ext>
+    </p:extLst>
+  </p:cSld>
+  <p:clrMapOvr>
+    <a:masterClrMapping/>
+  </p:clrMapOvr>
+</p:sld>
+</file>
+
+<file path=ppt/slides/slide29.xml><?xml version="1.0" encoding="utf-8"?>
+<p:sld xmlns:a="http://schemas.openxmlformats.org/drawingml/2006/main" xmlns:r="http://schemas.openxmlformats.org/officeDocument/2006/relationships" xmlns:p="http://schemas.openxmlformats.org/presentationml/2006/main">
+  <p:cSld>
+    <p:spTree>
+      <p:nvGrpSpPr>
         <p:cNvPr id="1" name="Shape 402"/>
         <p:cNvGrpSpPr/>
         <p:nvPr/>
@@ -16984,7 +17265,7 @@
             </a:pPr>
             <a:fld id="{00000000-1234-1234-1234-123412341234}" type="slidenum">
               <a:rPr lang="en"/>
-              <a:t>28</a:t>
+              <a:t>29</a:t>
             </a:fld>
             <a:endParaRPr/>
           </a:p>

--- a/Powerpoint/2 Data Science.pptx
+++ b/Powerpoint/2 Data Science.pptx
@@ -5,10 +5,10 @@
     <p:sldMasterId id="2147483658" r:id="rId1"/>
   </p:sldMasterIdLst>
   <p:notesMasterIdLst>
-    <p:notesMasterId r:id="rId31"/>
+    <p:notesMasterId r:id="rId32"/>
   </p:notesMasterIdLst>
   <p:handoutMasterIdLst>
-    <p:handoutMasterId r:id="rId32"/>
+    <p:handoutMasterId r:id="rId33"/>
   </p:handoutMasterIdLst>
   <p:sldIdLst>
     <p:sldId id="256" r:id="rId2"/>
@@ -39,36 +39,37 @@
     <p:sldId id="358" r:id="rId27"/>
     <p:sldId id="359" r:id="rId28"/>
     <p:sldId id="361" r:id="rId29"/>
-    <p:sldId id="280" r:id="rId30"/>
+    <p:sldId id="362" r:id="rId30"/>
+    <p:sldId id="280" r:id="rId31"/>
   </p:sldIdLst>
   <p:sldSz cx="9144000" cy="5143500" type="screen16x9"/>
   <p:notesSz cx="6858000" cy="9144000"/>
   <p:embeddedFontLst>
     <p:embeddedFont>
       <p:font typeface="Consolas" panose="020B0609020204030204" pitchFamily="49" charset="0"/>
-      <p:regular r:id="rId33"/>
-      <p:bold r:id="rId34"/>
-      <p:italic r:id="rId35"/>
-      <p:boldItalic r:id="rId36"/>
+      <p:regular r:id="rId34"/>
+      <p:bold r:id="rId35"/>
+      <p:italic r:id="rId36"/>
+      <p:boldItalic r:id="rId37"/>
     </p:embeddedFont>
     <p:embeddedFont>
       <p:font typeface="Roboto Slab" panose="020B0604020202020204" charset="0"/>
-      <p:regular r:id="rId37"/>
-      <p:bold r:id="rId38"/>
+      <p:regular r:id="rId38"/>
+      <p:bold r:id="rId39"/>
     </p:embeddedFont>
     <p:embeddedFont>
       <p:font typeface="Source Sans Pro" panose="020B0503030403020204" pitchFamily="34" charset="0"/>
-      <p:regular r:id="rId39"/>
-      <p:bold r:id="rId40"/>
-      <p:italic r:id="rId41"/>
-      <p:boldItalic r:id="rId42"/>
+      <p:regular r:id="rId40"/>
+      <p:bold r:id="rId41"/>
+      <p:italic r:id="rId42"/>
+      <p:boldItalic r:id="rId43"/>
     </p:embeddedFont>
     <p:embeddedFont>
       <p:font typeface="Trebuchet MS" panose="020B0603020202020204" pitchFamily="34" charset="0"/>
-      <p:regular r:id="rId43"/>
-      <p:bold r:id="rId44"/>
-      <p:italic r:id="rId45"/>
-      <p:boldItalic r:id="rId46"/>
+      <p:regular r:id="rId44"/>
+      <p:bold r:id="rId45"/>
+      <p:italic r:id="rId46"/>
+      <p:boldItalic r:id="rId47"/>
     </p:embeddedFont>
   </p:embeddedFontLst>
   <p:defaultTextStyle>
@@ -16772,7 +16773,7 @@
           <a:p>
             <a:r>
               <a:rPr lang="en-US"/>
-              <a:t>Format Strings</a:t>
+              <a:t>Markers and Line</a:t>
             </a:r>
             <a:endParaRPr lang="fa-IR"/>
           </a:p>
@@ -16840,59 +16841,35 @@
             </a:pPr>
             <a:r>
               <a:rPr lang="en-US" sz="1100">
+                <a:latin typeface="Consolas" panose="020B0609020204030204" pitchFamily="49" charset="0"/>
+              </a:rPr>
+              <a:t>marker, line, color = '*', '--', 'g'</a:t>
+            </a:r>
+          </a:p>
+          <a:p>
+            <a:pPr marL="76200" indent="0" algn="just">
+              <a:buNone/>
+            </a:pPr>
+            <a:r>
+              <a:rPr lang="en-US" sz="1100">
+                <a:latin typeface="Consolas" panose="020B0609020204030204" pitchFamily="49" charset="0"/>
+              </a:rPr>
+              <a:t>plt.plot(xpoints, ypoints, </a:t>
+            </a:r>
+            <a:r>
+              <a:rPr lang="en-US" sz="1100">
                 <a:solidFill>
                   <a:schemeClr val="accent1"/>
                 </a:solidFill>
                 <a:latin typeface="Consolas" panose="020B0609020204030204" pitchFamily="49" charset="0"/>
               </a:rPr>
-              <a:t>marker</a:t>
-            </a:r>
-            <a:r>
-              <a:rPr lang="en-US" sz="1100">
-                <a:latin typeface="Consolas" panose="020B0609020204030204" pitchFamily="49" charset="0"/>
-              </a:rPr>
-              <a:t>, </a:t>
-            </a:r>
-            <a:r>
-              <a:rPr lang="en-US" sz="1100">
-                <a:solidFill>
-                  <a:schemeClr val="accent1"/>
-                </a:solidFill>
-                <a:latin typeface="Consolas" panose="020B0609020204030204" pitchFamily="49" charset="0"/>
-              </a:rPr>
-              <a:t>line</a:t>
-            </a:r>
-            <a:r>
-              <a:rPr lang="en-US" sz="1100">
-                <a:latin typeface="Consolas" panose="020B0609020204030204" pitchFamily="49" charset="0"/>
-              </a:rPr>
-              <a:t>, </a:t>
-            </a:r>
-            <a:r>
-              <a:rPr lang="en-US" sz="1100">
-                <a:solidFill>
-                  <a:schemeClr val="accent1"/>
-                </a:solidFill>
-                <a:latin typeface="Consolas" panose="020B0609020204030204" pitchFamily="49" charset="0"/>
-              </a:rPr>
-              <a:t>color</a:t>
-            </a:r>
-            <a:r>
-              <a:rPr lang="en-US" sz="1100">
-                <a:latin typeface="Consolas" panose="020B0609020204030204" pitchFamily="49" charset="0"/>
-              </a:rPr>
-              <a:t> = '*', '--', 'g'</a:t>
-            </a:r>
-          </a:p>
-          <a:p>
-            <a:pPr marL="76200" indent="0" algn="just">
-              <a:buNone/>
-            </a:pPr>
-            <a:r>
-              <a:rPr lang="en-US" sz="1100">
-                <a:latin typeface="Consolas" panose="020B0609020204030204" pitchFamily="49" charset="0"/>
-              </a:rPr>
-              <a:t>plt.plot(xpoints, ypoints, f'{marker}{line}{color}')</a:t>
+              <a:t>f'{marker}{line}{color}'</a:t>
+            </a:r>
+            <a:r>
+              <a:rPr lang="en-US" sz="1100">
+                <a:latin typeface="Consolas" panose="020B0609020204030204" pitchFamily="49" charset="0"/>
+              </a:rPr>
+              <a:t>)</a:t>
             </a:r>
           </a:p>
           <a:p>
@@ -16917,7 +16894,7 @@
           <a:p>
             <a:r>
               <a:rPr lang="en-US"/>
-              <a:t>Marker, line, and color</a:t>
+              <a:t>fmt reference</a:t>
             </a:r>
             <a:endParaRPr lang="en-US">
               <a:latin typeface="Consolas" panose="020B0609020204030204" pitchFamily="49" charset="0"/>
@@ -17013,6 +16990,450 @@
 </file>
 
 <file path=ppt/slides/slide29.xml><?xml version="1.0" encoding="utf-8"?>
+<p:sld xmlns:a="http://schemas.openxmlformats.org/drawingml/2006/main" xmlns:r="http://schemas.openxmlformats.org/officeDocument/2006/relationships" xmlns:p="http://schemas.openxmlformats.org/presentationml/2006/main">
+  <p:cSld>
+    <p:spTree>
+      <p:nvGrpSpPr>
+        <p:cNvPr id="1" name=""/>
+        <p:cNvGrpSpPr/>
+        <p:nvPr/>
+      </p:nvGrpSpPr>
+      <p:grpSpPr>
+        <a:xfrm>
+          <a:off x="0" y="0"/>
+          <a:ext cx="0" cy="0"/>
+          <a:chOff x="0" y="0"/>
+          <a:chExt cx="0" cy="0"/>
+        </a:xfrm>
+      </p:grpSpPr>
+      <p:sp>
+        <p:nvSpPr>
+          <p:cNvPr id="2" name="Title 1">
+            <a:extLst>
+              <a:ext uri="{FF2B5EF4-FFF2-40B4-BE49-F238E27FC236}">
+                <a16:creationId xmlns:a16="http://schemas.microsoft.com/office/drawing/2014/main" id="{024AD384-5AD1-4435-A943-1241B2FACD62}"/>
+              </a:ext>
+            </a:extLst>
+          </p:cNvPr>
+          <p:cNvSpPr>
+            <a:spLocks noGrp="1"/>
+          </p:cNvSpPr>
+          <p:nvPr>
+            <p:ph type="title"/>
+          </p:nvPr>
+        </p:nvSpPr>
+        <p:spPr/>
+        <p:txBody>
+          <a:bodyPr/>
+          <a:lstStyle/>
+          <a:p>
+            <a:r>
+              <a:rPr lang="en-US"/>
+              <a:t>Markers and Line</a:t>
+            </a:r>
+            <a:endParaRPr lang="fa-IR"/>
+          </a:p>
+        </p:txBody>
+      </p:sp>
+      <p:sp>
+        <p:nvSpPr>
+          <p:cNvPr id="3" name="Text Placeholder 2">
+            <a:extLst>
+              <a:ext uri="{FF2B5EF4-FFF2-40B4-BE49-F238E27FC236}">
+                <a16:creationId xmlns:a16="http://schemas.microsoft.com/office/drawing/2014/main" id="{58BE3078-8B89-4550-B497-93E4DADBD57E}"/>
+              </a:ext>
+            </a:extLst>
+          </p:cNvPr>
+          <p:cNvSpPr>
+            <a:spLocks noGrp="1"/>
+          </p:cNvSpPr>
+          <p:nvPr>
+            <p:ph type="body" idx="1"/>
+          </p:nvPr>
+        </p:nvSpPr>
+        <p:spPr>
+          <a:xfrm>
+            <a:off x="786150" y="1142608"/>
+            <a:ext cx="7571700" cy="3626431"/>
+          </a:xfrm>
+        </p:spPr>
+        <p:txBody>
+          <a:bodyPr/>
+          <a:lstStyle/>
+          <a:p>
+            <a:pPr marL="76200" indent="0" algn="just">
+              <a:buNone/>
+            </a:pPr>
+            <a:r>
+              <a:rPr lang="en-US"/>
+              <a:t>Multiple Lines</a:t>
+            </a:r>
+            <a:endParaRPr lang="en-US" sz="1400"/>
+          </a:p>
+          <a:p>
+            <a:pPr marL="76200" indent="0" algn="just">
+              <a:buNone/>
+            </a:pPr>
+            <a:r>
+              <a:rPr lang="en-US" sz="1100">
+                <a:latin typeface="Consolas" panose="020B0609020204030204" pitchFamily="49" charset="0"/>
+              </a:rPr>
+              <a:t>y1 = np.array([3, 8, 1, 10])</a:t>
+            </a:r>
+          </a:p>
+          <a:p>
+            <a:pPr marL="76200" indent="0" algn="just">
+              <a:buNone/>
+            </a:pPr>
+            <a:r>
+              <a:rPr lang="en-US" sz="1100">
+                <a:latin typeface="Consolas" panose="020B0609020204030204" pitchFamily="49" charset="0"/>
+              </a:rPr>
+              <a:t>y2 = np.array([6, 2, 7, 11])</a:t>
+            </a:r>
+          </a:p>
+          <a:p>
+            <a:pPr marL="76200" indent="0" algn="just">
+              <a:buNone/>
+            </a:pPr>
+            <a:r>
+              <a:rPr lang="en-US" sz="1100">
+                <a:latin typeface="Consolas" panose="020B0609020204030204" pitchFamily="49" charset="0"/>
+              </a:rPr>
+              <a:t>plt.plot(y1, </a:t>
+            </a:r>
+            <a:r>
+              <a:rPr lang="en-US" sz="1100">
+                <a:solidFill>
+                  <a:schemeClr val="accent1"/>
+                </a:solidFill>
+                <a:latin typeface="Consolas" panose="020B0609020204030204" pitchFamily="49" charset="0"/>
+              </a:rPr>
+              <a:t>marker</a:t>
+            </a:r>
+            <a:r>
+              <a:rPr lang="en-US" sz="1100">
+                <a:latin typeface="Consolas" panose="020B0609020204030204" pitchFamily="49" charset="0"/>
+              </a:rPr>
+              <a:t> = '', </a:t>
+            </a:r>
+            <a:r>
+              <a:rPr lang="en-US" sz="1100">
+                <a:solidFill>
+                  <a:schemeClr val="accent1"/>
+                </a:solidFill>
+                <a:latin typeface="Consolas" panose="020B0609020204030204" pitchFamily="49" charset="0"/>
+              </a:rPr>
+              <a:t>linestyle</a:t>
+            </a:r>
+            <a:r>
+              <a:rPr lang="en-US" sz="1100">
+                <a:latin typeface="Consolas" panose="020B0609020204030204" pitchFamily="49" charset="0"/>
+              </a:rPr>
+              <a:t> = ':', </a:t>
+            </a:r>
+            <a:r>
+              <a:rPr lang="en-US" sz="1100">
+                <a:solidFill>
+                  <a:schemeClr val="accent1"/>
+                </a:solidFill>
+                <a:latin typeface="Consolas" panose="020B0609020204030204" pitchFamily="49" charset="0"/>
+              </a:rPr>
+              <a:t>color</a:t>
+            </a:r>
+            <a:r>
+              <a:rPr lang="en-US" sz="1100">
+                <a:latin typeface="Consolas" panose="020B0609020204030204" pitchFamily="49" charset="0"/>
+              </a:rPr>
+              <a:t> = '#4CAF50')</a:t>
+            </a:r>
+          </a:p>
+          <a:p>
+            <a:pPr marL="76200" indent="0" algn="just">
+              <a:buNone/>
+            </a:pPr>
+            <a:r>
+              <a:rPr lang="en-US" sz="1100">
+                <a:latin typeface="Consolas" panose="020B0609020204030204" pitchFamily="49" charset="0"/>
+              </a:rPr>
+              <a:t>plt.plot(y2, 'o-.r', </a:t>
+            </a:r>
+            <a:r>
+              <a:rPr lang="en-US" sz="1100">
+                <a:solidFill>
+                  <a:schemeClr val="accent1"/>
+                </a:solidFill>
+                <a:latin typeface="Consolas" panose="020B0609020204030204" pitchFamily="49" charset="0"/>
+              </a:rPr>
+              <a:t>markersize</a:t>
+            </a:r>
+            <a:r>
+              <a:rPr lang="en-US" sz="1100">
+                <a:latin typeface="Consolas" panose="020B0609020204030204" pitchFamily="49" charset="0"/>
+              </a:rPr>
+              <a:t> = 9, </a:t>
+            </a:r>
+            <a:r>
+              <a:rPr lang="en-US" sz="1100">
+                <a:solidFill>
+                  <a:schemeClr val="accent1"/>
+                </a:solidFill>
+                <a:latin typeface="Consolas" panose="020B0609020204030204" pitchFamily="49" charset="0"/>
+              </a:rPr>
+              <a:t>linewidth</a:t>
+            </a:r>
+            <a:r>
+              <a:rPr lang="en-US" sz="1100">
+                <a:latin typeface="Consolas" panose="020B0609020204030204" pitchFamily="49" charset="0"/>
+              </a:rPr>
+              <a:t> = 3)</a:t>
+            </a:r>
+          </a:p>
+          <a:p>
+            <a:pPr marL="76200" indent="0" algn="just">
+              <a:buNone/>
+            </a:pPr>
+            <a:r>
+              <a:rPr lang="en-US" sz="1100">
+                <a:latin typeface="Consolas" panose="020B0609020204030204" pitchFamily="49" charset="0"/>
+              </a:rPr>
+              <a:t>plt.show()</a:t>
+            </a:r>
+          </a:p>
+        </p:txBody>
+      </p:sp>
+      <p:sp>
+        <p:nvSpPr>
+          <p:cNvPr id="4" name="Slide Number Placeholder 3">
+            <a:extLst>
+              <a:ext uri="{FF2B5EF4-FFF2-40B4-BE49-F238E27FC236}">
+                <a16:creationId xmlns:a16="http://schemas.microsoft.com/office/drawing/2014/main" id="{64987AE6-EC0E-43DD-9376-95A5602EE5E1}"/>
+              </a:ext>
+            </a:extLst>
+          </p:cNvPr>
+          <p:cNvSpPr>
+            <a:spLocks noGrp="1"/>
+          </p:cNvSpPr>
+          <p:nvPr>
+            <p:ph type="sldNum" idx="12"/>
+          </p:nvPr>
+        </p:nvSpPr>
+        <p:spPr/>
+        <p:txBody>
+          <a:bodyPr/>
+          <a:lstStyle/>
+          <a:p>
+            <a:pPr marL="0" lvl="0" indent="0" algn="r" rtl="0">
+              <a:spcBef>
+                <a:spcPts val="0"/>
+              </a:spcBef>
+              <a:spcAft>
+                <a:spcPts val="0"/>
+              </a:spcAft>
+              <a:buNone/>
+            </a:pPr>
+            <a:fld id="{00000000-1234-1234-1234-123412341234}" type="slidenum">
+              <a:rPr lang="en" smtClean="0"/>
+              <a:t>29</a:t>
+            </a:fld>
+            <a:endParaRPr lang="en"/>
+          </a:p>
+        </p:txBody>
+      </p:sp>
+    </p:spTree>
+    <p:extLst>
+      <p:ext uri="{BB962C8B-B14F-4D97-AF65-F5344CB8AC3E}">
+        <p14:creationId xmlns:p14="http://schemas.microsoft.com/office/powerpoint/2010/main" val="2946997255"/>
+      </p:ext>
+    </p:extLst>
+  </p:cSld>
+  <p:clrMapOvr>
+    <a:masterClrMapping/>
+  </p:clrMapOvr>
+</p:sld>
+</file>
+
+<file path=ppt/slides/slide3.xml><?xml version="1.0" encoding="utf-8"?>
+<p:sld xmlns:a="http://schemas.openxmlformats.org/drawingml/2006/main" xmlns:r="http://schemas.openxmlformats.org/officeDocument/2006/relationships" xmlns:p="http://schemas.openxmlformats.org/presentationml/2006/main">
+  <p:cSld>
+    <p:spTree>
+      <p:nvGrpSpPr>
+        <p:cNvPr id="1" name=""/>
+        <p:cNvGrpSpPr/>
+        <p:nvPr/>
+      </p:nvGrpSpPr>
+      <p:grpSpPr>
+        <a:xfrm>
+          <a:off x="0" y="0"/>
+          <a:ext cx="0" cy="0"/>
+          <a:chOff x="0" y="0"/>
+          <a:chExt cx="0" cy="0"/>
+        </a:xfrm>
+      </p:grpSpPr>
+      <p:sp>
+        <p:nvSpPr>
+          <p:cNvPr id="2" name="Title 1">
+            <a:extLst>
+              <a:ext uri="{FF2B5EF4-FFF2-40B4-BE49-F238E27FC236}">
+                <a16:creationId xmlns:a16="http://schemas.microsoft.com/office/drawing/2014/main" id="{024AD384-5AD1-4435-A943-1241B2FACD62}"/>
+              </a:ext>
+            </a:extLst>
+          </p:cNvPr>
+          <p:cNvSpPr>
+            <a:spLocks noGrp="1"/>
+          </p:cNvSpPr>
+          <p:nvPr>
+            <p:ph type="title"/>
+          </p:nvPr>
+        </p:nvSpPr>
+        <p:spPr/>
+        <p:txBody>
+          <a:bodyPr/>
+          <a:lstStyle/>
+          <a:p>
+            <a:r>
+              <a:rPr lang="en-US"/>
+              <a:t>Data Science</a:t>
+            </a:r>
+            <a:endParaRPr lang="fa-IR"/>
+          </a:p>
+        </p:txBody>
+      </p:sp>
+      <p:sp>
+        <p:nvSpPr>
+          <p:cNvPr id="3" name="Text Placeholder 2">
+            <a:extLst>
+              <a:ext uri="{FF2B5EF4-FFF2-40B4-BE49-F238E27FC236}">
+                <a16:creationId xmlns:a16="http://schemas.microsoft.com/office/drawing/2014/main" id="{58BE3078-8B89-4550-B497-93E4DADBD57E}"/>
+              </a:ext>
+            </a:extLst>
+          </p:cNvPr>
+          <p:cNvSpPr>
+            <a:spLocks noGrp="1"/>
+          </p:cNvSpPr>
+          <p:nvPr>
+            <p:ph type="body" idx="1"/>
+          </p:nvPr>
+        </p:nvSpPr>
+        <p:spPr>
+          <a:xfrm>
+            <a:off x="786150" y="1142608"/>
+            <a:ext cx="3785850" cy="3626431"/>
+          </a:xfrm>
+        </p:spPr>
+        <p:txBody>
+          <a:bodyPr/>
+          <a:lstStyle/>
+          <a:p>
+            <a:pPr marL="76200" indent="0" algn="just">
+              <a:buNone/>
+            </a:pPr>
+            <a:r>
+              <a:rPr lang="en-US" sz="1400"/>
+              <a:t>A Data Scientist helps companies with data-driven decisions, to make their business better.</a:t>
+            </a:r>
+          </a:p>
+          <a:p>
+            <a:pPr marL="76200" indent="0" algn="just">
+              <a:buNone/>
+            </a:pPr>
+            <a:r>
+              <a:rPr lang="en-US" sz="1400"/>
+              <a:t>Data Science is a combination of multiple disciplines that uses statistics, data analysis, and machine learning to analyze data and to extract knowledge and insights from it.</a:t>
+            </a:r>
+          </a:p>
+          <a:p>
+            <a:pPr marL="76200" indent="0" algn="just">
+              <a:buNone/>
+            </a:pPr>
+            <a:r>
+              <a:rPr lang="en-US" sz="1400"/>
+              <a:t>Data Science is about data gathering, finding patterns in data, data analysis, make future predictions and decision-making.</a:t>
+            </a:r>
+          </a:p>
+        </p:txBody>
+      </p:sp>
+      <p:sp>
+        <p:nvSpPr>
+          <p:cNvPr id="4" name="Slide Number Placeholder 3">
+            <a:extLst>
+              <a:ext uri="{FF2B5EF4-FFF2-40B4-BE49-F238E27FC236}">
+                <a16:creationId xmlns:a16="http://schemas.microsoft.com/office/drawing/2014/main" id="{64987AE6-EC0E-43DD-9376-95A5602EE5E1}"/>
+              </a:ext>
+            </a:extLst>
+          </p:cNvPr>
+          <p:cNvSpPr>
+            <a:spLocks noGrp="1"/>
+          </p:cNvSpPr>
+          <p:nvPr>
+            <p:ph type="sldNum" idx="12"/>
+          </p:nvPr>
+        </p:nvSpPr>
+        <p:spPr/>
+        <p:txBody>
+          <a:bodyPr/>
+          <a:lstStyle/>
+          <a:p>
+            <a:pPr marL="0" lvl="0" indent="0" algn="r" rtl="0">
+              <a:spcBef>
+                <a:spcPts val="0"/>
+              </a:spcBef>
+              <a:spcAft>
+                <a:spcPts val="0"/>
+              </a:spcAft>
+              <a:buNone/>
+            </a:pPr>
+            <a:fld id="{00000000-1234-1234-1234-123412341234}" type="slidenum">
+              <a:rPr lang="en" smtClean="0"/>
+              <a:t>3</a:t>
+            </a:fld>
+            <a:endParaRPr lang="en"/>
+          </a:p>
+        </p:txBody>
+      </p:sp>
+      <p:pic>
+        <p:nvPicPr>
+          <p:cNvPr id="6" name="Picture 5">
+            <a:extLst>
+              <a:ext uri="{FF2B5EF4-FFF2-40B4-BE49-F238E27FC236}">
+                <a16:creationId xmlns:a16="http://schemas.microsoft.com/office/drawing/2014/main" id="{6D0C871E-937D-487A-B5C4-609476DCC06C}"/>
+              </a:ext>
+            </a:extLst>
+          </p:cNvPr>
+          <p:cNvPicPr>
+            <a:picLocks noChangeAspect="1"/>
+          </p:cNvPicPr>
+          <p:nvPr/>
+        </p:nvPicPr>
+        <p:blipFill rotWithShape="1">
+          <a:blip r:embed="rId2"/>
+          <a:srcRect l="1116" t="4764" r="1319" b="10547"/>
+          <a:stretch/>
+        </p:blipFill>
+        <p:spPr>
+          <a:xfrm>
+            <a:off x="4963092" y="1783005"/>
+            <a:ext cx="3441292" cy="2345635"/>
+          </a:xfrm>
+          <a:prstGeom prst="rect">
+            <a:avLst/>
+          </a:prstGeom>
+        </p:spPr>
+      </p:pic>
+    </p:spTree>
+    <p:extLst>
+      <p:ext uri="{BB962C8B-B14F-4D97-AF65-F5344CB8AC3E}">
+        <p14:creationId xmlns:p14="http://schemas.microsoft.com/office/powerpoint/2010/main" val="2643503708"/>
+      </p:ext>
+    </p:extLst>
+  </p:cSld>
+  <p:clrMapOvr>
+    <a:masterClrMapping/>
+  </p:clrMapOvr>
+</p:sld>
+</file>
+
+<file path=ppt/slides/slide30.xml><?xml version="1.0" encoding="utf-8"?>
 <p:sld xmlns:a="http://schemas.openxmlformats.org/drawingml/2006/main" xmlns:r="http://schemas.openxmlformats.org/officeDocument/2006/relationships" xmlns:p="http://schemas.openxmlformats.org/presentationml/2006/main">
   <p:cSld>
     <p:spTree>
@@ -17265,193 +17686,13 @@
             </a:pPr>
             <a:fld id="{00000000-1234-1234-1234-123412341234}" type="slidenum">
               <a:rPr lang="en"/>
-              <a:t>29</a:t>
+              <a:t>30</a:t>
             </a:fld>
             <a:endParaRPr/>
           </a:p>
         </p:txBody>
       </p:sp>
     </p:spTree>
-  </p:cSld>
-  <p:clrMapOvr>
-    <a:masterClrMapping/>
-  </p:clrMapOvr>
-</p:sld>
-</file>
-
-<file path=ppt/slides/slide3.xml><?xml version="1.0" encoding="utf-8"?>
-<p:sld xmlns:a="http://schemas.openxmlformats.org/drawingml/2006/main" xmlns:r="http://schemas.openxmlformats.org/officeDocument/2006/relationships" xmlns:p="http://schemas.openxmlformats.org/presentationml/2006/main">
-  <p:cSld>
-    <p:spTree>
-      <p:nvGrpSpPr>
-        <p:cNvPr id="1" name=""/>
-        <p:cNvGrpSpPr/>
-        <p:nvPr/>
-      </p:nvGrpSpPr>
-      <p:grpSpPr>
-        <a:xfrm>
-          <a:off x="0" y="0"/>
-          <a:ext cx="0" cy="0"/>
-          <a:chOff x="0" y="0"/>
-          <a:chExt cx="0" cy="0"/>
-        </a:xfrm>
-      </p:grpSpPr>
-      <p:sp>
-        <p:nvSpPr>
-          <p:cNvPr id="2" name="Title 1">
-            <a:extLst>
-              <a:ext uri="{FF2B5EF4-FFF2-40B4-BE49-F238E27FC236}">
-                <a16:creationId xmlns:a16="http://schemas.microsoft.com/office/drawing/2014/main" id="{024AD384-5AD1-4435-A943-1241B2FACD62}"/>
-              </a:ext>
-            </a:extLst>
-          </p:cNvPr>
-          <p:cNvSpPr>
-            <a:spLocks noGrp="1"/>
-          </p:cNvSpPr>
-          <p:nvPr>
-            <p:ph type="title"/>
-          </p:nvPr>
-        </p:nvSpPr>
-        <p:spPr/>
-        <p:txBody>
-          <a:bodyPr/>
-          <a:lstStyle/>
-          <a:p>
-            <a:r>
-              <a:rPr lang="en-US"/>
-              <a:t>Data Science</a:t>
-            </a:r>
-            <a:endParaRPr lang="fa-IR"/>
-          </a:p>
-        </p:txBody>
-      </p:sp>
-      <p:sp>
-        <p:nvSpPr>
-          <p:cNvPr id="3" name="Text Placeholder 2">
-            <a:extLst>
-              <a:ext uri="{FF2B5EF4-FFF2-40B4-BE49-F238E27FC236}">
-                <a16:creationId xmlns:a16="http://schemas.microsoft.com/office/drawing/2014/main" id="{58BE3078-8B89-4550-B497-93E4DADBD57E}"/>
-              </a:ext>
-            </a:extLst>
-          </p:cNvPr>
-          <p:cNvSpPr>
-            <a:spLocks noGrp="1"/>
-          </p:cNvSpPr>
-          <p:nvPr>
-            <p:ph type="body" idx="1"/>
-          </p:nvPr>
-        </p:nvSpPr>
-        <p:spPr>
-          <a:xfrm>
-            <a:off x="786150" y="1142608"/>
-            <a:ext cx="3785850" cy="3626431"/>
-          </a:xfrm>
-        </p:spPr>
-        <p:txBody>
-          <a:bodyPr/>
-          <a:lstStyle/>
-          <a:p>
-            <a:pPr marL="76200" indent="0" algn="just">
-              <a:buNone/>
-            </a:pPr>
-            <a:r>
-              <a:rPr lang="en-US" sz="1400"/>
-              <a:t>A Data Scientist helps companies with data-driven decisions, to make their business better.</a:t>
-            </a:r>
-          </a:p>
-          <a:p>
-            <a:pPr marL="76200" indent="0" algn="just">
-              <a:buNone/>
-            </a:pPr>
-            <a:r>
-              <a:rPr lang="en-US" sz="1400"/>
-              <a:t>Data Science is a combination of multiple disciplines that uses statistics, data analysis, and machine learning to analyze data and to extract knowledge and insights from it.</a:t>
-            </a:r>
-          </a:p>
-          <a:p>
-            <a:pPr marL="76200" indent="0" algn="just">
-              <a:buNone/>
-            </a:pPr>
-            <a:r>
-              <a:rPr lang="en-US" sz="1400"/>
-              <a:t>Data Science is about data gathering, finding patterns in data, data analysis, make future predictions and decision-making.</a:t>
-            </a:r>
-          </a:p>
-        </p:txBody>
-      </p:sp>
-      <p:sp>
-        <p:nvSpPr>
-          <p:cNvPr id="4" name="Slide Number Placeholder 3">
-            <a:extLst>
-              <a:ext uri="{FF2B5EF4-FFF2-40B4-BE49-F238E27FC236}">
-                <a16:creationId xmlns:a16="http://schemas.microsoft.com/office/drawing/2014/main" id="{64987AE6-EC0E-43DD-9376-95A5602EE5E1}"/>
-              </a:ext>
-            </a:extLst>
-          </p:cNvPr>
-          <p:cNvSpPr>
-            <a:spLocks noGrp="1"/>
-          </p:cNvSpPr>
-          <p:nvPr>
-            <p:ph type="sldNum" idx="12"/>
-          </p:nvPr>
-        </p:nvSpPr>
-        <p:spPr/>
-        <p:txBody>
-          <a:bodyPr/>
-          <a:lstStyle/>
-          <a:p>
-            <a:pPr marL="0" lvl="0" indent="0" algn="r" rtl="0">
-              <a:spcBef>
-                <a:spcPts val="0"/>
-              </a:spcBef>
-              <a:spcAft>
-                <a:spcPts val="0"/>
-              </a:spcAft>
-              <a:buNone/>
-            </a:pPr>
-            <a:fld id="{00000000-1234-1234-1234-123412341234}" type="slidenum">
-              <a:rPr lang="en" smtClean="0"/>
-              <a:t>3</a:t>
-            </a:fld>
-            <a:endParaRPr lang="en"/>
-          </a:p>
-        </p:txBody>
-      </p:sp>
-      <p:pic>
-        <p:nvPicPr>
-          <p:cNvPr id="6" name="Picture 5">
-            <a:extLst>
-              <a:ext uri="{FF2B5EF4-FFF2-40B4-BE49-F238E27FC236}">
-                <a16:creationId xmlns:a16="http://schemas.microsoft.com/office/drawing/2014/main" id="{6D0C871E-937D-487A-B5C4-609476DCC06C}"/>
-              </a:ext>
-            </a:extLst>
-          </p:cNvPr>
-          <p:cNvPicPr>
-            <a:picLocks noChangeAspect="1"/>
-          </p:cNvPicPr>
-          <p:nvPr/>
-        </p:nvPicPr>
-        <p:blipFill rotWithShape="1">
-          <a:blip r:embed="rId2"/>
-          <a:srcRect l="1116" t="4764" r="1319" b="10547"/>
-          <a:stretch/>
-        </p:blipFill>
-        <p:spPr>
-          <a:xfrm>
-            <a:off x="4963092" y="1783005"/>
-            <a:ext cx="3441292" cy="2345635"/>
-          </a:xfrm>
-          <a:prstGeom prst="rect">
-            <a:avLst/>
-          </a:prstGeom>
-        </p:spPr>
-      </p:pic>
-    </p:spTree>
-    <p:extLst>
-      <p:ext uri="{BB962C8B-B14F-4D97-AF65-F5344CB8AC3E}">
-        <p14:creationId xmlns:p14="http://schemas.microsoft.com/office/powerpoint/2010/main" val="2643503708"/>
-      </p:ext>
-    </p:extLst>
   </p:cSld>
   <p:clrMapOvr>
     <a:masterClrMapping/>

--- a/Powerpoint/2 Data Science.pptx
+++ b/Powerpoint/2 Data Science.pptx
@@ -5,10 +5,10 @@
     <p:sldMasterId id="2147483658" r:id="rId1"/>
   </p:sldMasterIdLst>
   <p:notesMasterIdLst>
-    <p:notesMasterId r:id="rId32"/>
+    <p:notesMasterId r:id="rId33"/>
   </p:notesMasterIdLst>
   <p:handoutMasterIdLst>
-    <p:handoutMasterId r:id="rId33"/>
+    <p:handoutMasterId r:id="rId34"/>
   </p:handoutMasterIdLst>
   <p:sldIdLst>
     <p:sldId id="256" r:id="rId2"/>
@@ -40,36 +40,37 @@
     <p:sldId id="359" r:id="rId28"/>
     <p:sldId id="361" r:id="rId29"/>
     <p:sldId id="362" r:id="rId30"/>
-    <p:sldId id="280" r:id="rId31"/>
+    <p:sldId id="363" r:id="rId31"/>
+    <p:sldId id="280" r:id="rId32"/>
   </p:sldIdLst>
   <p:sldSz cx="9144000" cy="5143500" type="screen16x9"/>
   <p:notesSz cx="6858000" cy="9144000"/>
   <p:embeddedFontLst>
     <p:embeddedFont>
       <p:font typeface="Consolas" panose="020B0609020204030204" pitchFamily="49" charset="0"/>
-      <p:regular r:id="rId34"/>
-      <p:bold r:id="rId35"/>
-      <p:italic r:id="rId36"/>
-      <p:boldItalic r:id="rId37"/>
+      <p:regular r:id="rId35"/>
+      <p:bold r:id="rId36"/>
+      <p:italic r:id="rId37"/>
+      <p:boldItalic r:id="rId38"/>
     </p:embeddedFont>
     <p:embeddedFont>
       <p:font typeface="Roboto Slab" panose="020B0604020202020204" charset="0"/>
-      <p:regular r:id="rId38"/>
-      <p:bold r:id="rId39"/>
+      <p:regular r:id="rId39"/>
+      <p:bold r:id="rId40"/>
     </p:embeddedFont>
     <p:embeddedFont>
       <p:font typeface="Source Sans Pro" panose="020B0503030403020204" pitchFamily="34" charset="0"/>
-      <p:regular r:id="rId40"/>
-      <p:bold r:id="rId41"/>
-      <p:italic r:id="rId42"/>
-      <p:boldItalic r:id="rId43"/>
+      <p:regular r:id="rId41"/>
+      <p:bold r:id="rId42"/>
+      <p:italic r:id="rId43"/>
+      <p:boldItalic r:id="rId44"/>
     </p:embeddedFont>
     <p:embeddedFont>
       <p:font typeface="Trebuchet MS" panose="020B0603020202020204" pitchFamily="34" charset="0"/>
-      <p:regular r:id="rId44"/>
-      <p:bold r:id="rId45"/>
-      <p:italic r:id="rId46"/>
-      <p:boldItalic r:id="rId47"/>
+      <p:regular r:id="rId45"/>
+      <p:bold r:id="rId46"/>
+      <p:italic r:id="rId47"/>
+      <p:boldItalic r:id="rId48"/>
     </p:embeddedFont>
   </p:embeddedFontLst>
   <p:defaultTextStyle>
@@ -17438,6 +17439,314 @@
   <p:cSld>
     <p:spTree>
       <p:nvGrpSpPr>
+        <p:cNvPr id="1" name=""/>
+        <p:cNvGrpSpPr/>
+        <p:nvPr/>
+      </p:nvGrpSpPr>
+      <p:grpSpPr>
+        <a:xfrm>
+          <a:off x="0" y="0"/>
+          <a:ext cx="0" cy="0"/>
+          <a:chOff x="0" y="0"/>
+          <a:chExt cx="0" cy="0"/>
+        </a:xfrm>
+      </p:grpSpPr>
+      <p:sp>
+        <p:nvSpPr>
+          <p:cNvPr id="2" name="Title 1">
+            <a:extLst>
+              <a:ext uri="{FF2B5EF4-FFF2-40B4-BE49-F238E27FC236}">
+                <a16:creationId xmlns:a16="http://schemas.microsoft.com/office/drawing/2014/main" id="{024AD384-5AD1-4435-A943-1241B2FACD62}"/>
+              </a:ext>
+            </a:extLst>
+          </p:cNvPr>
+          <p:cNvSpPr>
+            <a:spLocks noGrp="1"/>
+          </p:cNvSpPr>
+          <p:nvPr>
+            <p:ph type="title"/>
+          </p:nvPr>
+        </p:nvSpPr>
+        <p:spPr/>
+        <p:txBody>
+          <a:bodyPr/>
+          <a:lstStyle/>
+          <a:p>
+            <a:r>
+              <a:rPr lang="en-US"/>
+              <a:t>Text</a:t>
+            </a:r>
+            <a:endParaRPr lang="fa-IR"/>
+          </a:p>
+        </p:txBody>
+      </p:sp>
+      <p:sp>
+        <p:nvSpPr>
+          <p:cNvPr id="3" name="Text Placeholder 2">
+            <a:extLst>
+              <a:ext uri="{FF2B5EF4-FFF2-40B4-BE49-F238E27FC236}">
+                <a16:creationId xmlns:a16="http://schemas.microsoft.com/office/drawing/2014/main" id="{58BE3078-8B89-4550-B497-93E4DADBD57E}"/>
+              </a:ext>
+            </a:extLst>
+          </p:cNvPr>
+          <p:cNvSpPr>
+            <a:spLocks noGrp="1"/>
+          </p:cNvSpPr>
+          <p:nvPr>
+            <p:ph type="body" idx="1"/>
+          </p:nvPr>
+        </p:nvSpPr>
+        <p:spPr>
+          <a:xfrm>
+            <a:off x="786150" y="1142608"/>
+            <a:ext cx="7571700" cy="3626431"/>
+          </a:xfrm>
+        </p:spPr>
+        <p:txBody>
+          <a:bodyPr/>
+          <a:lstStyle/>
+          <a:p>
+            <a:pPr marL="76200" indent="0" algn="just">
+              <a:buNone/>
+            </a:pPr>
+            <a:r>
+              <a:rPr lang="en-US"/>
+              <a:t>Title and labels</a:t>
+            </a:r>
+            <a:endParaRPr lang="en-US" sz="1400"/>
+          </a:p>
+          <a:p>
+            <a:pPr marL="76200" indent="0" algn="just">
+              <a:buNone/>
+            </a:pPr>
+            <a:r>
+              <a:rPr lang="es-ES" sz="1100">
+                <a:latin typeface="Consolas" panose="020B0609020204030204" pitchFamily="49" charset="0"/>
+              </a:rPr>
+              <a:t>x = np.array([80, 85, 90, 95, 100, 105, 110, 115, 120, 125])</a:t>
+            </a:r>
+          </a:p>
+          <a:p>
+            <a:pPr marL="76200" indent="0" algn="just">
+              <a:buNone/>
+            </a:pPr>
+            <a:r>
+              <a:rPr lang="es-ES" sz="1100">
+                <a:latin typeface="Consolas" panose="020B0609020204030204" pitchFamily="49" charset="0"/>
+              </a:rPr>
+              <a:t>y = np.array([240, 255, 259, 265, 270, 290, 305, 306, 325, 330])</a:t>
+            </a:r>
+          </a:p>
+          <a:p>
+            <a:pPr marL="76200" indent="0" algn="just">
+              <a:buNone/>
+            </a:pPr>
+            <a:r>
+              <a:rPr lang="es-ES" sz="1100">
+                <a:latin typeface="Consolas" panose="020B0609020204030204" pitchFamily="49" charset="0"/>
+              </a:rPr>
+              <a:t>titleFont = {'family': 'Trebuchet MS', 'color': '#0091EA', 'size': 14}</a:t>
+            </a:r>
+          </a:p>
+          <a:p>
+            <a:pPr marL="76200" indent="0" algn="just">
+              <a:buNone/>
+            </a:pPr>
+            <a:r>
+              <a:rPr lang="es-ES" sz="1100">
+                <a:latin typeface="Consolas" panose="020B0609020204030204" pitchFamily="49" charset="0"/>
+              </a:rPr>
+              <a:t>labelFont = {'family': 'Consolas', 'color': 'black', 'size': 11}</a:t>
+            </a:r>
+          </a:p>
+          <a:p>
+            <a:pPr marL="76200" indent="0" algn="just">
+              <a:buNone/>
+            </a:pPr>
+            <a:r>
+              <a:rPr lang="es-ES" sz="1100">
+                <a:latin typeface="Consolas" panose="020B0609020204030204" pitchFamily="49" charset="0"/>
+              </a:rPr>
+              <a:t>plt.plot(x, y)</a:t>
+            </a:r>
+          </a:p>
+          <a:p>
+            <a:pPr marL="76200" indent="0" algn="just">
+              <a:buNone/>
+            </a:pPr>
+            <a:r>
+              <a:rPr lang="es-ES" sz="1100">
+                <a:latin typeface="Consolas" panose="020B0609020204030204" pitchFamily="49" charset="0"/>
+              </a:rPr>
+              <a:t>plt.</a:t>
+            </a:r>
+            <a:r>
+              <a:rPr lang="es-ES" sz="1100">
+                <a:solidFill>
+                  <a:schemeClr val="accent1"/>
+                </a:solidFill>
+                <a:latin typeface="Consolas" panose="020B0609020204030204" pitchFamily="49" charset="0"/>
+              </a:rPr>
+              <a:t>title(</a:t>
+            </a:r>
+            <a:r>
+              <a:rPr lang="es-ES" sz="1100">
+                <a:latin typeface="Consolas" panose="020B0609020204030204" pitchFamily="49" charset="0"/>
+              </a:rPr>
+              <a:t>'Sports Watch Data', titleFont</a:t>
+            </a:r>
+            <a:r>
+              <a:rPr lang="es-ES" sz="1100">
+                <a:solidFill>
+                  <a:schemeClr val="accent1"/>
+                </a:solidFill>
+                <a:latin typeface="Consolas" panose="020B0609020204030204" pitchFamily="49" charset="0"/>
+              </a:rPr>
+              <a:t>)</a:t>
+            </a:r>
+          </a:p>
+          <a:p>
+            <a:pPr marL="76200" indent="0" algn="just">
+              <a:buNone/>
+            </a:pPr>
+            <a:r>
+              <a:rPr lang="es-ES" sz="1100">
+                <a:latin typeface="Consolas" panose="020B0609020204030204" pitchFamily="49" charset="0"/>
+              </a:rPr>
+              <a:t>plt.</a:t>
+            </a:r>
+            <a:r>
+              <a:rPr lang="es-ES" sz="1100">
+                <a:solidFill>
+                  <a:schemeClr val="accent1"/>
+                </a:solidFill>
+                <a:latin typeface="Consolas" panose="020B0609020204030204" pitchFamily="49" charset="0"/>
+              </a:rPr>
+              <a:t>xlabel(</a:t>
+            </a:r>
+            <a:r>
+              <a:rPr lang="es-ES" sz="1100">
+                <a:latin typeface="Consolas" panose="020B0609020204030204" pitchFamily="49" charset="0"/>
+              </a:rPr>
+              <a:t>'Average Pulse', labelFont</a:t>
+            </a:r>
+            <a:r>
+              <a:rPr lang="es-ES" sz="1100">
+                <a:solidFill>
+                  <a:schemeClr val="accent1"/>
+                </a:solidFill>
+                <a:latin typeface="Consolas" panose="020B0609020204030204" pitchFamily="49" charset="0"/>
+              </a:rPr>
+              <a:t>)</a:t>
+            </a:r>
+          </a:p>
+          <a:p>
+            <a:pPr marL="76200" indent="0" algn="just">
+              <a:buNone/>
+            </a:pPr>
+            <a:r>
+              <a:rPr lang="es-ES" sz="1100">
+                <a:latin typeface="Consolas" panose="020B0609020204030204" pitchFamily="49" charset="0"/>
+              </a:rPr>
+              <a:t>plt.</a:t>
+            </a:r>
+            <a:r>
+              <a:rPr lang="es-ES" sz="1100">
+                <a:solidFill>
+                  <a:schemeClr val="accent1"/>
+                </a:solidFill>
+                <a:latin typeface="Consolas" panose="020B0609020204030204" pitchFamily="49" charset="0"/>
+              </a:rPr>
+              <a:t>ylabel(</a:t>
+            </a:r>
+            <a:r>
+              <a:rPr lang="es-ES" sz="1100">
+                <a:latin typeface="Consolas" panose="020B0609020204030204" pitchFamily="49" charset="0"/>
+              </a:rPr>
+              <a:t>'Calorie Burnage', labelFont</a:t>
+            </a:r>
+            <a:r>
+              <a:rPr lang="es-ES" sz="1100">
+                <a:solidFill>
+                  <a:schemeClr val="accent1"/>
+                </a:solidFill>
+                <a:latin typeface="Consolas" panose="020B0609020204030204" pitchFamily="49" charset="0"/>
+              </a:rPr>
+              <a:t>)</a:t>
+            </a:r>
+          </a:p>
+          <a:p>
+            <a:pPr marL="76200" indent="0" algn="just">
+              <a:buNone/>
+            </a:pPr>
+            <a:r>
+              <a:rPr lang="es-ES" sz="1100">
+                <a:latin typeface="Consolas" panose="020B0609020204030204" pitchFamily="49" charset="0"/>
+              </a:rPr>
+              <a:t>plt.show()</a:t>
+            </a:r>
+            <a:endParaRPr lang="en-US" sz="1100">
+              <a:latin typeface="Consolas" panose="020B0609020204030204" pitchFamily="49" charset="0"/>
+            </a:endParaRPr>
+          </a:p>
+        </p:txBody>
+      </p:sp>
+      <p:sp>
+        <p:nvSpPr>
+          <p:cNvPr id="4" name="Slide Number Placeholder 3">
+            <a:extLst>
+              <a:ext uri="{FF2B5EF4-FFF2-40B4-BE49-F238E27FC236}">
+                <a16:creationId xmlns:a16="http://schemas.microsoft.com/office/drawing/2014/main" id="{64987AE6-EC0E-43DD-9376-95A5602EE5E1}"/>
+              </a:ext>
+            </a:extLst>
+          </p:cNvPr>
+          <p:cNvSpPr>
+            <a:spLocks noGrp="1"/>
+          </p:cNvSpPr>
+          <p:nvPr>
+            <p:ph type="sldNum" idx="12"/>
+          </p:nvPr>
+        </p:nvSpPr>
+        <p:spPr/>
+        <p:txBody>
+          <a:bodyPr/>
+          <a:lstStyle/>
+          <a:p>
+            <a:pPr marL="0" lvl="0" indent="0" algn="r" rtl="0">
+              <a:spcBef>
+                <a:spcPts val="0"/>
+              </a:spcBef>
+              <a:spcAft>
+                <a:spcPts val="0"/>
+              </a:spcAft>
+              <a:buNone/>
+            </a:pPr>
+            <a:fld id="{00000000-1234-1234-1234-123412341234}" type="slidenum">
+              <a:rPr lang="en" smtClean="0"/>
+              <a:t>30</a:t>
+            </a:fld>
+            <a:endParaRPr lang="en"/>
+          </a:p>
+        </p:txBody>
+      </p:sp>
+    </p:spTree>
+    <p:extLst>
+      <p:ext uri="{BB962C8B-B14F-4D97-AF65-F5344CB8AC3E}">
+        <p14:creationId xmlns:p14="http://schemas.microsoft.com/office/powerpoint/2010/main" val="663824243"/>
+      </p:ext>
+    </p:extLst>
+  </p:cSld>
+  <p:clrMapOvr>
+    <a:masterClrMapping/>
+  </p:clrMapOvr>
+</p:sld>
+</file>
+
+<file path=ppt/slides/slide31.xml><?xml version="1.0" encoding="utf-8"?>
+<p:sld xmlns:a="http://schemas.openxmlformats.org/drawingml/2006/main" xmlns:r="http://schemas.openxmlformats.org/officeDocument/2006/relationships" xmlns:p="http://schemas.openxmlformats.org/presentationml/2006/main">
+  <p:cSld>
+    <p:spTree>
+      <p:nvGrpSpPr>
         <p:cNvPr id="1" name="Shape 402"/>
         <p:cNvGrpSpPr/>
         <p:nvPr/>
@@ -17686,7 +17995,7 @@
             </a:pPr>
             <a:fld id="{00000000-1234-1234-1234-123412341234}" type="slidenum">
               <a:rPr lang="en"/>
-              <a:t>30</a:t>
+              <a:t>31</a:t>
             </a:fld>
             <a:endParaRPr/>
           </a:p>

--- a/Powerpoint/2 Data Science.pptx
+++ b/Powerpoint/2 Data Science.pptx
@@ -5,10 +5,10 @@
     <p:sldMasterId id="2147483658" r:id="rId1"/>
   </p:sldMasterIdLst>
   <p:notesMasterIdLst>
-    <p:notesMasterId r:id="rId33"/>
+    <p:notesMasterId r:id="rId34"/>
   </p:notesMasterIdLst>
   <p:handoutMasterIdLst>
-    <p:handoutMasterId r:id="rId34"/>
+    <p:handoutMasterId r:id="rId35"/>
   </p:handoutMasterIdLst>
   <p:sldIdLst>
     <p:sldId id="256" r:id="rId2"/>
@@ -41,36 +41,37 @@
     <p:sldId id="361" r:id="rId29"/>
     <p:sldId id="362" r:id="rId30"/>
     <p:sldId id="363" r:id="rId31"/>
-    <p:sldId id="280" r:id="rId32"/>
+    <p:sldId id="364" r:id="rId32"/>
+    <p:sldId id="280" r:id="rId33"/>
   </p:sldIdLst>
   <p:sldSz cx="9144000" cy="5143500" type="screen16x9"/>
   <p:notesSz cx="6858000" cy="9144000"/>
   <p:embeddedFontLst>
     <p:embeddedFont>
       <p:font typeface="Consolas" panose="020B0609020204030204" pitchFamily="49" charset="0"/>
-      <p:regular r:id="rId35"/>
-      <p:bold r:id="rId36"/>
-      <p:italic r:id="rId37"/>
-      <p:boldItalic r:id="rId38"/>
+      <p:regular r:id="rId36"/>
+      <p:bold r:id="rId37"/>
+      <p:italic r:id="rId38"/>
+      <p:boldItalic r:id="rId39"/>
     </p:embeddedFont>
     <p:embeddedFont>
       <p:font typeface="Roboto Slab" panose="020B0604020202020204" charset="0"/>
-      <p:regular r:id="rId39"/>
-      <p:bold r:id="rId40"/>
+      <p:regular r:id="rId40"/>
+      <p:bold r:id="rId41"/>
     </p:embeddedFont>
     <p:embeddedFont>
       <p:font typeface="Source Sans Pro" panose="020B0503030403020204" pitchFamily="34" charset="0"/>
-      <p:regular r:id="rId41"/>
-      <p:bold r:id="rId42"/>
-      <p:italic r:id="rId43"/>
-      <p:boldItalic r:id="rId44"/>
+      <p:regular r:id="rId42"/>
+      <p:bold r:id="rId43"/>
+      <p:italic r:id="rId44"/>
+      <p:boldItalic r:id="rId45"/>
     </p:embeddedFont>
     <p:embeddedFont>
       <p:font typeface="Trebuchet MS" panose="020B0603020202020204" pitchFamily="34" charset="0"/>
-      <p:regular r:id="rId45"/>
-      <p:bold r:id="rId46"/>
-      <p:italic r:id="rId47"/>
-      <p:boldItalic r:id="rId48"/>
+      <p:regular r:id="rId46"/>
+      <p:bold r:id="rId47"/>
+      <p:italic r:id="rId48"/>
+      <p:boldItalic r:id="rId49"/>
     </p:embeddedFont>
   </p:embeddedFontLst>
   <p:defaultTextStyle>
@@ -17747,6 +17748,213 @@
   <p:cSld>
     <p:spTree>
       <p:nvGrpSpPr>
+        <p:cNvPr id="1" name=""/>
+        <p:cNvGrpSpPr/>
+        <p:nvPr/>
+      </p:nvGrpSpPr>
+      <p:grpSpPr>
+        <a:xfrm>
+          <a:off x="0" y="0"/>
+          <a:ext cx="0" cy="0"/>
+          <a:chOff x="0" y="0"/>
+          <a:chExt cx="0" cy="0"/>
+        </a:xfrm>
+      </p:grpSpPr>
+      <p:sp>
+        <p:nvSpPr>
+          <p:cNvPr id="2" name="Title 1">
+            <a:extLst>
+              <a:ext uri="{FF2B5EF4-FFF2-40B4-BE49-F238E27FC236}">
+                <a16:creationId xmlns:a16="http://schemas.microsoft.com/office/drawing/2014/main" id="{024AD384-5AD1-4435-A943-1241B2FACD62}"/>
+              </a:ext>
+            </a:extLst>
+          </p:cNvPr>
+          <p:cNvSpPr>
+            <a:spLocks noGrp="1"/>
+          </p:cNvSpPr>
+          <p:nvPr>
+            <p:ph type="title"/>
+          </p:nvPr>
+        </p:nvSpPr>
+        <p:spPr/>
+        <p:txBody>
+          <a:bodyPr/>
+          <a:lstStyle/>
+          <a:p>
+            <a:r>
+              <a:rPr lang="en-US"/>
+              <a:t>Plot Types</a:t>
+            </a:r>
+            <a:endParaRPr lang="fa-IR"/>
+          </a:p>
+        </p:txBody>
+      </p:sp>
+      <p:sp>
+        <p:nvSpPr>
+          <p:cNvPr id="3" name="Text Placeholder 2">
+            <a:extLst>
+              <a:ext uri="{FF2B5EF4-FFF2-40B4-BE49-F238E27FC236}">
+                <a16:creationId xmlns:a16="http://schemas.microsoft.com/office/drawing/2014/main" id="{58BE3078-8B89-4550-B497-93E4DADBD57E}"/>
+              </a:ext>
+            </a:extLst>
+          </p:cNvPr>
+          <p:cNvSpPr>
+            <a:spLocks noGrp="1"/>
+          </p:cNvSpPr>
+          <p:nvPr>
+            <p:ph type="body" idx="1"/>
+          </p:nvPr>
+        </p:nvSpPr>
+        <p:spPr>
+          <a:xfrm>
+            <a:off x="786150" y="1142608"/>
+            <a:ext cx="7571700" cy="828343"/>
+          </a:xfrm>
+        </p:spPr>
+        <p:txBody>
+          <a:bodyPr/>
+          <a:lstStyle/>
+          <a:p>
+            <a:pPr marL="76200" indent="0" algn="just">
+              <a:buNone/>
+            </a:pPr>
+            <a:r>
+              <a:rPr lang="en-US"/>
+              <a:t>Documentation</a:t>
+            </a:r>
+            <a:endParaRPr lang="en-US" sz="1400"/>
+          </a:p>
+          <a:p>
+            <a:pPr marL="76200" indent="0" algn="just">
+              <a:buNone/>
+            </a:pPr>
+            <a:r>
+              <a:rPr lang="es-ES" sz="1100">
+                <a:latin typeface="Consolas" panose="020B0609020204030204" pitchFamily="49" charset="0"/>
+                <a:hlinkClick r:id="rId2"/>
+              </a:rPr>
+              <a:t>https://matplotlib.org/stable/plot_types/index.html</a:t>
+            </a:r>
+            <a:endParaRPr lang="es-ES" sz="1100">
+              <a:latin typeface="Consolas" panose="020B0609020204030204" pitchFamily="49" charset="0"/>
+            </a:endParaRPr>
+          </a:p>
+        </p:txBody>
+      </p:sp>
+      <p:sp>
+        <p:nvSpPr>
+          <p:cNvPr id="4" name="Slide Number Placeholder 3">
+            <a:extLst>
+              <a:ext uri="{FF2B5EF4-FFF2-40B4-BE49-F238E27FC236}">
+                <a16:creationId xmlns:a16="http://schemas.microsoft.com/office/drawing/2014/main" id="{64987AE6-EC0E-43DD-9376-95A5602EE5E1}"/>
+              </a:ext>
+            </a:extLst>
+          </p:cNvPr>
+          <p:cNvSpPr>
+            <a:spLocks noGrp="1"/>
+          </p:cNvSpPr>
+          <p:nvPr>
+            <p:ph type="sldNum" idx="12"/>
+          </p:nvPr>
+        </p:nvSpPr>
+        <p:spPr/>
+        <p:txBody>
+          <a:bodyPr/>
+          <a:lstStyle/>
+          <a:p>
+            <a:pPr marL="0" lvl="0" indent="0" algn="r" rtl="0">
+              <a:spcBef>
+                <a:spcPts val="0"/>
+              </a:spcBef>
+              <a:spcAft>
+                <a:spcPts val="0"/>
+              </a:spcAft>
+              <a:buNone/>
+            </a:pPr>
+            <a:fld id="{00000000-1234-1234-1234-123412341234}" type="slidenum">
+              <a:rPr lang="en" smtClean="0"/>
+              <a:t>31</a:t>
+            </a:fld>
+            <a:endParaRPr lang="en"/>
+          </a:p>
+        </p:txBody>
+      </p:sp>
+      <p:pic>
+        <p:nvPicPr>
+          <p:cNvPr id="6" name="Picture 5">
+            <a:extLst>
+              <a:ext uri="{FF2B5EF4-FFF2-40B4-BE49-F238E27FC236}">
+                <a16:creationId xmlns:a16="http://schemas.microsoft.com/office/drawing/2014/main" id="{8F5824BF-FE26-427B-B988-2C2F0E7B1793}"/>
+              </a:ext>
+            </a:extLst>
+          </p:cNvPr>
+          <p:cNvPicPr>
+            <a:picLocks noChangeAspect="1"/>
+          </p:cNvPicPr>
+          <p:nvPr/>
+        </p:nvPicPr>
+        <p:blipFill rotWithShape="1">
+          <a:blip r:embed="rId3"/>
+          <a:srcRect l="1" t="13349" r="1153"/>
+          <a:stretch/>
+        </p:blipFill>
+        <p:spPr>
+          <a:xfrm>
+            <a:off x="786150" y="1970952"/>
+            <a:ext cx="3385155" cy="2778898"/>
+          </a:xfrm>
+          <a:prstGeom prst="rect">
+            <a:avLst/>
+          </a:prstGeom>
+        </p:spPr>
+      </p:pic>
+      <p:pic>
+        <p:nvPicPr>
+          <p:cNvPr id="8" name="Picture 7">
+            <a:extLst>
+              <a:ext uri="{FF2B5EF4-FFF2-40B4-BE49-F238E27FC236}">
+                <a16:creationId xmlns:a16="http://schemas.microsoft.com/office/drawing/2014/main" id="{1C8A1101-0443-4F80-9703-089EE30AD076}"/>
+              </a:ext>
+            </a:extLst>
+          </p:cNvPr>
+          <p:cNvPicPr>
+            <a:picLocks noChangeAspect="1"/>
+          </p:cNvPicPr>
+          <p:nvPr/>
+        </p:nvPicPr>
+        <p:blipFill rotWithShape="1">
+          <a:blip r:embed="rId4"/>
+          <a:srcRect t="13348"/>
+          <a:stretch/>
+        </p:blipFill>
+        <p:spPr>
+          <a:xfrm>
+            <a:off x="4972695" y="1970952"/>
+            <a:ext cx="3385155" cy="2778899"/>
+          </a:xfrm>
+          <a:prstGeom prst="rect">
+            <a:avLst/>
+          </a:prstGeom>
+        </p:spPr>
+      </p:pic>
+    </p:spTree>
+    <p:extLst>
+      <p:ext uri="{BB962C8B-B14F-4D97-AF65-F5344CB8AC3E}">
+        <p14:creationId xmlns:p14="http://schemas.microsoft.com/office/powerpoint/2010/main" val="609334653"/>
+      </p:ext>
+    </p:extLst>
+  </p:cSld>
+  <p:clrMapOvr>
+    <a:masterClrMapping/>
+  </p:clrMapOvr>
+</p:sld>
+</file>
+
+<file path=ppt/slides/slide32.xml><?xml version="1.0" encoding="utf-8"?>
+<p:sld xmlns:a="http://schemas.openxmlformats.org/drawingml/2006/main" xmlns:r="http://schemas.openxmlformats.org/officeDocument/2006/relationships" xmlns:p="http://schemas.openxmlformats.org/presentationml/2006/main">
+  <p:cSld>
+    <p:spTree>
+      <p:nvGrpSpPr>
         <p:cNvPr id="1" name="Shape 402"/>
         <p:cNvGrpSpPr/>
         <p:nvPr/>
@@ -17995,7 +18203,7 @@
             </a:pPr>
             <a:fld id="{00000000-1234-1234-1234-123412341234}" type="slidenum">
               <a:rPr lang="en"/>
-              <a:t>31</a:t>
+              <a:t>32</a:t>
             </a:fld>
             <a:endParaRPr/>
           </a:p>

--- a/Powerpoint/2 Data Science.pptx
+++ b/Powerpoint/2 Data Science.pptx
@@ -5,73 +5,74 @@
     <p:sldMasterId id="2147483658" r:id="rId1"/>
   </p:sldMasterIdLst>
   <p:notesMasterIdLst>
-    <p:notesMasterId r:id="rId34"/>
+    <p:notesMasterId r:id="rId35"/>
   </p:notesMasterIdLst>
   <p:handoutMasterIdLst>
-    <p:handoutMasterId r:id="rId35"/>
+    <p:handoutMasterId r:id="rId36"/>
   </p:handoutMasterIdLst>
   <p:sldIdLst>
     <p:sldId id="256" r:id="rId2"/>
     <p:sldId id="332" r:id="rId3"/>
     <p:sldId id="349" r:id="rId4"/>
-    <p:sldId id="341" r:id="rId5"/>
-    <p:sldId id="289" r:id="rId6"/>
-    <p:sldId id="337" r:id="rId7"/>
-    <p:sldId id="338" r:id="rId8"/>
-    <p:sldId id="339" r:id="rId9"/>
-    <p:sldId id="342" r:id="rId10"/>
-    <p:sldId id="343" r:id="rId11"/>
-    <p:sldId id="344" r:id="rId12"/>
-    <p:sldId id="346" r:id="rId13"/>
-    <p:sldId id="345" r:id="rId14"/>
-    <p:sldId id="347" r:id="rId15"/>
-    <p:sldId id="348" r:id="rId16"/>
-    <p:sldId id="334" r:id="rId17"/>
-    <p:sldId id="350" r:id="rId18"/>
-    <p:sldId id="351" r:id="rId19"/>
-    <p:sldId id="352" r:id="rId20"/>
-    <p:sldId id="353" r:id="rId21"/>
-    <p:sldId id="355" r:id="rId22"/>
-    <p:sldId id="356" r:id="rId23"/>
-    <p:sldId id="357" r:id="rId24"/>
-    <p:sldId id="354" r:id="rId25"/>
-    <p:sldId id="335" r:id="rId26"/>
-    <p:sldId id="358" r:id="rId27"/>
-    <p:sldId id="359" r:id="rId28"/>
-    <p:sldId id="361" r:id="rId29"/>
-    <p:sldId id="362" r:id="rId30"/>
-    <p:sldId id="363" r:id="rId31"/>
-    <p:sldId id="364" r:id="rId32"/>
-    <p:sldId id="280" r:id="rId33"/>
+    <p:sldId id="365" r:id="rId5"/>
+    <p:sldId id="341" r:id="rId6"/>
+    <p:sldId id="289" r:id="rId7"/>
+    <p:sldId id="337" r:id="rId8"/>
+    <p:sldId id="338" r:id="rId9"/>
+    <p:sldId id="339" r:id="rId10"/>
+    <p:sldId id="342" r:id="rId11"/>
+    <p:sldId id="343" r:id="rId12"/>
+    <p:sldId id="344" r:id="rId13"/>
+    <p:sldId id="346" r:id="rId14"/>
+    <p:sldId id="345" r:id="rId15"/>
+    <p:sldId id="347" r:id="rId16"/>
+    <p:sldId id="348" r:id="rId17"/>
+    <p:sldId id="334" r:id="rId18"/>
+    <p:sldId id="350" r:id="rId19"/>
+    <p:sldId id="351" r:id="rId20"/>
+    <p:sldId id="352" r:id="rId21"/>
+    <p:sldId id="353" r:id="rId22"/>
+    <p:sldId id="355" r:id="rId23"/>
+    <p:sldId id="356" r:id="rId24"/>
+    <p:sldId id="357" r:id="rId25"/>
+    <p:sldId id="354" r:id="rId26"/>
+    <p:sldId id="335" r:id="rId27"/>
+    <p:sldId id="358" r:id="rId28"/>
+    <p:sldId id="359" r:id="rId29"/>
+    <p:sldId id="361" r:id="rId30"/>
+    <p:sldId id="362" r:id="rId31"/>
+    <p:sldId id="363" r:id="rId32"/>
+    <p:sldId id="364" r:id="rId33"/>
+    <p:sldId id="280" r:id="rId34"/>
   </p:sldIdLst>
   <p:sldSz cx="9144000" cy="5143500" type="screen16x9"/>
   <p:notesSz cx="6858000" cy="9144000"/>
   <p:embeddedFontLst>
     <p:embeddedFont>
       <p:font typeface="Consolas" panose="020B0609020204030204" pitchFamily="49" charset="0"/>
-      <p:regular r:id="rId36"/>
-      <p:bold r:id="rId37"/>
-      <p:italic r:id="rId38"/>
-      <p:boldItalic r:id="rId39"/>
+      <p:regular r:id="rId37"/>
+      <p:bold r:id="rId38"/>
+      <p:italic r:id="rId39"/>
+      <p:boldItalic r:id="rId40"/>
     </p:embeddedFont>
     <p:embeddedFont>
       <p:font typeface="Roboto Slab" panose="020B0604020202020204" charset="0"/>
-      <p:regular r:id="rId40"/>
-      <p:bold r:id="rId41"/>
+      <p:regular r:id="rId41"/>
+      <p:bold r:id="rId42"/>
     </p:embeddedFont>
     <p:embeddedFont>
       <p:font typeface="Source Sans Pro" panose="020B0503030403020204" pitchFamily="34" charset="0"/>
-      <p:regular r:id="rId42"/>
-      <p:bold r:id="rId43"/>
-      <p:italic r:id="rId44"/>
-      <p:boldItalic r:id="rId45"/>
+      <p:regular r:id="rId43"/>
+      <p:bold r:id="rId44"/>
+      <p:italic r:id="rId45"/>
+      <p:boldItalic r:id="rId46"/>
     </p:embeddedFont>
     <p:embeddedFont>
       <p:font typeface="Trebuchet MS" panose="020B0603020202020204" pitchFamily="34" charset="0"/>
-      <p:regular r:id="rId46"/>
-      <p:bold r:id="rId47"/>
-      <p:italic r:id="rId48"/>
-      <p:boldItalic r:id="rId49"/>
+      <p:regular r:id="rId47"/>
+      <p:bold r:id="rId48"/>
+      <p:italic r:id="rId49"/>
+      <p:boldItalic r:id="rId50"/>
     </p:embeddedFont>
   </p:embeddedFontLst>
   <p:defaultTextStyle>
@@ -6761,7 +6762,7 @@
           <a:p>
             <a:fld id="{7CEEE0ED-A0F5-4442-9C94-5288E26FF1D3}" type="datetimeFigureOut">
               <a:rPr lang="fa-IR" smtClean="0"/>
-              <a:t>26/09/1444</a:t>
+              <a:t>01/11/1444</a:t>
             </a:fld>
             <a:endParaRPr lang="fa-IR"/>
           </a:p>
@@ -11430,7 +11431,7 @@
           <a:p>
             <a:r>
               <a:rPr lang="en-US" sz="2400"/>
-              <a:t>Loops</a:t>
+              <a:t>Shape</a:t>
             </a:r>
             <a:endParaRPr lang="fa-IR"/>
           </a:p>
@@ -11467,7 +11468,7 @@
             </a:pPr>
             <a:r>
               <a:rPr lang="en-US" sz="1400"/>
-              <a:t>Iterating arrays</a:t>
+              <a:t>Shape</a:t>
             </a:r>
           </a:p>
           <a:p>
@@ -11489,29 +11490,7 @@
               <a:rPr lang="en-US" sz="1100">
                 <a:latin typeface="Consolas" panose="020B0609020204030204" pitchFamily="49" charset="0"/>
               </a:rPr>
-              <a:t>for x in arr:</a:t>
-            </a:r>
-          </a:p>
-          <a:p>
-            <a:pPr marL="76200" indent="0">
-              <a:buNone/>
-            </a:pPr>
-            <a:r>
-              <a:rPr lang="en-US" sz="1100">
-                <a:latin typeface="Consolas" panose="020B0609020204030204" pitchFamily="49" charset="0"/>
-              </a:rPr>
-              <a:t>    print(x)</a:t>
-            </a:r>
-          </a:p>
-          <a:p>
-            <a:pPr marL="76200" indent="0">
-              <a:buNone/>
-            </a:pPr>
-            <a:r>
-              <a:rPr lang="en-US" sz="1100">
-                <a:latin typeface="Consolas" panose="020B0609020204030204" pitchFamily="49" charset="0"/>
-              </a:rPr>
-              <a:t>for x in np.</a:t>
+              <a:t>print(arr</a:t>
             </a:r>
             <a:r>
               <a:rPr lang="en-US" sz="1100">
@@ -11520,13 +11499,52 @@
                 </a:solidFill>
                 <a:latin typeface="Consolas" panose="020B0609020204030204" pitchFamily="49" charset="0"/>
               </a:rPr>
-              <a:t>nditer(</a:t>
-            </a:r>
-            <a:r>
-              <a:rPr lang="en-US" sz="1100">
-                <a:latin typeface="Consolas" panose="020B0609020204030204" pitchFamily="49" charset="0"/>
-              </a:rPr>
-              <a:t>arr</a:t>
+              <a:t>.shape</a:t>
+            </a:r>
+            <a:r>
+              <a:rPr lang="en-US" sz="1100">
+                <a:latin typeface="Consolas" panose="020B0609020204030204" pitchFamily="49" charset="0"/>
+              </a:rPr>
+              <a:t>)</a:t>
+            </a:r>
+          </a:p>
+          <a:p>
+            <a:pPr marL="76200" indent="0">
+              <a:buNone/>
+            </a:pPr>
+            <a:endParaRPr lang="en-US" sz="1100">
+              <a:latin typeface="Consolas" panose="020B0609020204030204" pitchFamily="49" charset="0"/>
+            </a:endParaRPr>
+          </a:p>
+          <a:p>
+            <a:pPr marL="76200" indent="0">
+              <a:buNone/>
+            </a:pPr>
+            <a:r>
+              <a:rPr lang="en-US" sz="1400"/>
+              <a:t>Reshape</a:t>
+            </a:r>
+          </a:p>
+          <a:p>
+            <a:pPr marL="76200" indent="0">
+              <a:buNone/>
+            </a:pPr>
+            <a:r>
+              <a:rPr lang="en-US" sz="1100">
+                <a:latin typeface="Consolas" panose="020B0609020204030204" pitchFamily="49" charset="0"/>
+              </a:rPr>
+              <a:t>arr = np.array([1, 2, 3, 4, 5, 6, 7, 8])</a:t>
+            </a:r>
+          </a:p>
+          <a:p>
+            <a:pPr marL="76200" indent="0">
+              <a:buNone/>
+            </a:pPr>
+            <a:r>
+              <a:rPr lang="en-US" sz="1100">
+                <a:latin typeface="Consolas" panose="020B0609020204030204" pitchFamily="49" charset="0"/>
+              </a:rPr>
+              <a:t>print(arr</a:t>
             </a:r>
             <a:r>
               <a:rPr lang="en-US" sz="1100">
@@ -11535,35 +11553,13 @@
                 </a:solidFill>
                 <a:latin typeface="Consolas" panose="020B0609020204030204" pitchFamily="49" charset="0"/>
               </a:rPr>
-              <a:t>)</a:t>
-            </a:r>
-            <a:r>
-              <a:rPr lang="en-US" sz="1100">
-                <a:latin typeface="Consolas" panose="020B0609020204030204" pitchFamily="49" charset="0"/>
-              </a:rPr>
-              <a:t>:</a:t>
-            </a:r>
-          </a:p>
-          <a:p>
-            <a:pPr marL="76200" indent="0">
-              <a:buNone/>
-            </a:pPr>
-            <a:r>
-              <a:rPr lang="en-US" sz="1100">
-                <a:latin typeface="Consolas" panose="020B0609020204030204" pitchFamily="49" charset="0"/>
-              </a:rPr>
-              <a:t>    print(x) </a:t>
-            </a:r>
-          </a:p>
-          <a:p>
-            <a:pPr marL="76200" indent="0">
-              <a:buNone/>
-            </a:pPr>
-            <a:r>
-              <a:rPr lang="en-US" sz="1100">
-                <a:latin typeface="Consolas" panose="020B0609020204030204" pitchFamily="49" charset="0"/>
-              </a:rPr>
-              <a:t>for x in np.nditer(arr</a:t>
+              <a:t>.reshape(</a:t>
+            </a:r>
+            <a:r>
+              <a:rPr lang="en-US" sz="1100">
+                <a:latin typeface="Consolas" panose="020B0609020204030204" pitchFamily="49" charset="0"/>
+              </a:rPr>
+              <a:t>2, 4</a:t>
             </a:r>
             <a:r>
               <a:rPr lang="en-US" sz="1100">
@@ -11572,13 +11568,24 @@
                 </a:solidFill>
                 <a:latin typeface="Consolas" panose="020B0609020204030204" pitchFamily="49" charset="0"/>
               </a:rPr>
-              <a:t>[</a:t>
-            </a:r>
-            <a:r>
-              <a:rPr lang="en-US" sz="1100">
-                <a:latin typeface="Consolas" panose="020B0609020204030204" pitchFamily="49" charset="0"/>
-              </a:rPr>
-              <a:t>:</a:t>
+              <a:t>)</a:t>
+            </a:r>
+            <a:r>
+              <a:rPr lang="en-US" sz="1100">
+                <a:latin typeface="Consolas" panose="020B0609020204030204" pitchFamily="49" charset="0"/>
+              </a:rPr>
+              <a:t>)</a:t>
+            </a:r>
+          </a:p>
+          <a:p>
+            <a:pPr marL="76200" indent="0">
+              <a:buNone/>
+            </a:pPr>
+            <a:r>
+              <a:rPr lang="en-US" sz="1100">
+                <a:latin typeface="Consolas" panose="020B0609020204030204" pitchFamily="49" charset="0"/>
+              </a:rPr>
+              <a:t>print(arr.reshape(2, 2, </a:t>
             </a:r>
             <a:r>
               <a:rPr lang="en-US" sz="1100">
@@ -11587,13 +11594,52 @@
                 </a:solidFill>
                 <a:latin typeface="Consolas" panose="020B0609020204030204" pitchFamily="49" charset="0"/>
               </a:rPr>
-              <a:t>,</a:t>
-            </a:r>
-            <a:r>
-              <a:rPr lang="en-US" sz="1100">
-                <a:latin typeface="Consolas" panose="020B0609020204030204" pitchFamily="49" charset="0"/>
-              </a:rPr>
-              <a:t> ::2</a:t>
+              <a:t>-1</a:t>
+            </a:r>
+            <a:r>
+              <a:rPr lang="en-US" sz="1100">
+                <a:latin typeface="Consolas" panose="020B0609020204030204" pitchFamily="49" charset="0"/>
+              </a:rPr>
+              <a:t>))</a:t>
+            </a:r>
+          </a:p>
+          <a:p>
+            <a:pPr marL="76200" indent="0">
+              <a:buNone/>
+            </a:pPr>
+            <a:endParaRPr lang="en-US" sz="1100">
+              <a:latin typeface="Consolas" panose="020B0609020204030204" pitchFamily="49" charset="0"/>
+            </a:endParaRPr>
+          </a:p>
+          <a:p>
+            <a:pPr marL="76200" indent="0">
+              <a:buNone/>
+            </a:pPr>
+            <a:r>
+              <a:rPr lang="en-US" sz="1400"/>
+              <a:t>Flatten</a:t>
+            </a:r>
+          </a:p>
+          <a:p>
+            <a:pPr marL="76200" indent="0">
+              <a:buNone/>
+            </a:pPr>
+            <a:r>
+              <a:rPr lang="en-US" sz="1100">
+                <a:latin typeface="Consolas" panose="020B0609020204030204" pitchFamily="49" charset="0"/>
+              </a:rPr>
+              <a:t>arr = np.array([[1, 2, 3, 4], [5, 6, 7, 8]])</a:t>
+            </a:r>
+          </a:p>
+          <a:p>
+            <a:pPr marL="76200" indent="0">
+              <a:buNone/>
+            </a:pPr>
+            <a:r>
+              <a:rPr lang="en-US" sz="1100">
+                <a:latin typeface="Consolas" panose="020B0609020204030204" pitchFamily="49" charset="0"/>
+              </a:rPr>
+              <a:t>print(arr.reshape(</a:t>
             </a:r>
             <a:r>
               <a:rPr lang="en-US" sz="1100">
@@ -11602,77 +11648,20 @@
                 </a:solidFill>
                 <a:latin typeface="Consolas" panose="020B0609020204030204" pitchFamily="49" charset="0"/>
               </a:rPr>
-              <a:t>]</a:t>
-            </a:r>
-            <a:r>
-              <a:rPr lang="en-US" sz="1100">
-                <a:latin typeface="Consolas" panose="020B0609020204030204" pitchFamily="49" charset="0"/>
-              </a:rPr>
-              <a:t>):</a:t>
-            </a:r>
-          </a:p>
-          <a:p>
-            <a:pPr marL="76200" indent="0">
-              <a:buNone/>
-            </a:pPr>
-            <a:r>
-              <a:rPr lang="en-US" sz="1100">
-                <a:latin typeface="Consolas" panose="020B0609020204030204" pitchFamily="49" charset="0"/>
-              </a:rPr>
-              <a:t>    print(x) </a:t>
-            </a:r>
-          </a:p>
-          <a:p>
-            <a:pPr marL="76200" indent="0">
-              <a:buNone/>
-            </a:pPr>
-            <a:r>
-              <a:rPr lang="en-US" sz="1100">
-                <a:latin typeface="Consolas" panose="020B0609020204030204" pitchFamily="49" charset="0"/>
-              </a:rPr>
-              <a:t>for x in np.</a:t>
-            </a:r>
-            <a:r>
-              <a:rPr lang="en-US" sz="1100">
-                <a:solidFill>
-                  <a:schemeClr val="accent1"/>
-                </a:solidFill>
-                <a:latin typeface="Consolas" panose="020B0609020204030204" pitchFamily="49" charset="0"/>
-              </a:rPr>
-              <a:t>ndenumerate(</a:t>
-            </a:r>
-            <a:r>
-              <a:rPr lang="en-US" sz="1100">
-                <a:latin typeface="Consolas" panose="020B0609020204030204" pitchFamily="49" charset="0"/>
-              </a:rPr>
-              <a:t>arr</a:t>
-            </a:r>
-            <a:r>
-              <a:rPr lang="en-US" sz="1100">
-                <a:solidFill>
-                  <a:schemeClr val="accent1"/>
-                </a:solidFill>
-                <a:latin typeface="Consolas" panose="020B0609020204030204" pitchFamily="49" charset="0"/>
-              </a:rPr>
-              <a:t>)</a:t>
-            </a:r>
-            <a:r>
-              <a:rPr lang="en-US" sz="1100">
-                <a:latin typeface="Consolas" panose="020B0609020204030204" pitchFamily="49" charset="0"/>
-              </a:rPr>
-              <a:t>:</a:t>
-            </a:r>
-          </a:p>
-          <a:p>
-            <a:pPr marL="76200" indent="0">
-              <a:buNone/>
-            </a:pPr>
-            <a:r>
-              <a:rPr lang="en-US" sz="1100">
-                <a:latin typeface="Consolas" panose="020B0609020204030204" pitchFamily="49" charset="0"/>
-              </a:rPr>
-              <a:t>    print(x)</a:t>
-            </a:r>
+              <a:t>-1</a:t>
+            </a:r>
+            <a:r>
+              <a:rPr lang="en-US" sz="1100">
+                <a:latin typeface="Consolas" panose="020B0609020204030204" pitchFamily="49" charset="0"/>
+              </a:rPr>
+              <a:t>))</a:t>
+            </a:r>
+            <a:endParaRPr lang="en-US" sz="1100">
+              <a:solidFill>
+                <a:schemeClr val="accent1"/>
+              </a:solidFill>
+              <a:latin typeface="Consolas" panose="020B0609020204030204" pitchFamily="49" charset="0"/>
+            </a:endParaRPr>
           </a:p>
         </p:txBody>
       </p:sp>
@@ -11717,7 +11706,7 @@
     </p:spTree>
     <p:extLst>
       <p:ext uri="{BB962C8B-B14F-4D97-AF65-F5344CB8AC3E}">
-        <p14:creationId xmlns:p14="http://schemas.microsoft.com/office/powerpoint/2010/main" val="1384881879"/>
+        <p14:creationId xmlns:p14="http://schemas.microsoft.com/office/powerpoint/2010/main" val="1703438368"/>
       </p:ext>
     </p:extLst>
   </p:cSld>
@@ -11767,7 +11756,7 @@
           <a:p>
             <a:r>
               <a:rPr lang="en-US" sz="2400"/>
-              <a:t>Joins and Splits</a:t>
+              <a:t>Loops</a:t>
             </a:r>
             <a:endParaRPr lang="fa-IR"/>
           </a:p>
@@ -11804,7 +11793,7 @@
             </a:pPr>
             <a:r>
               <a:rPr lang="en-US" sz="1400"/>
-              <a:t>Joining arrays</a:t>
+              <a:t>Iterating arrays</a:t>
             </a:r>
           </a:p>
           <a:p>
@@ -11815,7 +11804,7 @@
               <a:rPr lang="en-US" sz="1100">
                 <a:latin typeface="Consolas" panose="020B0609020204030204" pitchFamily="49" charset="0"/>
               </a:rPr>
-              <a:t>arr1, arr2 = np.array([[1, 2], [3, 4]]), np.array([[5, 6], [7, 8]])</a:t>
+              <a:t>arr = np.array([[1, 2, 3, 4], [5, 6, 7, 8]])</a:t>
             </a:r>
           </a:p>
           <a:p>
@@ -11826,7 +11815,29 @@
               <a:rPr lang="en-US" sz="1100">
                 <a:latin typeface="Consolas" panose="020B0609020204030204" pitchFamily="49" charset="0"/>
               </a:rPr>
-              <a:t>print(np.</a:t>
+              <a:t>for x in arr:</a:t>
+            </a:r>
+          </a:p>
+          <a:p>
+            <a:pPr marL="76200" indent="0">
+              <a:buNone/>
+            </a:pPr>
+            <a:r>
+              <a:rPr lang="en-US" sz="1100">
+                <a:latin typeface="Consolas" panose="020B0609020204030204" pitchFamily="49" charset="0"/>
+              </a:rPr>
+              <a:t>    print(x)</a:t>
+            </a:r>
+          </a:p>
+          <a:p>
+            <a:pPr marL="76200" indent="0">
+              <a:buNone/>
+            </a:pPr>
+            <a:r>
+              <a:rPr lang="en-US" sz="1100">
+                <a:latin typeface="Consolas" panose="020B0609020204030204" pitchFamily="49" charset="0"/>
+              </a:rPr>
+              <a:t>for x in np.</a:t>
             </a:r>
             <a:r>
               <a:rPr lang="en-US" sz="1100">
@@ -11835,13 +11846,13 @@
                 </a:solidFill>
                 <a:latin typeface="Consolas" panose="020B0609020204030204" pitchFamily="49" charset="0"/>
               </a:rPr>
-              <a:t>concatenate(</a:t>
-            </a:r>
-            <a:r>
-              <a:rPr lang="en-US" sz="1100">
-                <a:latin typeface="Consolas" panose="020B0609020204030204" pitchFamily="49" charset="0"/>
-              </a:rPr>
-              <a:t>(arr1, arr2)</a:t>
+              <a:t>nditer(</a:t>
+            </a:r>
+            <a:r>
+              <a:rPr lang="en-US" sz="1100">
+                <a:latin typeface="Consolas" panose="020B0609020204030204" pitchFamily="49" charset="0"/>
+              </a:rPr>
+              <a:t>arr</a:t>
             </a:r>
             <a:r>
               <a:rPr lang="en-US" sz="1100">
@@ -11856,7 +11867,7 @@
               <a:rPr lang="en-US" sz="1100">
                 <a:latin typeface="Consolas" panose="020B0609020204030204" pitchFamily="49" charset="0"/>
               </a:rPr>
-              <a:t>)</a:t>
+              <a:t>:</a:t>
             </a:r>
           </a:p>
           <a:p>
@@ -11867,7 +11878,18 @@
               <a:rPr lang="en-US" sz="1100">
                 <a:latin typeface="Consolas" panose="020B0609020204030204" pitchFamily="49" charset="0"/>
               </a:rPr>
-              <a:t>print(np.concatenate((arr1, arr2), </a:t>
+              <a:t>    print(x) </a:t>
+            </a:r>
+          </a:p>
+          <a:p>
+            <a:pPr marL="76200" indent="0">
+              <a:buNone/>
+            </a:pPr>
+            <a:r>
+              <a:rPr lang="en-US" sz="1100">
+                <a:latin typeface="Consolas" panose="020B0609020204030204" pitchFamily="49" charset="0"/>
+              </a:rPr>
+              <a:t>for x in np.nditer(arr</a:t>
             </a:r>
             <a:r>
               <a:rPr lang="en-US" sz="1100">
@@ -11876,24 +11898,13 @@
                 </a:solidFill>
                 <a:latin typeface="Consolas" panose="020B0609020204030204" pitchFamily="49" charset="0"/>
               </a:rPr>
-              <a:t>axis =</a:t>
-            </a:r>
-            <a:r>
-              <a:rPr lang="en-US" sz="1100">
-                <a:latin typeface="Consolas" panose="020B0609020204030204" pitchFamily="49" charset="0"/>
-              </a:rPr>
-              <a:t> 1))</a:t>
-            </a:r>
-          </a:p>
-          <a:p>
-            <a:pPr marL="76200" indent="0">
-              <a:buNone/>
-            </a:pPr>
-            <a:r>
-              <a:rPr lang="en-US" sz="1100">
-                <a:latin typeface="Consolas" panose="020B0609020204030204" pitchFamily="49" charset="0"/>
-              </a:rPr>
-              <a:t>print(np.</a:t>
+              <a:t>[</a:t>
+            </a:r>
+            <a:r>
+              <a:rPr lang="en-US" sz="1100">
+                <a:latin typeface="Consolas" panose="020B0609020204030204" pitchFamily="49" charset="0"/>
+              </a:rPr>
+              <a:t>:</a:t>
             </a:r>
             <a:r>
               <a:rPr lang="en-US" sz="1100">
@@ -11902,13 +11913,13 @@
                 </a:solidFill>
                 <a:latin typeface="Consolas" panose="020B0609020204030204" pitchFamily="49" charset="0"/>
               </a:rPr>
-              <a:t>stack(</a:t>
-            </a:r>
-            <a:r>
-              <a:rPr lang="en-US" sz="1100">
-                <a:latin typeface="Consolas" panose="020B0609020204030204" pitchFamily="49" charset="0"/>
-              </a:rPr>
-              <a:t>(arr1, arr2), axis = 1</a:t>
+              <a:t>,</a:t>
+            </a:r>
+            <a:r>
+              <a:rPr lang="en-US" sz="1100">
+                <a:latin typeface="Consolas" panose="020B0609020204030204" pitchFamily="49" charset="0"/>
+              </a:rPr>
+              <a:t> ::2</a:t>
             </a:r>
             <a:r>
               <a:rPr lang="en-US" sz="1100">
@@ -11917,52 +11928,35 @@
                 </a:solidFill>
                 <a:latin typeface="Consolas" panose="020B0609020204030204" pitchFamily="49" charset="0"/>
               </a:rPr>
-              <a:t>)</a:t>
-            </a:r>
-            <a:r>
-              <a:rPr lang="en-US" sz="1100">
-                <a:latin typeface="Consolas" panose="020B0609020204030204" pitchFamily="49" charset="0"/>
-              </a:rPr>
-              <a:t>)</a:t>
+              <a:t>]</a:t>
+            </a:r>
+            <a:r>
+              <a:rPr lang="en-US" sz="1100">
+                <a:latin typeface="Consolas" panose="020B0609020204030204" pitchFamily="49" charset="0"/>
+              </a:rPr>
+              <a:t>):</a:t>
             </a:r>
           </a:p>
           <a:p>
             <a:pPr marL="76200" indent="0">
               <a:buNone/>
             </a:pPr>
-            <a:endParaRPr lang="en-US" sz="1100">
-              <a:latin typeface="Consolas" panose="020B0609020204030204" pitchFamily="49" charset="0"/>
-            </a:endParaRPr>
+            <a:r>
+              <a:rPr lang="en-US" sz="1100">
+                <a:latin typeface="Consolas" panose="020B0609020204030204" pitchFamily="49" charset="0"/>
+              </a:rPr>
+              <a:t>    print(x) </a:t>
+            </a:r>
           </a:p>
           <a:p>
             <a:pPr marL="76200" indent="0">
               <a:buNone/>
             </a:pPr>
             <a:r>
-              <a:rPr lang="en-US" sz="1400"/>
-              <a:t>Splitting arrays</a:t>
-            </a:r>
-          </a:p>
-          <a:p>
-            <a:pPr marL="76200" indent="0">
-              <a:buNone/>
-            </a:pPr>
-            <a:r>
-              <a:rPr lang="en-US" sz="1100">
-                <a:latin typeface="Consolas" panose="020B0609020204030204" pitchFamily="49" charset="0"/>
-              </a:rPr>
-              <a:t>arr = np.array([[1, 2, 3, 4], [5, 6, 7, 8], [9, 10, 11, 12], [13, 14, 15, 16]])</a:t>
-            </a:r>
-          </a:p>
-          <a:p>
-            <a:pPr marL="76200" indent="0">
-              <a:buNone/>
-            </a:pPr>
-            <a:r>
-              <a:rPr lang="en-US" sz="1100">
-                <a:latin typeface="Consolas" panose="020B0609020204030204" pitchFamily="49" charset="0"/>
-              </a:rPr>
-              <a:t>print(np.</a:t>
+              <a:rPr lang="en-US" sz="1100">
+                <a:latin typeface="Consolas" panose="020B0609020204030204" pitchFamily="49" charset="0"/>
+              </a:rPr>
+              <a:t>for x in np.</a:t>
             </a:r>
             <a:r>
               <a:rPr lang="en-US" sz="1100">
@@ -11971,13 +11965,13 @@
                 </a:solidFill>
                 <a:latin typeface="Consolas" panose="020B0609020204030204" pitchFamily="49" charset="0"/>
               </a:rPr>
-              <a:t>array_split(</a:t>
-            </a:r>
-            <a:r>
-              <a:rPr lang="en-US" sz="1100">
-                <a:latin typeface="Consolas" panose="020B0609020204030204" pitchFamily="49" charset="0"/>
-              </a:rPr>
-              <a:t>arr, 2</a:t>
+              <a:t>ndenumerate(</a:t>
+            </a:r>
+            <a:r>
+              <a:rPr lang="en-US" sz="1100">
+                <a:latin typeface="Consolas" panose="020B0609020204030204" pitchFamily="49" charset="0"/>
+              </a:rPr>
+              <a:t>arr</a:t>
             </a:r>
             <a:r>
               <a:rPr lang="en-US" sz="1100">
@@ -11992,7 +11986,7 @@
               <a:rPr lang="en-US" sz="1100">
                 <a:latin typeface="Consolas" panose="020B0609020204030204" pitchFamily="49" charset="0"/>
               </a:rPr>
-              <a:t>)</a:t>
+              <a:t>:</a:t>
             </a:r>
           </a:p>
           <a:p>
@@ -12003,59 +11997,7 @@
               <a:rPr lang="en-US" sz="1100">
                 <a:latin typeface="Consolas" panose="020B0609020204030204" pitchFamily="49" charset="0"/>
               </a:rPr>
-              <a:t>print(np.array_split(arr, 3))</a:t>
-            </a:r>
-          </a:p>
-          <a:p>
-            <a:pPr marL="76200" indent="0">
-              <a:buNone/>
-            </a:pPr>
-            <a:r>
-              <a:rPr lang="en-US" sz="1100">
-                <a:latin typeface="Consolas" panose="020B0609020204030204" pitchFamily="49" charset="0"/>
-              </a:rPr>
-              <a:t>print(np.array_split(arr, 6))</a:t>
-            </a:r>
-          </a:p>
-          <a:p>
-            <a:pPr marL="76200" indent="0">
-              <a:buNone/>
-            </a:pPr>
-            <a:r>
-              <a:rPr lang="en-US" sz="1100">
-                <a:latin typeface="Consolas" panose="020B0609020204030204" pitchFamily="49" charset="0"/>
-              </a:rPr>
-              <a:t>print(np.array_split(arr, 2, </a:t>
-            </a:r>
-            <a:r>
-              <a:rPr lang="en-US" sz="1100">
-                <a:solidFill>
-                  <a:schemeClr val="accent1"/>
-                </a:solidFill>
-                <a:latin typeface="Consolas" panose="020B0609020204030204" pitchFamily="49" charset="0"/>
-              </a:rPr>
-              <a:t>axis</a:t>
-            </a:r>
-            <a:r>
-              <a:rPr lang="en-US" sz="1100">
-                <a:latin typeface="Consolas" panose="020B0609020204030204" pitchFamily="49" charset="0"/>
-              </a:rPr>
-              <a:t> </a:t>
-            </a:r>
-            <a:r>
-              <a:rPr lang="en-US" sz="1100">
-                <a:solidFill>
-                  <a:schemeClr val="accent1"/>
-                </a:solidFill>
-                <a:latin typeface="Consolas" panose="020B0609020204030204" pitchFamily="49" charset="0"/>
-              </a:rPr>
-              <a:t>=</a:t>
-            </a:r>
-            <a:r>
-              <a:rPr lang="en-US" sz="1100">
-                <a:latin typeface="Consolas" panose="020B0609020204030204" pitchFamily="49" charset="0"/>
-              </a:rPr>
-              <a:t> 1))</a:t>
+              <a:t>    print(x)</a:t>
             </a:r>
           </a:p>
         </p:txBody>
@@ -12101,7 +12043,7 @@
     </p:spTree>
     <p:extLst>
       <p:ext uri="{BB962C8B-B14F-4D97-AF65-F5344CB8AC3E}">
-        <p14:creationId xmlns:p14="http://schemas.microsoft.com/office/powerpoint/2010/main" val="390768587"/>
+        <p14:creationId xmlns:p14="http://schemas.microsoft.com/office/powerpoint/2010/main" val="1384881879"/>
       </p:ext>
     </p:extLst>
   </p:cSld>
@@ -12151,7 +12093,7 @@
           <a:p>
             <a:r>
               <a:rPr lang="en-US" sz="2400"/>
-              <a:t>Sort</a:t>
+              <a:t>Joins and Splits</a:t>
             </a:r>
             <a:endParaRPr lang="fa-IR"/>
           </a:p>
@@ -12188,7 +12130,7 @@
             </a:pPr>
             <a:r>
               <a:rPr lang="en-US" sz="1400"/>
-              <a:t>Sorting arrays</a:t>
+              <a:t>Joining arrays</a:t>
             </a:r>
           </a:p>
           <a:p>
@@ -12199,7 +12141,7 @@
               <a:rPr lang="en-US" sz="1100">
                 <a:latin typeface="Consolas" panose="020B0609020204030204" pitchFamily="49" charset="0"/>
               </a:rPr>
-              <a:t>arr = np.array([[1, 3], [2, 4], [6, 4], [4, 0]])</a:t>
+              <a:t>arr1, arr2 = np.array([[1, 2], [3, 4]]), np.array([[5, 6], [7, 8]])</a:t>
             </a:r>
           </a:p>
           <a:p>
@@ -12219,13 +12161,13 @@
                 </a:solidFill>
                 <a:latin typeface="Consolas" panose="020B0609020204030204" pitchFamily="49" charset="0"/>
               </a:rPr>
-              <a:t>sort(</a:t>
-            </a:r>
-            <a:r>
-              <a:rPr lang="en-US" sz="1100">
-                <a:latin typeface="Consolas" panose="020B0609020204030204" pitchFamily="49" charset="0"/>
-              </a:rPr>
-              <a:t>arr</a:t>
+              <a:t>concatenate(</a:t>
+            </a:r>
+            <a:r>
+              <a:rPr lang="en-US" sz="1100">
+                <a:latin typeface="Consolas" panose="020B0609020204030204" pitchFamily="49" charset="0"/>
+              </a:rPr>
+              <a:t>(arr1, arr2)</a:t>
             </a:r>
             <a:r>
               <a:rPr lang="en-US" sz="1100">
@@ -12247,6 +12189,73 @@
             <a:pPr marL="76200" indent="0">
               <a:buNone/>
             </a:pPr>
+            <a:r>
+              <a:rPr lang="en-US" sz="1100">
+                <a:latin typeface="Consolas" panose="020B0609020204030204" pitchFamily="49" charset="0"/>
+              </a:rPr>
+              <a:t>print(np.concatenate((arr1, arr2), </a:t>
+            </a:r>
+            <a:r>
+              <a:rPr lang="en-US" sz="1100">
+                <a:solidFill>
+                  <a:schemeClr val="accent1"/>
+                </a:solidFill>
+                <a:latin typeface="Consolas" panose="020B0609020204030204" pitchFamily="49" charset="0"/>
+              </a:rPr>
+              <a:t>axis =</a:t>
+            </a:r>
+            <a:r>
+              <a:rPr lang="en-US" sz="1100">
+                <a:latin typeface="Consolas" panose="020B0609020204030204" pitchFamily="49" charset="0"/>
+              </a:rPr>
+              <a:t> 1))</a:t>
+            </a:r>
+          </a:p>
+          <a:p>
+            <a:pPr marL="76200" indent="0">
+              <a:buNone/>
+            </a:pPr>
+            <a:r>
+              <a:rPr lang="en-US" sz="1100">
+                <a:latin typeface="Consolas" panose="020B0609020204030204" pitchFamily="49" charset="0"/>
+              </a:rPr>
+              <a:t>print(np.</a:t>
+            </a:r>
+            <a:r>
+              <a:rPr lang="en-US" sz="1100">
+                <a:solidFill>
+                  <a:schemeClr val="accent1"/>
+                </a:solidFill>
+                <a:latin typeface="Consolas" panose="020B0609020204030204" pitchFamily="49" charset="0"/>
+              </a:rPr>
+              <a:t>stack(</a:t>
+            </a:r>
+            <a:r>
+              <a:rPr lang="en-US" sz="1100">
+                <a:latin typeface="Consolas" panose="020B0609020204030204" pitchFamily="49" charset="0"/>
+              </a:rPr>
+              <a:t>(arr1, arr2), axis = 1</a:t>
+            </a:r>
+            <a:r>
+              <a:rPr lang="en-US" sz="1100">
+                <a:solidFill>
+                  <a:schemeClr val="accent1"/>
+                </a:solidFill>
+                <a:latin typeface="Consolas" panose="020B0609020204030204" pitchFamily="49" charset="0"/>
+              </a:rPr>
+              <a:t>)</a:t>
+            </a:r>
+            <a:r>
+              <a:rPr lang="en-US" sz="1100">
+                <a:latin typeface="Consolas" panose="020B0609020204030204" pitchFamily="49" charset="0"/>
+              </a:rPr>
+              <a:t>)</a:t>
+            </a:r>
+          </a:p>
+          <a:p>
+            <a:pPr marL="76200" indent="0">
+              <a:buNone/>
+            </a:pPr>
             <a:endParaRPr lang="en-US" sz="1100">
               <a:latin typeface="Consolas" panose="020B0609020204030204" pitchFamily="49" charset="0"/>
             </a:endParaRPr>
@@ -12257,7 +12266,7 @@
             </a:pPr>
             <a:r>
               <a:rPr lang="en-US" sz="1400"/>
-              <a:t>Search Sorted</a:t>
+              <a:t>Splitting arrays</a:t>
             </a:r>
           </a:p>
           <a:p>
@@ -12268,7 +12277,7 @@
               <a:rPr lang="en-US" sz="1100">
                 <a:latin typeface="Consolas" panose="020B0609020204030204" pitchFamily="49" charset="0"/>
               </a:rPr>
-              <a:t>arr = np.array([1, 3, 2, 4, 6, 4, 4, 0])</a:t>
+              <a:t>arr = np.array([[1, 2, 3, 4], [5, 6, 7, 8], [9, 10, 11, 12], [13, 14, 15, 16]])</a:t>
             </a:r>
           </a:p>
           <a:p>
@@ -12288,13 +12297,13 @@
                 </a:solidFill>
                 <a:latin typeface="Consolas" panose="020B0609020204030204" pitchFamily="49" charset="0"/>
               </a:rPr>
-              <a:t>searchsorted(</a:t>
-            </a:r>
-            <a:r>
-              <a:rPr lang="en-US" sz="1100">
-                <a:latin typeface="Consolas" panose="020B0609020204030204" pitchFamily="49" charset="0"/>
-              </a:rPr>
-              <a:t>arr, 3</a:t>
+              <a:t>array_split(</a:t>
+            </a:r>
+            <a:r>
+              <a:rPr lang="en-US" sz="1100">
+                <a:latin typeface="Consolas" panose="020B0609020204030204" pitchFamily="49" charset="0"/>
+              </a:rPr>
+              <a:t>arr, 2</a:t>
             </a:r>
             <a:r>
               <a:rPr lang="en-US" sz="1100">
@@ -12320,7 +12329,59 @@
               <a:rPr lang="en-US" sz="1100">
                 <a:latin typeface="Consolas" panose="020B0609020204030204" pitchFamily="49" charset="0"/>
               </a:rPr>
-              <a:t>print(np.searchsorted(arr, 5))</a:t>
+              <a:t>print(np.array_split(arr, 3))</a:t>
+            </a:r>
+          </a:p>
+          <a:p>
+            <a:pPr marL="76200" indent="0">
+              <a:buNone/>
+            </a:pPr>
+            <a:r>
+              <a:rPr lang="en-US" sz="1100">
+                <a:latin typeface="Consolas" panose="020B0609020204030204" pitchFamily="49" charset="0"/>
+              </a:rPr>
+              <a:t>print(np.array_split(arr, 6))</a:t>
+            </a:r>
+          </a:p>
+          <a:p>
+            <a:pPr marL="76200" indent="0">
+              <a:buNone/>
+            </a:pPr>
+            <a:r>
+              <a:rPr lang="en-US" sz="1100">
+                <a:latin typeface="Consolas" panose="020B0609020204030204" pitchFamily="49" charset="0"/>
+              </a:rPr>
+              <a:t>print(np.array_split(arr, 2, </a:t>
+            </a:r>
+            <a:r>
+              <a:rPr lang="en-US" sz="1100">
+                <a:solidFill>
+                  <a:schemeClr val="accent1"/>
+                </a:solidFill>
+                <a:latin typeface="Consolas" panose="020B0609020204030204" pitchFamily="49" charset="0"/>
+              </a:rPr>
+              <a:t>axis</a:t>
+            </a:r>
+            <a:r>
+              <a:rPr lang="en-US" sz="1100">
+                <a:latin typeface="Consolas" panose="020B0609020204030204" pitchFamily="49" charset="0"/>
+              </a:rPr>
+              <a:t> </a:t>
+            </a:r>
+            <a:r>
+              <a:rPr lang="en-US" sz="1100">
+                <a:solidFill>
+                  <a:schemeClr val="accent1"/>
+                </a:solidFill>
+                <a:latin typeface="Consolas" panose="020B0609020204030204" pitchFamily="49" charset="0"/>
+              </a:rPr>
+              <a:t>=</a:t>
+            </a:r>
+            <a:r>
+              <a:rPr lang="en-US" sz="1100">
+                <a:latin typeface="Consolas" panose="020B0609020204030204" pitchFamily="49" charset="0"/>
+              </a:rPr>
+              <a:t> 1))</a:t>
             </a:r>
           </a:p>
         </p:txBody>
@@ -12366,7 +12427,7 @@
     </p:spTree>
     <p:extLst>
       <p:ext uri="{BB962C8B-B14F-4D97-AF65-F5344CB8AC3E}">
-        <p14:creationId xmlns:p14="http://schemas.microsoft.com/office/powerpoint/2010/main" val="133725986"/>
+        <p14:creationId xmlns:p14="http://schemas.microsoft.com/office/powerpoint/2010/main" val="390768587"/>
       </p:ext>
     </p:extLst>
   </p:cSld>
@@ -12416,7 +12477,7 @@
           <a:p>
             <a:r>
               <a:rPr lang="en-US" sz="2400"/>
-              <a:t>Search and Filter</a:t>
+              <a:t>Sort</a:t>
             </a:r>
             <a:endParaRPr lang="fa-IR"/>
           </a:p>
@@ -12453,7 +12514,7 @@
             </a:pPr>
             <a:r>
               <a:rPr lang="en-US" sz="1400"/>
-              <a:t>Searching arrays</a:t>
+              <a:t>Sorting arrays</a:t>
             </a:r>
           </a:p>
           <a:p>
@@ -12484,13 +12545,13 @@
                 </a:solidFill>
                 <a:latin typeface="Consolas" panose="020B0609020204030204" pitchFamily="49" charset="0"/>
               </a:rPr>
-              <a:t>where(</a:t>
-            </a:r>
-            <a:r>
-              <a:rPr lang="en-US" sz="1100">
-                <a:latin typeface="Consolas" panose="020B0609020204030204" pitchFamily="49" charset="0"/>
-              </a:rPr>
-              <a:t>arr == 4</a:t>
+              <a:t>sort(</a:t>
+            </a:r>
+            <a:r>
+              <a:rPr lang="en-US" sz="1100">
+                <a:latin typeface="Consolas" panose="020B0609020204030204" pitchFamily="49" charset="0"/>
+              </a:rPr>
+              <a:t>arr</a:t>
             </a:r>
             <a:r>
               <a:rPr lang="en-US" sz="1100">
@@ -12512,17 +12573,6 @@
             <a:pPr marL="76200" indent="0">
               <a:buNone/>
             </a:pPr>
-            <a:r>
-              <a:rPr lang="en-US" sz="1100">
-                <a:latin typeface="Consolas" panose="020B0609020204030204" pitchFamily="49" charset="0"/>
-              </a:rPr>
-              <a:t>print(np.where(arr % 2 == 0))</a:t>
-            </a:r>
-          </a:p>
-          <a:p>
-            <a:pPr marL="76200" indent="0">
-              <a:buNone/>
-            </a:pPr>
             <a:endParaRPr lang="en-US" sz="1100">
               <a:latin typeface="Consolas" panose="020B0609020204030204" pitchFamily="49" charset="0"/>
             </a:endParaRPr>
@@ -12533,7 +12583,7 @@
             </a:pPr>
             <a:r>
               <a:rPr lang="en-US" sz="1400"/>
-              <a:t>Filtering arrays</a:t>
+              <a:t>Search Sorted</a:t>
             </a:r>
           </a:p>
           <a:p>
@@ -12555,7 +12605,7 @@
               <a:rPr lang="en-US" sz="1100">
                 <a:latin typeface="Consolas" panose="020B0609020204030204" pitchFamily="49" charset="0"/>
               </a:rPr>
-              <a:t>print(arr</a:t>
+              <a:t>print(np.</a:t>
             </a:r>
             <a:r>
               <a:rPr lang="en-US" sz="1100">
@@ -12564,13 +12614,13 @@
                 </a:solidFill>
                 <a:latin typeface="Consolas" panose="020B0609020204030204" pitchFamily="49" charset="0"/>
               </a:rPr>
-              <a:t>[</a:t>
-            </a:r>
-            <a:r>
-              <a:rPr lang="en-US" sz="1100">
-                <a:latin typeface="Consolas" panose="020B0609020204030204" pitchFamily="49" charset="0"/>
-              </a:rPr>
-              <a:t>arr % 2 == 0</a:t>
+              <a:t>searchsorted(</a:t>
+            </a:r>
+            <a:r>
+              <a:rPr lang="en-US" sz="1100">
+                <a:latin typeface="Consolas" panose="020B0609020204030204" pitchFamily="49" charset="0"/>
+              </a:rPr>
+              <a:t>arr, 3</a:t>
             </a:r>
             <a:r>
               <a:rPr lang="en-US" sz="1100">
@@ -12579,13 +12629,24 @@
                 </a:solidFill>
                 <a:latin typeface="Consolas" panose="020B0609020204030204" pitchFamily="49" charset="0"/>
               </a:rPr>
-              <a:t>]</a:t>
-            </a:r>
-            <a:r>
-              <a:rPr lang="en-US" sz="1100">
-                <a:latin typeface="Consolas" panose="020B0609020204030204" pitchFamily="49" charset="0"/>
-              </a:rPr>
               <a:t>)</a:t>
+            </a:r>
+            <a:r>
+              <a:rPr lang="en-US" sz="1100">
+                <a:latin typeface="Consolas" panose="020B0609020204030204" pitchFamily="49" charset="0"/>
+              </a:rPr>
+              <a:t>)</a:t>
+            </a:r>
+          </a:p>
+          <a:p>
+            <a:pPr marL="76200" indent="0">
+              <a:buNone/>
+            </a:pPr>
+            <a:r>
+              <a:rPr lang="en-US" sz="1100">
+                <a:latin typeface="Consolas" panose="020B0609020204030204" pitchFamily="49" charset="0"/>
+              </a:rPr>
+              <a:t>print(np.searchsorted(arr, 5))</a:t>
             </a:r>
           </a:p>
         </p:txBody>
@@ -12631,7 +12692,7 @@
     </p:spTree>
     <p:extLst>
       <p:ext uri="{BB962C8B-B14F-4D97-AF65-F5344CB8AC3E}">
-        <p14:creationId xmlns:p14="http://schemas.microsoft.com/office/powerpoint/2010/main" val="1557836894"/>
+        <p14:creationId xmlns:p14="http://schemas.microsoft.com/office/powerpoint/2010/main" val="133725986"/>
       </p:ext>
     </p:extLst>
   </p:cSld>
@@ -12681,7 +12742,7 @@
           <a:p>
             <a:r>
               <a:rPr lang="en-US" sz="2400"/>
-              <a:t>Random Numbers</a:t>
+              <a:t>Search and Filter</a:t>
             </a:r>
             <a:endParaRPr lang="fa-IR"/>
           </a:p>
@@ -12718,7 +12779,18 @@
             </a:pPr>
             <a:r>
               <a:rPr lang="en-US" sz="1400"/>
-              <a:t>Generate Random Number</a:t>
+              <a:t>Searching arrays</a:t>
+            </a:r>
+          </a:p>
+          <a:p>
+            <a:pPr marL="76200" indent="0">
+              <a:buNone/>
+            </a:pPr>
+            <a:r>
+              <a:rPr lang="en-US" sz="1100">
+                <a:latin typeface="Consolas" panose="020B0609020204030204" pitchFamily="49" charset="0"/>
+              </a:rPr>
+              <a:t>arr = np.array([[1, 3], [2, 4], [6, 4], [4, 0]])</a:t>
             </a:r>
           </a:p>
           <a:p>
@@ -12738,35 +12810,13 @@
                 </a:solidFill>
                 <a:latin typeface="Consolas" panose="020B0609020204030204" pitchFamily="49" charset="0"/>
               </a:rPr>
-              <a:t>random.rand()</a:t>
-            </a:r>
-            <a:r>
-              <a:rPr lang="en-US" sz="1100">
-                <a:latin typeface="Consolas" panose="020B0609020204030204" pitchFamily="49" charset="0"/>
-              </a:rPr>
-              <a:t>)</a:t>
-            </a:r>
-          </a:p>
-          <a:p>
-            <a:pPr marL="76200" indent="0">
-              <a:buNone/>
-            </a:pPr>
-            <a:r>
-              <a:rPr lang="en-US" sz="1100">
-                <a:latin typeface="Consolas" panose="020B0609020204030204" pitchFamily="49" charset="0"/>
-              </a:rPr>
-              <a:t>print(np.random.rand(2, 3))</a:t>
-            </a:r>
-          </a:p>
-          <a:p>
-            <a:pPr marL="76200" indent="0">
-              <a:buNone/>
-            </a:pPr>
-            <a:r>
-              <a:rPr lang="en-US" sz="1100">
-                <a:latin typeface="Consolas" panose="020B0609020204030204" pitchFamily="49" charset="0"/>
-              </a:rPr>
-              <a:t>print(np.random</a:t>
+              <a:t>where(</a:t>
+            </a:r>
+            <a:r>
+              <a:rPr lang="en-US" sz="1100">
+                <a:latin typeface="Consolas" panose="020B0609020204030204" pitchFamily="49" charset="0"/>
+              </a:rPr>
+              <a:t>arr == 4</a:t>
             </a:r>
             <a:r>
               <a:rPr lang="en-US" sz="1100">
@@ -12775,13 +12825,63 @@
                 </a:solidFill>
                 <a:latin typeface="Consolas" panose="020B0609020204030204" pitchFamily="49" charset="0"/>
               </a:rPr>
-              <a:t>.randint(</a:t>
-            </a:r>
-            <a:r>
-              <a:rPr lang="en-US" sz="1100">
-                <a:latin typeface="Consolas" panose="020B0609020204030204" pitchFamily="49" charset="0"/>
-              </a:rPr>
-              <a:t>50, 100</a:t>
+              <a:t>)</a:t>
+            </a:r>
+            <a:r>
+              <a:rPr lang="en-US" sz="1100">
+                <a:latin typeface="Consolas" panose="020B0609020204030204" pitchFamily="49" charset="0"/>
+              </a:rPr>
+              <a:t>)</a:t>
+            </a:r>
+          </a:p>
+          <a:p>
+            <a:pPr marL="76200" indent="0">
+              <a:buNone/>
+            </a:pPr>
+            <a:r>
+              <a:rPr lang="en-US" sz="1100">
+                <a:latin typeface="Consolas" panose="020B0609020204030204" pitchFamily="49" charset="0"/>
+              </a:rPr>
+              <a:t>print(np.where(arr % 2 == 0))</a:t>
+            </a:r>
+          </a:p>
+          <a:p>
+            <a:pPr marL="76200" indent="0">
+              <a:buNone/>
+            </a:pPr>
+            <a:endParaRPr lang="en-US" sz="1100">
+              <a:latin typeface="Consolas" panose="020B0609020204030204" pitchFamily="49" charset="0"/>
+            </a:endParaRPr>
+          </a:p>
+          <a:p>
+            <a:pPr marL="76200" indent="0">
+              <a:buNone/>
+            </a:pPr>
+            <a:r>
+              <a:rPr lang="en-US" sz="1400"/>
+              <a:t>Filtering arrays</a:t>
+            </a:r>
+          </a:p>
+          <a:p>
+            <a:pPr marL="76200" indent="0">
+              <a:buNone/>
+            </a:pPr>
+            <a:r>
+              <a:rPr lang="en-US" sz="1100">
+                <a:latin typeface="Consolas" panose="020B0609020204030204" pitchFamily="49" charset="0"/>
+              </a:rPr>
+              <a:t>arr = np.array([1, 3, 2, 4, 6, 4, 4, 0])</a:t>
+            </a:r>
+          </a:p>
+          <a:p>
+            <a:pPr marL="76200" indent="0">
+              <a:buNone/>
+            </a:pPr>
+            <a:r>
+              <a:rPr lang="en-US" sz="1100">
+                <a:latin typeface="Consolas" panose="020B0609020204030204" pitchFamily="49" charset="0"/>
+              </a:rPr>
+              <a:t>print(arr</a:t>
             </a:r>
             <a:r>
               <a:rPr lang="en-US" sz="1100">
@@ -12790,24 +12890,13 @@
                 </a:solidFill>
                 <a:latin typeface="Consolas" panose="020B0609020204030204" pitchFamily="49" charset="0"/>
               </a:rPr>
-              <a:t>)</a:t>
-            </a:r>
-            <a:r>
-              <a:rPr lang="en-US" sz="1100">
-                <a:latin typeface="Consolas" panose="020B0609020204030204" pitchFamily="49" charset="0"/>
-              </a:rPr>
-              <a:t>)</a:t>
-            </a:r>
-          </a:p>
-          <a:p>
-            <a:pPr marL="76200" indent="0">
-              <a:buNone/>
-            </a:pPr>
-            <a:r>
-              <a:rPr lang="en-US" sz="1100">
-                <a:latin typeface="Consolas" panose="020B0609020204030204" pitchFamily="49" charset="0"/>
-              </a:rPr>
-              <a:t>print(np.random.randint(50, 100, </a:t>
+              <a:t>[</a:t>
+            </a:r>
+            <a:r>
+              <a:rPr lang="en-US" sz="1100">
+                <a:latin typeface="Consolas" panose="020B0609020204030204" pitchFamily="49" charset="0"/>
+              </a:rPr>
+              <a:t>arr % 2 == 0</a:t>
             </a:r>
             <a:r>
               <a:rPr lang="en-US" sz="1100">
@@ -12816,153 +12905,13 @@
                 </a:solidFill>
                 <a:latin typeface="Consolas" panose="020B0609020204030204" pitchFamily="49" charset="0"/>
               </a:rPr>
-              <a:t>size</a:t>
-            </a:r>
-            <a:r>
-              <a:rPr lang="en-US" sz="1100">
-                <a:latin typeface="Consolas" panose="020B0609020204030204" pitchFamily="49" charset="0"/>
-              </a:rPr>
-              <a:t> </a:t>
-            </a:r>
-            <a:r>
-              <a:rPr lang="en-US" sz="1100">
-                <a:solidFill>
-                  <a:schemeClr val="accent1"/>
-                </a:solidFill>
-                <a:latin typeface="Consolas" panose="020B0609020204030204" pitchFamily="49" charset="0"/>
-              </a:rPr>
-              <a:t>=</a:t>
-            </a:r>
-            <a:r>
-              <a:rPr lang="en-US" sz="1100">
-                <a:latin typeface="Consolas" panose="020B0609020204030204" pitchFamily="49" charset="0"/>
-              </a:rPr>
-              <a:t> (2, 3)))</a:t>
-            </a:r>
-          </a:p>
-          <a:p>
-            <a:pPr marL="76200" indent="0">
-              <a:buNone/>
-            </a:pPr>
-            <a:endParaRPr lang="en-US" sz="1100">
-              <a:latin typeface="Consolas" panose="020B0609020204030204" pitchFamily="49" charset="0"/>
-            </a:endParaRPr>
-          </a:p>
-          <a:p>
-            <a:pPr marL="76200" indent="0">
-              <a:buNone/>
-            </a:pPr>
-            <a:r>
-              <a:rPr lang="en-US" sz="1400"/>
-              <a:t>Generate Random Number From Array</a:t>
-            </a:r>
-          </a:p>
-          <a:p>
-            <a:pPr marL="76200" indent="0">
-              <a:buNone/>
-            </a:pPr>
-            <a:r>
-              <a:rPr lang="en-US" sz="1100">
-                <a:latin typeface="Consolas" panose="020B0609020204030204" pitchFamily="49" charset="0"/>
-              </a:rPr>
-              <a:t>print(np.random.</a:t>
-            </a:r>
-            <a:r>
-              <a:rPr lang="en-US" sz="1100">
-                <a:solidFill>
-                  <a:schemeClr val="accent1"/>
-                </a:solidFill>
-                <a:latin typeface="Consolas" panose="020B0609020204030204" pitchFamily="49" charset="0"/>
-              </a:rPr>
-              <a:t>choice(</a:t>
-            </a:r>
-            <a:r>
-              <a:rPr lang="en-US" sz="1100">
-                <a:latin typeface="Consolas" panose="020B0609020204030204" pitchFamily="49" charset="0"/>
-              </a:rPr>
-              <a:t>[3, 5, 7, 9]</a:t>
-            </a:r>
-            <a:r>
-              <a:rPr lang="en-US" sz="1100">
-                <a:solidFill>
-                  <a:schemeClr val="accent1"/>
-                </a:solidFill>
+              <a:t>]</a:t>
+            </a:r>
+            <a:r>
+              <a:rPr lang="en-US" sz="1100">
                 <a:latin typeface="Consolas" panose="020B0609020204030204" pitchFamily="49" charset="0"/>
               </a:rPr>
               <a:t>)</a:t>
-            </a:r>
-            <a:r>
-              <a:rPr lang="en-US" sz="1100">
-                <a:latin typeface="Consolas" panose="020B0609020204030204" pitchFamily="49" charset="0"/>
-              </a:rPr>
-              <a:t>)</a:t>
-            </a:r>
-          </a:p>
-          <a:p>
-            <a:pPr marL="76200" indent="0">
-              <a:buNone/>
-            </a:pPr>
-            <a:r>
-              <a:rPr lang="en-US" sz="1100">
-                <a:latin typeface="Consolas" panose="020B0609020204030204" pitchFamily="49" charset="0"/>
-              </a:rPr>
-              <a:t>print(np.random.choice([3, 5, 7, 9],</a:t>
-            </a:r>
-            <a:r>
-              <a:rPr lang="en-US" sz="1100">
-                <a:solidFill>
-                  <a:schemeClr val="accent1"/>
-                </a:solidFill>
-                <a:latin typeface="Consolas" panose="020B0609020204030204" pitchFamily="49" charset="0"/>
-              </a:rPr>
-              <a:t> size</a:t>
-            </a:r>
-            <a:r>
-              <a:rPr lang="en-US" sz="1100">
-                <a:latin typeface="Consolas" panose="020B0609020204030204" pitchFamily="49" charset="0"/>
-              </a:rPr>
-              <a:t> </a:t>
-            </a:r>
-            <a:r>
-              <a:rPr lang="en-US" sz="1100">
-                <a:solidFill>
-                  <a:schemeClr val="accent1"/>
-                </a:solidFill>
-                <a:latin typeface="Consolas" panose="020B0609020204030204" pitchFamily="49" charset="0"/>
-              </a:rPr>
-              <a:t>=</a:t>
-            </a:r>
-            <a:r>
-              <a:rPr lang="en-US" sz="1100">
-                <a:latin typeface="Consolas" panose="020B0609020204030204" pitchFamily="49" charset="0"/>
-              </a:rPr>
-              <a:t> (2, 3)))</a:t>
-            </a:r>
-          </a:p>
-          <a:p>
-            <a:pPr marL="76200" indent="0">
-              <a:buNone/>
-            </a:pPr>
-            <a:r>
-              <a:rPr lang="en-US" sz="1100">
-                <a:latin typeface="Consolas" panose="020B0609020204030204" pitchFamily="49" charset="0"/>
-              </a:rPr>
-              <a:t>print(np.random.choice([3, 5, 7, 9], </a:t>
-            </a:r>
-            <a:r>
-              <a:rPr lang="en-US" sz="1100">
-                <a:solidFill>
-                  <a:schemeClr val="accent1"/>
-                </a:solidFill>
-                <a:latin typeface="Consolas" panose="020B0609020204030204" pitchFamily="49" charset="0"/>
-              </a:rPr>
-              <a:t>p =</a:t>
-            </a:r>
-            <a:r>
-              <a:rPr lang="en-US" sz="1100">
-                <a:latin typeface="Consolas" panose="020B0609020204030204" pitchFamily="49" charset="0"/>
-              </a:rPr>
-              <a:t> [0.1, 0.3, 0.6, 0.0]))</a:t>
             </a:r>
           </a:p>
         </p:txBody>
@@ -13008,7 +12957,7 @@
     </p:spTree>
     <p:extLst>
       <p:ext uri="{BB962C8B-B14F-4D97-AF65-F5344CB8AC3E}">
-        <p14:creationId xmlns:p14="http://schemas.microsoft.com/office/powerpoint/2010/main" val="3730435872"/>
+        <p14:creationId xmlns:p14="http://schemas.microsoft.com/office/powerpoint/2010/main" val="1557836894"/>
       </p:ext>
     </p:extLst>
   </p:cSld>
@@ -13057,8 +13006,8 @@
           <a:lstStyle/>
           <a:p>
             <a:r>
-              <a:rPr lang="en-US"/>
-              <a:t>Universal Functions</a:t>
+              <a:rPr lang="en-US" sz="2400"/>
+              <a:t>Random Numbers</a:t>
             </a:r>
             <a:endParaRPr lang="fa-IR"/>
           </a:p>
@@ -13095,19 +13044,33 @@
             </a:pPr>
             <a:r>
               <a:rPr lang="en-US" sz="1400"/>
-              <a:t>Converting iterative statements into a vector based operation is called </a:t>
-            </a:r>
-            <a:r>
-              <a:rPr lang="en-US" sz="1400">
+              <a:t>Generate Random Number</a:t>
+            </a:r>
+          </a:p>
+          <a:p>
+            <a:pPr marL="76200" indent="0">
+              <a:buNone/>
+            </a:pPr>
+            <a:r>
+              <a:rPr lang="en-US" sz="1100">
+                <a:latin typeface="Consolas" panose="020B0609020204030204" pitchFamily="49" charset="0"/>
+              </a:rPr>
+              <a:t>print(np.</a:t>
+            </a:r>
+            <a:r>
+              <a:rPr lang="en-US" sz="1100">
                 <a:solidFill>
                   <a:schemeClr val="accent1"/>
                 </a:solidFill>
-              </a:rPr>
-              <a:t>vectorization</a:t>
-            </a:r>
-            <a:r>
-              <a:rPr lang="en-US" sz="1400"/>
-              <a:t>.</a:t>
+                <a:latin typeface="Consolas" panose="020B0609020204030204" pitchFamily="49" charset="0"/>
+              </a:rPr>
+              <a:t>random.rand()</a:t>
+            </a:r>
+            <a:r>
+              <a:rPr lang="en-US" sz="1100">
+                <a:latin typeface="Consolas" panose="020B0609020204030204" pitchFamily="49" charset="0"/>
+              </a:rPr>
+              <a:t>)</a:t>
             </a:r>
           </a:p>
           <a:p>
@@ -13115,8 +13078,10 @@
               <a:buNone/>
             </a:pPr>
             <a:r>
-              <a:rPr lang="en-US" sz="1400"/>
-              <a:t>It is faster as modern CPUs are optimized for such operations.</a:t>
+              <a:rPr lang="en-US" sz="1100">
+                <a:latin typeface="Consolas" panose="020B0609020204030204" pitchFamily="49" charset="0"/>
+              </a:rPr>
+              <a:t>print(np.random.rand(2, 3))</a:t>
             </a:r>
           </a:p>
           <a:p>
@@ -13124,38 +13089,25 @@
               <a:buNone/>
             </a:pPr>
             <a:r>
-              <a:rPr lang="en-US" sz="1400">
+              <a:rPr lang="en-US" sz="1100">
+                <a:latin typeface="Consolas" panose="020B0609020204030204" pitchFamily="49" charset="0"/>
+              </a:rPr>
+              <a:t>print(np.random</a:t>
+            </a:r>
+            <a:r>
+              <a:rPr lang="en-US" sz="1100">
                 <a:solidFill>
                   <a:schemeClr val="accent1"/>
                 </a:solidFill>
-              </a:rPr>
-              <a:t>ufuncs</a:t>
-            </a:r>
-            <a:r>
-              <a:rPr lang="en-US" sz="1400"/>
-              <a:t> are used to implement vectorization in NumPy.</a:t>
-            </a:r>
-          </a:p>
-          <a:p>
-            <a:pPr marL="76200" indent="0">
-              <a:buNone/>
-            </a:pPr>
-            <a:r>
-              <a:rPr lang="en-US" sz="1100">
-                <a:latin typeface="Consolas" panose="020B0609020204030204" pitchFamily="49" charset="0"/>
-              </a:rPr>
-              <a:t>x, y = [1, 2, 3, 4], [5, 6, 7, 8]</a:t>
-            </a:r>
-          </a:p>
-          <a:p>
-            <a:pPr marL="76200" indent="0">
-              <a:buNone/>
-            </a:pPr>
-            <a:r>
-              <a:rPr lang="en-US" sz="1100">
-                <a:latin typeface="Consolas" panose="020B0609020204030204" pitchFamily="49" charset="0"/>
-              </a:rPr>
-              <a:t>print(np.</a:t>
+                <a:latin typeface="Consolas" panose="020B0609020204030204" pitchFamily="49" charset="0"/>
+              </a:rPr>
+              <a:t>.randint(</a:t>
+            </a:r>
+            <a:r>
+              <a:rPr lang="en-US" sz="1100">
+                <a:latin typeface="Consolas" panose="020B0609020204030204" pitchFamily="49" charset="0"/>
+              </a:rPr>
+              <a:t>50, 100</a:t>
             </a:r>
             <a:r>
               <a:rPr lang="en-US" sz="1100">
@@ -13164,13 +13116,24 @@
                 </a:solidFill>
                 <a:latin typeface="Consolas" panose="020B0609020204030204" pitchFamily="49" charset="0"/>
               </a:rPr>
-              <a:t>add(</a:t>
-            </a:r>
-            <a:r>
-              <a:rPr lang="en-US" sz="1100">
-                <a:latin typeface="Consolas" panose="020B0609020204030204" pitchFamily="49" charset="0"/>
-              </a:rPr>
-              <a:t>x, y</a:t>
+              <a:t>)</a:t>
+            </a:r>
+            <a:r>
+              <a:rPr lang="en-US" sz="1100">
+                <a:latin typeface="Consolas" panose="020B0609020204030204" pitchFamily="49" charset="0"/>
+              </a:rPr>
+              <a:t>)</a:t>
+            </a:r>
+          </a:p>
+          <a:p>
+            <a:pPr marL="76200" indent="0">
+              <a:buNone/>
+            </a:pPr>
+            <a:r>
+              <a:rPr lang="en-US" sz="1100">
+                <a:latin typeface="Consolas" panose="020B0609020204030204" pitchFamily="49" charset="0"/>
+              </a:rPr>
+              <a:t>print(np.random.randint(50, 100, </a:t>
             </a:r>
             <a:r>
               <a:rPr lang="en-US" sz="1100">
@@ -13179,13 +13142,28 @@
                 </a:solidFill>
                 <a:latin typeface="Consolas" panose="020B0609020204030204" pitchFamily="49" charset="0"/>
               </a:rPr>
-              <a:t>)</a:t>
-            </a:r>
-            <a:r>
-              <a:rPr lang="en-US" sz="1100">
-                <a:latin typeface="Consolas" panose="020B0609020204030204" pitchFamily="49" charset="0"/>
-              </a:rPr>
-              <a:t>)</a:t>
+              <a:t>size</a:t>
+            </a:r>
+            <a:r>
+              <a:rPr lang="en-US" sz="1100">
+                <a:latin typeface="Consolas" panose="020B0609020204030204" pitchFamily="49" charset="0"/>
+              </a:rPr>
+              <a:t> </a:t>
+            </a:r>
+            <a:r>
+              <a:rPr lang="en-US" sz="1100">
+                <a:solidFill>
+                  <a:schemeClr val="accent1"/>
+                </a:solidFill>
+                <a:latin typeface="Consolas" panose="020B0609020204030204" pitchFamily="49" charset="0"/>
+              </a:rPr>
+              <a:t>=</a:t>
+            </a:r>
+            <a:r>
+              <a:rPr lang="en-US" sz="1100">
+                <a:latin typeface="Consolas" panose="020B0609020204030204" pitchFamily="49" charset="0"/>
+              </a:rPr>
+              <a:t> (2, 3)))</a:t>
             </a:r>
           </a:p>
           <a:p>
@@ -13202,7 +13180,7 @@
             </a:pPr>
             <a:r>
               <a:rPr lang="en-US" sz="1400"/>
-              <a:t>Some useful ufuncs</a:t>
+              <a:t>Generate Random Number From Array</a:t>
             </a:r>
           </a:p>
           <a:p>
@@ -13213,7 +13191,37 @@
               <a:rPr lang="en-US" sz="1100">
                 <a:latin typeface="Consolas" panose="020B0609020204030204" pitchFamily="49" charset="0"/>
               </a:rPr>
-              <a:t>add()  subtract()  multiply()  divide()  power()  mod()  abs()</a:t>
+              <a:t>print(np.random.</a:t>
+            </a:r>
+            <a:r>
+              <a:rPr lang="en-US" sz="1100">
+                <a:solidFill>
+                  <a:schemeClr val="accent1"/>
+                </a:solidFill>
+                <a:latin typeface="Consolas" panose="020B0609020204030204" pitchFamily="49" charset="0"/>
+              </a:rPr>
+              <a:t>choice(</a:t>
+            </a:r>
+            <a:r>
+              <a:rPr lang="en-US" sz="1100">
+                <a:latin typeface="Consolas" panose="020B0609020204030204" pitchFamily="49" charset="0"/>
+              </a:rPr>
+              <a:t>[3, 5, 7, 9]</a:t>
+            </a:r>
+            <a:r>
+              <a:rPr lang="en-US" sz="1100">
+                <a:solidFill>
+                  <a:schemeClr val="accent1"/>
+                </a:solidFill>
+                <a:latin typeface="Consolas" panose="020B0609020204030204" pitchFamily="49" charset="0"/>
+              </a:rPr>
+              <a:t>)</a:t>
+            </a:r>
+            <a:r>
+              <a:rPr lang="en-US" sz="1100">
+                <a:latin typeface="Consolas" panose="020B0609020204030204" pitchFamily="49" charset="0"/>
+              </a:rPr>
+              <a:t>)</a:t>
             </a:r>
           </a:p>
           <a:p>
@@ -13224,11 +13232,64 @@
               <a:rPr lang="en-US" sz="1100">
                 <a:latin typeface="Consolas" panose="020B0609020204030204" pitchFamily="49" charset="0"/>
               </a:rPr>
-              <a:t>sum()  cumsum()  prod()  cumprod()  diff()</a:t>
-            </a:r>
-            <a:endParaRPr lang="en-US" sz="1400">
-              <a:latin typeface="Consolas" panose="020B0609020204030204" pitchFamily="49" charset="0"/>
-            </a:endParaRPr>
+              <a:t>print(np.random.choice([3, 5, 7, 9],</a:t>
+            </a:r>
+            <a:r>
+              <a:rPr lang="en-US" sz="1100">
+                <a:solidFill>
+                  <a:schemeClr val="accent1"/>
+                </a:solidFill>
+                <a:latin typeface="Consolas" panose="020B0609020204030204" pitchFamily="49" charset="0"/>
+              </a:rPr>
+              <a:t> size</a:t>
+            </a:r>
+            <a:r>
+              <a:rPr lang="en-US" sz="1100">
+                <a:latin typeface="Consolas" panose="020B0609020204030204" pitchFamily="49" charset="0"/>
+              </a:rPr>
+              <a:t> </a:t>
+            </a:r>
+            <a:r>
+              <a:rPr lang="en-US" sz="1100">
+                <a:solidFill>
+                  <a:schemeClr val="accent1"/>
+                </a:solidFill>
+                <a:latin typeface="Consolas" panose="020B0609020204030204" pitchFamily="49" charset="0"/>
+              </a:rPr>
+              <a:t>=</a:t>
+            </a:r>
+            <a:r>
+              <a:rPr lang="en-US" sz="1100">
+                <a:latin typeface="Consolas" panose="020B0609020204030204" pitchFamily="49" charset="0"/>
+              </a:rPr>
+              <a:t> (2, 3)))</a:t>
+            </a:r>
+          </a:p>
+          <a:p>
+            <a:pPr marL="76200" indent="0">
+              <a:buNone/>
+            </a:pPr>
+            <a:r>
+              <a:rPr lang="en-US" sz="1100">
+                <a:latin typeface="Consolas" panose="020B0609020204030204" pitchFamily="49" charset="0"/>
+              </a:rPr>
+              <a:t>print(np.random.choice([3, 5, 7, 9], </a:t>
+            </a:r>
+            <a:r>
+              <a:rPr lang="en-US" sz="1100">
+                <a:solidFill>
+                  <a:schemeClr val="accent1"/>
+                </a:solidFill>
+                <a:latin typeface="Consolas" panose="020B0609020204030204" pitchFamily="49" charset="0"/>
+              </a:rPr>
+              <a:t>p =</a:t>
+            </a:r>
+            <a:r>
+              <a:rPr lang="en-US" sz="1100">
+                <a:latin typeface="Consolas" panose="020B0609020204030204" pitchFamily="49" charset="0"/>
+              </a:rPr>
+              <a:t> [0.1, 0.3, 0.6, 0.0]))</a:t>
+            </a:r>
           </a:p>
         </p:txBody>
       </p:sp>
@@ -13273,6 +13334,271 @@
     </p:spTree>
     <p:extLst>
       <p:ext uri="{BB962C8B-B14F-4D97-AF65-F5344CB8AC3E}">
+        <p14:creationId xmlns:p14="http://schemas.microsoft.com/office/powerpoint/2010/main" val="3730435872"/>
+      </p:ext>
+    </p:extLst>
+  </p:cSld>
+  <p:clrMapOvr>
+    <a:masterClrMapping/>
+  </p:clrMapOvr>
+</p:sld>
+</file>
+
+<file path=ppt/slides/slide16.xml><?xml version="1.0" encoding="utf-8"?>
+<p:sld xmlns:a="http://schemas.openxmlformats.org/drawingml/2006/main" xmlns:r="http://schemas.openxmlformats.org/officeDocument/2006/relationships" xmlns:p="http://schemas.openxmlformats.org/presentationml/2006/main">
+  <p:cSld>
+    <p:spTree>
+      <p:nvGrpSpPr>
+        <p:cNvPr id="1" name=""/>
+        <p:cNvGrpSpPr/>
+        <p:nvPr/>
+      </p:nvGrpSpPr>
+      <p:grpSpPr>
+        <a:xfrm>
+          <a:off x="0" y="0"/>
+          <a:ext cx="0" cy="0"/>
+          <a:chOff x="0" y="0"/>
+          <a:chExt cx="0" cy="0"/>
+        </a:xfrm>
+      </p:grpSpPr>
+      <p:sp>
+        <p:nvSpPr>
+          <p:cNvPr id="2" name="Title 1">
+            <a:extLst>
+              <a:ext uri="{FF2B5EF4-FFF2-40B4-BE49-F238E27FC236}">
+                <a16:creationId xmlns:a16="http://schemas.microsoft.com/office/drawing/2014/main" id="{024AD384-5AD1-4435-A943-1241B2FACD62}"/>
+              </a:ext>
+            </a:extLst>
+          </p:cNvPr>
+          <p:cNvSpPr>
+            <a:spLocks noGrp="1"/>
+          </p:cNvSpPr>
+          <p:nvPr>
+            <p:ph type="title"/>
+          </p:nvPr>
+        </p:nvSpPr>
+        <p:spPr/>
+        <p:txBody>
+          <a:bodyPr/>
+          <a:lstStyle/>
+          <a:p>
+            <a:r>
+              <a:rPr lang="en-US"/>
+              <a:t>Universal Functions</a:t>
+            </a:r>
+            <a:endParaRPr lang="fa-IR"/>
+          </a:p>
+        </p:txBody>
+      </p:sp>
+      <p:sp>
+        <p:nvSpPr>
+          <p:cNvPr id="3" name="Text Placeholder 2">
+            <a:extLst>
+              <a:ext uri="{FF2B5EF4-FFF2-40B4-BE49-F238E27FC236}">
+                <a16:creationId xmlns:a16="http://schemas.microsoft.com/office/drawing/2014/main" id="{58BE3078-8B89-4550-B497-93E4DADBD57E}"/>
+              </a:ext>
+            </a:extLst>
+          </p:cNvPr>
+          <p:cNvSpPr>
+            <a:spLocks noGrp="1"/>
+          </p:cNvSpPr>
+          <p:nvPr>
+            <p:ph type="body" idx="1"/>
+          </p:nvPr>
+        </p:nvSpPr>
+        <p:spPr>
+          <a:xfrm>
+            <a:off x="786150" y="1142608"/>
+            <a:ext cx="7571700" cy="3626431"/>
+          </a:xfrm>
+        </p:spPr>
+        <p:txBody>
+          <a:bodyPr/>
+          <a:lstStyle/>
+          <a:p>
+            <a:pPr marL="76200" indent="0">
+              <a:buNone/>
+            </a:pPr>
+            <a:r>
+              <a:rPr lang="en-US" sz="1400"/>
+              <a:t>Converting iterative statements into a vector based operation is called </a:t>
+            </a:r>
+            <a:r>
+              <a:rPr lang="en-US" sz="1400">
+                <a:solidFill>
+                  <a:schemeClr val="accent1"/>
+                </a:solidFill>
+              </a:rPr>
+              <a:t>vectorization</a:t>
+            </a:r>
+            <a:r>
+              <a:rPr lang="en-US" sz="1400"/>
+              <a:t>.</a:t>
+            </a:r>
+          </a:p>
+          <a:p>
+            <a:pPr marL="76200" indent="0">
+              <a:buNone/>
+            </a:pPr>
+            <a:r>
+              <a:rPr lang="en-US" sz="1400"/>
+              <a:t>It is faster as modern CPUs are optimized for such operations.</a:t>
+            </a:r>
+          </a:p>
+          <a:p>
+            <a:pPr marL="76200" indent="0">
+              <a:buNone/>
+            </a:pPr>
+            <a:r>
+              <a:rPr lang="en-US" sz="1400">
+                <a:solidFill>
+                  <a:schemeClr val="accent1"/>
+                </a:solidFill>
+              </a:rPr>
+              <a:t>ufuncs</a:t>
+            </a:r>
+            <a:r>
+              <a:rPr lang="en-US" sz="1400"/>
+              <a:t> are used to implement vectorization in NumPy.</a:t>
+            </a:r>
+          </a:p>
+          <a:p>
+            <a:pPr marL="76200" indent="0">
+              <a:buNone/>
+            </a:pPr>
+            <a:r>
+              <a:rPr lang="en-US" sz="1100">
+                <a:latin typeface="Consolas" panose="020B0609020204030204" pitchFamily="49" charset="0"/>
+              </a:rPr>
+              <a:t>x, y = [1, 2, 3, 4], [5, 6, 7, 8]</a:t>
+            </a:r>
+          </a:p>
+          <a:p>
+            <a:pPr marL="76200" indent="0">
+              <a:buNone/>
+            </a:pPr>
+            <a:r>
+              <a:rPr lang="en-US" sz="1100">
+                <a:latin typeface="Consolas" panose="020B0609020204030204" pitchFamily="49" charset="0"/>
+              </a:rPr>
+              <a:t>print(np.</a:t>
+            </a:r>
+            <a:r>
+              <a:rPr lang="en-US" sz="1100">
+                <a:solidFill>
+                  <a:schemeClr val="accent1"/>
+                </a:solidFill>
+                <a:latin typeface="Consolas" panose="020B0609020204030204" pitchFamily="49" charset="0"/>
+              </a:rPr>
+              <a:t>add(</a:t>
+            </a:r>
+            <a:r>
+              <a:rPr lang="en-US" sz="1100">
+                <a:latin typeface="Consolas" panose="020B0609020204030204" pitchFamily="49" charset="0"/>
+              </a:rPr>
+              <a:t>x, y</a:t>
+            </a:r>
+            <a:r>
+              <a:rPr lang="en-US" sz="1100">
+                <a:solidFill>
+                  <a:schemeClr val="accent1"/>
+                </a:solidFill>
+                <a:latin typeface="Consolas" panose="020B0609020204030204" pitchFamily="49" charset="0"/>
+              </a:rPr>
+              <a:t>)</a:t>
+            </a:r>
+            <a:r>
+              <a:rPr lang="en-US" sz="1100">
+                <a:latin typeface="Consolas" panose="020B0609020204030204" pitchFamily="49" charset="0"/>
+              </a:rPr>
+              <a:t>)</a:t>
+            </a:r>
+          </a:p>
+          <a:p>
+            <a:pPr marL="76200" indent="0">
+              <a:buNone/>
+            </a:pPr>
+            <a:endParaRPr lang="en-US" sz="1100">
+              <a:latin typeface="Consolas" panose="020B0609020204030204" pitchFamily="49" charset="0"/>
+            </a:endParaRPr>
+          </a:p>
+          <a:p>
+            <a:pPr marL="76200" indent="0">
+              <a:buNone/>
+            </a:pPr>
+            <a:r>
+              <a:rPr lang="en-US" sz="1400"/>
+              <a:t>Some useful ufuncs</a:t>
+            </a:r>
+          </a:p>
+          <a:p>
+            <a:pPr marL="76200" indent="0">
+              <a:buNone/>
+            </a:pPr>
+            <a:r>
+              <a:rPr lang="en-US" sz="1100">
+                <a:latin typeface="Consolas" panose="020B0609020204030204" pitchFamily="49" charset="0"/>
+              </a:rPr>
+              <a:t>add()  subtract()  multiply()  divide()  power()  mod()  abs()</a:t>
+            </a:r>
+          </a:p>
+          <a:p>
+            <a:pPr marL="76200" indent="0">
+              <a:buNone/>
+            </a:pPr>
+            <a:r>
+              <a:rPr lang="en-US" sz="1100">
+                <a:latin typeface="Consolas" panose="020B0609020204030204" pitchFamily="49" charset="0"/>
+              </a:rPr>
+              <a:t>sum()  cumsum()  prod()  cumprod()  diff()</a:t>
+            </a:r>
+            <a:endParaRPr lang="en-US" sz="1400">
+              <a:latin typeface="Consolas" panose="020B0609020204030204" pitchFamily="49" charset="0"/>
+            </a:endParaRPr>
+          </a:p>
+        </p:txBody>
+      </p:sp>
+      <p:sp>
+        <p:nvSpPr>
+          <p:cNvPr id="4" name="Slide Number Placeholder 3">
+            <a:extLst>
+              <a:ext uri="{FF2B5EF4-FFF2-40B4-BE49-F238E27FC236}">
+                <a16:creationId xmlns:a16="http://schemas.microsoft.com/office/drawing/2014/main" id="{64987AE6-EC0E-43DD-9376-95A5602EE5E1}"/>
+              </a:ext>
+            </a:extLst>
+          </p:cNvPr>
+          <p:cNvSpPr>
+            <a:spLocks noGrp="1"/>
+          </p:cNvSpPr>
+          <p:nvPr>
+            <p:ph type="sldNum" idx="12"/>
+          </p:nvPr>
+        </p:nvSpPr>
+        <p:spPr/>
+        <p:txBody>
+          <a:bodyPr/>
+          <a:lstStyle/>
+          <a:p>
+            <a:pPr marL="0" lvl="0" indent="0" algn="r" rtl="0">
+              <a:spcBef>
+                <a:spcPts val="0"/>
+              </a:spcBef>
+              <a:spcAft>
+                <a:spcPts val="0"/>
+              </a:spcAft>
+              <a:buNone/>
+            </a:pPr>
+            <a:fld id="{00000000-1234-1234-1234-123412341234}" type="slidenum">
+              <a:rPr lang="en" smtClean="0"/>
+              <a:t>16</a:t>
+            </a:fld>
+            <a:endParaRPr lang="en"/>
+          </a:p>
+        </p:txBody>
+      </p:sp>
+    </p:spTree>
+    <p:extLst>
+      <p:ext uri="{BB962C8B-B14F-4D97-AF65-F5344CB8AC3E}">
         <p14:creationId xmlns:p14="http://schemas.microsoft.com/office/powerpoint/2010/main" val="2941565387"/>
       </p:ext>
     </p:extLst>
@@ -13283,7 +13609,7 @@
 </p:sld>
 </file>
 
-<file path=ppt/slides/slide16.xml><?xml version="1.0" encoding="utf-8"?>
+<file path=ppt/slides/slide17.xml><?xml version="1.0" encoding="utf-8"?>
 <p:sld xmlns:a="http://schemas.openxmlformats.org/drawingml/2006/main" xmlns:r="http://schemas.openxmlformats.org/officeDocument/2006/relationships" xmlns:p="http://schemas.openxmlformats.org/presentationml/2006/main">
   <p:cSld>
     <p:spTree>
@@ -13393,7 +13719,7 @@
             </a:pPr>
             <a:fld id="{00000000-1234-1234-1234-123412341234}" type="slidenum">
               <a:rPr lang="en"/>
-              <a:t>16</a:t>
+              <a:t>17</a:t>
             </a:fld>
             <a:endParaRPr/>
           </a:p>
@@ -13403,257 +13729,6 @@
     <p:extLst>
       <p:ext uri="{BB962C8B-B14F-4D97-AF65-F5344CB8AC3E}">
         <p14:creationId xmlns:p14="http://schemas.microsoft.com/office/powerpoint/2010/main" val="445305485"/>
-      </p:ext>
-    </p:extLst>
-  </p:cSld>
-  <p:clrMapOvr>
-    <a:masterClrMapping/>
-  </p:clrMapOvr>
-</p:sld>
-</file>
-
-<file path=ppt/slides/slide17.xml><?xml version="1.0" encoding="utf-8"?>
-<p:sld xmlns:a="http://schemas.openxmlformats.org/drawingml/2006/main" xmlns:r="http://schemas.openxmlformats.org/officeDocument/2006/relationships" xmlns:p="http://schemas.openxmlformats.org/presentationml/2006/main">
-  <p:cSld>
-    <p:spTree>
-      <p:nvGrpSpPr>
-        <p:cNvPr id="1" name=""/>
-        <p:cNvGrpSpPr/>
-        <p:nvPr/>
-      </p:nvGrpSpPr>
-      <p:grpSpPr>
-        <a:xfrm>
-          <a:off x="0" y="0"/>
-          <a:ext cx="0" cy="0"/>
-          <a:chOff x="0" y="0"/>
-          <a:chExt cx="0" cy="0"/>
-        </a:xfrm>
-      </p:grpSpPr>
-      <p:sp>
-        <p:nvSpPr>
-          <p:cNvPr id="2" name="Title 1">
-            <a:extLst>
-              <a:ext uri="{FF2B5EF4-FFF2-40B4-BE49-F238E27FC236}">
-                <a16:creationId xmlns:a16="http://schemas.microsoft.com/office/drawing/2014/main" id="{024AD384-5AD1-4435-A943-1241B2FACD62}"/>
-              </a:ext>
-            </a:extLst>
-          </p:cNvPr>
-          <p:cNvSpPr>
-            <a:spLocks noGrp="1"/>
-          </p:cNvSpPr>
-          <p:nvPr>
-            <p:ph type="title"/>
-          </p:nvPr>
-        </p:nvSpPr>
-        <p:spPr/>
-        <p:txBody>
-          <a:bodyPr/>
-          <a:lstStyle/>
-          <a:p>
-            <a:r>
-              <a:rPr lang="en-US"/>
-              <a:t>Introduction</a:t>
-            </a:r>
-            <a:endParaRPr lang="fa-IR"/>
-          </a:p>
-        </p:txBody>
-      </p:sp>
-      <p:sp>
-        <p:nvSpPr>
-          <p:cNvPr id="3" name="Text Placeholder 2">
-            <a:extLst>
-              <a:ext uri="{FF2B5EF4-FFF2-40B4-BE49-F238E27FC236}">
-                <a16:creationId xmlns:a16="http://schemas.microsoft.com/office/drawing/2014/main" id="{58BE3078-8B89-4550-B497-93E4DADBD57E}"/>
-              </a:ext>
-            </a:extLst>
-          </p:cNvPr>
-          <p:cNvSpPr>
-            <a:spLocks noGrp="1"/>
-          </p:cNvSpPr>
-          <p:nvPr>
-            <p:ph type="body" idx="1"/>
-          </p:nvPr>
-        </p:nvSpPr>
-        <p:spPr>
-          <a:xfrm>
-            <a:off x="786150" y="1142608"/>
-            <a:ext cx="7571700" cy="3626431"/>
-          </a:xfrm>
-        </p:spPr>
-        <p:txBody>
-          <a:bodyPr/>
-          <a:lstStyle/>
-          <a:p>
-            <a:pPr marL="76200" indent="0" algn="just">
-              <a:buNone/>
-            </a:pPr>
-            <a:r>
-              <a:rPr lang="en-US" sz="1400">
-                <a:solidFill>
-                  <a:schemeClr val="accent1"/>
-                </a:solidFill>
-              </a:rPr>
-              <a:t>Pandas</a:t>
-            </a:r>
-            <a:r>
-              <a:rPr lang="en-US" sz="1400"/>
-              <a:t> is a Python library used for working with </a:t>
-            </a:r>
-            <a:r>
-              <a:rPr lang="en-US" sz="1400">
-                <a:solidFill>
-                  <a:schemeClr val="accent1"/>
-                </a:solidFill>
-              </a:rPr>
-              <a:t>data sets</a:t>
-            </a:r>
-            <a:r>
-              <a:rPr lang="en-US" sz="1400"/>
-              <a:t>.</a:t>
-            </a:r>
-          </a:p>
-          <a:p>
-            <a:pPr marL="76200" indent="0" algn="just">
-              <a:buNone/>
-            </a:pPr>
-            <a:r>
-              <a:rPr lang="en-US" sz="1400"/>
-              <a:t>It has functions for analyzing, cleaning, exploring, and manipulating data.</a:t>
-            </a:r>
-          </a:p>
-          <a:p>
-            <a:pPr marL="76200" indent="0" algn="just">
-              <a:buNone/>
-            </a:pPr>
-            <a:r>
-              <a:rPr lang="en-US" sz="1400"/>
-              <a:t>It allows us to analyze big data and make conclusions based on statistical theories.</a:t>
-            </a:r>
-          </a:p>
-          <a:p>
-            <a:pPr marL="76200" indent="0" algn="just">
-              <a:buNone/>
-            </a:pPr>
-            <a:r>
-              <a:rPr lang="en-US" sz="1400"/>
-              <a:t>It can clean messy data sets, and make them readable and relevant.</a:t>
-            </a:r>
-          </a:p>
-          <a:p>
-            <a:pPr marL="76200" indent="0" algn="just">
-              <a:buNone/>
-            </a:pPr>
-            <a:r>
-              <a:rPr lang="en-US" sz="1400"/>
-              <a:t>Pandas documentation: </a:t>
-            </a:r>
-            <a:r>
-              <a:rPr lang="en-US" sz="1100">
-                <a:latin typeface="Consolas" panose="020B0609020204030204" pitchFamily="49" charset="0"/>
-                <a:hlinkClick r:id="rId2"/>
-              </a:rPr>
-              <a:t>http://pandas.pydata.org/pandas-docs/stable/</a:t>
-            </a:r>
-            <a:endParaRPr lang="en-US" sz="1100">
-              <a:latin typeface="Consolas" panose="020B0609020204030204" pitchFamily="49" charset="0"/>
-            </a:endParaRPr>
-          </a:p>
-          <a:p>
-            <a:pPr marL="76200" indent="0" algn="just">
-              <a:buNone/>
-            </a:pPr>
-            <a:endParaRPr lang="en-US" sz="1100">
-              <a:latin typeface="Consolas" panose="020B0609020204030204" pitchFamily="49" charset="0"/>
-            </a:endParaRPr>
-          </a:p>
-          <a:p>
-            <a:pPr marL="76200" indent="0" algn="just">
-              <a:buNone/>
-            </a:pPr>
-            <a:r>
-              <a:rPr lang="en-US" sz="1400"/>
-              <a:t>Import</a:t>
-            </a:r>
-          </a:p>
-          <a:p>
-            <a:pPr marL="76200" indent="0" algn="just">
-              <a:buNone/>
-            </a:pPr>
-            <a:r>
-              <a:rPr lang="en-US" sz="1100">
-                <a:latin typeface="Consolas" panose="020B0609020204030204" pitchFamily="49" charset="0"/>
-              </a:rPr>
-              <a:t>import </a:t>
-            </a:r>
-            <a:r>
-              <a:rPr lang="en-US" sz="1100">
-                <a:solidFill>
-                  <a:schemeClr val="accent1"/>
-                </a:solidFill>
-                <a:latin typeface="Consolas" panose="020B0609020204030204" pitchFamily="49" charset="0"/>
-              </a:rPr>
-              <a:t>pandas</a:t>
-            </a:r>
-            <a:r>
-              <a:rPr lang="en-US" sz="1100">
-                <a:latin typeface="Consolas" panose="020B0609020204030204" pitchFamily="49" charset="0"/>
-              </a:rPr>
-              <a:t> as </a:t>
-            </a:r>
-            <a:r>
-              <a:rPr lang="en-US" sz="1100">
-                <a:solidFill>
-                  <a:schemeClr val="accent1"/>
-                </a:solidFill>
-                <a:latin typeface="Consolas" panose="020B0609020204030204" pitchFamily="49" charset="0"/>
-              </a:rPr>
-              <a:t>pd</a:t>
-            </a:r>
-          </a:p>
-        </p:txBody>
-      </p:sp>
-      <p:sp>
-        <p:nvSpPr>
-          <p:cNvPr id="4" name="Slide Number Placeholder 3">
-            <a:extLst>
-              <a:ext uri="{FF2B5EF4-FFF2-40B4-BE49-F238E27FC236}">
-                <a16:creationId xmlns:a16="http://schemas.microsoft.com/office/drawing/2014/main" id="{64987AE6-EC0E-43DD-9376-95A5602EE5E1}"/>
-              </a:ext>
-            </a:extLst>
-          </p:cNvPr>
-          <p:cNvSpPr>
-            <a:spLocks noGrp="1"/>
-          </p:cNvSpPr>
-          <p:nvPr>
-            <p:ph type="sldNum" idx="12"/>
-          </p:nvPr>
-        </p:nvSpPr>
-        <p:spPr/>
-        <p:txBody>
-          <a:bodyPr/>
-          <a:lstStyle/>
-          <a:p>
-            <a:pPr marL="0" lvl="0" indent="0" algn="r" rtl="0">
-              <a:spcBef>
-                <a:spcPts val="0"/>
-              </a:spcBef>
-              <a:spcAft>
-                <a:spcPts val="0"/>
-              </a:spcAft>
-              <a:buNone/>
-            </a:pPr>
-            <a:fld id="{00000000-1234-1234-1234-123412341234}" type="slidenum">
-              <a:rPr lang="en" smtClean="0"/>
-              <a:t>17</a:t>
-            </a:fld>
-            <a:endParaRPr lang="en"/>
-          </a:p>
-        </p:txBody>
-      </p:sp>
-    </p:spTree>
-    <p:extLst>
-      <p:ext uri="{BB962C8B-B14F-4D97-AF65-F5344CB8AC3E}">
-        <p14:creationId xmlns:p14="http://schemas.microsoft.com/office/powerpoint/2010/main" val="280807099"/>
       </p:ext>
     </p:extLst>
   </p:cSld>
@@ -13703,7 +13778,7 @@
           <a:p>
             <a:r>
               <a:rPr lang="en-US"/>
-              <a:t>Series</a:t>
+              <a:t>Introduction</a:t>
             </a:r>
             <a:endParaRPr lang="fa-IR"/>
           </a:p>
@@ -13739,54 +13814,28 @@
               <a:buNone/>
             </a:pPr>
             <a:r>
-              <a:rPr lang="en-US"/>
-              <a:t>A column in a table</a:t>
-            </a:r>
-          </a:p>
-          <a:p>
-            <a:pPr marL="76200" indent="0" algn="just">
-              <a:buNone/>
-            </a:pPr>
-            <a:r>
-              <a:rPr lang="en-US" sz="1100">
-                <a:latin typeface="Consolas" panose="020B0609020204030204" pitchFamily="49" charset="0"/>
-              </a:rPr>
-              <a:t>calories = [420, 380, 390]</a:t>
-            </a:r>
-          </a:p>
-          <a:p>
-            <a:pPr marL="76200" indent="0" algn="just">
-              <a:buNone/>
-            </a:pPr>
-            <a:r>
-              <a:rPr lang="en-US" sz="1100">
-                <a:latin typeface="Consolas" panose="020B0609020204030204" pitchFamily="49" charset="0"/>
-              </a:rPr>
-              <a:t>s = pd.</a:t>
-            </a:r>
-            <a:r>
-              <a:rPr lang="en-US" sz="1100">
+              <a:rPr lang="en-US" sz="1400">
                 <a:solidFill>
                   <a:schemeClr val="accent1"/>
                 </a:solidFill>
-                <a:latin typeface="Consolas" panose="020B0609020204030204" pitchFamily="49" charset="0"/>
-              </a:rPr>
-              <a:t>Series(</a:t>
-            </a:r>
-            <a:r>
-              <a:rPr lang="en-US" sz="1100">
-                <a:latin typeface="Consolas" panose="020B0609020204030204" pitchFamily="49" charset="0"/>
-              </a:rPr>
-              <a:t>calories</a:t>
-            </a:r>
-            <a:r>
-              <a:rPr lang="en-US" sz="1100">
+              </a:rPr>
+              <a:t>Pandas</a:t>
+            </a:r>
+            <a:r>
+              <a:rPr lang="en-US" sz="1400"/>
+              <a:t> is a Python library used for working with </a:t>
+            </a:r>
+            <a:r>
+              <a:rPr lang="en-US" sz="1400">
                 <a:solidFill>
                   <a:schemeClr val="accent1"/>
                 </a:solidFill>
-                <a:latin typeface="Consolas" panose="020B0609020204030204" pitchFamily="49" charset="0"/>
-              </a:rPr>
-              <a:t>)</a:t>
+              </a:rPr>
+              <a:t>data sets</a:t>
+            </a:r>
+            <a:r>
+              <a:rPr lang="en-US" sz="1400"/>
+              <a:t>.</a:t>
             </a:r>
           </a:p>
           <a:p>
@@ -13794,10 +13843,8 @@
               <a:buNone/>
             </a:pPr>
             <a:r>
-              <a:rPr lang="en-US" sz="1100">
-                <a:latin typeface="Consolas" panose="020B0609020204030204" pitchFamily="49" charset="0"/>
-              </a:rPr>
-              <a:t>print(s)</a:t>
+              <a:rPr lang="en-US" sz="1400"/>
+              <a:t>It has functions for analyzing, cleaning, exploring, and manipulating data.</a:t>
             </a:r>
           </a:p>
           <a:p>
@@ -13805,10 +13852,64 @@
               <a:buNone/>
             </a:pPr>
             <a:r>
-              <a:rPr lang="en-US" sz="1100">
-                <a:latin typeface="Consolas" panose="020B0609020204030204" pitchFamily="49" charset="0"/>
-              </a:rPr>
-              <a:t>print(s</a:t>
+              <a:rPr lang="en-US" sz="1400"/>
+              <a:t>It allows us to analyze big data and make conclusions based on statistical theories.</a:t>
+            </a:r>
+          </a:p>
+          <a:p>
+            <a:pPr marL="76200" indent="0" algn="just">
+              <a:buNone/>
+            </a:pPr>
+            <a:r>
+              <a:rPr lang="en-US" sz="1400"/>
+              <a:t>It can clean messy data sets, and make them readable and relevant.</a:t>
+            </a:r>
+          </a:p>
+          <a:p>
+            <a:pPr marL="76200" indent="0" algn="just">
+              <a:buNone/>
+            </a:pPr>
+            <a:r>
+              <a:rPr lang="en-US" sz="1400"/>
+              <a:t>Pandas documentation: </a:t>
+            </a:r>
+            <a:r>
+              <a:rPr lang="en-US" sz="1100">
+                <a:latin typeface="Consolas" panose="020B0609020204030204" pitchFamily="49" charset="0"/>
+                <a:hlinkClick r:id="rId2"/>
+              </a:rPr>
+              <a:t>http://pandas.pydata.org/pandas-docs/stable/</a:t>
+            </a:r>
+            <a:endParaRPr lang="en-US" sz="1100">
+              <a:latin typeface="Consolas" panose="020B0609020204030204" pitchFamily="49" charset="0"/>
+            </a:endParaRPr>
+          </a:p>
+          <a:p>
+            <a:pPr marL="76200" indent="0" algn="just">
+              <a:buNone/>
+            </a:pPr>
+            <a:endParaRPr lang="en-US" sz="1100">
+              <a:latin typeface="Consolas" panose="020B0609020204030204" pitchFamily="49" charset="0"/>
+            </a:endParaRPr>
+          </a:p>
+          <a:p>
+            <a:pPr marL="76200" indent="0" algn="just">
+              <a:buNone/>
+            </a:pPr>
+            <a:r>
+              <a:rPr lang="en-US" sz="1400"/>
+              <a:t>Import</a:t>
+            </a:r>
+          </a:p>
+          <a:p>
+            <a:pPr marL="76200" indent="0" algn="just">
+              <a:buNone/>
+            </a:pPr>
+            <a:r>
+              <a:rPr lang="en-US" sz="1100">
+                <a:latin typeface="Consolas" panose="020B0609020204030204" pitchFamily="49" charset="0"/>
+              </a:rPr>
+              <a:t>import </a:t>
             </a:r>
             <a:r>
               <a:rPr lang="en-US" sz="1100">
@@ -13817,13 +13918,13 @@
                 </a:solidFill>
                 <a:latin typeface="Consolas" panose="020B0609020204030204" pitchFamily="49" charset="0"/>
               </a:rPr>
-              <a:t>[</a:t>
-            </a:r>
-            <a:r>
-              <a:rPr lang="en-US" sz="1100">
-                <a:latin typeface="Consolas" panose="020B0609020204030204" pitchFamily="49" charset="0"/>
-              </a:rPr>
-              <a:t>0</a:t>
+              <a:t>pandas</a:t>
+            </a:r>
+            <a:r>
+              <a:rPr lang="en-US" sz="1100">
+                <a:latin typeface="Consolas" panose="020B0609020204030204" pitchFamily="49" charset="0"/>
+              </a:rPr>
+              <a:t> as </a:t>
             </a:r>
             <a:r>
               <a:rPr lang="en-US" sz="1100">
@@ -13832,72 +13933,7 @@
                 </a:solidFill>
                 <a:latin typeface="Consolas" panose="020B0609020204030204" pitchFamily="49" charset="0"/>
               </a:rPr>
-              <a:t>]</a:t>
-            </a:r>
-            <a:r>
-              <a:rPr lang="en-US" sz="1100">
-                <a:latin typeface="Consolas" panose="020B0609020204030204" pitchFamily="49" charset="0"/>
-              </a:rPr>
-              <a:t>)</a:t>
-            </a:r>
-          </a:p>
-          <a:p>
-            <a:r>
-              <a:rPr lang="en-US" sz="1100">
-                <a:latin typeface="Consolas" panose="020B0609020204030204" pitchFamily="49" charset="0"/>
-              </a:rPr>
-              <a:t>calories = {'day1': 420, 'day2': 380, 'day3': 390}</a:t>
-            </a:r>
-          </a:p>
-          <a:p>
-            <a:r>
-              <a:rPr lang="en-US" sz="1100">
-                <a:latin typeface="Consolas" panose="020B0609020204030204" pitchFamily="49" charset="0"/>
-              </a:rPr>
-              <a:t>s = pd.</a:t>
-            </a:r>
-            <a:r>
-              <a:rPr lang="en-US" sz="1100">
-                <a:solidFill>
-                  <a:schemeClr val="accent1"/>
-                </a:solidFill>
-                <a:latin typeface="Consolas" panose="020B0609020204030204" pitchFamily="49" charset="0"/>
-              </a:rPr>
-              <a:t>Series(</a:t>
-            </a:r>
-            <a:r>
-              <a:rPr lang="en-US" sz="1100">
-                <a:latin typeface="Consolas" panose="020B0609020204030204" pitchFamily="49" charset="0"/>
-              </a:rPr>
-              <a:t>calories</a:t>
-            </a:r>
-            <a:r>
-              <a:rPr lang="en-US" sz="1100">
-                <a:solidFill>
-                  <a:schemeClr val="accent1"/>
-                </a:solidFill>
-                <a:latin typeface="Consolas" panose="020B0609020204030204" pitchFamily="49" charset="0"/>
-              </a:rPr>
-              <a:t>)</a:t>
-            </a:r>
-            <a:endParaRPr lang="en-US" sz="1100">
-              <a:latin typeface="Consolas" panose="020B0609020204030204" pitchFamily="49" charset="0"/>
-            </a:endParaRPr>
-          </a:p>
-          <a:p>
-            <a:r>
-              <a:rPr lang="en-US" sz="1100">
-                <a:latin typeface="Consolas" panose="020B0609020204030204" pitchFamily="49" charset="0"/>
-              </a:rPr>
-              <a:t>print(s['day2'])</a:t>
-            </a:r>
-          </a:p>
-          <a:p>
-            <a:r>
-              <a:rPr lang="en-US" sz="1100">
-                <a:latin typeface="Consolas" panose="020B0609020204030204" pitchFamily="49" charset="0"/>
-              </a:rPr>
-              <a:t>print(s.loc['day2'])</a:t>
+              <a:t>pd</a:t>
             </a:r>
           </a:p>
         </p:txBody>
@@ -13943,7 +13979,7 @@
     </p:spTree>
     <p:extLst>
       <p:ext uri="{BB962C8B-B14F-4D97-AF65-F5344CB8AC3E}">
-        <p14:creationId xmlns:p14="http://schemas.microsoft.com/office/powerpoint/2010/main" val="1704617483"/>
+        <p14:creationId xmlns:p14="http://schemas.microsoft.com/office/powerpoint/2010/main" val="280807099"/>
       </p:ext>
     </p:extLst>
   </p:cSld>
@@ -13993,7 +14029,7 @@
           <a:p>
             <a:r>
               <a:rPr lang="en-US"/>
-              <a:t>DataFrames</a:t>
+              <a:t>Series</a:t>
             </a:r>
             <a:endParaRPr lang="fa-IR"/>
           </a:p>
@@ -14030,7 +14066,7 @@
             </a:pPr>
             <a:r>
               <a:rPr lang="en-US"/>
-              <a:t>A table with rows and columns</a:t>
+              <a:t>A column in a table</a:t>
             </a:r>
           </a:p>
           <a:p>
@@ -14041,7 +14077,7 @@
               <a:rPr lang="en-US" sz="1100">
                 <a:latin typeface="Consolas" panose="020B0609020204030204" pitchFamily="49" charset="0"/>
               </a:rPr>
-              <a:t>data = {'calories': [420, 380, 390], 'duration': [50, 40, 45]}</a:t>
+              <a:t>calories = [420, 380, 390]</a:t>
             </a:r>
           </a:p>
           <a:p>
@@ -14052,7 +14088,7 @@
               <a:rPr lang="en-US" sz="1100">
                 <a:latin typeface="Consolas" panose="020B0609020204030204" pitchFamily="49" charset="0"/>
               </a:rPr>
-              <a:t>df = pd.</a:t>
+              <a:t>s = pd.</a:t>
             </a:r>
             <a:r>
               <a:rPr lang="en-US" sz="1100">
@@ -14061,13 +14097,13 @@
                 </a:solidFill>
                 <a:latin typeface="Consolas" panose="020B0609020204030204" pitchFamily="49" charset="0"/>
               </a:rPr>
-              <a:t>DataFrame(</a:t>
-            </a:r>
-            <a:r>
-              <a:rPr lang="en-US" sz="1100">
-                <a:latin typeface="Consolas" panose="020B0609020204030204" pitchFamily="49" charset="0"/>
-              </a:rPr>
-              <a:t>data</a:t>
+              <a:t>Series(</a:t>
+            </a:r>
+            <a:r>
+              <a:rPr lang="en-US" sz="1100">
+                <a:latin typeface="Consolas" panose="020B0609020204030204" pitchFamily="49" charset="0"/>
+              </a:rPr>
+              <a:t>calories</a:t>
             </a:r>
             <a:r>
               <a:rPr lang="en-US" sz="1100">
@@ -14080,11 +14116,25 @@
             </a:r>
           </a:p>
           <a:p>
-            <a:r>
-              <a:rPr lang="en-US" sz="1100">
-                <a:latin typeface="Consolas" panose="020B0609020204030204" pitchFamily="49" charset="0"/>
-              </a:rPr>
-              <a:t>print(df</a:t>
+            <a:pPr marL="76200" indent="0" algn="just">
+              <a:buNone/>
+            </a:pPr>
+            <a:r>
+              <a:rPr lang="en-US" sz="1100">
+                <a:latin typeface="Consolas" panose="020B0609020204030204" pitchFamily="49" charset="0"/>
+              </a:rPr>
+              <a:t>print(s)</a:t>
+            </a:r>
+          </a:p>
+          <a:p>
+            <a:pPr marL="76200" indent="0" algn="just">
+              <a:buNone/>
+            </a:pPr>
+            <a:r>
+              <a:rPr lang="en-US" sz="1100">
+                <a:latin typeface="Consolas" panose="020B0609020204030204" pitchFamily="49" charset="0"/>
+              </a:rPr>
+              <a:t>print(s</a:t>
             </a:r>
             <a:r>
               <a:rPr lang="en-US" sz="1100">
@@ -14099,7 +14149,7 @@
               <a:rPr lang="en-US" sz="1100">
                 <a:latin typeface="Consolas" panose="020B0609020204030204" pitchFamily="49" charset="0"/>
               </a:rPr>
-              <a:t>'calories'</a:t>
+              <a:t>0</a:t>
             </a:r>
             <a:r>
               <a:rPr lang="en-US" sz="1100">
@@ -14122,7 +14172,15 @@
               <a:rPr lang="en-US" sz="1100">
                 <a:latin typeface="Consolas" panose="020B0609020204030204" pitchFamily="49" charset="0"/>
               </a:rPr>
-              <a:t>print(df</a:t>
+              <a:t>calories = {'day1': 420, 'day2': 380, 'day3': 390}</a:t>
+            </a:r>
+          </a:p>
+          <a:p>
+            <a:r>
+              <a:rPr lang="en-US" sz="1100">
+                <a:latin typeface="Consolas" panose="020B0609020204030204" pitchFamily="49" charset="0"/>
+              </a:rPr>
+              <a:t>s = pd.</a:t>
             </a:r>
             <a:r>
               <a:rPr lang="en-US" sz="1100">
@@ -14131,13 +14189,13 @@
                 </a:solidFill>
                 <a:latin typeface="Consolas" panose="020B0609020204030204" pitchFamily="49" charset="0"/>
               </a:rPr>
-              <a:t>[[</a:t>
-            </a:r>
-            <a:r>
-              <a:rPr lang="en-US" sz="1100">
-                <a:latin typeface="Consolas" panose="020B0609020204030204" pitchFamily="49" charset="0"/>
-              </a:rPr>
-              <a:t>'calories'</a:t>
+              <a:t>Series(</a:t>
+            </a:r>
+            <a:r>
+              <a:rPr lang="en-US" sz="1100">
+                <a:latin typeface="Consolas" panose="020B0609020204030204" pitchFamily="49" charset="0"/>
+              </a:rPr>
+              <a:t>calories</a:t>
             </a:r>
             <a:r>
               <a:rPr lang="en-US" sz="1100">
@@ -14146,185 +14204,26 @@
                 </a:solidFill>
                 <a:latin typeface="Consolas" panose="020B0609020204030204" pitchFamily="49" charset="0"/>
               </a:rPr>
-              <a:t>]]</a:t>
-            </a:r>
-            <a:r>
-              <a:rPr lang="en-US" sz="1100">
-                <a:latin typeface="Consolas" panose="020B0609020204030204" pitchFamily="49" charset="0"/>
-              </a:rPr>
               <a:t>)</a:t>
             </a:r>
             <a:endParaRPr lang="en-US" sz="1100">
-              <a:solidFill>
-                <a:schemeClr val="accent1"/>
-              </a:solidFill>
               <a:latin typeface="Consolas" panose="020B0609020204030204" pitchFamily="49" charset="0"/>
             </a:endParaRPr>
           </a:p>
           <a:p>
-            <a:pPr marL="76200" indent="0" algn="just">
-              <a:buNone/>
-            </a:pPr>
-            <a:r>
-              <a:rPr lang="en-US" sz="1100">
-                <a:latin typeface="Consolas" panose="020B0609020204030204" pitchFamily="49" charset="0"/>
-              </a:rPr>
-              <a:t>print(df</a:t>
-            </a:r>
-            <a:r>
-              <a:rPr lang="en-US" sz="1100">
-                <a:solidFill>
-                  <a:schemeClr val="accent1"/>
-                </a:solidFill>
-                <a:latin typeface="Consolas" panose="020B0609020204030204" pitchFamily="49" charset="0"/>
-              </a:rPr>
-              <a:t>.loc[</a:t>
-            </a:r>
-            <a:r>
-              <a:rPr lang="en-US" sz="1100">
-                <a:latin typeface="Consolas" panose="020B0609020204030204" pitchFamily="49" charset="0"/>
-              </a:rPr>
-              <a:t>0</a:t>
-            </a:r>
-            <a:r>
-              <a:rPr lang="en-US" sz="1100">
-                <a:solidFill>
-                  <a:schemeClr val="accent1"/>
-                </a:solidFill>
-                <a:latin typeface="Consolas" panose="020B0609020204030204" pitchFamily="49" charset="0"/>
-              </a:rPr>
-              <a:t>]</a:t>
-            </a:r>
-            <a:r>
-              <a:rPr lang="en-US" sz="1100">
-                <a:latin typeface="Consolas" panose="020B0609020204030204" pitchFamily="49" charset="0"/>
-              </a:rPr>
-              <a:t>)</a:t>
-            </a:r>
-          </a:p>
-          <a:p>
-            <a:pPr marL="76200" indent="0" algn="just">
-              <a:buNone/>
-            </a:pPr>
-            <a:r>
-              <a:rPr lang="en-US" sz="1100">
-                <a:latin typeface="Consolas" panose="020B0609020204030204" pitchFamily="49" charset="0"/>
-              </a:rPr>
-              <a:t>print(df.loc</a:t>
-            </a:r>
-            <a:r>
-              <a:rPr lang="en-US" sz="1100">
-                <a:solidFill>
-                  <a:schemeClr val="accent1"/>
-                </a:solidFill>
-                <a:latin typeface="Consolas" panose="020B0609020204030204" pitchFamily="49" charset="0"/>
-              </a:rPr>
-              <a:t>[[</a:t>
-            </a:r>
-            <a:r>
-              <a:rPr lang="en-US" sz="1100">
-                <a:latin typeface="Consolas" panose="020B0609020204030204" pitchFamily="49" charset="0"/>
-              </a:rPr>
-              <a:t>0</a:t>
-            </a:r>
-            <a:r>
-              <a:rPr lang="en-US" sz="1100">
-                <a:solidFill>
-                  <a:schemeClr val="accent1"/>
-                </a:solidFill>
-                <a:latin typeface="Consolas" panose="020B0609020204030204" pitchFamily="49" charset="0"/>
-              </a:rPr>
-              <a:t>,</a:t>
-            </a:r>
-            <a:r>
-              <a:rPr lang="en-US" sz="1100">
-                <a:latin typeface="Consolas" panose="020B0609020204030204" pitchFamily="49" charset="0"/>
-              </a:rPr>
-              <a:t> 2</a:t>
-            </a:r>
-            <a:r>
-              <a:rPr lang="en-US" sz="1100">
-                <a:solidFill>
-                  <a:schemeClr val="accent1"/>
-                </a:solidFill>
-                <a:latin typeface="Consolas" panose="020B0609020204030204" pitchFamily="49" charset="0"/>
-              </a:rPr>
-              <a:t>]]</a:t>
-            </a:r>
-            <a:r>
-              <a:rPr lang="en-US" sz="1100">
-                <a:latin typeface="Consolas" panose="020B0609020204030204" pitchFamily="49" charset="0"/>
-              </a:rPr>
-              <a:t>)</a:t>
-            </a:r>
-          </a:p>
-          <a:p>
-            <a:r>
-              <a:rPr lang="en-US" sz="1100">
-                <a:latin typeface="Consolas" panose="020B0609020204030204" pitchFamily="49" charset="0"/>
-              </a:rPr>
-              <a:t>df = pd.DataFrame(data, </a:t>
-            </a:r>
-            <a:r>
-              <a:rPr lang="en-US" sz="1100">
-                <a:solidFill>
-                  <a:schemeClr val="accent1"/>
-                </a:solidFill>
-                <a:latin typeface="Consolas" panose="020B0609020204030204" pitchFamily="49" charset="0"/>
-              </a:rPr>
-              <a:t>index</a:t>
-            </a:r>
-            <a:r>
-              <a:rPr lang="en-US" sz="1100">
-                <a:latin typeface="Consolas" panose="020B0609020204030204" pitchFamily="49" charset="0"/>
-              </a:rPr>
-              <a:t> = ['day1', 'day2', 'day3'])</a:t>
-            </a:r>
-          </a:p>
-          <a:p>
-            <a:r>
-              <a:rPr lang="en-US" sz="1100">
-                <a:latin typeface="Consolas" panose="020B0609020204030204" pitchFamily="49" charset="0"/>
-              </a:rPr>
-              <a:t>print(df.loc['day2'])</a:t>
-            </a:r>
-          </a:p>
-          <a:p>
-            <a:r>
-              <a:rPr lang="en-US" sz="1100">
-                <a:latin typeface="Consolas" panose="020B0609020204030204" pitchFamily="49" charset="0"/>
-              </a:rPr>
-              <a:t>print(df</a:t>
-            </a:r>
-            <a:r>
-              <a:rPr lang="en-US" sz="1100">
-                <a:solidFill>
-                  <a:schemeClr val="accent1"/>
-                </a:solidFill>
-                <a:latin typeface="Consolas" panose="020B0609020204030204" pitchFamily="49" charset="0"/>
-              </a:rPr>
-              <a:t>.iloc[</a:t>
-            </a:r>
-            <a:r>
-              <a:rPr lang="en-US" sz="1100">
-                <a:latin typeface="Consolas" panose="020B0609020204030204" pitchFamily="49" charset="0"/>
-              </a:rPr>
-              <a:t>1</a:t>
-            </a:r>
-            <a:r>
-              <a:rPr lang="en-US" sz="1100">
-                <a:solidFill>
-                  <a:schemeClr val="accent1"/>
-                </a:solidFill>
-                <a:latin typeface="Consolas" panose="020B0609020204030204" pitchFamily="49" charset="0"/>
-              </a:rPr>
-              <a:t>]</a:t>
-            </a:r>
-            <a:r>
-              <a:rPr lang="en-US" sz="1100">
-                <a:latin typeface="Consolas" panose="020B0609020204030204" pitchFamily="49" charset="0"/>
-              </a:rPr>
-              <a:t>)</a:t>
+            <a:r>
+              <a:rPr lang="en-US" sz="1100">
+                <a:latin typeface="Consolas" panose="020B0609020204030204" pitchFamily="49" charset="0"/>
+              </a:rPr>
+              <a:t>print(s['day2'])</a:t>
+            </a:r>
+          </a:p>
+          <a:p>
+            <a:r>
+              <a:rPr lang="en-US" sz="1100">
+                <a:latin typeface="Consolas" panose="020B0609020204030204" pitchFamily="49" charset="0"/>
+              </a:rPr>
+              <a:t>print(s.loc['day2'])</a:t>
             </a:r>
           </a:p>
         </p:txBody>
@@ -14370,7 +14269,7 @@
     </p:spTree>
     <p:extLst>
       <p:ext uri="{BB962C8B-B14F-4D97-AF65-F5344CB8AC3E}">
-        <p14:creationId xmlns:p14="http://schemas.microsoft.com/office/powerpoint/2010/main" val="2527711501"/>
+        <p14:creationId xmlns:p14="http://schemas.microsoft.com/office/powerpoint/2010/main" val="1704617483"/>
       </p:ext>
     </p:extLst>
   </p:cSld>
@@ -14549,7 +14448,7 @@
           <a:p>
             <a:r>
               <a:rPr lang="en-US"/>
-              <a:t>Read and Write</a:t>
+              <a:t>DataFrames</a:t>
             </a:r>
             <a:endParaRPr lang="fa-IR"/>
           </a:p>
@@ -14586,7 +14485,18 @@
             </a:pPr>
             <a:r>
               <a:rPr lang="en-US"/>
-              <a:t>Read files</a:t>
+              <a:t>A table with rows and columns</a:t>
+            </a:r>
+          </a:p>
+          <a:p>
+            <a:pPr marL="76200" indent="0" algn="just">
+              <a:buNone/>
+            </a:pPr>
+            <a:r>
+              <a:rPr lang="en-US" sz="1100">
+                <a:latin typeface="Consolas" panose="020B0609020204030204" pitchFamily="49" charset="0"/>
+              </a:rPr>
+              <a:t>data = {'calories': [420, 380, 390], 'duration': [50, 40, 45]}</a:t>
             </a:r>
           </a:p>
           <a:p>
@@ -14606,13 +14516,13 @@
                 </a:solidFill>
                 <a:latin typeface="Consolas" panose="020B0609020204030204" pitchFamily="49" charset="0"/>
               </a:rPr>
-              <a:t>read_csv(</a:t>
-            </a:r>
-            <a:r>
-              <a:rPr lang="en-US" sz="1100">
-                <a:latin typeface="Consolas" panose="020B0609020204030204" pitchFamily="49" charset="0"/>
-              </a:rPr>
-              <a:t>'data.csv'</a:t>
+              <a:t>DataFrame(</a:t>
+            </a:r>
+            <a:r>
+              <a:rPr lang="en-US" sz="1100">
+                <a:latin typeface="Consolas" panose="020B0609020204030204" pitchFamily="49" charset="0"/>
+              </a:rPr>
+              <a:t>data</a:t>
             </a:r>
             <a:r>
               <a:rPr lang="en-US" sz="1100">
@@ -14629,7 +14539,7 @@
               <a:rPr lang="en-US" sz="1100">
                 <a:latin typeface="Consolas" panose="020B0609020204030204" pitchFamily="49" charset="0"/>
               </a:rPr>
-              <a:t>df = pd.</a:t>
+              <a:t>print(df</a:t>
             </a:r>
             <a:r>
               <a:rPr lang="en-US" sz="1100">
@@ -14638,13 +14548,13 @@
                 </a:solidFill>
                 <a:latin typeface="Consolas" panose="020B0609020204030204" pitchFamily="49" charset="0"/>
               </a:rPr>
-              <a:t>read_excel(</a:t>
-            </a:r>
-            <a:r>
-              <a:rPr lang="en-US" sz="1100">
-                <a:latin typeface="Consolas" panose="020B0609020204030204" pitchFamily="49" charset="0"/>
-              </a:rPr>
-              <a:t>'data.xlsx'</a:t>
+              <a:t>[</a:t>
+            </a:r>
+            <a:r>
+              <a:rPr lang="en-US" sz="1100">
+                <a:latin typeface="Consolas" panose="020B0609020204030204" pitchFamily="49" charset="0"/>
+              </a:rPr>
+              <a:t>'calories'</a:t>
             </a:r>
             <a:r>
               <a:rPr lang="en-US" sz="1100">
@@ -14653,18 +14563,21 @@
                 </a:solidFill>
                 <a:latin typeface="Consolas" panose="020B0609020204030204" pitchFamily="49" charset="0"/>
               </a:rPr>
+              <a:t>]</a:t>
+            </a:r>
+            <a:r>
+              <a:rPr lang="en-US" sz="1100">
+                <a:latin typeface="Consolas" panose="020B0609020204030204" pitchFamily="49" charset="0"/>
+              </a:rPr>
               <a:t>)</a:t>
             </a:r>
           </a:p>
           <a:p>
-            <a:pPr marL="76200" indent="0" algn="just">
-              <a:buNone/>
-            </a:pPr>
-            <a:r>
-              <a:rPr lang="en-US" sz="1100">
-                <a:latin typeface="Consolas" panose="020B0609020204030204" pitchFamily="49" charset="0"/>
-              </a:rPr>
-              <a:t>df = pd.</a:t>
+            <a:r>
+              <a:rPr lang="en-US" sz="1100">
+                <a:latin typeface="Consolas" panose="020B0609020204030204" pitchFamily="49" charset="0"/>
+              </a:rPr>
+              <a:t>print(df</a:t>
             </a:r>
             <a:r>
               <a:rPr lang="en-US" sz="1100">
@@ -14673,13 +14586,13 @@
                 </a:solidFill>
                 <a:latin typeface="Consolas" panose="020B0609020204030204" pitchFamily="49" charset="0"/>
               </a:rPr>
-              <a:t>read_json(</a:t>
-            </a:r>
-            <a:r>
-              <a:rPr lang="en-US" sz="1100">
-                <a:latin typeface="Consolas" panose="020B0609020204030204" pitchFamily="49" charset="0"/>
-              </a:rPr>
-              <a:t>'data.json'</a:t>
+              <a:t>[[</a:t>
+            </a:r>
+            <a:r>
+              <a:rPr lang="en-US" sz="1100">
+                <a:latin typeface="Consolas" panose="020B0609020204030204" pitchFamily="49" charset="0"/>
+              </a:rPr>
+              <a:t>'calories'</a:t>
             </a:r>
             <a:r>
               <a:rPr lang="en-US" sz="1100">
@@ -14688,29 +14601,30 @@
                 </a:solidFill>
                 <a:latin typeface="Consolas" panose="020B0609020204030204" pitchFamily="49" charset="0"/>
               </a:rPr>
+              <a:t>]]</a:t>
+            </a:r>
+            <a:r>
+              <a:rPr lang="en-US" sz="1100">
+                <a:latin typeface="Consolas" panose="020B0609020204030204" pitchFamily="49" charset="0"/>
+              </a:rPr>
               <a:t>)</a:t>
             </a:r>
-          </a:p>
-          <a:p>
             <a:endParaRPr lang="en-US" sz="1100">
+              <a:solidFill>
+                <a:schemeClr val="accent1"/>
+              </a:solidFill>
               <a:latin typeface="Consolas" panose="020B0609020204030204" pitchFamily="49" charset="0"/>
             </a:endParaRPr>
           </a:p>
           <a:p>
-            <a:r>
-              <a:rPr lang="en-US"/>
-              <a:t>Write files</a:t>
-            </a:r>
-            <a:endParaRPr lang="en-US">
-              <a:latin typeface="Consolas" panose="020B0609020204030204" pitchFamily="49" charset="0"/>
-            </a:endParaRPr>
-          </a:p>
-          <a:p>
-            <a:r>
-              <a:rPr lang="en-US" sz="1100">
-                <a:latin typeface="Consolas" panose="020B0609020204030204" pitchFamily="49" charset="0"/>
-              </a:rPr>
-              <a:t>df</a:t>
+            <a:pPr marL="76200" indent="0" algn="just">
+              <a:buNone/>
+            </a:pPr>
+            <a:r>
+              <a:rPr lang="en-US" sz="1100">
+                <a:latin typeface="Consolas" panose="020B0609020204030204" pitchFamily="49" charset="0"/>
+              </a:rPr>
+              <a:t>print(df</a:t>
             </a:r>
             <a:r>
               <a:rPr lang="en-US" sz="1100">
@@ -14719,13 +14633,13 @@
                 </a:solidFill>
                 <a:latin typeface="Consolas" panose="020B0609020204030204" pitchFamily="49" charset="0"/>
               </a:rPr>
-              <a:t>.to_csv(</a:t>
-            </a:r>
-            <a:r>
-              <a:rPr lang="en-US" sz="1100">
-                <a:latin typeface="Consolas" panose="020B0609020204030204" pitchFamily="49" charset="0"/>
-              </a:rPr>
-              <a:t>'data.csv'</a:t>
+              <a:t>.loc[</a:t>
+            </a:r>
+            <a:r>
+              <a:rPr lang="en-US" sz="1100">
+                <a:latin typeface="Consolas" panose="020B0609020204030204" pitchFamily="49" charset="0"/>
+              </a:rPr>
+              <a:t>0</a:t>
             </a:r>
             <a:r>
               <a:rPr lang="en-US" sz="1100">
@@ -14734,15 +14648,24 @@
                 </a:solidFill>
                 <a:latin typeface="Consolas" panose="020B0609020204030204" pitchFamily="49" charset="0"/>
               </a:rPr>
+              <a:t>]</a:t>
+            </a:r>
+            <a:r>
+              <a:rPr lang="en-US" sz="1100">
+                <a:latin typeface="Consolas" panose="020B0609020204030204" pitchFamily="49" charset="0"/>
+              </a:rPr>
               <a:t>)</a:t>
             </a:r>
           </a:p>
           <a:p>
-            <a:r>
-              <a:rPr lang="en-US" sz="1100">
-                <a:latin typeface="Consolas" panose="020B0609020204030204" pitchFamily="49" charset="0"/>
-              </a:rPr>
-              <a:t>df</a:t>
+            <a:pPr marL="76200" indent="0" algn="just">
+              <a:buNone/>
+            </a:pPr>
+            <a:r>
+              <a:rPr lang="en-US" sz="1100">
+                <a:latin typeface="Consolas" panose="020B0609020204030204" pitchFamily="49" charset="0"/>
+              </a:rPr>
+              <a:t>print(df.loc</a:t>
             </a:r>
             <a:r>
               <a:rPr lang="en-US" sz="1100">
@@ -14751,13 +14674,13 @@
                 </a:solidFill>
                 <a:latin typeface="Consolas" panose="020B0609020204030204" pitchFamily="49" charset="0"/>
               </a:rPr>
-              <a:t>.to_excel(</a:t>
-            </a:r>
-            <a:r>
-              <a:rPr lang="en-US" sz="1100">
-                <a:latin typeface="Consolas" panose="020B0609020204030204" pitchFamily="49" charset="0"/>
-              </a:rPr>
-              <a:t>'data.xlsx'</a:t>
+              <a:t>[[</a:t>
+            </a:r>
+            <a:r>
+              <a:rPr lang="en-US" sz="1100">
+                <a:latin typeface="Consolas" panose="020B0609020204030204" pitchFamily="49" charset="0"/>
+              </a:rPr>
+              <a:t>0</a:t>
             </a:r>
             <a:r>
               <a:rPr lang="en-US" sz="1100">
@@ -14766,18 +14689,13 @@
                 </a:solidFill>
                 <a:latin typeface="Consolas" panose="020B0609020204030204" pitchFamily="49" charset="0"/>
               </a:rPr>
-              <a:t>)</a:t>
-            </a:r>
-            <a:endParaRPr lang="en-US" sz="1100">
-              <a:latin typeface="Consolas" panose="020B0609020204030204" pitchFamily="49" charset="0"/>
-            </a:endParaRPr>
-          </a:p>
-          <a:p>
-            <a:r>
-              <a:rPr lang="en-US" sz="1100">
-                <a:latin typeface="Consolas" panose="020B0609020204030204" pitchFamily="49" charset="0"/>
-              </a:rPr>
-              <a:t>df</a:t>
+              <a:t>,</a:t>
+            </a:r>
+            <a:r>
+              <a:rPr lang="en-US" sz="1100">
+                <a:latin typeface="Consolas" panose="020B0609020204030204" pitchFamily="49" charset="0"/>
+              </a:rPr>
+              <a:t> 2</a:t>
             </a:r>
             <a:r>
               <a:rPr lang="en-US" sz="1100">
@@ -14786,13 +14704,21 @@
                 </a:solidFill>
                 <a:latin typeface="Consolas" panose="020B0609020204030204" pitchFamily="49" charset="0"/>
               </a:rPr>
-              <a:t>.to_json(</a:t>
-            </a:r>
-            <a:r>
-              <a:rPr lang="en-US" sz="1100">
-                <a:latin typeface="Consolas" panose="020B0609020204030204" pitchFamily="49" charset="0"/>
-              </a:rPr>
-              <a:t>'data.json'</a:t>
+              <a:t>]]</a:t>
+            </a:r>
+            <a:r>
+              <a:rPr lang="en-US" sz="1100">
+                <a:latin typeface="Consolas" panose="020B0609020204030204" pitchFamily="49" charset="0"/>
+              </a:rPr>
+              <a:t>)</a:t>
+            </a:r>
+          </a:p>
+          <a:p>
+            <a:r>
+              <a:rPr lang="en-US" sz="1100">
+                <a:latin typeface="Consolas" panose="020B0609020204030204" pitchFamily="49" charset="0"/>
+              </a:rPr>
+              <a:t>df = pd.DataFrame(data, </a:t>
             </a:r>
             <a:r>
               <a:rPr lang="en-US" sz="1100">
@@ -14801,16 +14727,60 @@
                 </a:solidFill>
                 <a:latin typeface="Consolas" panose="020B0609020204030204" pitchFamily="49" charset="0"/>
               </a:rPr>
+              <a:t>index</a:t>
+            </a:r>
+            <a:r>
+              <a:rPr lang="en-US" sz="1100">
+                <a:latin typeface="Consolas" panose="020B0609020204030204" pitchFamily="49" charset="0"/>
+              </a:rPr>
+              <a:t> = ['day1', 'day2', 'day3'])</a:t>
+            </a:r>
+          </a:p>
+          <a:p>
+            <a:r>
+              <a:rPr lang="en-US" sz="1100">
+                <a:latin typeface="Consolas" panose="020B0609020204030204" pitchFamily="49" charset="0"/>
+              </a:rPr>
+              <a:t>print(df.loc['day2'])</a:t>
+            </a:r>
+          </a:p>
+          <a:p>
+            <a:r>
+              <a:rPr lang="en-US" sz="1100">
+                <a:latin typeface="Consolas" panose="020B0609020204030204" pitchFamily="49" charset="0"/>
+              </a:rPr>
+              <a:t>print(df</a:t>
+            </a:r>
+            <a:r>
+              <a:rPr lang="en-US" sz="1100">
+                <a:solidFill>
+                  <a:schemeClr val="accent1"/>
+                </a:solidFill>
+                <a:latin typeface="Consolas" panose="020B0609020204030204" pitchFamily="49" charset="0"/>
+              </a:rPr>
+              <a:t>.iloc[</a:t>
+            </a:r>
+            <a:r>
+              <a:rPr lang="en-US" sz="1100">
+                <a:latin typeface="Consolas" panose="020B0609020204030204" pitchFamily="49" charset="0"/>
+              </a:rPr>
+              <a:t>1</a:t>
+            </a:r>
+            <a:r>
+              <a:rPr lang="en-US" sz="1100">
+                <a:solidFill>
+                  <a:schemeClr val="accent1"/>
+                </a:solidFill>
+                <a:latin typeface="Consolas" panose="020B0609020204030204" pitchFamily="49" charset="0"/>
+              </a:rPr>
+              <a:t>]</a:t>
+            </a:r>
+            <a:r>
+              <a:rPr lang="en-US" sz="1100">
+                <a:latin typeface="Consolas" panose="020B0609020204030204" pitchFamily="49" charset="0"/>
+              </a:rPr>
               <a:t>)</a:t>
             </a:r>
-            <a:endParaRPr lang="en-US" sz="1100">
-              <a:latin typeface="Consolas" panose="020B0609020204030204" pitchFamily="49" charset="0"/>
-            </a:endParaRPr>
-          </a:p>
-          <a:p>
-            <a:endParaRPr lang="en-US" sz="1100">
-              <a:latin typeface="Consolas" panose="020B0609020204030204" pitchFamily="49" charset="0"/>
-            </a:endParaRPr>
           </a:p>
         </p:txBody>
       </p:sp>
@@ -14855,7 +14825,7 @@
     </p:spTree>
     <p:extLst>
       <p:ext uri="{BB962C8B-B14F-4D97-AF65-F5344CB8AC3E}">
-        <p14:creationId xmlns:p14="http://schemas.microsoft.com/office/powerpoint/2010/main" val="3039061786"/>
+        <p14:creationId xmlns:p14="http://schemas.microsoft.com/office/powerpoint/2010/main" val="2527711501"/>
       </p:ext>
     </p:extLst>
   </p:cSld>
@@ -14905,7 +14875,7 @@
           <a:p>
             <a:r>
               <a:rPr lang="en-US"/>
-              <a:t>Analyze</a:t>
+              <a:t>Read and Write</a:t>
             </a:r>
             <a:endParaRPr lang="fa-IR"/>
           </a:p>
@@ -14937,23 +14907,12 @@
           <a:bodyPr/>
           <a:lstStyle/>
           <a:p>
-            <a:r>
-              <a:rPr lang="en-US" sz="1100">
-                <a:latin typeface="Consolas" panose="020B0609020204030204" pitchFamily="49" charset="0"/>
-              </a:rPr>
-              <a:t>df = pd.DataFrame({'calories': [420, 380, 390], 'duration': [50, 50, 45]})</a:t>
-            </a:r>
-          </a:p>
-          <a:p>
-            <a:endParaRPr lang="en-US" sz="1100"/>
-          </a:p>
-          <a:p>
             <a:pPr marL="76200" indent="0" algn="just">
               <a:buNone/>
             </a:pPr>
             <a:r>
               <a:rPr lang="en-US"/>
-              <a:t>View</a:t>
+              <a:t>Read files</a:t>
             </a:r>
           </a:p>
           <a:p>
@@ -14964,7 +14923,7 @@
               <a:rPr lang="en-US" sz="1100">
                 <a:latin typeface="Consolas" panose="020B0609020204030204" pitchFamily="49" charset="0"/>
               </a:rPr>
-              <a:t>print(df</a:t>
+              <a:t>df = pd.</a:t>
             </a:r>
             <a:r>
               <a:rPr lang="en-US" sz="1100">
@@ -14973,21 +14932,13 @@
                 </a:solidFill>
                 <a:latin typeface="Consolas" panose="020B0609020204030204" pitchFamily="49" charset="0"/>
               </a:rPr>
-              <a:t>.head()</a:t>
-            </a:r>
-            <a:r>
-              <a:rPr lang="en-US" sz="1100">
-                <a:latin typeface="Consolas" panose="020B0609020204030204" pitchFamily="49" charset="0"/>
-              </a:rPr>
-              <a:t>)</a:t>
-            </a:r>
-          </a:p>
-          <a:p>
-            <a:r>
-              <a:rPr lang="en-US" sz="1100">
-                <a:latin typeface="Consolas" panose="020B0609020204030204" pitchFamily="49" charset="0"/>
-              </a:rPr>
-              <a:t>print(df</a:t>
+              <a:t>read_csv(</a:t>
+            </a:r>
+            <a:r>
+              <a:rPr lang="en-US" sz="1100">
+                <a:latin typeface="Consolas" panose="020B0609020204030204" pitchFamily="49" charset="0"/>
+              </a:rPr>
+              <a:t>'data.csv'</a:t>
             </a:r>
             <a:r>
               <a:rPr lang="en-US" sz="1100">
@@ -14996,12 +14947,6 @@
                 </a:solidFill>
                 <a:latin typeface="Consolas" panose="020B0609020204030204" pitchFamily="49" charset="0"/>
               </a:rPr>
-              <a:t>.tail()</a:t>
-            </a:r>
-            <a:r>
-              <a:rPr lang="en-US" sz="1100">
-                <a:latin typeface="Consolas" panose="020B0609020204030204" pitchFamily="49" charset="0"/>
-              </a:rPr>
               <a:t>)</a:t>
             </a:r>
           </a:p>
@@ -15010,7 +14955,7 @@
               <a:rPr lang="en-US" sz="1100">
                 <a:latin typeface="Consolas" panose="020B0609020204030204" pitchFamily="49" charset="0"/>
               </a:rPr>
-              <a:t>print(df</a:t>
+              <a:t>df = pd.</a:t>
             </a:r>
             <a:r>
               <a:rPr lang="en-US" sz="1100">
@@ -15019,21 +14964,13 @@
                 </a:solidFill>
                 <a:latin typeface="Consolas" panose="020B0609020204030204" pitchFamily="49" charset="0"/>
               </a:rPr>
-              <a:t>.index</a:t>
-            </a:r>
-            <a:r>
-              <a:rPr lang="en-US" sz="1100">
-                <a:latin typeface="Consolas" panose="020B0609020204030204" pitchFamily="49" charset="0"/>
-              </a:rPr>
-              <a:t>)</a:t>
-            </a:r>
-          </a:p>
-          <a:p>
-            <a:r>
-              <a:rPr lang="en-US" sz="1100">
-                <a:latin typeface="Consolas" panose="020B0609020204030204" pitchFamily="49" charset="0"/>
-              </a:rPr>
-              <a:t>print(df</a:t>
+              <a:t>read_excel(</a:t>
+            </a:r>
+            <a:r>
+              <a:rPr lang="en-US" sz="1100">
+                <a:latin typeface="Consolas" panose="020B0609020204030204" pitchFamily="49" charset="0"/>
+              </a:rPr>
+              <a:t>'data.xlsx'</a:t>
             </a:r>
             <a:r>
               <a:rPr lang="en-US" sz="1100">
@@ -15042,21 +14979,18 @@
                 </a:solidFill>
                 <a:latin typeface="Consolas" panose="020B0609020204030204" pitchFamily="49" charset="0"/>
               </a:rPr>
-              <a:t>.columns</a:t>
-            </a:r>
-            <a:r>
-              <a:rPr lang="en-US" sz="1100">
-                <a:latin typeface="Consolas" panose="020B0609020204030204" pitchFamily="49" charset="0"/>
-              </a:rPr>
               <a:t>)</a:t>
             </a:r>
           </a:p>
           <a:p>
-            <a:r>
-              <a:rPr lang="en-US" sz="1100">
-                <a:latin typeface="Consolas" panose="020B0609020204030204" pitchFamily="49" charset="0"/>
-              </a:rPr>
-              <a:t>print(df['duration']</a:t>
+            <a:pPr marL="76200" indent="0" algn="just">
+              <a:buNone/>
+            </a:pPr>
+            <a:r>
+              <a:rPr lang="en-US" sz="1100">
+                <a:latin typeface="Consolas" panose="020B0609020204030204" pitchFamily="49" charset="0"/>
+              </a:rPr>
+              <a:t>df = pd.</a:t>
             </a:r>
             <a:r>
               <a:rPr lang="en-US" sz="1100">
@@ -15065,10 +14999,19 @@
                 </a:solidFill>
                 <a:latin typeface="Consolas" panose="020B0609020204030204" pitchFamily="49" charset="0"/>
               </a:rPr>
-              <a:t>.value_counts()</a:t>
-            </a:r>
-            <a:r>
-              <a:rPr lang="en-US" sz="1100">
+              <a:t>read_json(</a:t>
+            </a:r>
+            <a:r>
+              <a:rPr lang="en-US" sz="1100">
+                <a:latin typeface="Consolas" panose="020B0609020204030204" pitchFamily="49" charset="0"/>
+              </a:rPr>
+              <a:t>'data.json'</a:t>
+            </a:r>
+            <a:r>
+              <a:rPr lang="en-US" sz="1100">
+                <a:solidFill>
+                  <a:schemeClr val="accent1"/>
+                </a:solidFill>
                 <a:latin typeface="Consolas" panose="020B0609020204030204" pitchFamily="49" charset="0"/>
               </a:rPr>
               <a:t>)</a:t>
@@ -15082,7 +15025,74 @@
           <a:p>
             <a:r>
               <a:rPr lang="en-US"/>
-              <a:t>Information</a:t>
+              <a:t>Write files</a:t>
+            </a:r>
+            <a:endParaRPr lang="en-US">
+              <a:latin typeface="Consolas" panose="020B0609020204030204" pitchFamily="49" charset="0"/>
+            </a:endParaRPr>
+          </a:p>
+          <a:p>
+            <a:r>
+              <a:rPr lang="en-US" sz="1100">
+                <a:latin typeface="Consolas" panose="020B0609020204030204" pitchFamily="49" charset="0"/>
+              </a:rPr>
+              <a:t>df</a:t>
+            </a:r>
+            <a:r>
+              <a:rPr lang="en-US" sz="1100">
+                <a:solidFill>
+                  <a:schemeClr val="accent1"/>
+                </a:solidFill>
+                <a:latin typeface="Consolas" panose="020B0609020204030204" pitchFamily="49" charset="0"/>
+              </a:rPr>
+              <a:t>.to_csv(</a:t>
+            </a:r>
+            <a:r>
+              <a:rPr lang="en-US" sz="1100">
+                <a:latin typeface="Consolas" panose="020B0609020204030204" pitchFamily="49" charset="0"/>
+              </a:rPr>
+              <a:t>'data.csv'</a:t>
+            </a:r>
+            <a:r>
+              <a:rPr lang="en-US" sz="1100">
+                <a:solidFill>
+                  <a:schemeClr val="accent1"/>
+                </a:solidFill>
+                <a:latin typeface="Consolas" panose="020B0609020204030204" pitchFamily="49" charset="0"/>
+              </a:rPr>
+              <a:t>)</a:t>
+            </a:r>
+          </a:p>
+          <a:p>
+            <a:r>
+              <a:rPr lang="en-US" sz="1100">
+                <a:latin typeface="Consolas" panose="020B0609020204030204" pitchFamily="49" charset="0"/>
+              </a:rPr>
+              <a:t>df</a:t>
+            </a:r>
+            <a:r>
+              <a:rPr lang="en-US" sz="1100">
+                <a:solidFill>
+                  <a:schemeClr val="accent1"/>
+                </a:solidFill>
+                <a:latin typeface="Consolas" panose="020B0609020204030204" pitchFamily="49" charset="0"/>
+              </a:rPr>
+              <a:t>.to_excel(</a:t>
+            </a:r>
+            <a:r>
+              <a:rPr lang="en-US" sz="1100">
+                <a:latin typeface="Consolas" panose="020B0609020204030204" pitchFamily="49" charset="0"/>
+              </a:rPr>
+              <a:t>'data.xlsx'</a:t>
+            </a:r>
+            <a:r>
+              <a:rPr lang="en-US" sz="1100">
+                <a:solidFill>
+                  <a:schemeClr val="accent1"/>
+                </a:solidFill>
+                <a:latin typeface="Consolas" panose="020B0609020204030204" pitchFamily="49" charset="0"/>
+              </a:rPr>
+              <a:t>)</a:t>
             </a:r>
             <a:endParaRPr lang="en-US" sz="1100">
               <a:latin typeface="Consolas" panose="020B0609020204030204" pitchFamily="49" charset="0"/>
@@ -15093,7 +15103,7 @@
               <a:rPr lang="en-US" sz="1100">
                 <a:latin typeface="Consolas" panose="020B0609020204030204" pitchFamily="49" charset="0"/>
               </a:rPr>
-              <a:t>print(df</a:t>
+              <a:t>df</a:t>
             </a:r>
             <a:r>
               <a:rPr lang="en-US" sz="1100">
@@ -15102,21 +15112,13 @@
                 </a:solidFill>
                 <a:latin typeface="Consolas" panose="020B0609020204030204" pitchFamily="49" charset="0"/>
               </a:rPr>
-              <a:t>.info()</a:t>
-            </a:r>
-            <a:r>
-              <a:rPr lang="en-US" sz="1100">
-                <a:latin typeface="Consolas" panose="020B0609020204030204" pitchFamily="49" charset="0"/>
-              </a:rPr>
-              <a:t>)</a:t>
-            </a:r>
-          </a:p>
-          <a:p>
-            <a:r>
-              <a:rPr lang="en-US" sz="1100">
-                <a:latin typeface="Consolas" panose="020B0609020204030204" pitchFamily="49" charset="0"/>
-              </a:rPr>
-              <a:t>print(df</a:t>
+              <a:t>.to_json(</a:t>
+            </a:r>
+            <a:r>
+              <a:rPr lang="en-US" sz="1100">
+                <a:latin typeface="Consolas" panose="020B0609020204030204" pitchFamily="49" charset="0"/>
+              </a:rPr>
+              <a:t>'data.json'</a:t>
             </a:r>
             <a:r>
               <a:rPr lang="en-US" sz="1100">
@@ -15125,14 +15127,16 @@
                 </a:solidFill>
                 <a:latin typeface="Consolas" panose="020B0609020204030204" pitchFamily="49" charset="0"/>
               </a:rPr>
-              <a:t>.describe()</a:t>
-            </a:r>
-            <a:r>
-              <a:rPr lang="en-US" sz="1100">
-                <a:latin typeface="Consolas" panose="020B0609020204030204" pitchFamily="49" charset="0"/>
-              </a:rPr>
               <a:t>)</a:t>
             </a:r>
+            <a:endParaRPr lang="en-US" sz="1100">
+              <a:latin typeface="Consolas" panose="020B0609020204030204" pitchFamily="49" charset="0"/>
+            </a:endParaRPr>
+          </a:p>
+          <a:p>
+            <a:endParaRPr lang="en-US" sz="1100">
+              <a:latin typeface="Consolas" panose="020B0609020204030204" pitchFamily="49" charset="0"/>
+            </a:endParaRPr>
           </a:p>
         </p:txBody>
       </p:sp>
@@ -15177,7 +15181,7 @@
     </p:spTree>
     <p:extLst>
       <p:ext uri="{BB962C8B-B14F-4D97-AF65-F5344CB8AC3E}">
-        <p14:creationId xmlns:p14="http://schemas.microsoft.com/office/powerpoint/2010/main" val="259866504"/>
+        <p14:creationId xmlns:p14="http://schemas.microsoft.com/office/powerpoint/2010/main" val="3039061786"/>
       </p:ext>
     </p:extLst>
   </p:cSld>
@@ -15227,7 +15231,7 @@
           <a:p>
             <a:r>
               <a:rPr lang="en-US"/>
-              <a:t>Sort and Filter</a:t>
+              <a:t>Analyze</a:t>
             </a:r>
             <a:endParaRPr lang="fa-IR"/>
           </a:p>
@@ -15263,30 +15267,19 @@
               <a:rPr lang="en-US" sz="1100">
                 <a:latin typeface="Consolas" panose="020B0609020204030204" pitchFamily="49" charset="0"/>
               </a:rPr>
-              <a:t>data = {'calories': [420, 380, 390], 'duration': [50, 40, -45]}</a:t>
-            </a:r>
-          </a:p>
-          <a:p>
-            <a:r>
-              <a:rPr lang="en-US" sz="1100">
-                <a:latin typeface="Consolas" panose="020B0609020204030204" pitchFamily="49" charset="0"/>
-              </a:rPr>
-              <a:t>df = pd.DataFrame(data, index = ['day2', 'day3', 'day1'])</a:t>
-            </a:r>
+              <a:t>df = pd.DataFrame({'calories': [420, 380, 390], 'duration': [50, 50, 45]})</a:t>
+            </a:r>
+          </a:p>
+          <a:p>
+            <a:endParaRPr lang="en-US" sz="1100"/>
           </a:p>
           <a:p>
             <a:pPr marL="76200" indent="0" algn="just">
               <a:buNone/>
             </a:pPr>
-            <a:endParaRPr lang="en-US"/>
-          </a:p>
-          <a:p>
-            <a:pPr marL="76200" indent="0" algn="just">
-              <a:buNone/>
-            </a:pPr>
             <a:r>
               <a:rPr lang="en-US"/>
-              <a:t>Sort</a:t>
+              <a:t>View</a:t>
             </a:r>
           </a:p>
           <a:p>
@@ -15306,7 +15299,7 @@
                 </a:solidFill>
                 <a:latin typeface="Consolas" panose="020B0609020204030204" pitchFamily="49" charset="0"/>
               </a:rPr>
-              <a:t>.sort_index()</a:t>
+              <a:t>.head()</a:t>
             </a:r>
             <a:r>
               <a:rPr lang="en-US" sz="1100">
@@ -15316,9 +15309,6 @@
             </a:r>
           </a:p>
           <a:p>
-            <a:pPr marL="76200" indent="0" algn="just">
-              <a:buNone/>
-            </a:pPr>
             <a:r>
               <a:rPr lang="en-US" sz="1100">
                 <a:latin typeface="Consolas" panose="020B0609020204030204" pitchFamily="49" charset="0"/>
@@ -15332,13 +15322,21 @@
                 </a:solidFill>
                 <a:latin typeface="Consolas" panose="020B0609020204030204" pitchFamily="49" charset="0"/>
               </a:rPr>
-              <a:t>.sort_values(by </a:t>
-            </a:r>
-            <a:r>
-              <a:rPr lang="en-US" sz="1100">
-                <a:latin typeface="Consolas" panose="020B0609020204030204" pitchFamily="49" charset="0"/>
-              </a:rPr>
-              <a:t>= 'calories'</a:t>
+              <a:t>.tail()</a:t>
+            </a:r>
+            <a:r>
+              <a:rPr lang="en-US" sz="1100">
+                <a:latin typeface="Consolas" panose="020B0609020204030204" pitchFamily="49" charset="0"/>
+              </a:rPr>
+              <a:t>)</a:t>
+            </a:r>
+          </a:p>
+          <a:p>
+            <a:r>
+              <a:rPr lang="en-US" sz="1100">
+                <a:latin typeface="Consolas" panose="020B0609020204030204" pitchFamily="49" charset="0"/>
+              </a:rPr>
+              <a:t>print(df</a:t>
             </a:r>
             <a:r>
               <a:rPr lang="en-US" sz="1100">
@@ -15347,8 +15345,31 @@
                 </a:solidFill>
                 <a:latin typeface="Consolas" panose="020B0609020204030204" pitchFamily="49" charset="0"/>
               </a:rPr>
+              <a:t>.index</a:t>
+            </a:r>
+            <a:r>
+              <a:rPr lang="en-US" sz="1100">
+                <a:latin typeface="Consolas" panose="020B0609020204030204" pitchFamily="49" charset="0"/>
+              </a:rPr>
               <a:t>)</a:t>
             </a:r>
+          </a:p>
+          <a:p>
+            <a:r>
+              <a:rPr lang="en-US" sz="1100">
+                <a:latin typeface="Consolas" panose="020B0609020204030204" pitchFamily="49" charset="0"/>
+              </a:rPr>
+              <a:t>print(df</a:t>
+            </a:r>
+            <a:r>
+              <a:rPr lang="en-US" sz="1100">
+                <a:solidFill>
+                  <a:schemeClr val="accent1"/>
+                </a:solidFill>
+                <a:latin typeface="Consolas" panose="020B0609020204030204" pitchFamily="49" charset="0"/>
+              </a:rPr>
+              <a:t>.columns</a:t>
+            </a:r>
             <a:r>
               <a:rPr lang="en-US" sz="1100">
                 <a:latin typeface="Consolas" panose="020B0609020204030204" pitchFamily="49" charset="0"/>
@@ -15357,42 +15378,86 @@
             </a:r>
           </a:p>
           <a:p>
-            <a:pPr marL="76200" indent="0" algn="just">
-              <a:buNone/>
-            </a:pPr>
+            <a:r>
+              <a:rPr lang="en-US" sz="1100">
+                <a:latin typeface="Consolas" panose="020B0609020204030204" pitchFamily="49" charset="0"/>
+              </a:rPr>
+              <a:t>print(df['duration']</a:t>
+            </a:r>
+            <a:r>
+              <a:rPr lang="en-US" sz="1100">
+                <a:solidFill>
+                  <a:schemeClr val="accent1"/>
+                </a:solidFill>
+                <a:latin typeface="Consolas" panose="020B0609020204030204" pitchFamily="49" charset="0"/>
+              </a:rPr>
+              <a:t>.value_counts()</a:t>
+            </a:r>
+            <a:r>
+              <a:rPr lang="en-US" sz="1100">
+                <a:latin typeface="Consolas" panose="020B0609020204030204" pitchFamily="49" charset="0"/>
+              </a:rPr>
+              <a:t>)</a:t>
+            </a:r>
+          </a:p>
+          <a:p>
             <a:endParaRPr lang="en-US" sz="1100">
               <a:latin typeface="Consolas" panose="020B0609020204030204" pitchFamily="49" charset="0"/>
             </a:endParaRPr>
           </a:p>
           <a:p>
-            <a:pPr marL="76200" indent="0" algn="just">
-              <a:buNone/>
-            </a:pPr>
             <a:r>
               <a:rPr lang="en-US"/>
-              <a:t>Filter</a:t>
-            </a:r>
-          </a:p>
-          <a:p>
-            <a:pPr marL="76200" indent="0" algn="just">
-              <a:buNone/>
-            </a:pPr>
-            <a:r>
-              <a:rPr lang="en-US" sz="1100">
-                <a:latin typeface="Consolas" panose="020B0609020204030204" pitchFamily="49" charset="0"/>
-              </a:rPr>
-              <a:t>df[df['duration'] &gt; 0]</a:t>
-            </a:r>
-          </a:p>
-          <a:p>
-            <a:pPr marL="76200" indent="0" algn="just">
-              <a:buNone/>
-            </a:pPr>
-            <a:r>
-              <a:rPr lang="en-US" sz="1100">
-                <a:latin typeface="Consolas" panose="020B0609020204030204" pitchFamily="49" charset="0"/>
-              </a:rPr>
-              <a:t>df[df &lt; 0] = -df</a:t>
+              <a:t>Information</a:t>
+            </a:r>
+            <a:endParaRPr lang="en-US" sz="1100">
+              <a:latin typeface="Consolas" panose="020B0609020204030204" pitchFamily="49" charset="0"/>
+            </a:endParaRPr>
+          </a:p>
+          <a:p>
+            <a:r>
+              <a:rPr lang="en-US" sz="1100">
+                <a:latin typeface="Consolas" panose="020B0609020204030204" pitchFamily="49" charset="0"/>
+              </a:rPr>
+              <a:t>print(df</a:t>
+            </a:r>
+            <a:r>
+              <a:rPr lang="en-US" sz="1100">
+                <a:solidFill>
+                  <a:schemeClr val="accent1"/>
+                </a:solidFill>
+                <a:latin typeface="Consolas" panose="020B0609020204030204" pitchFamily="49" charset="0"/>
+              </a:rPr>
+              <a:t>.info()</a:t>
+            </a:r>
+            <a:r>
+              <a:rPr lang="en-US" sz="1100">
+                <a:latin typeface="Consolas" panose="020B0609020204030204" pitchFamily="49" charset="0"/>
+              </a:rPr>
+              <a:t>)</a:t>
+            </a:r>
+          </a:p>
+          <a:p>
+            <a:r>
+              <a:rPr lang="en-US" sz="1100">
+                <a:latin typeface="Consolas" panose="020B0609020204030204" pitchFamily="49" charset="0"/>
+              </a:rPr>
+              <a:t>print(df</a:t>
+            </a:r>
+            <a:r>
+              <a:rPr lang="en-US" sz="1100">
+                <a:solidFill>
+                  <a:schemeClr val="accent1"/>
+                </a:solidFill>
+                <a:latin typeface="Consolas" panose="020B0609020204030204" pitchFamily="49" charset="0"/>
+              </a:rPr>
+              <a:t>.describe()</a:t>
+            </a:r>
+            <a:r>
+              <a:rPr lang="en-US" sz="1100">
+                <a:latin typeface="Consolas" panose="020B0609020204030204" pitchFamily="49" charset="0"/>
+              </a:rPr>
+              <a:t>)</a:t>
             </a:r>
           </a:p>
         </p:txBody>
@@ -15438,7 +15503,7 @@
     </p:spTree>
     <p:extLst>
       <p:ext uri="{BB962C8B-B14F-4D97-AF65-F5344CB8AC3E}">
-        <p14:creationId xmlns:p14="http://schemas.microsoft.com/office/powerpoint/2010/main" val="1285548710"/>
+        <p14:creationId xmlns:p14="http://schemas.microsoft.com/office/powerpoint/2010/main" val="259866504"/>
       </p:ext>
     </p:extLst>
   </p:cSld>
@@ -15488,7 +15553,7 @@
           <a:p>
             <a:r>
               <a:rPr lang="en-US"/>
-              <a:t>Operations</a:t>
+              <a:t>Sort and Filter</a:t>
             </a:r>
             <a:endParaRPr lang="fa-IR"/>
           </a:p>
@@ -15524,19 +15589,30 @@
               <a:rPr lang="en-US" sz="1100">
                 <a:latin typeface="Consolas" panose="020B0609020204030204" pitchFamily="49" charset="0"/>
               </a:rPr>
-              <a:t>df = pd.DataFrame({'calories': [420, 380, 390], 'duration': [50, 40, 45]})</a:t>
-            </a:r>
-          </a:p>
-          <a:p>
-            <a:endParaRPr lang="en-US" sz="1100"/>
+              <a:t>data = {'calories': [420, 380, 390], 'duration': [50, 40, -45]}</a:t>
+            </a:r>
+          </a:p>
+          <a:p>
+            <a:r>
+              <a:rPr lang="en-US" sz="1100">
+                <a:latin typeface="Consolas" panose="020B0609020204030204" pitchFamily="49" charset="0"/>
+              </a:rPr>
+              <a:t>df = pd.DataFrame(data, index = ['day2', 'day3', 'day1'])</a:t>
+            </a:r>
           </a:p>
           <a:p>
             <a:pPr marL="76200" indent="0" algn="just">
               <a:buNone/>
             </a:pPr>
+            <a:endParaRPr lang="en-US"/>
+          </a:p>
+          <a:p>
+            <a:pPr marL="76200" indent="0" algn="just">
+              <a:buNone/>
+            </a:pPr>
             <a:r>
               <a:rPr lang="en-US"/>
-              <a:t>Stats</a:t>
+              <a:t>Sort</a:t>
             </a:r>
           </a:p>
           <a:p>
@@ -15556,7 +15632,7 @@
                 </a:solidFill>
                 <a:latin typeface="Consolas" panose="020B0609020204030204" pitchFamily="49" charset="0"/>
               </a:rPr>
-              <a:t>.sum()</a:t>
+              <a:t>.sort_index()</a:t>
             </a:r>
             <a:r>
               <a:rPr lang="en-US" sz="1100">
@@ -15566,11 +15642,14 @@
             </a:r>
           </a:p>
           <a:p>
-            <a:r>
-              <a:rPr lang="en-US" sz="1100">
-                <a:latin typeface="Consolas" panose="020B0609020204030204" pitchFamily="49" charset="0"/>
-              </a:rPr>
-              <a:t>print(df.sum(</a:t>
+            <a:pPr marL="76200" indent="0" algn="just">
+              <a:buNone/>
+            </a:pPr>
+            <a:r>
+              <a:rPr lang="en-US" sz="1100">
+                <a:latin typeface="Consolas" panose="020B0609020204030204" pitchFamily="49" charset="0"/>
+              </a:rPr>
+              <a:t>print(df</a:t>
             </a:r>
             <a:r>
               <a:rPr lang="en-US" sz="1100">
@@ -15579,24 +15658,13 @@
                 </a:solidFill>
                 <a:latin typeface="Consolas" panose="020B0609020204030204" pitchFamily="49" charset="0"/>
               </a:rPr>
-              <a:t>axis</a:t>
-            </a:r>
-            <a:r>
-              <a:rPr lang="en-US" sz="1100">
-                <a:latin typeface="Consolas" panose="020B0609020204030204" pitchFamily="49" charset="0"/>
-              </a:rPr>
-              <a:t> = 1))</a:t>
-            </a:r>
-          </a:p>
-          <a:p>
-            <a:pPr marL="76200" indent="0" algn="just">
-              <a:buNone/>
-            </a:pPr>
-            <a:r>
-              <a:rPr lang="en-US" sz="1100">
-                <a:latin typeface="Consolas" panose="020B0609020204030204" pitchFamily="49" charset="0"/>
-              </a:rPr>
-              <a:t>print(df</a:t>
+              <a:t>.sort_values(by </a:t>
+            </a:r>
+            <a:r>
+              <a:rPr lang="en-US" sz="1100">
+                <a:latin typeface="Consolas" panose="020B0609020204030204" pitchFamily="49" charset="0"/>
+              </a:rPr>
+              <a:t>= 'calories'</a:t>
             </a:r>
             <a:r>
               <a:rPr lang="en-US" sz="1100">
@@ -15605,32 +15673,13 @@
                 </a:solidFill>
                 <a:latin typeface="Consolas" panose="020B0609020204030204" pitchFamily="49" charset="0"/>
               </a:rPr>
-              <a:t>.mean()</a:t>
-            </a:r>
-            <a:r>
-              <a:rPr lang="en-US" sz="1100">
-                <a:latin typeface="Consolas" panose="020B0609020204030204" pitchFamily="49" charset="0"/>
-              </a:rPr>
               <a:t>)</a:t>
             </a:r>
-          </a:p>
-          <a:p>
-            <a:pPr marL="76200" indent="0" algn="just">
-              <a:buNone/>
-            </a:pPr>
-            <a:r>
-              <a:rPr lang="en-US" sz="1100">
-                <a:latin typeface="Consolas" panose="020B0609020204030204" pitchFamily="49" charset="0"/>
-              </a:rPr>
-              <a:t>print(df.max())</a:t>
-            </a:r>
-          </a:p>
-          <a:p>
-            <a:r>
-              <a:rPr lang="en-US" sz="1100">
-                <a:latin typeface="Consolas" panose="020B0609020204030204" pitchFamily="49" charset="0"/>
-              </a:rPr>
-              <a:t>print(df.min())</a:t>
+            <a:r>
+              <a:rPr lang="en-US" sz="1100">
+                <a:latin typeface="Consolas" panose="020B0609020204030204" pitchFamily="49" charset="0"/>
+              </a:rPr>
+              <a:t>)</a:t>
             </a:r>
           </a:p>
           <a:p>
@@ -15647,45 +15696,7 @@
             </a:pPr>
             <a:r>
               <a:rPr lang="en-US"/>
-              <a:t>Apply</a:t>
-            </a:r>
-          </a:p>
-          <a:p>
-            <a:r>
-              <a:rPr lang="en-US" sz="1100">
-                <a:latin typeface="Consolas" panose="020B0609020204030204" pitchFamily="49" charset="0"/>
-              </a:rPr>
-              <a:t>print(df</a:t>
-            </a:r>
-            <a:r>
-              <a:rPr lang="en-US" sz="1100">
-                <a:solidFill>
-                  <a:schemeClr val="accent1"/>
-                </a:solidFill>
-                <a:latin typeface="Consolas" panose="020B0609020204030204" pitchFamily="49" charset="0"/>
-              </a:rPr>
-              <a:t>.apply(</a:t>
-            </a:r>
-            <a:r>
-              <a:rPr lang="en-US" sz="1100">
-                <a:latin typeface="Consolas" panose="020B0609020204030204" pitchFamily="49" charset="0"/>
-              </a:rPr>
-              <a:t>np.cumsum</a:t>
-            </a:r>
-            <a:r>
-              <a:rPr lang="en-US" sz="1100">
-                <a:solidFill>
-                  <a:schemeClr val="accent1"/>
-                </a:solidFill>
-                <a:latin typeface="Consolas" panose="020B0609020204030204" pitchFamily="49" charset="0"/>
-              </a:rPr>
-              <a:t>)</a:t>
-            </a:r>
-            <a:r>
-              <a:rPr lang="en-US" sz="1100">
-                <a:latin typeface="Consolas" panose="020B0609020204030204" pitchFamily="49" charset="0"/>
-              </a:rPr>
-              <a:t>)</a:t>
+              <a:t>Filter</a:t>
             </a:r>
           </a:p>
           <a:p>
@@ -15696,7 +15707,7 @@
               <a:rPr lang="en-US" sz="1100">
                 <a:latin typeface="Consolas" panose="020B0609020204030204" pitchFamily="49" charset="0"/>
               </a:rPr>
-              <a:t>print(df.apply(lambda x: x.max() - x.min(), axis = 1))</a:t>
+              <a:t>df[df['duration'] &gt; 0]</a:t>
             </a:r>
           </a:p>
           <a:p>
@@ -15707,7 +15718,7 @@
               <a:rPr lang="en-US" sz="1100">
                 <a:latin typeface="Consolas" panose="020B0609020204030204" pitchFamily="49" charset="0"/>
               </a:rPr>
-              <a:t>print(df['calories'].apply(lambda x: x * 2))</a:t>
+              <a:t>df[df &lt; 0] = -df</a:t>
             </a:r>
           </a:p>
         </p:txBody>
@@ -15753,7 +15764,7 @@
     </p:spTree>
     <p:extLst>
       <p:ext uri="{BB962C8B-B14F-4D97-AF65-F5344CB8AC3E}">
-        <p14:creationId xmlns:p14="http://schemas.microsoft.com/office/powerpoint/2010/main" val="398562938"/>
+        <p14:creationId xmlns:p14="http://schemas.microsoft.com/office/powerpoint/2010/main" val="1285548710"/>
       </p:ext>
     </p:extLst>
   </p:cSld>
@@ -15803,6 +15814,321 @@
           <a:p>
             <a:r>
               <a:rPr lang="en-US"/>
+              <a:t>Operations</a:t>
+            </a:r>
+            <a:endParaRPr lang="fa-IR"/>
+          </a:p>
+        </p:txBody>
+      </p:sp>
+      <p:sp>
+        <p:nvSpPr>
+          <p:cNvPr id="3" name="Text Placeholder 2">
+            <a:extLst>
+              <a:ext uri="{FF2B5EF4-FFF2-40B4-BE49-F238E27FC236}">
+                <a16:creationId xmlns:a16="http://schemas.microsoft.com/office/drawing/2014/main" id="{58BE3078-8B89-4550-B497-93E4DADBD57E}"/>
+              </a:ext>
+            </a:extLst>
+          </p:cNvPr>
+          <p:cNvSpPr>
+            <a:spLocks noGrp="1"/>
+          </p:cNvSpPr>
+          <p:nvPr>
+            <p:ph type="body" idx="1"/>
+          </p:nvPr>
+        </p:nvSpPr>
+        <p:spPr>
+          <a:xfrm>
+            <a:off x="786150" y="1142608"/>
+            <a:ext cx="7571700" cy="3626431"/>
+          </a:xfrm>
+        </p:spPr>
+        <p:txBody>
+          <a:bodyPr/>
+          <a:lstStyle/>
+          <a:p>
+            <a:r>
+              <a:rPr lang="en-US" sz="1100">
+                <a:latin typeface="Consolas" panose="020B0609020204030204" pitchFamily="49" charset="0"/>
+              </a:rPr>
+              <a:t>df = pd.DataFrame({'calories': [420, 380, 390], 'duration': [50, 40, 45]})</a:t>
+            </a:r>
+          </a:p>
+          <a:p>
+            <a:endParaRPr lang="en-US" sz="1100"/>
+          </a:p>
+          <a:p>
+            <a:pPr marL="76200" indent="0" algn="just">
+              <a:buNone/>
+            </a:pPr>
+            <a:r>
+              <a:rPr lang="en-US"/>
+              <a:t>Stats</a:t>
+            </a:r>
+          </a:p>
+          <a:p>
+            <a:pPr marL="76200" indent="0" algn="just">
+              <a:buNone/>
+            </a:pPr>
+            <a:r>
+              <a:rPr lang="en-US" sz="1100">
+                <a:latin typeface="Consolas" panose="020B0609020204030204" pitchFamily="49" charset="0"/>
+              </a:rPr>
+              <a:t>print(df</a:t>
+            </a:r>
+            <a:r>
+              <a:rPr lang="en-US" sz="1100">
+                <a:solidFill>
+                  <a:schemeClr val="accent1"/>
+                </a:solidFill>
+                <a:latin typeface="Consolas" panose="020B0609020204030204" pitchFamily="49" charset="0"/>
+              </a:rPr>
+              <a:t>.sum()</a:t>
+            </a:r>
+            <a:r>
+              <a:rPr lang="en-US" sz="1100">
+                <a:latin typeface="Consolas" panose="020B0609020204030204" pitchFamily="49" charset="0"/>
+              </a:rPr>
+              <a:t>)</a:t>
+            </a:r>
+          </a:p>
+          <a:p>
+            <a:r>
+              <a:rPr lang="en-US" sz="1100">
+                <a:latin typeface="Consolas" panose="020B0609020204030204" pitchFamily="49" charset="0"/>
+              </a:rPr>
+              <a:t>print(df.sum(</a:t>
+            </a:r>
+            <a:r>
+              <a:rPr lang="en-US" sz="1100">
+                <a:solidFill>
+                  <a:schemeClr val="accent1"/>
+                </a:solidFill>
+                <a:latin typeface="Consolas" panose="020B0609020204030204" pitchFamily="49" charset="0"/>
+              </a:rPr>
+              <a:t>axis</a:t>
+            </a:r>
+            <a:r>
+              <a:rPr lang="en-US" sz="1100">
+                <a:latin typeface="Consolas" panose="020B0609020204030204" pitchFamily="49" charset="0"/>
+              </a:rPr>
+              <a:t> = 1))</a:t>
+            </a:r>
+          </a:p>
+          <a:p>
+            <a:pPr marL="76200" indent="0" algn="just">
+              <a:buNone/>
+            </a:pPr>
+            <a:r>
+              <a:rPr lang="en-US" sz="1100">
+                <a:latin typeface="Consolas" panose="020B0609020204030204" pitchFamily="49" charset="0"/>
+              </a:rPr>
+              <a:t>print(df</a:t>
+            </a:r>
+            <a:r>
+              <a:rPr lang="en-US" sz="1100">
+                <a:solidFill>
+                  <a:schemeClr val="accent1"/>
+                </a:solidFill>
+                <a:latin typeface="Consolas" panose="020B0609020204030204" pitchFamily="49" charset="0"/>
+              </a:rPr>
+              <a:t>.mean()</a:t>
+            </a:r>
+            <a:r>
+              <a:rPr lang="en-US" sz="1100">
+                <a:latin typeface="Consolas" panose="020B0609020204030204" pitchFamily="49" charset="0"/>
+              </a:rPr>
+              <a:t>)</a:t>
+            </a:r>
+          </a:p>
+          <a:p>
+            <a:pPr marL="76200" indent="0" algn="just">
+              <a:buNone/>
+            </a:pPr>
+            <a:r>
+              <a:rPr lang="en-US" sz="1100">
+                <a:latin typeface="Consolas" panose="020B0609020204030204" pitchFamily="49" charset="0"/>
+              </a:rPr>
+              <a:t>print(df.max())</a:t>
+            </a:r>
+          </a:p>
+          <a:p>
+            <a:r>
+              <a:rPr lang="en-US" sz="1100">
+                <a:latin typeface="Consolas" panose="020B0609020204030204" pitchFamily="49" charset="0"/>
+              </a:rPr>
+              <a:t>print(df.min())</a:t>
+            </a:r>
+          </a:p>
+          <a:p>
+            <a:pPr marL="76200" indent="0" algn="just">
+              <a:buNone/>
+            </a:pPr>
+            <a:endParaRPr lang="en-US" sz="1100">
+              <a:latin typeface="Consolas" panose="020B0609020204030204" pitchFamily="49" charset="0"/>
+            </a:endParaRPr>
+          </a:p>
+          <a:p>
+            <a:pPr marL="76200" indent="0" algn="just">
+              <a:buNone/>
+            </a:pPr>
+            <a:r>
+              <a:rPr lang="en-US"/>
+              <a:t>Apply</a:t>
+            </a:r>
+          </a:p>
+          <a:p>
+            <a:r>
+              <a:rPr lang="en-US" sz="1100">
+                <a:latin typeface="Consolas" panose="020B0609020204030204" pitchFamily="49" charset="0"/>
+              </a:rPr>
+              <a:t>print(df</a:t>
+            </a:r>
+            <a:r>
+              <a:rPr lang="en-US" sz="1100">
+                <a:solidFill>
+                  <a:schemeClr val="accent1"/>
+                </a:solidFill>
+                <a:latin typeface="Consolas" panose="020B0609020204030204" pitchFamily="49" charset="0"/>
+              </a:rPr>
+              <a:t>.apply(</a:t>
+            </a:r>
+            <a:r>
+              <a:rPr lang="en-US" sz="1100">
+                <a:latin typeface="Consolas" panose="020B0609020204030204" pitchFamily="49" charset="0"/>
+              </a:rPr>
+              <a:t>np.cumsum</a:t>
+            </a:r>
+            <a:r>
+              <a:rPr lang="en-US" sz="1100">
+                <a:solidFill>
+                  <a:schemeClr val="accent1"/>
+                </a:solidFill>
+                <a:latin typeface="Consolas" panose="020B0609020204030204" pitchFamily="49" charset="0"/>
+              </a:rPr>
+              <a:t>)</a:t>
+            </a:r>
+            <a:r>
+              <a:rPr lang="en-US" sz="1100">
+                <a:latin typeface="Consolas" panose="020B0609020204030204" pitchFamily="49" charset="0"/>
+              </a:rPr>
+              <a:t>)</a:t>
+            </a:r>
+          </a:p>
+          <a:p>
+            <a:pPr marL="76200" indent="0" algn="just">
+              <a:buNone/>
+            </a:pPr>
+            <a:r>
+              <a:rPr lang="en-US" sz="1100">
+                <a:latin typeface="Consolas" panose="020B0609020204030204" pitchFamily="49" charset="0"/>
+              </a:rPr>
+              <a:t>print(df.apply(lambda x: x.max() - x.min(), axis = 1))</a:t>
+            </a:r>
+          </a:p>
+          <a:p>
+            <a:pPr marL="76200" indent="0" algn="just">
+              <a:buNone/>
+            </a:pPr>
+            <a:r>
+              <a:rPr lang="en-US" sz="1100">
+                <a:latin typeface="Consolas" panose="020B0609020204030204" pitchFamily="49" charset="0"/>
+              </a:rPr>
+              <a:t>print(df['calories'].apply(lambda x: x * 2))</a:t>
+            </a:r>
+          </a:p>
+        </p:txBody>
+      </p:sp>
+      <p:sp>
+        <p:nvSpPr>
+          <p:cNvPr id="4" name="Slide Number Placeholder 3">
+            <a:extLst>
+              <a:ext uri="{FF2B5EF4-FFF2-40B4-BE49-F238E27FC236}">
+                <a16:creationId xmlns:a16="http://schemas.microsoft.com/office/drawing/2014/main" id="{64987AE6-EC0E-43DD-9376-95A5602EE5E1}"/>
+              </a:ext>
+            </a:extLst>
+          </p:cNvPr>
+          <p:cNvSpPr>
+            <a:spLocks noGrp="1"/>
+          </p:cNvSpPr>
+          <p:nvPr>
+            <p:ph type="sldNum" idx="12"/>
+          </p:nvPr>
+        </p:nvSpPr>
+        <p:spPr/>
+        <p:txBody>
+          <a:bodyPr/>
+          <a:lstStyle/>
+          <a:p>
+            <a:pPr marL="0" lvl="0" indent="0" algn="r" rtl="0">
+              <a:spcBef>
+                <a:spcPts val="0"/>
+              </a:spcBef>
+              <a:spcAft>
+                <a:spcPts val="0"/>
+              </a:spcAft>
+              <a:buNone/>
+            </a:pPr>
+            <a:fld id="{00000000-1234-1234-1234-123412341234}" type="slidenum">
+              <a:rPr lang="en" smtClean="0"/>
+              <a:t>24</a:t>
+            </a:fld>
+            <a:endParaRPr lang="en"/>
+          </a:p>
+        </p:txBody>
+      </p:sp>
+    </p:spTree>
+    <p:extLst>
+      <p:ext uri="{BB962C8B-B14F-4D97-AF65-F5344CB8AC3E}">
+        <p14:creationId xmlns:p14="http://schemas.microsoft.com/office/powerpoint/2010/main" val="398562938"/>
+      </p:ext>
+    </p:extLst>
+  </p:cSld>
+  <p:clrMapOvr>
+    <a:masterClrMapping/>
+  </p:clrMapOvr>
+</p:sld>
+</file>
+
+<file path=ppt/slides/slide25.xml><?xml version="1.0" encoding="utf-8"?>
+<p:sld xmlns:a="http://schemas.openxmlformats.org/drawingml/2006/main" xmlns:r="http://schemas.openxmlformats.org/officeDocument/2006/relationships" xmlns:p="http://schemas.openxmlformats.org/presentationml/2006/main">
+  <p:cSld>
+    <p:spTree>
+      <p:nvGrpSpPr>
+        <p:cNvPr id="1" name=""/>
+        <p:cNvGrpSpPr/>
+        <p:nvPr/>
+      </p:nvGrpSpPr>
+      <p:grpSpPr>
+        <a:xfrm>
+          <a:off x="0" y="0"/>
+          <a:ext cx="0" cy="0"/>
+          <a:chOff x="0" y="0"/>
+          <a:chExt cx="0" cy="0"/>
+        </a:xfrm>
+      </p:grpSpPr>
+      <p:sp>
+        <p:nvSpPr>
+          <p:cNvPr id="2" name="Title 1">
+            <a:extLst>
+              <a:ext uri="{FF2B5EF4-FFF2-40B4-BE49-F238E27FC236}">
+                <a16:creationId xmlns:a16="http://schemas.microsoft.com/office/drawing/2014/main" id="{024AD384-5AD1-4435-A943-1241B2FACD62}"/>
+              </a:ext>
+            </a:extLst>
+          </p:cNvPr>
+          <p:cNvSpPr>
+            <a:spLocks noGrp="1"/>
+          </p:cNvSpPr>
+          <p:nvPr>
+            <p:ph type="title"/>
+          </p:nvPr>
+        </p:nvSpPr>
+        <p:spPr/>
+        <p:txBody>
+          <a:bodyPr/>
+          <a:lstStyle/>
+          <a:p>
+            <a:r>
+              <a:rPr lang="en-US"/>
               <a:t>Data Cleaning</a:t>
             </a:r>
             <a:endParaRPr lang="fa-IR"/>
@@ -15987,7 +16313,7 @@
             </a:pPr>
             <a:fld id="{00000000-1234-1234-1234-123412341234}" type="slidenum">
               <a:rPr lang="en" smtClean="0"/>
-              <a:t>24</a:t>
+              <a:t>25</a:t>
             </a:fld>
             <a:endParaRPr lang="en"/>
           </a:p>
@@ -16035,7 +16361,7 @@
 </p:sld>
 </file>
 
-<file path=ppt/slides/slide25.xml><?xml version="1.0" encoding="utf-8"?>
+<file path=ppt/slides/slide26.xml><?xml version="1.0" encoding="utf-8"?>
 <p:sld xmlns:a="http://schemas.openxmlformats.org/drawingml/2006/main" xmlns:r="http://schemas.openxmlformats.org/officeDocument/2006/relationships" xmlns:p="http://schemas.openxmlformats.org/presentationml/2006/main">
   <p:cSld>
     <p:spTree>
@@ -16145,7 +16471,7 @@
             </a:pPr>
             <a:fld id="{00000000-1234-1234-1234-123412341234}" type="slidenum">
               <a:rPr lang="en"/>
-              <a:t>25</a:t>
+              <a:t>26</a:t>
             </a:fld>
             <a:endParaRPr/>
           </a:p>
@@ -16155,304 +16481,6 @@
     <p:extLst>
       <p:ext uri="{BB962C8B-B14F-4D97-AF65-F5344CB8AC3E}">
         <p14:creationId xmlns:p14="http://schemas.microsoft.com/office/powerpoint/2010/main" val="550571345"/>
-      </p:ext>
-    </p:extLst>
-  </p:cSld>
-  <p:clrMapOvr>
-    <a:masterClrMapping/>
-  </p:clrMapOvr>
-</p:sld>
-</file>
-
-<file path=ppt/slides/slide26.xml><?xml version="1.0" encoding="utf-8"?>
-<p:sld xmlns:a="http://schemas.openxmlformats.org/drawingml/2006/main" xmlns:r="http://schemas.openxmlformats.org/officeDocument/2006/relationships" xmlns:p="http://schemas.openxmlformats.org/presentationml/2006/main">
-  <p:cSld>
-    <p:spTree>
-      <p:nvGrpSpPr>
-        <p:cNvPr id="1" name=""/>
-        <p:cNvGrpSpPr/>
-        <p:nvPr/>
-      </p:nvGrpSpPr>
-      <p:grpSpPr>
-        <a:xfrm>
-          <a:off x="0" y="0"/>
-          <a:ext cx="0" cy="0"/>
-          <a:chOff x="0" y="0"/>
-          <a:chExt cx="0" cy="0"/>
-        </a:xfrm>
-      </p:grpSpPr>
-      <p:sp>
-        <p:nvSpPr>
-          <p:cNvPr id="2" name="Title 1">
-            <a:extLst>
-              <a:ext uri="{FF2B5EF4-FFF2-40B4-BE49-F238E27FC236}">
-                <a16:creationId xmlns:a16="http://schemas.microsoft.com/office/drawing/2014/main" id="{024AD384-5AD1-4435-A943-1241B2FACD62}"/>
-              </a:ext>
-            </a:extLst>
-          </p:cNvPr>
-          <p:cNvSpPr>
-            <a:spLocks noGrp="1"/>
-          </p:cNvSpPr>
-          <p:nvPr>
-            <p:ph type="title"/>
-          </p:nvPr>
-        </p:nvSpPr>
-        <p:spPr/>
-        <p:txBody>
-          <a:bodyPr/>
-          <a:lstStyle/>
-          <a:p>
-            <a:r>
-              <a:rPr lang="en-US"/>
-              <a:t>Introduction</a:t>
-            </a:r>
-            <a:endParaRPr lang="fa-IR"/>
-          </a:p>
-        </p:txBody>
-      </p:sp>
-      <p:sp>
-        <p:nvSpPr>
-          <p:cNvPr id="3" name="Text Placeholder 2">
-            <a:extLst>
-              <a:ext uri="{FF2B5EF4-FFF2-40B4-BE49-F238E27FC236}">
-                <a16:creationId xmlns:a16="http://schemas.microsoft.com/office/drawing/2014/main" id="{58BE3078-8B89-4550-B497-93E4DADBD57E}"/>
-              </a:ext>
-            </a:extLst>
-          </p:cNvPr>
-          <p:cNvSpPr>
-            <a:spLocks noGrp="1"/>
-          </p:cNvSpPr>
-          <p:nvPr>
-            <p:ph type="body" idx="1"/>
-          </p:nvPr>
-        </p:nvSpPr>
-        <p:spPr>
-          <a:xfrm>
-            <a:off x="786150" y="1142608"/>
-            <a:ext cx="7571700" cy="3626431"/>
-          </a:xfrm>
-        </p:spPr>
-        <p:txBody>
-          <a:bodyPr/>
-          <a:lstStyle/>
-          <a:p>
-            <a:pPr marL="76200" indent="0" algn="just">
-              <a:buNone/>
-            </a:pPr>
-            <a:r>
-              <a:rPr lang="en-US" sz="1400">
-                <a:solidFill>
-                  <a:schemeClr val="accent1"/>
-                </a:solidFill>
-              </a:rPr>
-              <a:t>Matplotlib</a:t>
-            </a:r>
-            <a:r>
-              <a:rPr lang="en-US" sz="1400"/>
-              <a:t> is a </a:t>
-            </a:r>
-            <a:r>
-              <a:rPr lang="en-US" sz="1400">
-                <a:solidFill>
-                  <a:schemeClr val="accent1"/>
-                </a:solidFill>
-              </a:rPr>
-              <a:t>graph plotting </a:t>
-            </a:r>
-            <a:r>
-              <a:rPr lang="en-US" sz="1400"/>
-              <a:t>library in python that serves as a visualization utility.</a:t>
-            </a:r>
-          </a:p>
-          <a:p>
-            <a:pPr marL="76200" indent="0" algn="just">
-              <a:buNone/>
-            </a:pPr>
-            <a:r>
-              <a:rPr lang="en-US"/>
-              <a:t>Matplotlib is mostly written in python, a few segments are written in C, Objective-C and Javascript for Platform compatibility.</a:t>
-            </a:r>
-          </a:p>
-          <a:p>
-            <a:pPr marL="76200" indent="0" algn="just">
-              <a:buNone/>
-            </a:pPr>
-            <a:r>
-              <a:rPr lang="en-US" sz="1400"/>
-              <a:t>Most of the Matplotlib utilities lies under the </a:t>
-            </a:r>
-            <a:r>
-              <a:rPr lang="en-US" sz="1400">
-                <a:solidFill>
-                  <a:schemeClr val="accent1"/>
-                </a:solidFill>
-              </a:rPr>
-              <a:t>pyplot</a:t>
-            </a:r>
-            <a:r>
-              <a:rPr lang="en-US" sz="1400"/>
-              <a:t> submodule, and are usually imported under the </a:t>
-            </a:r>
-            <a:r>
-              <a:rPr lang="en-US" sz="1400">
-                <a:solidFill>
-                  <a:schemeClr val="accent1"/>
-                </a:solidFill>
-              </a:rPr>
-              <a:t>plt</a:t>
-            </a:r>
-            <a:r>
-              <a:rPr lang="en-US" sz="1400"/>
-              <a:t> alias.</a:t>
-            </a:r>
-          </a:p>
-          <a:p>
-            <a:pPr marL="76200" indent="0" algn="just">
-              <a:buNone/>
-            </a:pPr>
-            <a:r>
-              <a:rPr lang="en-US" sz="1400"/>
-              <a:t>Matplotlib documentation: </a:t>
-            </a:r>
-            <a:r>
-              <a:rPr lang="en-US" sz="1100">
-                <a:latin typeface="Consolas" panose="020B0609020204030204" pitchFamily="49" charset="0"/>
-                <a:hlinkClick r:id="rId2"/>
-              </a:rPr>
-              <a:t>https://matplotlib.org/stable/</a:t>
-            </a:r>
-            <a:endParaRPr lang="en-US" sz="1100">
-              <a:latin typeface="Consolas" panose="020B0609020204030204" pitchFamily="49" charset="0"/>
-            </a:endParaRPr>
-          </a:p>
-          <a:p>
-            <a:pPr marL="76200" indent="0" algn="just">
-              <a:buNone/>
-            </a:pPr>
-            <a:endParaRPr lang="en-US" sz="1100">
-              <a:latin typeface="Consolas" panose="020B0609020204030204" pitchFamily="49" charset="0"/>
-            </a:endParaRPr>
-          </a:p>
-          <a:p>
-            <a:pPr marL="76200" indent="0" algn="just">
-              <a:buNone/>
-            </a:pPr>
-            <a:r>
-              <a:rPr lang="en-US" sz="1400"/>
-              <a:t>Import</a:t>
-            </a:r>
-          </a:p>
-          <a:p>
-            <a:pPr marL="76200" indent="0" algn="just">
-              <a:buNone/>
-            </a:pPr>
-            <a:r>
-              <a:rPr lang="en-US" sz="1100">
-                <a:latin typeface="Consolas" panose="020B0609020204030204" pitchFamily="49" charset="0"/>
-              </a:rPr>
-              <a:t>import </a:t>
-            </a:r>
-            <a:r>
-              <a:rPr lang="en-US" sz="1100">
-                <a:solidFill>
-                  <a:schemeClr val="accent1"/>
-                </a:solidFill>
-                <a:latin typeface="Consolas" panose="020B0609020204030204" pitchFamily="49" charset="0"/>
-              </a:rPr>
-              <a:t>matplotlib</a:t>
-            </a:r>
-            <a:r>
-              <a:rPr lang="en-US" sz="1100">
-                <a:latin typeface="Consolas" panose="020B0609020204030204" pitchFamily="49" charset="0"/>
-              </a:rPr>
-              <a:t> as </a:t>
-            </a:r>
-            <a:r>
-              <a:rPr lang="en-US" sz="1100">
-                <a:solidFill>
-                  <a:schemeClr val="accent1"/>
-                </a:solidFill>
-                <a:latin typeface="Consolas" panose="020B0609020204030204" pitchFamily="49" charset="0"/>
-              </a:rPr>
-              <a:t>mpl</a:t>
-            </a:r>
-          </a:p>
-          <a:p>
-            <a:r>
-              <a:rPr lang="en-US" sz="1100">
-                <a:latin typeface="Consolas" panose="020B0609020204030204" pitchFamily="49" charset="0"/>
-              </a:rPr>
-              <a:t>import matplotlib.</a:t>
-            </a:r>
-            <a:r>
-              <a:rPr lang="en-US" sz="1100">
-                <a:solidFill>
-                  <a:schemeClr val="accent1"/>
-                </a:solidFill>
-                <a:latin typeface="Consolas" panose="020B0609020204030204" pitchFamily="49" charset="0"/>
-              </a:rPr>
-              <a:t>pyplot</a:t>
-            </a:r>
-            <a:r>
-              <a:rPr lang="en-US" sz="1100">
-                <a:latin typeface="Consolas" panose="020B0609020204030204" pitchFamily="49" charset="0"/>
-              </a:rPr>
-              <a:t> as </a:t>
-            </a:r>
-            <a:r>
-              <a:rPr lang="en-US" sz="1100">
-                <a:solidFill>
-                  <a:schemeClr val="accent1"/>
-                </a:solidFill>
-                <a:latin typeface="Consolas" panose="020B0609020204030204" pitchFamily="49" charset="0"/>
-              </a:rPr>
-              <a:t>plt</a:t>
-            </a:r>
-          </a:p>
-        </p:txBody>
-      </p:sp>
-      <p:sp>
-        <p:nvSpPr>
-          <p:cNvPr id="4" name="Slide Number Placeholder 3">
-            <a:extLst>
-              <a:ext uri="{FF2B5EF4-FFF2-40B4-BE49-F238E27FC236}">
-                <a16:creationId xmlns:a16="http://schemas.microsoft.com/office/drawing/2014/main" id="{64987AE6-EC0E-43DD-9376-95A5602EE5E1}"/>
-              </a:ext>
-            </a:extLst>
-          </p:cNvPr>
-          <p:cNvSpPr>
-            <a:spLocks noGrp="1"/>
-          </p:cNvSpPr>
-          <p:nvPr>
-            <p:ph type="sldNum" idx="12"/>
-          </p:nvPr>
-        </p:nvSpPr>
-        <p:spPr/>
-        <p:txBody>
-          <a:bodyPr/>
-          <a:lstStyle/>
-          <a:p>
-            <a:pPr marL="0" lvl="0" indent="0" algn="r" rtl="0">
-              <a:spcBef>
-                <a:spcPts val="0"/>
-              </a:spcBef>
-              <a:spcAft>
-                <a:spcPts val="0"/>
-              </a:spcAft>
-              <a:buNone/>
-            </a:pPr>
-            <a:fld id="{00000000-1234-1234-1234-123412341234}" type="slidenum">
-              <a:rPr lang="en" smtClean="0"/>
-              <a:t>26</a:t>
-            </a:fld>
-            <a:endParaRPr lang="en"/>
-          </a:p>
-        </p:txBody>
-      </p:sp>
-    </p:spTree>
-    <p:extLst>
-      <p:ext uri="{BB962C8B-B14F-4D97-AF65-F5344CB8AC3E}">
-        <p14:creationId xmlns:p14="http://schemas.microsoft.com/office/powerpoint/2010/main" val="549091048"/>
       </p:ext>
     </p:extLst>
   </p:cSld>
@@ -16502,7 +16530,7 @@
           <a:p>
             <a:r>
               <a:rPr lang="en-US"/>
-              <a:t>Plotting</a:t>
+              <a:t>Introduction</a:t>
             </a:r>
             <a:endParaRPr lang="fa-IR"/>
           </a:p>
@@ -16538,71 +16566,28 @@
               <a:buNone/>
             </a:pPr>
             <a:r>
-              <a:rPr lang="en-US" sz="1100">
-                <a:latin typeface="Consolas" panose="020B0609020204030204" pitchFamily="49" charset="0"/>
-              </a:rPr>
-              <a:t>xpoints = np.array([0, 10, 8])</a:t>
-            </a:r>
-          </a:p>
-          <a:p>
-            <a:pPr marL="76200" indent="0" algn="just">
-              <a:buNone/>
-            </a:pPr>
-            <a:r>
-              <a:rPr lang="en-US" sz="1100">
-                <a:latin typeface="Consolas" panose="020B0609020204030204" pitchFamily="49" charset="0"/>
-              </a:rPr>
-              <a:t>ypoints = np.array([0, 15, 4])</a:t>
-            </a:r>
-          </a:p>
-          <a:p>
-            <a:pPr marL="76200" indent="0" algn="just">
-              <a:buNone/>
-            </a:pPr>
-            <a:endParaRPr lang="en-US" sz="1100"/>
-          </a:p>
-          <a:p>
-            <a:pPr marL="76200" indent="0" algn="just">
-              <a:buNone/>
-            </a:pPr>
-            <a:r>
-              <a:rPr lang="en-US" sz="1400"/>
-              <a:t>Plotting x and y points</a:t>
-            </a:r>
-          </a:p>
-          <a:p>
-            <a:pPr marL="76200" indent="0" algn="just">
-              <a:buNone/>
-            </a:pPr>
-            <a:r>
-              <a:rPr lang="en-US" sz="1100">
-                <a:latin typeface="Consolas" panose="020B0609020204030204" pitchFamily="49" charset="0"/>
-              </a:rPr>
-              <a:t>plt.</a:t>
-            </a:r>
-            <a:r>
-              <a:rPr lang="en-US" sz="1100">
+              <a:rPr lang="en-US" sz="1400">
                 <a:solidFill>
                   <a:schemeClr val="accent1"/>
                 </a:solidFill>
-                <a:latin typeface="Consolas" panose="020B0609020204030204" pitchFamily="49" charset="0"/>
-              </a:rPr>
-              <a:t>plot(</a:t>
-            </a:r>
-            <a:r>
-              <a:rPr lang="en-US" sz="1100">
-                <a:latin typeface="Consolas" panose="020B0609020204030204" pitchFamily="49" charset="0"/>
-              </a:rPr>
-              <a:t>xpoints, ypoints</a:t>
-            </a:r>
-            <a:r>
-              <a:rPr lang="en-US" sz="1100">
+              </a:rPr>
+              <a:t>Matplotlib</a:t>
+            </a:r>
+            <a:r>
+              <a:rPr lang="en-US" sz="1400"/>
+              <a:t> is a </a:t>
+            </a:r>
+            <a:r>
+              <a:rPr lang="en-US" sz="1400">
                 <a:solidFill>
                   <a:schemeClr val="accent1"/>
                 </a:solidFill>
-                <a:latin typeface="Consolas" panose="020B0609020204030204" pitchFamily="49" charset="0"/>
-              </a:rPr>
-              <a:t>)</a:t>
+              </a:rPr>
+              <a:t>graph plotting </a:t>
+            </a:r>
+            <a:r>
+              <a:rPr lang="en-US" sz="1400"/>
+              <a:t>library in python that serves as a visualization utility.</a:t>
             </a:r>
           </a:p>
           <a:p>
@@ -16610,65 +16595,41 @@
               <a:buNone/>
             </a:pPr>
             <a:r>
-              <a:rPr lang="en-US" sz="1100">
-                <a:latin typeface="Consolas" panose="020B0609020204030204" pitchFamily="49" charset="0"/>
-              </a:rPr>
-              <a:t>plt.</a:t>
-            </a:r>
-            <a:r>
-              <a:rPr lang="en-US" sz="1100">
+              <a:rPr lang="en-US"/>
+              <a:t>Matplotlib is mostly written in python, a few segments are written in C, Objective-C and Javascript for Platform compatibility.</a:t>
+            </a:r>
+          </a:p>
+          <a:p>
+            <a:pPr marL="76200" indent="0" algn="just">
+              <a:buNone/>
+            </a:pPr>
+            <a:r>
+              <a:rPr lang="en-US" sz="1400"/>
+              <a:t>Most of the Matplotlib utilities lies under the </a:t>
+            </a:r>
+            <a:r>
+              <a:rPr lang="en-US" sz="1400">
                 <a:solidFill>
                   <a:schemeClr val="accent1"/>
                 </a:solidFill>
-                <a:latin typeface="Consolas" panose="020B0609020204030204" pitchFamily="49" charset="0"/>
-              </a:rPr>
-              <a:t>show()</a:t>
-            </a:r>
-          </a:p>
-          <a:p>
-            <a:pPr marL="76200" indent="0" algn="just">
-              <a:buNone/>
-            </a:pPr>
-            <a:endParaRPr lang="en-US" sz="1100">
-              <a:solidFill>
-                <a:schemeClr val="accent1"/>
-              </a:solidFill>
-              <a:latin typeface="Consolas" panose="020B0609020204030204" pitchFamily="49" charset="0"/>
-            </a:endParaRPr>
-          </a:p>
-          <a:p>
-            <a:pPr marL="76200" indent="0" algn="just">
-              <a:buNone/>
-            </a:pPr>
+              </a:rPr>
+              <a:t>pyplot</a:t>
+            </a:r>
             <a:r>
               <a:rPr lang="en-US" sz="1400"/>
-              <a:t>Plotting without line</a:t>
-            </a:r>
-          </a:p>
-          <a:p>
-            <a:pPr marL="76200" indent="0" algn="just">
-              <a:buNone/>
-            </a:pPr>
-            <a:r>
-              <a:rPr lang="en-US" sz="1100">
-                <a:latin typeface="Consolas" panose="020B0609020204030204" pitchFamily="49" charset="0"/>
-              </a:rPr>
-              <a:t>plt.plot(xpoints, ypoints, </a:t>
-            </a:r>
-            <a:r>
-              <a:rPr lang="en-US" sz="1100">
+              <a:t> submodule, and are usually imported under the </a:t>
+            </a:r>
+            <a:r>
+              <a:rPr lang="en-US" sz="1400">
                 <a:solidFill>
                   <a:schemeClr val="accent1"/>
                 </a:solidFill>
-                <a:latin typeface="Consolas" panose="020B0609020204030204" pitchFamily="49" charset="0"/>
-              </a:rPr>
-              <a:t>'o'</a:t>
-            </a:r>
-            <a:r>
-              <a:rPr lang="en-US" sz="1100">
-                <a:latin typeface="Consolas" panose="020B0609020204030204" pitchFamily="49" charset="0"/>
-              </a:rPr>
-              <a:t>)</a:t>
+              </a:rPr>
+              <a:t>plt</a:t>
+            </a:r>
+            <a:r>
+              <a:rPr lang="en-US" sz="1400"/>
+              <a:t> alias.</a:t>
             </a:r>
           </a:p>
           <a:p>
@@ -16676,10 +16637,102 @@
               <a:buNone/>
             </a:pPr>
             <a:r>
-              <a:rPr lang="en-US" sz="1100">
-                <a:latin typeface="Consolas" panose="020B0609020204030204" pitchFamily="49" charset="0"/>
-              </a:rPr>
-              <a:t>plt.show()</a:t>
+              <a:rPr lang="en-US" sz="1400"/>
+              <a:t>Matplotlib documentation: </a:t>
+            </a:r>
+            <a:r>
+              <a:rPr lang="en-US" sz="1100">
+                <a:latin typeface="Consolas" panose="020B0609020204030204" pitchFamily="49" charset="0"/>
+                <a:hlinkClick r:id="rId2"/>
+              </a:rPr>
+              <a:t>https://matplotlib.org/stable/</a:t>
+            </a:r>
+            <a:endParaRPr lang="en-US" sz="1100">
+              <a:latin typeface="Consolas" panose="020B0609020204030204" pitchFamily="49" charset="0"/>
+            </a:endParaRPr>
+          </a:p>
+          <a:p>
+            <a:pPr marL="76200" indent="0" algn="just">
+              <a:buNone/>
+            </a:pPr>
+            <a:endParaRPr lang="en-US" sz="1100">
+              <a:latin typeface="Consolas" panose="020B0609020204030204" pitchFamily="49" charset="0"/>
+            </a:endParaRPr>
+          </a:p>
+          <a:p>
+            <a:pPr marL="76200" indent="0" algn="just">
+              <a:buNone/>
+            </a:pPr>
+            <a:r>
+              <a:rPr lang="en-US" sz="1400"/>
+              <a:t>Import</a:t>
+            </a:r>
+          </a:p>
+          <a:p>
+            <a:pPr marL="76200" indent="0" algn="just">
+              <a:buNone/>
+            </a:pPr>
+            <a:r>
+              <a:rPr lang="en-US" sz="1100">
+                <a:latin typeface="Consolas" panose="020B0609020204030204" pitchFamily="49" charset="0"/>
+              </a:rPr>
+              <a:t>import </a:t>
+            </a:r>
+            <a:r>
+              <a:rPr lang="en-US" sz="1100">
+                <a:solidFill>
+                  <a:schemeClr val="accent1"/>
+                </a:solidFill>
+                <a:latin typeface="Consolas" panose="020B0609020204030204" pitchFamily="49" charset="0"/>
+              </a:rPr>
+              <a:t>matplotlib</a:t>
+            </a:r>
+            <a:r>
+              <a:rPr lang="en-US" sz="1100">
+                <a:latin typeface="Consolas" panose="020B0609020204030204" pitchFamily="49" charset="0"/>
+              </a:rPr>
+              <a:t> as </a:t>
+            </a:r>
+            <a:r>
+              <a:rPr lang="en-US" sz="1100">
+                <a:solidFill>
+                  <a:schemeClr val="accent1"/>
+                </a:solidFill>
+                <a:latin typeface="Consolas" panose="020B0609020204030204" pitchFamily="49" charset="0"/>
+              </a:rPr>
+              <a:t>mpl</a:t>
+            </a:r>
+          </a:p>
+          <a:p>
+            <a:r>
+              <a:rPr lang="en-US" sz="1100">
+                <a:latin typeface="Consolas" panose="020B0609020204030204" pitchFamily="49" charset="0"/>
+              </a:rPr>
+              <a:t>import matplotlib.</a:t>
+            </a:r>
+            <a:r>
+              <a:rPr lang="en-US" sz="1100">
+                <a:solidFill>
+                  <a:schemeClr val="accent1"/>
+                </a:solidFill>
+                <a:latin typeface="Consolas" panose="020B0609020204030204" pitchFamily="49" charset="0"/>
+              </a:rPr>
+              <a:t>pyplot</a:t>
+            </a:r>
+            <a:r>
+              <a:rPr lang="en-US" sz="1100">
+                <a:latin typeface="Consolas" panose="020B0609020204030204" pitchFamily="49" charset="0"/>
+              </a:rPr>
+              <a:t> as </a:t>
+            </a:r>
+            <a:r>
+              <a:rPr lang="en-US" sz="1100">
+                <a:solidFill>
+                  <a:schemeClr val="accent1"/>
+                </a:solidFill>
+                <a:latin typeface="Consolas" panose="020B0609020204030204" pitchFamily="49" charset="0"/>
+              </a:rPr>
+              <a:t>plt</a:t>
             </a:r>
           </a:p>
         </p:txBody>
@@ -16725,7 +16778,7 @@
     </p:spTree>
     <p:extLst>
       <p:ext uri="{BB962C8B-B14F-4D97-AF65-F5344CB8AC3E}">
-        <p14:creationId xmlns:p14="http://schemas.microsoft.com/office/powerpoint/2010/main" val="2691195353"/>
+        <p14:creationId xmlns:p14="http://schemas.microsoft.com/office/powerpoint/2010/main" val="549091048"/>
       </p:ext>
     </p:extLst>
   </p:cSld>
@@ -16775,7 +16828,7 @@
           <a:p>
             <a:r>
               <a:rPr lang="en-US"/>
-              <a:t>Markers and Line</a:t>
+              <a:t>Plotting</a:t>
             </a:r>
             <a:endParaRPr lang="fa-IR"/>
           </a:p>
@@ -16811,8 +16864,36 @@
               <a:buNone/>
             </a:pPr>
             <a:r>
+              <a:rPr lang="en-US" sz="1100">
+                <a:latin typeface="Consolas" panose="020B0609020204030204" pitchFamily="49" charset="0"/>
+              </a:rPr>
+              <a:t>xpoints = np.array([0, 10, 8])</a:t>
+            </a:r>
+          </a:p>
+          <a:p>
+            <a:pPr marL="76200" indent="0" algn="just">
+              <a:buNone/>
+            </a:pPr>
+            <a:r>
+              <a:rPr lang="en-US" sz="1100">
+                <a:latin typeface="Consolas" panose="020B0609020204030204" pitchFamily="49" charset="0"/>
+              </a:rPr>
+              <a:t>ypoints = np.array([0, 15, 4])</a:t>
+            </a:r>
+          </a:p>
+          <a:p>
+            <a:pPr marL="76200" indent="0" algn="just">
+              <a:buNone/>
+            </a:pPr>
+            <a:endParaRPr lang="en-US" sz="1100"/>
+          </a:p>
+          <a:p>
+            <a:pPr marL="76200" indent="0" algn="just">
+              <a:buNone/>
+            </a:pPr>
+            <a:r>
               <a:rPr lang="en-US" sz="1400"/>
-              <a:t>fmt parameter</a:t>
+              <a:t>Plotting x and y points</a:t>
             </a:r>
           </a:p>
           <a:p>
@@ -16823,40 +16904,7 @@
               <a:rPr lang="en-US" sz="1100">
                 <a:latin typeface="Consolas" panose="020B0609020204030204" pitchFamily="49" charset="0"/>
               </a:rPr>
-              <a:t>xpoints = np.array([0, 10, 8])</a:t>
-            </a:r>
-          </a:p>
-          <a:p>
-            <a:pPr marL="76200" indent="0" algn="just">
-              <a:buNone/>
-            </a:pPr>
-            <a:r>
-              <a:rPr lang="en-US" sz="1100">
-                <a:latin typeface="Consolas" panose="020B0609020204030204" pitchFamily="49" charset="0"/>
-              </a:rPr>
-              <a:t>ypoints = np.array([0, 15, 4])</a:t>
-            </a:r>
-          </a:p>
-          <a:p>
-            <a:pPr marL="76200" indent="0" algn="just">
-              <a:buNone/>
-            </a:pPr>
-            <a:r>
-              <a:rPr lang="en-US" sz="1100">
-                <a:latin typeface="Consolas" panose="020B0609020204030204" pitchFamily="49" charset="0"/>
-              </a:rPr>
-              <a:t>marker, line, color = '*', '--', 'g'</a:t>
-            </a:r>
-          </a:p>
-          <a:p>
-            <a:pPr marL="76200" indent="0" algn="just">
-              <a:buNone/>
-            </a:pPr>
-            <a:r>
-              <a:rPr lang="en-US" sz="1100">
-                <a:latin typeface="Consolas" panose="020B0609020204030204" pitchFamily="49" charset="0"/>
-              </a:rPr>
-              <a:t>plt.plot(xpoints, ypoints, </a:t>
+              <a:t>plt.</a:t>
             </a:r>
             <a:r>
               <a:rPr lang="en-US" sz="1100">
@@ -16865,10 +16913,19 @@
                 </a:solidFill>
                 <a:latin typeface="Consolas" panose="020B0609020204030204" pitchFamily="49" charset="0"/>
               </a:rPr>
-              <a:t>f'{marker}{line}{color}'</a:t>
-            </a:r>
-            <a:r>
-              <a:rPr lang="en-US" sz="1100">
+              <a:t>plot(</a:t>
+            </a:r>
+            <a:r>
+              <a:rPr lang="en-US" sz="1100">
+                <a:latin typeface="Consolas" panose="020B0609020204030204" pitchFamily="49" charset="0"/>
+              </a:rPr>
+              <a:t>xpoints, ypoints</a:t>
+            </a:r>
+            <a:r>
+              <a:rPr lang="en-US" sz="1100">
+                <a:solidFill>
+                  <a:schemeClr val="accent1"/>
+                </a:solidFill>
                 <a:latin typeface="Consolas" panose="020B0609020204030204" pitchFamily="49" charset="0"/>
               </a:rPr>
               <a:t>)</a:t>
@@ -16882,7 +16939,16 @@
               <a:rPr lang="en-US" sz="1100">
                 <a:latin typeface="Consolas" panose="020B0609020204030204" pitchFamily="49" charset="0"/>
               </a:rPr>
-              <a:t>plt.show</a:t>
+              <a:t>plt.</a:t>
+            </a:r>
+            <a:r>
+              <a:rPr lang="en-US" sz="1100">
+                <a:solidFill>
+                  <a:schemeClr val="accent1"/>
+                </a:solidFill>
+                <a:latin typeface="Consolas" panose="020B0609020204030204" pitchFamily="49" charset="0"/>
+              </a:rPr>
+              <a:t>show()</a:t>
             </a:r>
           </a:p>
           <a:p>
@@ -16890,52 +16956,56 @@
               <a:buNone/>
             </a:pPr>
             <a:endParaRPr lang="en-US" sz="1100">
+              <a:solidFill>
+                <a:schemeClr val="accent1"/>
+              </a:solidFill>
               <a:latin typeface="Consolas" panose="020B0609020204030204" pitchFamily="49" charset="0"/>
             </a:endParaRPr>
           </a:p>
           <a:p>
-            <a:r>
-              <a:rPr lang="en-US"/>
-              <a:t>fmt reference</a:t>
-            </a:r>
-            <a:endParaRPr lang="en-US">
-              <a:latin typeface="Consolas" panose="020B0609020204030204" pitchFamily="49" charset="0"/>
-            </a:endParaRPr>
-          </a:p>
-          <a:p>
-            <a:r>
-              <a:rPr lang="en-US" sz="1100"/>
-              <a:t>Marker</a:t>
-            </a:r>
-            <a:r>
-              <a:rPr lang="en-US" sz="1100">
-                <a:latin typeface="Consolas" panose="020B0609020204030204" pitchFamily="49" charset="0"/>
-              </a:rPr>
-              <a:t>:  o  *  .  ,  x  X  +  P  s  D  d  p  h  H  v  ^  &lt;  &gt;  1  2  3  4  |  _</a:t>
-            </a:r>
-          </a:p>
-          <a:p>
-            <a:r>
-              <a:rPr lang="en-US" sz="1100"/>
-              <a:t>Line</a:t>
-            </a:r>
-            <a:r>
-              <a:rPr lang="en-US" sz="1100">
-                <a:latin typeface="Consolas" panose="020B0609020204030204" pitchFamily="49" charset="0"/>
-              </a:rPr>
-              <a:t>:  -  :  --  -.</a:t>
-            </a:r>
-          </a:p>
-          <a:p>
-            <a:r>
-              <a:rPr lang="en-US" sz="1100"/>
-              <a:t>Color:</a:t>
-            </a:r>
-            <a:r>
-              <a:rPr lang="en-US" sz="1100">
-                <a:latin typeface="Consolas" panose="020B0609020204030204" pitchFamily="49" charset="0"/>
-              </a:rPr>
-              <a:t>  r  g  b  c  m  y  k  w</a:t>
+            <a:pPr marL="76200" indent="0" algn="just">
+              <a:buNone/>
+            </a:pPr>
+            <a:r>
+              <a:rPr lang="en-US" sz="1400"/>
+              <a:t>Plotting without line</a:t>
+            </a:r>
+          </a:p>
+          <a:p>
+            <a:pPr marL="76200" indent="0" algn="just">
+              <a:buNone/>
+            </a:pPr>
+            <a:r>
+              <a:rPr lang="en-US" sz="1100">
+                <a:latin typeface="Consolas" panose="020B0609020204030204" pitchFamily="49" charset="0"/>
+              </a:rPr>
+              <a:t>plt.plot(xpoints, ypoints, </a:t>
+            </a:r>
+            <a:r>
+              <a:rPr lang="en-US" sz="1100">
+                <a:solidFill>
+                  <a:schemeClr val="accent1"/>
+                </a:solidFill>
+                <a:latin typeface="Consolas" panose="020B0609020204030204" pitchFamily="49" charset="0"/>
+              </a:rPr>
+              <a:t>'o'</a:t>
+            </a:r>
+            <a:r>
+              <a:rPr lang="en-US" sz="1100">
+                <a:latin typeface="Consolas" panose="020B0609020204030204" pitchFamily="49" charset="0"/>
+              </a:rPr>
+              <a:t>)</a:t>
+            </a:r>
+          </a:p>
+          <a:p>
+            <a:pPr marL="76200" indent="0" algn="just">
+              <a:buNone/>
+            </a:pPr>
+            <a:r>
+              <a:rPr lang="en-US" sz="1100">
+                <a:latin typeface="Consolas" panose="020B0609020204030204" pitchFamily="49" charset="0"/>
+              </a:rPr>
+              <a:t>plt.show()</a:t>
             </a:r>
           </a:p>
         </p:txBody>
@@ -16981,7 +17051,7 @@
     </p:spTree>
     <p:extLst>
       <p:ext uri="{BB962C8B-B14F-4D97-AF65-F5344CB8AC3E}">
-        <p14:creationId xmlns:p14="http://schemas.microsoft.com/office/powerpoint/2010/main" val="3799765536"/>
+        <p14:creationId xmlns:p14="http://schemas.microsoft.com/office/powerpoint/2010/main" val="2691195353"/>
       </p:ext>
     </p:extLst>
   </p:cSld>
@@ -17067,10 +17137,9 @@
               <a:buNone/>
             </a:pPr>
             <a:r>
-              <a:rPr lang="en-US"/>
-              <a:t>Multiple Lines</a:t>
-            </a:r>
-            <a:endParaRPr lang="en-US" sz="1400"/>
+              <a:rPr lang="en-US" sz="1400"/>
+              <a:t>fmt parameter</a:t>
+            </a:r>
           </a:p>
           <a:p>
             <a:pPr marL="76200" indent="0" algn="just">
@@ -17080,7 +17149,7 @@
               <a:rPr lang="en-US" sz="1100">
                 <a:latin typeface="Consolas" panose="020B0609020204030204" pitchFamily="49" charset="0"/>
               </a:rPr>
-              <a:t>y1 = np.array([3, 8, 1, 10])</a:t>
+              <a:t>xpoints = np.array([0, 10, 8])</a:t>
             </a:r>
           </a:p>
           <a:p>
@@ -17091,7 +17160,7 @@
               <a:rPr lang="en-US" sz="1100">
                 <a:latin typeface="Consolas" panose="020B0609020204030204" pitchFamily="49" charset="0"/>
               </a:rPr>
-              <a:t>y2 = np.array([6, 2, 7, 11])</a:t>
+              <a:t>ypoints = np.array([0, 15, 4])</a:t>
             </a:r>
           </a:p>
           <a:p>
@@ -17102,7 +17171,18 @@
               <a:rPr lang="en-US" sz="1100">
                 <a:latin typeface="Consolas" panose="020B0609020204030204" pitchFamily="49" charset="0"/>
               </a:rPr>
-              <a:t>plt.plot(y1, </a:t>
+              <a:t>marker, line, color = '*', '--', 'g'</a:t>
+            </a:r>
+          </a:p>
+          <a:p>
+            <a:pPr marL="76200" indent="0" algn="just">
+              <a:buNone/>
+            </a:pPr>
+            <a:r>
+              <a:rPr lang="en-US" sz="1100">
+                <a:latin typeface="Consolas" panose="020B0609020204030204" pitchFamily="49" charset="0"/>
+              </a:rPr>
+              <a:t>plt.plot(xpoints, ypoints, </a:t>
             </a:r>
             <a:r>
               <a:rPr lang="en-US" sz="1100">
@@ -17111,43 +17191,13 @@
                 </a:solidFill>
                 <a:latin typeface="Consolas" panose="020B0609020204030204" pitchFamily="49" charset="0"/>
               </a:rPr>
-              <a:t>marker</a:t>
-            </a:r>
-            <a:r>
-              <a:rPr lang="en-US" sz="1100">
-                <a:latin typeface="Consolas" panose="020B0609020204030204" pitchFamily="49" charset="0"/>
-              </a:rPr>
-              <a:t> = '', </a:t>
-            </a:r>
-            <a:r>
-              <a:rPr lang="en-US" sz="1100">
-                <a:solidFill>
-                  <a:schemeClr val="accent1"/>
-                </a:solidFill>
-                <a:latin typeface="Consolas" panose="020B0609020204030204" pitchFamily="49" charset="0"/>
-              </a:rPr>
-              <a:t>linestyle</a:t>
-            </a:r>
-            <a:r>
-              <a:rPr lang="en-US" sz="1100">
-                <a:latin typeface="Consolas" panose="020B0609020204030204" pitchFamily="49" charset="0"/>
-              </a:rPr>
-              <a:t> = ':', </a:t>
-            </a:r>
-            <a:r>
-              <a:rPr lang="en-US" sz="1100">
-                <a:solidFill>
-                  <a:schemeClr val="accent1"/>
-                </a:solidFill>
-                <a:latin typeface="Consolas" panose="020B0609020204030204" pitchFamily="49" charset="0"/>
-              </a:rPr>
-              <a:t>color</a:t>
-            </a:r>
-            <a:r>
-              <a:rPr lang="en-US" sz="1100">
-                <a:latin typeface="Consolas" panose="020B0609020204030204" pitchFamily="49" charset="0"/>
-              </a:rPr>
-              <a:t> = '#4CAF50')</a:t>
+              <a:t>f'{marker}{line}{color}'</a:t>
+            </a:r>
+            <a:r>
+              <a:rPr lang="en-US" sz="1100">
+                <a:latin typeface="Consolas" panose="020B0609020204030204" pitchFamily="49" charset="0"/>
+              </a:rPr>
+              <a:t>)</a:t>
             </a:r>
           </a:p>
           <a:p>
@@ -17158,48 +17208,60 @@
               <a:rPr lang="en-US" sz="1100">
                 <a:latin typeface="Consolas" panose="020B0609020204030204" pitchFamily="49" charset="0"/>
               </a:rPr>
-              <a:t>plt.plot(y2, 'o-.r', </a:t>
-            </a:r>
-            <a:r>
-              <a:rPr lang="en-US" sz="1100">
-                <a:solidFill>
-                  <a:schemeClr val="accent1"/>
-                </a:solidFill>
-                <a:latin typeface="Consolas" panose="020B0609020204030204" pitchFamily="49" charset="0"/>
-              </a:rPr>
-              <a:t>markersize</a:t>
-            </a:r>
-            <a:r>
-              <a:rPr lang="en-US" sz="1100">
-                <a:latin typeface="Consolas" panose="020B0609020204030204" pitchFamily="49" charset="0"/>
-              </a:rPr>
-              <a:t> = 9, </a:t>
-            </a:r>
-            <a:r>
-              <a:rPr lang="en-US" sz="1100">
-                <a:solidFill>
-                  <a:schemeClr val="accent1"/>
-                </a:solidFill>
-                <a:latin typeface="Consolas" panose="020B0609020204030204" pitchFamily="49" charset="0"/>
-              </a:rPr>
-              <a:t>linewidth</a:t>
-            </a:r>
-            <a:r>
-              <a:rPr lang="en-US" sz="1100">
-                <a:latin typeface="Consolas" panose="020B0609020204030204" pitchFamily="49" charset="0"/>
-              </a:rPr>
-              <a:t> = 3)</a:t>
+              <a:t>plt.show</a:t>
             </a:r>
           </a:p>
           <a:p>
             <a:pPr marL="76200" indent="0" algn="just">
               <a:buNone/>
             </a:pPr>
-            <a:r>
-              <a:rPr lang="en-US" sz="1100">
-                <a:latin typeface="Consolas" panose="020B0609020204030204" pitchFamily="49" charset="0"/>
-              </a:rPr>
-              <a:t>plt.show()</a:t>
+            <a:endParaRPr lang="en-US" sz="1100">
+              <a:latin typeface="Consolas" panose="020B0609020204030204" pitchFamily="49" charset="0"/>
+            </a:endParaRPr>
+          </a:p>
+          <a:p>
+            <a:r>
+              <a:rPr lang="en-US"/>
+              <a:t>fmt reference</a:t>
+            </a:r>
+            <a:endParaRPr lang="en-US">
+              <a:latin typeface="Consolas" panose="020B0609020204030204" pitchFamily="49" charset="0"/>
+            </a:endParaRPr>
+          </a:p>
+          <a:p>
+            <a:r>
+              <a:rPr lang="en-US" sz="1100"/>
+              <a:t>Marker</a:t>
+            </a:r>
+            <a:r>
+              <a:rPr lang="en-US" sz="1100">
+                <a:latin typeface="Consolas" panose="020B0609020204030204" pitchFamily="49" charset="0"/>
+              </a:rPr>
+              <a:t>:  o  *  .  ,  x  X  +  P  s  D  d  p  h  H  v  ^  &lt;  &gt;  1  2  3  4  |  _</a:t>
+            </a:r>
+          </a:p>
+          <a:p>
+            <a:r>
+              <a:rPr lang="en-US" sz="1100"/>
+              <a:t>Line</a:t>
+            </a:r>
+            <a:r>
+              <a:rPr lang="en-US" sz="1100">
+                <a:latin typeface="Consolas" panose="020B0609020204030204" pitchFamily="49" charset="0"/>
+              </a:rPr>
+              <a:t>:  -  :  --  -.</a:t>
+            </a:r>
+          </a:p>
+          <a:p>
+            <a:r>
+              <a:rPr lang="en-US" sz="1100"/>
+              <a:t>Color:</a:t>
+            </a:r>
+            <a:r>
+              <a:rPr lang="en-US" sz="1100">
+                <a:latin typeface="Consolas" panose="020B0609020204030204" pitchFamily="49" charset="0"/>
+              </a:rPr>
+              <a:t>  r  g  b  c  m  y  k  w</a:t>
             </a:r>
           </a:p>
         </p:txBody>
@@ -17245,7 +17307,7 @@
     </p:spTree>
     <p:extLst>
       <p:ext uri="{BB962C8B-B14F-4D97-AF65-F5344CB8AC3E}">
-        <p14:creationId xmlns:p14="http://schemas.microsoft.com/office/powerpoint/2010/main" val="2946997255"/>
+        <p14:creationId xmlns:p14="http://schemas.microsoft.com/office/powerpoint/2010/main" val="3799765536"/>
       </p:ext>
     </p:extLst>
   </p:cSld>
@@ -17295,63 +17357,9 @@
           <a:p>
             <a:r>
               <a:rPr lang="en-US"/>
-              <a:t>Data Science</a:t>
+              <a:t>Data Professionals</a:t>
             </a:r>
             <a:endParaRPr lang="fa-IR"/>
-          </a:p>
-        </p:txBody>
-      </p:sp>
-      <p:sp>
-        <p:nvSpPr>
-          <p:cNvPr id="3" name="Text Placeholder 2">
-            <a:extLst>
-              <a:ext uri="{FF2B5EF4-FFF2-40B4-BE49-F238E27FC236}">
-                <a16:creationId xmlns:a16="http://schemas.microsoft.com/office/drawing/2014/main" id="{58BE3078-8B89-4550-B497-93E4DADBD57E}"/>
-              </a:ext>
-            </a:extLst>
-          </p:cNvPr>
-          <p:cNvSpPr>
-            <a:spLocks noGrp="1"/>
-          </p:cNvSpPr>
-          <p:nvPr>
-            <p:ph type="body" idx="1"/>
-          </p:nvPr>
-        </p:nvSpPr>
-        <p:spPr>
-          <a:xfrm>
-            <a:off x="786150" y="1142608"/>
-            <a:ext cx="3785850" cy="3626431"/>
-          </a:xfrm>
-        </p:spPr>
-        <p:txBody>
-          <a:bodyPr/>
-          <a:lstStyle/>
-          <a:p>
-            <a:pPr marL="76200" indent="0" algn="just">
-              <a:buNone/>
-            </a:pPr>
-            <a:r>
-              <a:rPr lang="en-US" sz="1400"/>
-              <a:t>A Data Scientist helps companies with data-driven decisions, to make their business better.</a:t>
-            </a:r>
-          </a:p>
-          <a:p>
-            <a:pPr marL="76200" indent="0" algn="just">
-              <a:buNone/>
-            </a:pPr>
-            <a:r>
-              <a:rPr lang="en-US" sz="1400"/>
-              <a:t>Data Science is a combination of multiple disciplines that uses statistics, data analysis, and machine learning to analyze data and to extract knowledge and insights from it.</a:t>
-            </a:r>
-          </a:p>
-          <a:p>
-            <a:pPr marL="76200" indent="0" algn="just">
-              <a:buNone/>
-            </a:pPr>
-            <a:r>
-              <a:rPr lang="en-US" sz="1400"/>
-              <a:t>Data Science is about data gathering, finding patterns in data, data analysis, make future predictions and decision-making.</a:t>
-            </a:r>
           </a:p>
         </p:txBody>
       </p:sp>
@@ -17395,10 +17403,10 @@
       </p:sp>
       <p:pic>
         <p:nvPicPr>
-          <p:cNvPr id="6" name="Picture 5">
+          <p:cNvPr id="9" name="Picture 8">
             <a:extLst>
               <a:ext uri="{FF2B5EF4-FFF2-40B4-BE49-F238E27FC236}">
-                <a16:creationId xmlns:a16="http://schemas.microsoft.com/office/drawing/2014/main" id="{6D0C871E-937D-487A-B5C4-609476DCC06C}"/>
+                <a16:creationId xmlns:a16="http://schemas.microsoft.com/office/drawing/2014/main" id="{51796DF7-2F4C-4709-A7B0-1CDE9A376577}"/>
               </a:ext>
             </a:extLst>
           </p:cNvPr>
@@ -17409,13 +17417,13 @@
         </p:nvPicPr>
         <p:blipFill rotWithShape="1">
           <a:blip r:embed="rId2"/>
-          <a:srcRect l="1116" t="4764" r="1319" b="10547"/>
+          <a:srcRect t="16937" b="5627"/>
           <a:stretch/>
         </p:blipFill>
         <p:spPr>
           <a:xfrm>
-            <a:off x="4963092" y="1783005"/>
-            <a:ext cx="3441292" cy="2345635"/>
+            <a:off x="2508601" y="1087278"/>
+            <a:ext cx="4126797" cy="3511226"/>
           </a:xfrm>
           <a:prstGeom prst="rect">
             <a:avLst/>
@@ -17475,7 +17483,7 @@
           <a:p>
             <a:r>
               <a:rPr lang="en-US"/>
-              <a:t>Text</a:t>
+              <a:t>Markers and Line</a:t>
             </a:r>
             <a:endParaRPr lang="fa-IR"/>
           </a:p>
@@ -17512,7 +17520,7 @@
             </a:pPr>
             <a:r>
               <a:rPr lang="en-US"/>
-              <a:t>Title and labels</a:t>
+              <a:t>Multiple Lines</a:t>
             </a:r>
             <a:endParaRPr lang="en-US" sz="1400"/>
           </a:p>
@@ -17521,10 +17529,10 @@
               <a:buNone/>
             </a:pPr>
             <a:r>
-              <a:rPr lang="es-ES" sz="1100">
-                <a:latin typeface="Consolas" panose="020B0609020204030204" pitchFamily="49" charset="0"/>
-              </a:rPr>
-              <a:t>x = np.array([80, 85, 90, 95, 100, 105, 110, 115, 120, 125])</a:t>
+              <a:rPr lang="en-US" sz="1100">
+                <a:latin typeface="Consolas" panose="020B0609020204030204" pitchFamily="49" charset="0"/>
+              </a:rPr>
+              <a:t>y1 = np.array([3, 8, 1, 10])</a:t>
             </a:r>
           </a:p>
           <a:p>
@@ -17532,10 +17540,10 @@
               <a:buNone/>
             </a:pPr>
             <a:r>
-              <a:rPr lang="es-ES" sz="1100">
-                <a:latin typeface="Consolas" panose="020B0609020204030204" pitchFamily="49" charset="0"/>
-              </a:rPr>
-              <a:t>y = np.array([240, 255, 259, 265, 270, 290, 305, 306, 325, 330])</a:t>
+              <a:rPr lang="en-US" sz="1100">
+                <a:latin typeface="Consolas" panose="020B0609020204030204" pitchFamily="49" charset="0"/>
+              </a:rPr>
+              <a:t>y2 = np.array([6, 2, 7, 11])</a:t>
             </a:r>
           </a:p>
           <a:p>
@@ -17543,137 +17551,96 @@
               <a:buNone/>
             </a:pPr>
             <a:r>
-              <a:rPr lang="es-ES" sz="1100">
-                <a:latin typeface="Consolas" panose="020B0609020204030204" pitchFamily="49" charset="0"/>
-              </a:rPr>
-              <a:t>titleFont = {'family': 'Trebuchet MS', 'color': '#0091EA', 'size': 14}</a:t>
-            </a:r>
-          </a:p>
-          <a:p>
-            <a:pPr marL="76200" indent="0" algn="just">
-              <a:buNone/>
-            </a:pPr>
-            <a:r>
-              <a:rPr lang="es-ES" sz="1100">
-                <a:latin typeface="Consolas" panose="020B0609020204030204" pitchFamily="49" charset="0"/>
-              </a:rPr>
-              <a:t>labelFont = {'family': 'Consolas', 'color': 'black', 'size': 11}</a:t>
-            </a:r>
-          </a:p>
-          <a:p>
-            <a:pPr marL="76200" indent="0" algn="just">
-              <a:buNone/>
-            </a:pPr>
-            <a:r>
-              <a:rPr lang="es-ES" sz="1100">
-                <a:latin typeface="Consolas" panose="020B0609020204030204" pitchFamily="49" charset="0"/>
-              </a:rPr>
-              <a:t>plt.plot(x, y)</a:t>
-            </a:r>
-          </a:p>
-          <a:p>
-            <a:pPr marL="76200" indent="0" algn="just">
-              <a:buNone/>
-            </a:pPr>
-            <a:r>
-              <a:rPr lang="es-ES" sz="1100">
-                <a:latin typeface="Consolas" panose="020B0609020204030204" pitchFamily="49" charset="0"/>
-              </a:rPr>
-              <a:t>plt.</a:t>
-            </a:r>
-            <a:r>
-              <a:rPr lang="es-ES" sz="1100">
+              <a:rPr lang="en-US" sz="1100">
+                <a:latin typeface="Consolas" panose="020B0609020204030204" pitchFamily="49" charset="0"/>
+              </a:rPr>
+              <a:t>plt.plot(y1, </a:t>
+            </a:r>
+            <a:r>
+              <a:rPr lang="en-US" sz="1100">
                 <a:solidFill>
                   <a:schemeClr val="accent1"/>
                 </a:solidFill>
                 <a:latin typeface="Consolas" panose="020B0609020204030204" pitchFamily="49" charset="0"/>
               </a:rPr>
-              <a:t>title(</a:t>
-            </a:r>
-            <a:r>
-              <a:rPr lang="es-ES" sz="1100">
-                <a:latin typeface="Consolas" panose="020B0609020204030204" pitchFamily="49" charset="0"/>
-              </a:rPr>
-              <a:t>'Sports Watch Data', titleFont</a:t>
-            </a:r>
-            <a:r>
-              <a:rPr lang="es-ES" sz="1100">
+              <a:t>marker</a:t>
+            </a:r>
+            <a:r>
+              <a:rPr lang="en-US" sz="1100">
+                <a:latin typeface="Consolas" panose="020B0609020204030204" pitchFamily="49" charset="0"/>
+              </a:rPr>
+              <a:t> = '', </a:t>
+            </a:r>
+            <a:r>
+              <a:rPr lang="en-US" sz="1100">
                 <a:solidFill>
                   <a:schemeClr val="accent1"/>
                 </a:solidFill>
                 <a:latin typeface="Consolas" panose="020B0609020204030204" pitchFamily="49" charset="0"/>
               </a:rPr>
-              <a:t>)</a:t>
-            </a:r>
-          </a:p>
-          <a:p>
-            <a:pPr marL="76200" indent="0" algn="just">
-              <a:buNone/>
-            </a:pPr>
-            <a:r>
-              <a:rPr lang="es-ES" sz="1100">
-                <a:latin typeface="Consolas" panose="020B0609020204030204" pitchFamily="49" charset="0"/>
-              </a:rPr>
-              <a:t>plt.</a:t>
-            </a:r>
-            <a:r>
-              <a:rPr lang="es-ES" sz="1100">
+              <a:t>linestyle</a:t>
+            </a:r>
+            <a:r>
+              <a:rPr lang="en-US" sz="1100">
+                <a:latin typeface="Consolas" panose="020B0609020204030204" pitchFamily="49" charset="0"/>
+              </a:rPr>
+              <a:t> = ':', </a:t>
+            </a:r>
+            <a:r>
+              <a:rPr lang="en-US" sz="1100">
                 <a:solidFill>
                   <a:schemeClr val="accent1"/>
                 </a:solidFill>
                 <a:latin typeface="Consolas" panose="020B0609020204030204" pitchFamily="49" charset="0"/>
               </a:rPr>
-              <a:t>xlabel(</a:t>
-            </a:r>
-            <a:r>
-              <a:rPr lang="es-ES" sz="1100">
-                <a:latin typeface="Consolas" panose="020B0609020204030204" pitchFamily="49" charset="0"/>
-              </a:rPr>
-              <a:t>'Average Pulse', labelFont</a:t>
-            </a:r>
-            <a:r>
-              <a:rPr lang="es-ES" sz="1100">
+              <a:t>color</a:t>
+            </a:r>
+            <a:r>
+              <a:rPr lang="en-US" sz="1100">
+                <a:latin typeface="Consolas" panose="020B0609020204030204" pitchFamily="49" charset="0"/>
+              </a:rPr>
+              <a:t> = '#4CAF50')</a:t>
+            </a:r>
+          </a:p>
+          <a:p>
+            <a:pPr marL="76200" indent="0" algn="just">
+              <a:buNone/>
+            </a:pPr>
+            <a:r>
+              <a:rPr lang="en-US" sz="1100">
+                <a:latin typeface="Consolas" panose="020B0609020204030204" pitchFamily="49" charset="0"/>
+              </a:rPr>
+              <a:t>plt.plot(y2, 'o-.r', </a:t>
+            </a:r>
+            <a:r>
+              <a:rPr lang="en-US" sz="1100">
                 <a:solidFill>
                   <a:schemeClr val="accent1"/>
                 </a:solidFill>
                 <a:latin typeface="Consolas" panose="020B0609020204030204" pitchFamily="49" charset="0"/>
               </a:rPr>
-              <a:t>)</a:t>
-            </a:r>
-          </a:p>
-          <a:p>
-            <a:pPr marL="76200" indent="0" algn="just">
-              <a:buNone/>
-            </a:pPr>
-            <a:r>
-              <a:rPr lang="es-ES" sz="1100">
-                <a:latin typeface="Consolas" panose="020B0609020204030204" pitchFamily="49" charset="0"/>
-              </a:rPr>
-              <a:t>plt.</a:t>
-            </a:r>
-            <a:r>
-              <a:rPr lang="es-ES" sz="1100">
+              <a:t>markersize</a:t>
+            </a:r>
+            <a:r>
+              <a:rPr lang="en-US" sz="1100">
+                <a:latin typeface="Consolas" panose="020B0609020204030204" pitchFamily="49" charset="0"/>
+              </a:rPr>
+              <a:t> = 9, </a:t>
+            </a:r>
+            <a:r>
+              <a:rPr lang="en-US" sz="1100">
                 <a:solidFill>
                   <a:schemeClr val="accent1"/>
                 </a:solidFill>
                 <a:latin typeface="Consolas" panose="020B0609020204030204" pitchFamily="49" charset="0"/>
               </a:rPr>
-              <a:t>ylabel(</a:t>
-            </a:r>
-            <a:r>
-              <a:rPr lang="es-ES" sz="1100">
-                <a:latin typeface="Consolas" panose="020B0609020204030204" pitchFamily="49" charset="0"/>
-              </a:rPr>
-              <a:t>'Calorie Burnage', labelFont</a:t>
-            </a:r>
-            <a:r>
-              <a:rPr lang="es-ES" sz="1100">
-                <a:solidFill>
-                  <a:schemeClr val="accent1"/>
-                </a:solidFill>
-                <a:latin typeface="Consolas" panose="020B0609020204030204" pitchFamily="49" charset="0"/>
-              </a:rPr>
-              <a:t>)</a:t>
+              <a:t>linewidth</a:t>
+            </a:r>
+            <a:r>
+              <a:rPr lang="en-US" sz="1100">
+                <a:latin typeface="Consolas" panose="020B0609020204030204" pitchFamily="49" charset="0"/>
+              </a:rPr>
+              <a:t> = 3)</a:t>
             </a:r>
           </a:p>
           <a:p>
@@ -17681,14 +17648,11 @@
               <a:buNone/>
             </a:pPr>
             <a:r>
-              <a:rPr lang="es-ES" sz="1100">
+              <a:rPr lang="en-US" sz="1100">
                 <a:latin typeface="Consolas" panose="020B0609020204030204" pitchFamily="49" charset="0"/>
               </a:rPr>
               <a:t>plt.show()</a:t>
             </a:r>
-            <a:endParaRPr lang="en-US" sz="1100">
-              <a:latin typeface="Consolas" panose="020B0609020204030204" pitchFamily="49" charset="0"/>
-            </a:endParaRPr>
           </a:p>
         </p:txBody>
       </p:sp>
@@ -17733,7 +17697,7 @@
     </p:spTree>
     <p:extLst>
       <p:ext uri="{BB962C8B-B14F-4D97-AF65-F5344CB8AC3E}">
-        <p14:creationId xmlns:p14="http://schemas.microsoft.com/office/powerpoint/2010/main" val="663824243"/>
+        <p14:creationId xmlns:p14="http://schemas.microsoft.com/office/powerpoint/2010/main" val="2946997255"/>
       </p:ext>
     </p:extLst>
   </p:cSld>
@@ -17783,6 +17747,314 @@
           <a:p>
             <a:r>
               <a:rPr lang="en-US"/>
+              <a:t>Text</a:t>
+            </a:r>
+            <a:endParaRPr lang="fa-IR"/>
+          </a:p>
+        </p:txBody>
+      </p:sp>
+      <p:sp>
+        <p:nvSpPr>
+          <p:cNvPr id="3" name="Text Placeholder 2">
+            <a:extLst>
+              <a:ext uri="{FF2B5EF4-FFF2-40B4-BE49-F238E27FC236}">
+                <a16:creationId xmlns:a16="http://schemas.microsoft.com/office/drawing/2014/main" id="{58BE3078-8B89-4550-B497-93E4DADBD57E}"/>
+              </a:ext>
+            </a:extLst>
+          </p:cNvPr>
+          <p:cNvSpPr>
+            <a:spLocks noGrp="1"/>
+          </p:cNvSpPr>
+          <p:nvPr>
+            <p:ph type="body" idx="1"/>
+          </p:nvPr>
+        </p:nvSpPr>
+        <p:spPr>
+          <a:xfrm>
+            <a:off x="786150" y="1142608"/>
+            <a:ext cx="7571700" cy="3626431"/>
+          </a:xfrm>
+        </p:spPr>
+        <p:txBody>
+          <a:bodyPr/>
+          <a:lstStyle/>
+          <a:p>
+            <a:pPr marL="76200" indent="0" algn="just">
+              <a:buNone/>
+            </a:pPr>
+            <a:r>
+              <a:rPr lang="en-US"/>
+              <a:t>Title and labels</a:t>
+            </a:r>
+            <a:endParaRPr lang="en-US" sz="1400"/>
+          </a:p>
+          <a:p>
+            <a:pPr marL="76200" indent="0" algn="just">
+              <a:buNone/>
+            </a:pPr>
+            <a:r>
+              <a:rPr lang="es-ES" sz="1100">
+                <a:latin typeface="Consolas" panose="020B0609020204030204" pitchFamily="49" charset="0"/>
+              </a:rPr>
+              <a:t>x = np.array([80, 85, 90, 95, 100, 105, 110, 115, 120, 125])</a:t>
+            </a:r>
+          </a:p>
+          <a:p>
+            <a:pPr marL="76200" indent="0" algn="just">
+              <a:buNone/>
+            </a:pPr>
+            <a:r>
+              <a:rPr lang="es-ES" sz="1100">
+                <a:latin typeface="Consolas" panose="020B0609020204030204" pitchFamily="49" charset="0"/>
+              </a:rPr>
+              <a:t>y = np.array([240, 255, 259, 265, 270, 290, 305, 306, 325, 330])</a:t>
+            </a:r>
+          </a:p>
+          <a:p>
+            <a:pPr marL="76200" indent="0" algn="just">
+              <a:buNone/>
+            </a:pPr>
+            <a:r>
+              <a:rPr lang="es-ES" sz="1100">
+                <a:latin typeface="Consolas" panose="020B0609020204030204" pitchFamily="49" charset="0"/>
+              </a:rPr>
+              <a:t>titleFont = {'family': 'Trebuchet MS', 'color': '#0091EA', 'size': 14}</a:t>
+            </a:r>
+          </a:p>
+          <a:p>
+            <a:pPr marL="76200" indent="0" algn="just">
+              <a:buNone/>
+            </a:pPr>
+            <a:r>
+              <a:rPr lang="es-ES" sz="1100">
+                <a:latin typeface="Consolas" panose="020B0609020204030204" pitchFamily="49" charset="0"/>
+              </a:rPr>
+              <a:t>labelFont = {'family': 'Consolas', 'color': 'black', 'size': 11}</a:t>
+            </a:r>
+          </a:p>
+          <a:p>
+            <a:pPr marL="76200" indent="0" algn="just">
+              <a:buNone/>
+            </a:pPr>
+            <a:r>
+              <a:rPr lang="es-ES" sz="1100">
+                <a:latin typeface="Consolas" panose="020B0609020204030204" pitchFamily="49" charset="0"/>
+              </a:rPr>
+              <a:t>plt.plot(x, y)</a:t>
+            </a:r>
+          </a:p>
+          <a:p>
+            <a:pPr marL="76200" indent="0" algn="just">
+              <a:buNone/>
+            </a:pPr>
+            <a:r>
+              <a:rPr lang="es-ES" sz="1100">
+                <a:latin typeface="Consolas" panose="020B0609020204030204" pitchFamily="49" charset="0"/>
+              </a:rPr>
+              <a:t>plt.</a:t>
+            </a:r>
+            <a:r>
+              <a:rPr lang="es-ES" sz="1100">
+                <a:solidFill>
+                  <a:schemeClr val="accent1"/>
+                </a:solidFill>
+                <a:latin typeface="Consolas" panose="020B0609020204030204" pitchFamily="49" charset="0"/>
+              </a:rPr>
+              <a:t>title(</a:t>
+            </a:r>
+            <a:r>
+              <a:rPr lang="es-ES" sz="1100">
+                <a:latin typeface="Consolas" panose="020B0609020204030204" pitchFamily="49" charset="0"/>
+              </a:rPr>
+              <a:t>'Sports Watch Data', titleFont</a:t>
+            </a:r>
+            <a:r>
+              <a:rPr lang="es-ES" sz="1100">
+                <a:solidFill>
+                  <a:schemeClr val="accent1"/>
+                </a:solidFill>
+                <a:latin typeface="Consolas" panose="020B0609020204030204" pitchFamily="49" charset="0"/>
+              </a:rPr>
+              <a:t>)</a:t>
+            </a:r>
+          </a:p>
+          <a:p>
+            <a:pPr marL="76200" indent="0" algn="just">
+              <a:buNone/>
+            </a:pPr>
+            <a:r>
+              <a:rPr lang="es-ES" sz="1100">
+                <a:latin typeface="Consolas" panose="020B0609020204030204" pitchFamily="49" charset="0"/>
+              </a:rPr>
+              <a:t>plt.</a:t>
+            </a:r>
+            <a:r>
+              <a:rPr lang="es-ES" sz="1100">
+                <a:solidFill>
+                  <a:schemeClr val="accent1"/>
+                </a:solidFill>
+                <a:latin typeface="Consolas" panose="020B0609020204030204" pitchFamily="49" charset="0"/>
+              </a:rPr>
+              <a:t>xlabel(</a:t>
+            </a:r>
+            <a:r>
+              <a:rPr lang="es-ES" sz="1100">
+                <a:latin typeface="Consolas" panose="020B0609020204030204" pitchFamily="49" charset="0"/>
+              </a:rPr>
+              <a:t>'Average Pulse', labelFont</a:t>
+            </a:r>
+            <a:r>
+              <a:rPr lang="es-ES" sz="1100">
+                <a:solidFill>
+                  <a:schemeClr val="accent1"/>
+                </a:solidFill>
+                <a:latin typeface="Consolas" panose="020B0609020204030204" pitchFamily="49" charset="0"/>
+              </a:rPr>
+              <a:t>)</a:t>
+            </a:r>
+          </a:p>
+          <a:p>
+            <a:pPr marL="76200" indent="0" algn="just">
+              <a:buNone/>
+            </a:pPr>
+            <a:r>
+              <a:rPr lang="es-ES" sz="1100">
+                <a:latin typeface="Consolas" panose="020B0609020204030204" pitchFamily="49" charset="0"/>
+              </a:rPr>
+              <a:t>plt.</a:t>
+            </a:r>
+            <a:r>
+              <a:rPr lang="es-ES" sz="1100">
+                <a:solidFill>
+                  <a:schemeClr val="accent1"/>
+                </a:solidFill>
+                <a:latin typeface="Consolas" panose="020B0609020204030204" pitchFamily="49" charset="0"/>
+              </a:rPr>
+              <a:t>ylabel(</a:t>
+            </a:r>
+            <a:r>
+              <a:rPr lang="es-ES" sz="1100">
+                <a:latin typeface="Consolas" panose="020B0609020204030204" pitchFamily="49" charset="0"/>
+              </a:rPr>
+              <a:t>'Calorie Burnage', labelFont</a:t>
+            </a:r>
+            <a:r>
+              <a:rPr lang="es-ES" sz="1100">
+                <a:solidFill>
+                  <a:schemeClr val="accent1"/>
+                </a:solidFill>
+                <a:latin typeface="Consolas" panose="020B0609020204030204" pitchFamily="49" charset="0"/>
+              </a:rPr>
+              <a:t>)</a:t>
+            </a:r>
+          </a:p>
+          <a:p>
+            <a:pPr marL="76200" indent="0" algn="just">
+              <a:buNone/>
+            </a:pPr>
+            <a:r>
+              <a:rPr lang="es-ES" sz="1100">
+                <a:latin typeface="Consolas" panose="020B0609020204030204" pitchFamily="49" charset="0"/>
+              </a:rPr>
+              <a:t>plt.show()</a:t>
+            </a:r>
+            <a:endParaRPr lang="en-US" sz="1100">
+              <a:latin typeface="Consolas" panose="020B0609020204030204" pitchFamily="49" charset="0"/>
+            </a:endParaRPr>
+          </a:p>
+        </p:txBody>
+      </p:sp>
+      <p:sp>
+        <p:nvSpPr>
+          <p:cNvPr id="4" name="Slide Number Placeholder 3">
+            <a:extLst>
+              <a:ext uri="{FF2B5EF4-FFF2-40B4-BE49-F238E27FC236}">
+                <a16:creationId xmlns:a16="http://schemas.microsoft.com/office/drawing/2014/main" id="{64987AE6-EC0E-43DD-9376-95A5602EE5E1}"/>
+              </a:ext>
+            </a:extLst>
+          </p:cNvPr>
+          <p:cNvSpPr>
+            <a:spLocks noGrp="1"/>
+          </p:cNvSpPr>
+          <p:nvPr>
+            <p:ph type="sldNum" idx="12"/>
+          </p:nvPr>
+        </p:nvSpPr>
+        <p:spPr/>
+        <p:txBody>
+          <a:bodyPr/>
+          <a:lstStyle/>
+          <a:p>
+            <a:pPr marL="0" lvl="0" indent="0" algn="r" rtl="0">
+              <a:spcBef>
+                <a:spcPts val="0"/>
+              </a:spcBef>
+              <a:spcAft>
+                <a:spcPts val="0"/>
+              </a:spcAft>
+              <a:buNone/>
+            </a:pPr>
+            <a:fld id="{00000000-1234-1234-1234-123412341234}" type="slidenum">
+              <a:rPr lang="en" smtClean="0"/>
+              <a:t>31</a:t>
+            </a:fld>
+            <a:endParaRPr lang="en"/>
+          </a:p>
+        </p:txBody>
+      </p:sp>
+    </p:spTree>
+    <p:extLst>
+      <p:ext uri="{BB962C8B-B14F-4D97-AF65-F5344CB8AC3E}">
+        <p14:creationId xmlns:p14="http://schemas.microsoft.com/office/powerpoint/2010/main" val="663824243"/>
+      </p:ext>
+    </p:extLst>
+  </p:cSld>
+  <p:clrMapOvr>
+    <a:masterClrMapping/>
+  </p:clrMapOvr>
+</p:sld>
+</file>
+
+<file path=ppt/slides/slide32.xml><?xml version="1.0" encoding="utf-8"?>
+<p:sld xmlns:a="http://schemas.openxmlformats.org/drawingml/2006/main" xmlns:r="http://schemas.openxmlformats.org/officeDocument/2006/relationships" xmlns:p="http://schemas.openxmlformats.org/presentationml/2006/main">
+  <p:cSld>
+    <p:spTree>
+      <p:nvGrpSpPr>
+        <p:cNvPr id="1" name=""/>
+        <p:cNvGrpSpPr/>
+        <p:nvPr/>
+      </p:nvGrpSpPr>
+      <p:grpSpPr>
+        <a:xfrm>
+          <a:off x="0" y="0"/>
+          <a:ext cx="0" cy="0"/>
+          <a:chOff x="0" y="0"/>
+          <a:chExt cx="0" cy="0"/>
+        </a:xfrm>
+      </p:grpSpPr>
+      <p:sp>
+        <p:nvSpPr>
+          <p:cNvPr id="2" name="Title 1">
+            <a:extLst>
+              <a:ext uri="{FF2B5EF4-FFF2-40B4-BE49-F238E27FC236}">
+                <a16:creationId xmlns:a16="http://schemas.microsoft.com/office/drawing/2014/main" id="{024AD384-5AD1-4435-A943-1241B2FACD62}"/>
+              </a:ext>
+            </a:extLst>
+          </p:cNvPr>
+          <p:cNvSpPr>
+            <a:spLocks noGrp="1"/>
+          </p:cNvSpPr>
+          <p:nvPr>
+            <p:ph type="title"/>
+          </p:nvPr>
+        </p:nvSpPr>
+        <p:spPr/>
+        <p:txBody>
+          <a:bodyPr/>
+          <a:lstStyle/>
+          <a:p>
+            <a:r>
+              <a:rPr lang="en-US"/>
               <a:t>Plot Types</a:t>
             </a:r>
             <a:endParaRPr lang="fa-IR"/>
@@ -17873,7 +18145,7 @@
             </a:pPr>
             <a:fld id="{00000000-1234-1234-1234-123412341234}" type="slidenum">
               <a:rPr lang="en" smtClean="0"/>
-              <a:t>31</a:t>
+              <a:t>32</a:t>
             </a:fld>
             <a:endParaRPr lang="en"/>
           </a:p>
@@ -17950,7 +18222,7 @@
 </p:sld>
 </file>
 
-<file path=ppt/slides/slide32.xml><?xml version="1.0" encoding="utf-8"?>
+<file path=ppt/slides/slide33.xml><?xml version="1.0" encoding="utf-8"?>
 <p:sld xmlns:a="http://schemas.openxmlformats.org/drawingml/2006/main" xmlns:r="http://schemas.openxmlformats.org/officeDocument/2006/relationships" xmlns:p="http://schemas.openxmlformats.org/presentationml/2006/main">
   <p:cSld>
     <p:spTree>
@@ -18203,7 +18475,7 @@
             </a:pPr>
             <a:fld id="{00000000-1234-1234-1234-123412341234}" type="slidenum">
               <a:rPr lang="en"/>
-              <a:t>32</a:t>
+              <a:t>33</a:t>
             </a:fld>
             <a:endParaRPr/>
           </a:p>
@@ -18218,6 +18490,186 @@
 </file>
 
 <file path=ppt/slides/slide4.xml><?xml version="1.0" encoding="utf-8"?>
+<p:sld xmlns:a="http://schemas.openxmlformats.org/drawingml/2006/main" xmlns:r="http://schemas.openxmlformats.org/officeDocument/2006/relationships" xmlns:p="http://schemas.openxmlformats.org/presentationml/2006/main">
+  <p:cSld>
+    <p:spTree>
+      <p:nvGrpSpPr>
+        <p:cNvPr id="1" name=""/>
+        <p:cNvGrpSpPr/>
+        <p:nvPr/>
+      </p:nvGrpSpPr>
+      <p:grpSpPr>
+        <a:xfrm>
+          <a:off x="0" y="0"/>
+          <a:ext cx="0" cy="0"/>
+          <a:chOff x="0" y="0"/>
+          <a:chExt cx="0" cy="0"/>
+        </a:xfrm>
+      </p:grpSpPr>
+      <p:sp>
+        <p:nvSpPr>
+          <p:cNvPr id="2" name="Title 1">
+            <a:extLst>
+              <a:ext uri="{FF2B5EF4-FFF2-40B4-BE49-F238E27FC236}">
+                <a16:creationId xmlns:a16="http://schemas.microsoft.com/office/drawing/2014/main" id="{024AD384-5AD1-4435-A943-1241B2FACD62}"/>
+              </a:ext>
+            </a:extLst>
+          </p:cNvPr>
+          <p:cNvSpPr>
+            <a:spLocks noGrp="1"/>
+          </p:cNvSpPr>
+          <p:nvPr>
+            <p:ph type="title"/>
+          </p:nvPr>
+        </p:nvSpPr>
+        <p:spPr/>
+        <p:txBody>
+          <a:bodyPr/>
+          <a:lstStyle/>
+          <a:p>
+            <a:r>
+              <a:rPr lang="en-US"/>
+              <a:t>Data Science</a:t>
+            </a:r>
+            <a:endParaRPr lang="fa-IR"/>
+          </a:p>
+        </p:txBody>
+      </p:sp>
+      <p:sp>
+        <p:nvSpPr>
+          <p:cNvPr id="3" name="Text Placeholder 2">
+            <a:extLst>
+              <a:ext uri="{FF2B5EF4-FFF2-40B4-BE49-F238E27FC236}">
+                <a16:creationId xmlns:a16="http://schemas.microsoft.com/office/drawing/2014/main" id="{58BE3078-8B89-4550-B497-93E4DADBD57E}"/>
+              </a:ext>
+            </a:extLst>
+          </p:cNvPr>
+          <p:cNvSpPr>
+            <a:spLocks noGrp="1"/>
+          </p:cNvSpPr>
+          <p:nvPr>
+            <p:ph type="body" idx="1"/>
+          </p:nvPr>
+        </p:nvSpPr>
+        <p:spPr>
+          <a:xfrm>
+            <a:off x="786150" y="1142608"/>
+            <a:ext cx="3785850" cy="3626431"/>
+          </a:xfrm>
+        </p:spPr>
+        <p:txBody>
+          <a:bodyPr/>
+          <a:lstStyle/>
+          <a:p>
+            <a:pPr marL="76200" indent="0" algn="just">
+              <a:buNone/>
+            </a:pPr>
+            <a:r>
+              <a:rPr lang="en-US" sz="1400"/>
+              <a:t>A Data Scientist helps companies with data-driven decisions, to make their business better.</a:t>
+            </a:r>
+          </a:p>
+          <a:p>
+            <a:pPr marL="76200" indent="0" algn="just">
+              <a:buNone/>
+            </a:pPr>
+            <a:r>
+              <a:rPr lang="en-US" sz="1400"/>
+              <a:t>Data Science is a combination of multiple disciplines that uses statistics, data analysis, and machine learning to analyze data and to extract knowledge and insights from it.</a:t>
+            </a:r>
+          </a:p>
+          <a:p>
+            <a:pPr marL="76200" indent="0" algn="just">
+              <a:buNone/>
+            </a:pPr>
+            <a:r>
+              <a:rPr lang="en-US" sz="1400"/>
+              <a:t>Data Science is about data gathering, finding patterns in data, data analysis, make future predictions and decision-making.</a:t>
+            </a:r>
+          </a:p>
+        </p:txBody>
+      </p:sp>
+      <p:sp>
+        <p:nvSpPr>
+          <p:cNvPr id="4" name="Slide Number Placeholder 3">
+            <a:extLst>
+              <a:ext uri="{FF2B5EF4-FFF2-40B4-BE49-F238E27FC236}">
+                <a16:creationId xmlns:a16="http://schemas.microsoft.com/office/drawing/2014/main" id="{64987AE6-EC0E-43DD-9376-95A5602EE5E1}"/>
+              </a:ext>
+            </a:extLst>
+          </p:cNvPr>
+          <p:cNvSpPr>
+            <a:spLocks noGrp="1"/>
+          </p:cNvSpPr>
+          <p:nvPr>
+            <p:ph type="sldNum" idx="12"/>
+          </p:nvPr>
+        </p:nvSpPr>
+        <p:spPr/>
+        <p:txBody>
+          <a:bodyPr/>
+          <a:lstStyle/>
+          <a:p>
+            <a:pPr marL="0" lvl="0" indent="0" algn="r" rtl="0">
+              <a:spcBef>
+                <a:spcPts val="0"/>
+              </a:spcBef>
+              <a:spcAft>
+                <a:spcPts val="0"/>
+              </a:spcAft>
+              <a:buNone/>
+            </a:pPr>
+            <a:fld id="{00000000-1234-1234-1234-123412341234}" type="slidenum">
+              <a:rPr lang="en" smtClean="0"/>
+              <a:t>4</a:t>
+            </a:fld>
+            <a:endParaRPr lang="en"/>
+          </a:p>
+        </p:txBody>
+      </p:sp>
+      <p:pic>
+        <p:nvPicPr>
+          <p:cNvPr id="6" name="Picture 5">
+            <a:extLst>
+              <a:ext uri="{FF2B5EF4-FFF2-40B4-BE49-F238E27FC236}">
+                <a16:creationId xmlns:a16="http://schemas.microsoft.com/office/drawing/2014/main" id="{6D0C871E-937D-487A-B5C4-609476DCC06C}"/>
+              </a:ext>
+            </a:extLst>
+          </p:cNvPr>
+          <p:cNvPicPr>
+            <a:picLocks noChangeAspect="1"/>
+          </p:cNvPicPr>
+          <p:nvPr/>
+        </p:nvPicPr>
+        <p:blipFill rotWithShape="1">
+          <a:blip r:embed="rId2"/>
+          <a:srcRect l="1116" t="4764" r="1319" b="10547"/>
+          <a:stretch/>
+        </p:blipFill>
+        <p:spPr>
+          <a:xfrm>
+            <a:off x="4963092" y="1783005"/>
+            <a:ext cx="3441292" cy="2345635"/>
+          </a:xfrm>
+          <a:prstGeom prst="rect">
+            <a:avLst/>
+          </a:prstGeom>
+        </p:spPr>
+      </p:pic>
+    </p:spTree>
+    <p:extLst>
+      <p:ext uri="{BB962C8B-B14F-4D97-AF65-F5344CB8AC3E}">
+        <p14:creationId xmlns:p14="http://schemas.microsoft.com/office/powerpoint/2010/main" val="1454247638"/>
+      </p:ext>
+    </p:extLst>
+  </p:cSld>
+  <p:clrMapOvr>
+    <a:masterClrMapping/>
+  </p:clrMapOvr>
+</p:sld>
+</file>
+
+<file path=ppt/slides/slide5.xml><?xml version="1.0" encoding="utf-8"?>
 <p:sld xmlns:a="http://schemas.openxmlformats.org/drawingml/2006/main" xmlns:r="http://schemas.openxmlformats.org/officeDocument/2006/relationships" xmlns:p="http://schemas.openxmlformats.org/presentationml/2006/main">
   <p:cSld>
     <p:spTree>
@@ -18327,7 +18779,7 @@
             </a:pPr>
             <a:fld id="{00000000-1234-1234-1234-123412341234}" type="slidenum">
               <a:rPr lang="en"/>
-              <a:t>4</a:t>
+              <a:t>5</a:t>
             </a:fld>
             <a:endParaRPr/>
           </a:p>
@@ -18337,272 +18789,6 @@
     <p:extLst>
       <p:ext uri="{BB962C8B-B14F-4D97-AF65-F5344CB8AC3E}">
         <p14:creationId xmlns:p14="http://schemas.microsoft.com/office/powerpoint/2010/main" val="2573329746"/>
-      </p:ext>
-    </p:extLst>
-  </p:cSld>
-  <p:clrMapOvr>
-    <a:masterClrMapping/>
-  </p:clrMapOvr>
-</p:sld>
-</file>
-
-<file path=ppt/slides/slide5.xml><?xml version="1.0" encoding="utf-8"?>
-<p:sld xmlns:a="http://schemas.openxmlformats.org/drawingml/2006/main" xmlns:r="http://schemas.openxmlformats.org/officeDocument/2006/relationships" xmlns:p="http://schemas.openxmlformats.org/presentationml/2006/main">
-  <p:cSld>
-    <p:spTree>
-      <p:nvGrpSpPr>
-        <p:cNvPr id="1" name=""/>
-        <p:cNvGrpSpPr/>
-        <p:nvPr/>
-      </p:nvGrpSpPr>
-      <p:grpSpPr>
-        <a:xfrm>
-          <a:off x="0" y="0"/>
-          <a:ext cx="0" cy="0"/>
-          <a:chOff x="0" y="0"/>
-          <a:chExt cx="0" cy="0"/>
-        </a:xfrm>
-      </p:grpSpPr>
-      <p:sp>
-        <p:nvSpPr>
-          <p:cNvPr id="2" name="Title 1">
-            <a:extLst>
-              <a:ext uri="{FF2B5EF4-FFF2-40B4-BE49-F238E27FC236}">
-                <a16:creationId xmlns:a16="http://schemas.microsoft.com/office/drawing/2014/main" id="{024AD384-5AD1-4435-A943-1241B2FACD62}"/>
-              </a:ext>
-            </a:extLst>
-          </p:cNvPr>
-          <p:cNvSpPr>
-            <a:spLocks noGrp="1"/>
-          </p:cNvSpPr>
-          <p:nvPr>
-            <p:ph type="title"/>
-          </p:nvPr>
-        </p:nvSpPr>
-        <p:spPr/>
-        <p:txBody>
-          <a:bodyPr/>
-          <a:lstStyle/>
-          <a:p>
-            <a:r>
-              <a:rPr lang="en-US"/>
-              <a:t>Introduction</a:t>
-            </a:r>
-            <a:endParaRPr lang="fa-IR"/>
-          </a:p>
-        </p:txBody>
-      </p:sp>
-      <p:sp>
-        <p:nvSpPr>
-          <p:cNvPr id="3" name="Text Placeholder 2">
-            <a:extLst>
-              <a:ext uri="{FF2B5EF4-FFF2-40B4-BE49-F238E27FC236}">
-                <a16:creationId xmlns:a16="http://schemas.microsoft.com/office/drawing/2014/main" id="{58BE3078-8B89-4550-B497-93E4DADBD57E}"/>
-              </a:ext>
-            </a:extLst>
-          </p:cNvPr>
-          <p:cNvSpPr>
-            <a:spLocks noGrp="1"/>
-          </p:cNvSpPr>
-          <p:nvPr>
-            <p:ph type="body" idx="1"/>
-          </p:nvPr>
-        </p:nvSpPr>
-        <p:spPr>
-          <a:xfrm>
-            <a:off x="786150" y="1142608"/>
-            <a:ext cx="7571700" cy="3626431"/>
-          </a:xfrm>
-        </p:spPr>
-        <p:txBody>
-          <a:bodyPr/>
-          <a:lstStyle/>
-          <a:p>
-            <a:pPr marL="76200" indent="0" algn="just">
-              <a:buNone/>
-            </a:pPr>
-            <a:r>
-              <a:rPr lang="en-US" sz="1400">
-                <a:solidFill>
-                  <a:schemeClr val="accent1"/>
-                </a:solidFill>
-              </a:rPr>
-              <a:t>NumPy</a:t>
-            </a:r>
-            <a:r>
-              <a:rPr lang="en-US" sz="1400"/>
-              <a:t> stands for </a:t>
-            </a:r>
-            <a:r>
-              <a:rPr lang="en-US" sz="1400">
-                <a:solidFill>
-                  <a:schemeClr val="accent1"/>
-                </a:solidFill>
-              </a:rPr>
-              <a:t>Numerical Python</a:t>
-            </a:r>
-            <a:r>
-              <a:rPr lang="en-US" sz="1400"/>
-              <a:t>.</a:t>
-            </a:r>
-          </a:p>
-          <a:p>
-            <a:pPr marL="76200" indent="0" algn="just">
-              <a:buNone/>
-            </a:pPr>
-            <a:r>
-              <a:rPr lang="en-US" sz="1400"/>
-              <a:t>NumPy is a Python library used for working with </a:t>
-            </a:r>
-            <a:r>
-              <a:rPr lang="en-US" sz="1400">
-                <a:solidFill>
-                  <a:schemeClr val="accent1"/>
-                </a:solidFill>
-              </a:rPr>
-              <a:t>arrays</a:t>
-            </a:r>
-            <a:r>
-              <a:rPr lang="en-US" sz="1400"/>
-              <a:t>. It also has functions for working in domain of linear algebra, fourier transform, and matrices.</a:t>
-            </a:r>
-          </a:p>
-          <a:p>
-            <a:pPr marL="76200" indent="0" algn="just">
-              <a:buNone/>
-            </a:pPr>
-            <a:r>
-              <a:rPr lang="en-US" sz="1400"/>
-              <a:t>NumPy aims to provide an array object that is up to 50x faster than lists. Arrays are very frequently used in data science. The array object in NumPy is called </a:t>
-            </a:r>
-            <a:r>
-              <a:rPr lang="en-US" sz="1400">
-                <a:solidFill>
-                  <a:schemeClr val="accent1"/>
-                </a:solidFill>
-              </a:rPr>
-              <a:t>ndarray</a:t>
-            </a:r>
-            <a:r>
-              <a:rPr lang="en-US" sz="1400"/>
-              <a:t>.</a:t>
-            </a:r>
-          </a:p>
-          <a:p>
-            <a:pPr marL="76200" indent="0" algn="just">
-              <a:buNone/>
-            </a:pPr>
-            <a:r>
-              <a:rPr lang="en-US" sz="1400"/>
-              <a:t>Numpy documentation: </a:t>
-            </a:r>
-            <a:r>
-              <a:rPr lang="en-US" sz="1100">
-                <a:latin typeface="Consolas" panose="020B0609020204030204" pitchFamily="49" charset="0"/>
-                <a:hlinkClick r:id="rId2"/>
-              </a:rPr>
-              <a:t>https://numpy.org/doc/</a:t>
-            </a:r>
-            <a:endParaRPr lang="en-US" sz="1100">
-              <a:latin typeface="Consolas" panose="020B0609020204030204" pitchFamily="49" charset="0"/>
-            </a:endParaRPr>
-          </a:p>
-          <a:p>
-            <a:pPr marL="76200" indent="0" algn="just">
-              <a:buNone/>
-            </a:pPr>
-            <a:endParaRPr lang="en-US" sz="1100">
-              <a:latin typeface="Consolas" panose="020B0609020204030204" pitchFamily="49" charset="0"/>
-            </a:endParaRPr>
-          </a:p>
-          <a:p>
-            <a:pPr marL="76200" indent="0" algn="just">
-              <a:buNone/>
-            </a:pPr>
-            <a:r>
-              <a:rPr lang="en-US" sz="1400"/>
-              <a:t>Import</a:t>
-            </a:r>
-          </a:p>
-          <a:p>
-            <a:pPr marL="76200" indent="0" algn="just">
-              <a:buNone/>
-            </a:pPr>
-            <a:r>
-              <a:rPr lang="en-US" sz="1100">
-                <a:latin typeface="Consolas" panose="020B0609020204030204" pitchFamily="49" charset="0"/>
-              </a:rPr>
-              <a:t>import </a:t>
-            </a:r>
-            <a:r>
-              <a:rPr lang="en-US" sz="1100">
-                <a:solidFill>
-                  <a:schemeClr val="accent1"/>
-                </a:solidFill>
-                <a:latin typeface="Consolas" panose="020B0609020204030204" pitchFamily="49" charset="0"/>
-              </a:rPr>
-              <a:t>numpy</a:t>
-            </a:r>
-            <a:r>
-              <a:rPr lang="en-US" sz="1100">
-                <a:latin typeface="Consolas" panose="020B0609020204030204" pitchFamily="49" charset="0"/>
-              </a:rPr>
-              <a:t> as </a:t>
-            </a:r>
-            <a:r>
-              <a:rPr lang="en-US" sz="1100">
-                <a:solidFill>
-                  <a:schemeClr val="accent1"/>
-                </a:solidFill>
-                <a:latin typeface="Consolas" panose="020B0609020204030204" pitchFamily="49" charset="0"/>
-              </a:rPr>
-              <a:t>np</a:t>
-            </a:r>
-          </a:p>
-        </p:txBody>
-      </p:sp>
-      <p:sp>
-        <p:nvSpPr>
-          <p:cNvPr id="4" name="Slide Number Placeholder 3">
-            <a:extLst>
-              <a:ext uri="{FF2B5EF4-FFF2-40B4-BE49-F238E27FC236}">
-                <a16:creationId xmlns:a16="http://schemas.microsoft.com/office/drawing/2014/main" id="{64987AE6-EC0E-43DD-9376-95A5602EE5E1}"/>
-              </a:ext>
-            </a:extLst>
-          </p:cNvPr>
-          <p:cNvSpPr>
-            <a:spLocks noGrp="1"/>
-          </p:cNvSpPr>
-          <p:nvPr>
-            <p:ph type="sldNum" idx="12"/>
-          </p:nvPr>
-        </p:nvSpPr>
-        <p:spPr/>
-        <p:txBody>
-          <a:bodyPr/>
-          <a:lstStyle/>
-          <a:p>
-            <a:pPr marL="0" lvl="0" indent="0" algn="r" rtl="0">
-              <a:spcBef>
-                <a:spcPts val="0"/>
-              </a:spcBef>
-              <a:spcAft>
-                <a:spcPts val="0"/>
-              </a:spcAft>
-              <a:buNone/>
-            </a:pPr>
-            <a:fld id="{00000000-1234-1234-1234-123412341234}" type="slidenum">
-              <a:rPr lang="en" smtClean="0"/>
-              <a:t>5</a:t>
-            </a:fld>
-            <a:endParaRPr lang="en"/>
-          </a:p>
-        </p:txBody>
-      </p:sp>
-    </p:spTree>
-    <p:extLst>
-      <p:ext uri="{BB962C8B-B14F-4D97-AF65-F5344CB8AC3E}">
-        <p14:creationId xmlns:p14="http://schemas.microsoft.com/office/powerpoint/2010/main" val="4156460407"/>
       </p:ext>
     </p:extLst>
   </p:cSld>
@@ -18651,8 +18837,8 @@
           <a:lstStyle/>
           <a:p>
             <a:r>
-              <a:rPr lang="en-US" sz="2400"/>
-              <a:t>Arrays</a:t>
+              <a:rPr lang="en-US"/>
+              <a:t>Introduction</a:t>
             </a:r>
             <a:endParaRPr lang="fa-IR"/>
           </a:p>
@@ -18688,49 +18874,28 @@
               <a:buNone/>
             </a:pPr>
             <a:r>
-              <a:rPr lang="en-US" sz="1400"/>
-              <a:t>Create</a:t>
-            </a:r>
-          </a:p>
-          <a:p>
-            <a:pPr marL="76200" indent="0" algn="just">
-              <a:buNone/>
-            </a:pPr>
-            <a:r>
-              <a:rPr lang="en-US" sz="1100">
-                <a:latin typeface="Consolas" panose="020B0609020204030204" pitchFamily="49" charset="0"/>
-              </a:rPr>
-              <a:t>arr0 = np.</a:t>
-            </a:r>
-            <a:r>
-              <a:rPr lang="en-US" sz="1100">
+              <a:rPr lang="en-US" sz="1400">
                 <a:solidFill>
                   <a:schemeClr val="accent1"/>
                 </a:solidFill>
-                <a:latin typeface="Consolas" panose="020B0609020204030204" pitchFamily="49" charset="0"/>
-              </a:rPr>
-              <a:t>array(</a:t>
-            </a:r>
-            <a:r>
-              <a:rPr lang="en-US" sz="1100">
-                <a:latin typeface="Consolas" panose="020B0609020204030204" pitchFamily="49" charset="0"/>
-              </a:rPr>
-              <a:t>1</a:t>
-            </a:r>
-            <a:r>
-              <a:rPr lang="en-US" sz="1100">
+              </a:rPr>
+              <a:t>NumPy</a:t>
+            </a:r>
+            <a:r>
+              <a:rPr lang="en-US" sz="1400"/>
+              <a:t> stands for </a:t>
+            </a:r>
+            <a:r>
+              <a:rPr lang="en-US" sz="1400">
                 <a:solidFill>
                   <a:schemeClr val="accent1"/>
                 </a:solidFill>
-                <a:latin typeface="Consolas" panose="020B0609020204030204" pitchFamily="49" charset="0"/>
-              </a:rPr>
-              <a:t>)</a:t>
-            </a:r>
-            <a:r>
-              <a:rPr lang="en-US" sz="1100">
-                <a:latin typeface="Consolas" panose="020B0609020204030204" pitchFamily="49" charset="0"/>
-              </a:rPr>
-              <a:t> </a:t>
+              </a:rPr>
+              <a:t>Numerical Python</a:t>
+            </a:r>
+            <a:r>
+              <a:rPr lang="en-US" sz="1400"/>
+              <a:t>.</a:t>
             </a:r>
           </a:p>
           <a:p>
@@ -18738,64 +18903,58 @@
               <a:buNone/>
             </a:pPr>
             <a:r>
-              <a:rPr lang="en-US" sz="1100">
-                <a:latin typeface="Consolas" panose="020B0609020204030204" pitchFamily="49" charset="0"/>
-              </a:rPr>
-              <a:t>arr1 = np.array([1, 2, 3])</a:t>
-            </a:r>
-          </a:p>
-          <a:p>
-            <a:pPr marL="76200" indent="0" algn="just">
-              <a:buNone/>
-            </a:pPr>
-            <a:r>
-              <a:rPr lang="en-US" sz="1100">
-                <a:latin typeface="Consolas" panose="020B0609020204030204" pitchFamily="49" charset="0"/>
-              </a:rPr>
-              <a:t>arr2 = np.array([[1, 2, 3], [2, 3, 4]])</a:t>
-            </a:r>
-          </a:p>
-          <a:p>
-            <a:pPr marL="76200" indent="0" algn="just">
-              <a:buNone/>
-            </a:pPr>
-            <a:r>
-              <a:rPr lang="en-US" sz="1100">
-                <a:latin typeface="Consolas" panose="020B0609020204030204" pitchFamily="49" charset="0"/>
-              </a:rPr>
-              <a:t>arr3 = np.array([[[1, 2, 3], [2, 3, 4]], [[3, 4, 5], [4, 5, 6]]])</a:t>
-            </a:r>
-          </a:p>
-          <a:p>
-            <a:pPr marL="76200" indent="0" algn="just">
-              <a:buNone/>
-            </a:pPr>
-            <a:r>
-              <a:rPr lang="en-US" sz="1100">
-                <a:latin typeface="Consolas" panose="020B0609020204030204" pitchFamily="49" charset="0"/>
-              </a:rPr>
-              <a:t>print(arr2</a:t>
-            </a:r>
-            <a:r>
-              <a:rPr lang="en-US" sz="1100">
+              <a:rPr lang="en-US" sz="1400"/>
+              <a:t>NumPy is a Python library used for working with </a:t>
+            </a:r>
+            <a:r>
+              <a:rPr lang="en-US" sz="1400">
                 <a:solidFill>
                   <a:schemeClr val="accent1"/>
                 </a:solidFill>
-                <a:latin typeface="Consolas" panose="020B0609020204030204" pitchFamily="49" charset="0"/>
-              </a:rPr>
-              <a:t>.ndim</a:t>
-            </a:r>
-            <a:r>
-              <a:rPr lang="en-US" sz="1100">
-                <a:latin typeface="Consolas" panose="020B0609020204030204" pitchFamily="49" charset="0"/>
-              </a:rPr>
-              <a:t>)</a:t>
+              </a:rPr>
+              <a:t>arrays</a:t>
+            </a:r>
+            <a:r>
+              <a:rPr lang="en-US" sz="1400"/>
+              <a:t>. It also has functions for working in domain of linear algebra, fourier transform, and matrices.</a:t>
             </a:r>
           </a:p>
           <a:p>
             <a:pPr marL="76200" indent="0" algn="just">
               <a:buNone/>
             </a:pPr>
+            <a:r>
+              <a:rPr lang="en-US" sz="1400"/>
+              <a:t>NumPy aims to provide an array object that is up to 50x faster than lists. Arrays are very frequently used in data science. The array object in NumPy is called </a:t>
+            </a:r>
+            <a:r>
+              <a:rPr lang="en-US" sz="1400">
+                <a:solidFill>
+                  <a:schemeClr val="accent1"/>
+                </a:solidFill>
+              </a:rPr>
+              <a:t>ndarray</a:t>
+            </a:r>
+            <a:r>
+              <a:rPr lang="en-US" sz="1400"/>
+              <a:t>.</a:t>
+            </a:r>
+          </a:p>
+          <a:p>
+            <a:pPr marL="76200" indent="0" algn="just">
+              <a:buNone/>
+            </a:pPr>
+            <a:r>
+              <a:rPr lang="en-US" sz="1400"/>
+              <a:t>Numpy documentation: </a:t>
+            </a:r>
+            <a:r>
+              <a:rPr lang="en-US" sz="1100">
+                <a:latin typeface="Consolas" panose="020B0609020204030204" pitchFamily="49" charset="0"/>
+                <a:hlinkClick r:id="rId2"/>
+              </a:rPr>
+              <a:t>https://numpy.org/doc/</a:t>
+            </a:r>
             <a:endParaRPr lang="en-US" sz="1100">
               <a:latin typeface="Consolas" panose="020B0609020204030204" pitchFamily="49" charset="0"/>
             </a:endParaRPr>
@@ -18804,9 +18963,17 @@
             <a:pPr marL="76200" indent="0" algn="just">
               <a:buNone/>
             </a:pPr>
+            <a:endParaRPr lang="en-US" sz="1100">
+              <a:latin typeface="Consolas" panose="020B0609020204030204" pitchFamily="49" charset="0"/>
+            </a:endParaRPr>
+          </a:p>
+          <a:p>
+            <a:pPr marL="76200" indent="0" algn="just">
+              <a:buNone/>
+            </a:pPr>
             <a:r>
               <a:rPr lang="en-US" sz="1400"/>
-              <a:t>Slice</a:t>
+              <a:t>Import</a:t>
             </a:r>
           </a:p>
           <a:p>
@@ -18817,18 +18984,7 @@
               <a:rPr lang="en-US" sz="1100">
                 <a:latin typeface="Consolas" panose="020B0609020204030204" pitchFamily="49" charset="0"/>
               </a:rPr>
-              <a:t>arr = np.array([[1, 2, 3, 4, 5], [6, 7, 8, 9, 10]])</a:t>
-            </a:r>
-          </a:p>
-          <a:p>
-            <a:pPr marL="76200" indent="0" algn="just">
-              <a:buNone/>
-            </a:pPr>
-            <a:r>
-              <a:rPr lang="en-US" sz="1100">
-                <a:latin typeface="Consolas" panose="020B0609020204030204" pitchFamily="49" charset="0"/>
-              </a:rPr>
-              <a:t>print(arr</a:t>
+              <a:t>import </a:t>
             </a:r>
             <a:r>
               <a:rPr lang="en-US" sz="1100">
@@ -18837,13 +18993,13 @@
                 </a:solidFill>
                 <a:latin typeface="Consolas" panose="020B0609020204030204" pitchFamily="49" charset="0"/>
               </a:rPr>
-              <a:t>[</a:t>
-            </a:r>
-            <a:r>
-              <a:rPr lang="en-US" sz="1100">
-                <a:latin typeface="Consolas" panose="020B0609020204030204" pitchFamily="49" charset="0"/>
-              </a:rPr>
-              <a:t>1</a:t>
+              <a:t>numpy</a:t>
+            </a:r>
+            <a:r>
+              <a:rPr lang="en-US" sz="1100">
+                <a:latin typeface="Consolas" panose="020B0609020204030204" pitchFamily="49" charset="0"/>
+              </a:rPr>
+              <a:t> as </a:t>
             </a:r>
             <a:r>
               <a:rPr lang="en-US" sz="1100">
@@ -18852,43 +19008,7 @@
                 </a:solidFill>
                 <a:latin typeface="Consolas" panose="020B0609020204030204" pitchFamily="49" charset="0"/>
               </a:rPr>
-              <a:t>,</a:t>
-            </a:r>
-            <a:r>
-              <a:rPr lang="en-US" sz="1100">
-                <a:latin typeface="Consolas" panose="020B0609020204030204" pitchFamily="49" charset="0"/>
-              </a:rPr>
-              <a:t> 5</a:t>
-            </a:r>
-            <a:r>
-              <a:rPr lang="en-US" sz="1100">
-                <a:solidFill>
-                  <a:schemeClr val="accent1"/>
-                </a:solidFill>
-                <a:latin typeface="Consolas" panose="020B0609020204030204" pitchFamily="49" charset="0"/>
-              </a:rPr>
-              <a:t>]</a:t>
-            </a:r>
-            <a:r>
-              <a:rPr lang="en-US" sz="1100">
-                <a:latin typeface="Consolas" panose="020B0609020204030204" pitchFamily="49" charset="0"/>
-              </a:rPr>
-              <a:t>, arr[1, 1</a:t>
-            </a:r>
-            <a:r>
-              <a:rPr lang="en-US" sz="1100">
-                <a:solidFill>
-                  <a:schemeClr val="accent1"/>
-                </a:solidFill>
-                <a:latin typeface="Consolas" panose="020B0609020204030204" pitchFamily="49" charset="0"/>
-              </a:rPr>
-              <a:t>:</a:t>
-            </a:r>
-            <a:r>
-              <a:rPr lang="en-US" sz="1100">
-                <a:latin typeface="Consolas" panose="020B0609020204030204" pitchFamily="49" charset="0"/>
-              </a:rPr>
-              <a:t>4], arr[0:2, 1:4])</a:t>
+              <a:t>np</a:t>
             </a:r>
           </a:p>
         </p:txBody>
@@ -18934,7 +19054,7 @@
     </p:spTree>
     <p:extLst>
       <p:ext uri="{BB962C8B-B14F-4D97-AF65-F5344CB8AC3E}">
-        <p14:creationId xmlns:p14="http://schemas.microsoft.com/office/powerpoint/2010/main" val="3904564301"/>
+        <p14:creationId xmlns:p14="http://schemas.microsoft.com/office/powerpoint/2010/main" val="4156460407"/>
       </p:ext>
     </p:extLst>
   </p:cSld>
@@ -18984,7 +19104,7 @@
           <a:p>
             <a:r>
               <a:rPr lang="en-US" sz="2400"/>
-              <a:t>Data Types</a:t>
+              <a:t>Arrays</a:t>
             </a:r>
             <a:endParaRPr lang="fa-IR"/>
           </a:p>
@@ -19008,8 +19128,8 @@
         </p:nvSpPr>
         <p:spPr>
           <a:xfrm>
-            <a:off x="786149" y="1142608"/>
-            <a:ext cx="7571699" cy="3626431"/>
+            <a:off x="786150" y="1142608"/>
+            <a:ext cx="7571700" cy="3626431"/>
           </a:xfrm>
         </p:spPr>
         <p:txBody>
@@ -19021,7 +19141,7 @@
             </a:pPr>
             <a:r>
               <a:rPr lang="en-US" sz="1400"/>
-              <a:t>Check</a:t>
+              <a:t>Create</a:t>
             </a:r>
           </a:p>
           <a:p>
@@ -19032,18 +19152,7 @@
               <a:rPr lang="en-US" sz="1100">
                 <a:latin typeface="Consolas" panose="020B0609020204030204" pitchFamily="49" charset="0"/>
               </a:rPr>
-              <a:t>arr = np.array([1, 2, 3, 4])</a:t>
-            </a:r>
-          </a:p>
-          <a:p>
-            <a:pPr marL="76200" indent="0" algn="just">
-              <a:buNone/>
-            </a:pPr>
-            <a:r>
-              <a:rPr lang="en-US" sz="1100">
-                <a:latin typeface="Consolas" panose="020B0609020204030204" pitchFamily="49" charset="0"/>
-              </a:rPr>
-              <a:t>print(arr.</a:t>
+              <a:t>arr0 = np.</a:t>
             </a:r>
             <a:r>
               <a:rPr lang="en-US" sz="1100">
@@ -19052,13 +19161,87 @@
                 </a:solidFill>
                 <a:latin typeface="Consolas" panose="020B0609020204030204" pitchFamily="49" charset="0"/>
               </a:rPr>
-              <a:t>dtype</a:t>
-            </a:r>
-            <a:r>
-              <a:rPr lang="en-US" sz="1100">
-                <a:latin typeface="Consolas" panose="020B0609020204030204" pitchFamily="49" charset="0"/>
-              </a:rPr>
-              <a:t>) </a:t>
+              <a:t>array(</a:t>
+            </a:r>
+            <a:r>
+              <a:rPr lang="en-US" sz="1100">
+                <a:latin typeface="Consolas" panose="020B0609020204030204" pitchFamily="49" charset="0"/>
+              </a:rPr>
+              <a:t>1</a:t>
+            </a:r>
+            <a:r>
+              <a:rPr lang="en-US" sz="1100">
+                <a:solidFill>
+                  <a:schemeClr val="accent1"/>
+                </a:solidFill>
+                <a:latin typeface="Consolas" panose="020B0609020204030204" pitchFamily="49" charset="0"/>
+              </a:rPr>
+              <a:t>)</a:t>
+            </a:r>
+            <a:r>
+              <a:rPr lang="en-US" sz="1100">
+                <a:latin typeface="Consolas" panose="020B0609020204030204" pitchFamily="49" charset="0"/>
+              </a:rPr>
+              <a:t> </a:t>
+            </a:r>
+          </a:p>
+          <a:p>
+            <a:pPr marL="76200" indent="0" algn="just">
+              <a:buNone/>
+            </a:pPr>
+            <a:r>
+              <a:rPr lang="en-US" sz="1100">
+                <a:latin typeface="Consolas" panose="020B0609020204030204" pitchFamily="49" charset="0"/>
+              </a:rPr>
+              <a:t>arr1 = np.array([1, 2, 3])</a:t>
+            </a:r>
+          </a:p>
+          <a:p>
+            <a:pPr marL="76200" indent="0" algn="just">
+              <a:buNone/>
+            </a:pPr>
+            <a:r>
+              <a:rPr lang="en-US" sz="1100">
+                <a:latin typeface="Consolas" panose="020B0609020204030204" pitchFamily="49" charset="0"/>
+              </a:rPr>
+              <a:t>arr2 = np.array([[1, 2, 3], [2, 3, 4]])</a:t>
+            </a:r>
+          </a:p>
+          <a:p>
+            <a:pPr marL="76200" indent="0" algn="just">
+              <a:buNone/>
+            </a:pPr>
+            <a:r>
+              <a:rPr lang="en-US" sz="1100">
+                <a:latin typeface="Consolas" panose="020B0609020204030204" pitchFamily="49" charset="0"/>
+              </a:rPr>
+              <a:t>arr3 = np.array([[[1, 2, 3], [2, 3, 4]], [[3, 4, 5], [4, 5, 6]]])</a:t>
+            </a:r>
+          </a:p>
+          <a:p>
+            <a:pPr marL="76200" indent="0" algn="just">
+              <a:buNone/>
+            </a:pPr>
+            <a:r>
+              <a:rPr lang="en-US" sz="1100">
+                <a:latin typeface="Consolas" panose="020B0609020204030204" pitchFamily="49" charset="0"/>
+              </a:rPr>
+              <a:t>print(arr2</a:t>
+            </a:r>
+            <a:r>
+              <a:rPr lang="en-US" sz="1100">
+                <a:solidFill>
+                  <a:schemeClr val="accent1"/>
+                </a:solidFill>
+                <a:latin typeface="Consolas" panose="020B0609020204030204" pitchFamily="49" charset="0"/>
+              </a:rPr>
+              <a:t>.ndim</a:t>
+            </a:r>
+            <a:r>
+              <a:rPr lang="en-US" sz="1100">
+                <a:latin typeface="Consolas" panose="020B0609020204030204" pitchFamily="49" charset="0"/>
+              </a:rPr>
+              <a:t>)</a:t>
             </a:r>
           </a:p>
           <a:p>
@@ -19075,7 +19258,7 @@
             </a:pPr>
             <a:r>
               <a:rPr lang="en-US" sz="1400"/>
-              <a:t>Define</a:t>
+              <a:t>Slice</a:t>
             </a:r>
           </a:p>
           <a:p>
@@ -19086,7 +19269,18 @@
               <a:rPr lang="en-US" sz="1100">
                 <a:latin typeface="Consolas" panose="020B0609020204030204" pitchFamily="49" charset="0"/>
               </a:rPr>
-              <a:t>arr = np.array([1, 2, 3, 4], </a:t>
+              <a:t>arr = np.array([[1, 2, 3, 4, 5], [6, 7, 8, 9, 10]])</a:t>
+            </a:r>
+          </a:p>
+          <a:p>
+            <a:pPr marL="76200" indent="0" algn="just">
+              <a:buNone/>
+            </a:pPr>
+            <a:r>
+              <a:rPr lang="en-US" sz="1100">
+                <a:latin typeface="Consolas" panose="020B0609020204030204" pitchFamily="49" charset="0"/>
+              </a:rPr>
+              <a:t>print(arr</a:t>
             </a:r>
             <a:r>
               <a:rPr lang="en-US" sz="1100">
@@ -19095,63 +19289,13 @@
                 </a:solidFill>
                 <a:latin typeface="Consolas" panose="020B0609020204030204" pitchFamily="49" charset="0"/>
               </a:rPr>
-              <a:t>dtype =</a:t>
-            </a:r>
-            <a:r>
-              <a:rPr lang="en-US" sz="1100">
-                <a:latin typeface="Consolas" panose="020B0609020204030204" pitchFamily="49" charset="0"/>
-              </a:rPr>
-              <a:t> 'S')</a:t>
-            </a:r>
-          </a:p>
-          <a:p>
-            <a:pPr marL="76200" indent="0" algn="just">
-              <a:buNone/>
-            </a:pPr>
-            <a:r>
-              <a:rPr lang="en-US" sz="1100">
-                <a:latin typeface="Consolas" panose="020B0609020204030204" pitchFamily="49" charset="0"/>
-              </a:rPr>
-              <a:t>print(arr.dtype) </a:t>
-            </a:r>
-          </a:p>
-          <a:p>
-            <a:pPr marL="76200" indent="0" algn="just">
-              <a:buNone/>
-            </a:pPr>
-            <a:endParaRPr lang="en-US" sz="1100">
-              <a:latin typeface="Consolas" panose="020B0609020204030204" pitchFamily="49" charset="0"/>
-            </a:endParaRPr>
-          </a:p>
-          <a:p>
-            <a:pPr marL="76200" indent="0" algn="just">
-              <a:buNone/>
-            </a:pPr>
-            <a:r>
-              <a:rPr lang="en-US" sz="1400"/>
-              <a:t>Convert</a:t>
-            </a:r>
-          </a:p>
-          <a:p>
-            <a:pPr marL="76200" indent="0" algn="just">
-              <a:buNone/>
-            </a:pPr>
-            <a:r>
-              <a:rPr lang="en-US" sz="1100">
-                <a:latin typeface="Consolas" panose="020B0609020204030204" pitchFamily="49" charset="0"/>
-              </a:rPr>
-              <a:t>arr = np.array([1, 2, 3, 4])</a:t>
-            </a:r>
-          </a:p>
-          <a:p>
-            <a:pPr marL="76200" indent="0" algn="just">
-              <a:buNone/>
-            </a:pPr>
-            <a:r>
-              <a:rPr lang="en-US" sz="1100">
-                <a:latin typeface="Consolas" panose="020B0609020204030204" pitchFamily="49" charset="0"/>
-              </a:rPr>
-              <a:t>newArr = arr.</a:t>
+              <a:t>[</a:t>
+            </a:r>
+            <a:r>
+              <a:rPr lang="en-US" sz="1100">
+                <a:latin typeface="Consolas" panose="020B0609020204030204" pitchFamily="49" charset="0"/>
+              </a:rPr>
+              <a:t>1</a:t>
             </a:r>
             <a:r>
               <a:rPr lang="en-US" sz="1100">
@@ -19160,13 +19304,13 @@
                 </a:solidFill>
                 <a:latin typeface="Consolas" panose="020B0609020204030204" pitchFamily="49" charset="0"/>
               </a:rPr>
-              <a:t>astype(</a:t>
-            </a:r>
-            <a:r>
-              <a:rPr lang="en-US" sz="1100">
-                <a:latin typeface="Consolas" panose="020B0609020204030204" pitchFamily="49" charset="0"/>
-              </a:rPr>
-              <a:t>'S'</a:t>
+              <a:t>,</a:t>
+            </a:r>
+            <a:r>
+              <a:rPr lang="en-US" sz="1100">
+                <a:latin typeface="Consolas" panose="020B0609020204030204" pitchFamily="49" charset="0"/>
+              </a:rPr>
+              <a:t> 5</a:t>
             </a:r>
             <a:r>
               <a:rPr lang="en-US" sz="1100">
@@ -19175,18 +19319,28 @@
                 </a:solidFill>
                 <a:latin typeface="Consolas" panose="020B0609020204030204" pitchFamily="49" charset="0"/>
               </a:rPr>
-              <a:t>)</a:t>
-            </a:r>
-          </a:p>
-          <a:p>
-            <a:pPr marL="76200" indent="0" algn="just">
-              <a:buNone/>
-            </a:pPr>
-            <a:r>
-              <a:rPr lang="en-US" sz="1100">
-                <a:latin typeface="Consolas" panose="020B0609020204030204" pitchFamily="49" charset="0"/>
-              </a:rPr>
-              <a:t>print(arr.dtype, newArr.dtype)</a:t>
+              <a:t>]</a:t>
+            </a:r>
+            <a:r>
+              <a:rPr lang="en-US" sz="1100">
+                <a:latin typeface="Consolas" panose="020B0609020204030204" pitchFamily="49" charset="0"/>
+              </a:rPr>
+              <a:t>, arr[1, 1</a:t>
+            </a:r>
+            <a:r>
+              <a:rPr lang="en-US" sz="1100">
+                <a:solidFill>
+                  <a:schemeClr val="accent1"/>
+                </a:solidFill>
+                <a:latin typeface="Consolas" panose="020B0609020204030204" pitchFamily="49" charset="0"/>
+              </a:rPr>
+              <a:t>:</a:t>
+            </a:r>
+            <a:r>
+              <a:rPr lang="en-US" sz="1100">
+                <a:latin typeface="Consolas" panose="020B0609020204030204" pitchFamily="49" charset="0"/>
+              </a:rPr>
+              <a:t>4], arr[0:2, 1:4])</a:t>
             </a:r>
           </a:p>
         </p:txBody>
@@ -19229,38 +19383,10 @@
           </a:p>
         </p:txBody>
       </p:sp>
-      <p:graphicFrame>
-        <p:nvGraphicFramePr>
-          <p:cNvPr id="7" name="Diagram 6">
-            <a:extLst>
-              <a:ext uri="{FF2B5EF4-FFF2-40B4-BE49-F238E27FC236}">
-                <a16:creationId xmlns:a16="http://schemas.microsoft.com/office/drawing/2014/main" id="{C34AFF02-5127-48DD-81A7-8FCF3BEEC3C6}"/>
-              </a:ext>
-            </a:extLst>
-          </p:cNvPr>
-          <p:cNvGraphicFramePr/>
-          <p:nvPr>
-            <p:extLst>
-              <p:ext uri="{D42A27DB-BD31-4B8C-83A1-F6EECF244321}">
-                <p14:modId xmlns:p14="http://schemas.microsoft.com/office/powerpoint/2010/main" val="3147884932"/>
-              </p:ext>
-            </p:extLst>
-          </p:nvPr>
-        </p:nvGraphicFramePr>
-        <p:xfrm>
-          <a:off x="5562269" y="1142608"/>
-          <a:ext cx="3116465" cy="3626431"/>
-        </p:xfrm>
-        <a:graphic>
-          <a:graphicData uri="http://schemas.openxmlformats.org/drawingml/2006/diagram">
-            <dgm:relIds xmlns:dgm="http://schemas.openxmlformats.org/drawingml/2006/diagram" xmlns:r="http://schemas.openxmlformats.org/officeDocument/2006/relationships" r:dm="rId2" r:lo="rId3" r:qs="rId4" r:cs="rId5"/>
-          </a:graphicData>
-        </a:graphic>
-      </p:graphicFrame>
     </p:spTree>
     <p:extLst>
       <p:ext uri="{BB962C8B-B14F-4D97-AF65-F5344CB8AC3E}">
-        <p14:creationId xmlns:p14="http://schemas.microsoft.com/office/powerpoint/2010/main" val="3558681173"/>
+        <p14:creationId xmlns:p14="http://schemas.microsoft.com/office/powerpoint/2010/main" val="3904564301"/>
       </p:ext>
     </p:extLst>
   </p:cSld>
@@ -19310,7 +19436,7 @@
           <a:p>
             <a:r>
               <a:rPr lang="en-US" sz="2400"/>
-              <a:t>Copy and View</a:t>
+              <a:t>Data Types</a:t>
             </a:r>
             <a:endParaRPr lang="fa-IR"/>
           </a:p>
@@ -19334,42 +19460,42 @@
         </p:nvSpPr>
         <p:spPr>
           <a:xfrm>
-            <a:off x="786150" y="1142608"/>
-            <a:ext cx="7571700" cy="3626431"/>
+            <a:off x="786149" y="1142608"/>
+            <a:ext cx="7571699" cy="3626431"/>
           </a:xfrm>
         </p:spPr>
         <p:txBody>
           <a:bodyPr/>
           <a:lstStyle/>
           <a:p>
-            <a:pPr marL="76200" indent="0">
+            <a:pPr marL="76200" indent="0" algn="just">
               <a:buNone/>
             </a:pPr>
             <a:r>
               <a:rPr lang="en-US" sz="1400"/>
-              <a:t>Copy is a new array, and view is just a view of the original array.</a:t>
-            </a:r>
-          </a:p>
-          <a:p>
-            <a:pPr marL="76200" indent="0">
-              <a:buNone/>
-            </a:pPr>
-            <a:r>
-              <a:rPr lang="en-US" sz="1100">
-                <a:latin typeface="Consolas" panose="020B0609020204030204" pitchFamily="49" charset="0"/>
-              </a:rPr>
-              <a:t>arr = np.array([1, 2, 3, 4, 5])</a:t>
-            </a:r>
-          </a:p>
-          <a:p>
-            <a:pPr marL="76200" indent="0">
-              <a:buNone/>
-            </a:pPr>
-            <a:r>
-              <a:rPr lang="en-US" sz="1100">
-                <a:latin typeface="Consolas" panose="020B0609020204030204" pitchFamily="49" charset="0"/>
-              </a:rPr>
-              <a:t>viewArr = arr</a:t>
+              <a:t>Check</a:t>
+            </a:r>
+          </a:p>
+          <a:p>
+            <a:pPr marL="76200" indent="0" algn="just">
+              <a:buNone/>
+            </a:pPr>
+            <a:r>
+              <a:rPr lang="en-US" sz="1100">
+                <a:latin typeface="Consolas" panose="020B0609020204030204" pitchFamily="49" charset="0"/>
+              </a:rPr>
+              <a:t>arr = np.array([1, 2, 3, 4])</a:t>
+            </a:r>
+          </a:p>
+          <a:p>
+            <a:pPr marL="76200" indent="0" algn="just">
+              <a:buNone/>
+            </a:pPr>
+            <a:r>
+              <a:rPr lang="en-US" sz="1100">
+                <a:latin typeface="Consolas" panose="020B0609020204030204" pitchFamily="49" charset="0"/>
+              </a:rPr>
+              <a:t>print(arr.</a:t>
             </a:r>
             <a:r>
               <a:rPr lang="en-US" sz="1100">
@@ -19378,18 +19504,41 @@
                 </a:solidFill>
                 <a:latin typeface="Consolas" panose="020B0609020204030204" pitchFamily="49" charset="0"/>
               </a:rPr>
-              <a:t>.view()</a:t>
-            </a:r>
-          </a:p>
-          <a:p>
-            <a:pPr marL="76200" indent="0">
-              <a:buNone/>
-            </a:pPr>
-            <a:r>
-              <a:rPr lang="en-US" sz="1100">
-                <a:latin typeface="Consolas" panose="020B0609020204030204" pitchFamily="49" charset="0"/>
-              </a:rPr>
-              <a:t>copyArr = arr</a:t>
+              <a:t>dtype</a:t>
+            </a:r>
+            <a:r>
+              <a:rPr lang="en-US" sz="1100">
+                <a:latin typeface="Consolas" panose="020B0609020204030204" pitchFamily="49" charset="0"/>
+              </a:rPr>
+              <a:t>) </a:t>
+            </a:r>
+          </a:p>
+          <a:p>
+            <a:pPr marL="76200" indent="0" algn="just">
+              <a:buNone/>
+            </a:pPr>
+            <a:endParaRPr lang="en-US" sz="1100">
+              <a:latin typeface="Consolas" panose="020B0609020204030204" pitchFamily="49" charset="0"/>
+            </a:endParaRPr>
+          </a:p>
+          <a:p>
+            <a:pPr marL="76200" indent="0" algn="just">
+              <a:buNone/>
+            </a:pPr>
+            <a:r>
+              <a:rPr lang="en-US" sz="1400"/>
+              <a:t>Define</a:t>
+            </a:r>
+          </a:p>
+          <a:p>
+            <a:pPr marL="76200" indent="0" algn="just">
+              <a:buNone/>
+            </a:pPr>
+            <a:r>
+              <a:rPr lang="en-US" sz="1100">
+                <a:latin typeface="Consolas" panose="020B0609020204030204" pitchFamily="49" charset="0"/>
+              </a:rPr>
+              <a:t>arr = np.array([1, 2, 3, 4], </a:t>
             </a:r>
             <a:r>
               <a:rPr lang="en-US" sz="1100">
@@ -19398,40 +19547,63 @@
                 </a:solidFill>
                 <a:latin typeface="Consolas" panose="020B0609020204030204" pitchFamily="49" charset="0"/>
               </a:rPr>
-              <a:t>.copy()</a:t>
-            </a:r>
-          </a:p>
-          <a:p>
-            <a:pPr marL="76200" indent="0">
-              <a:buNone/>
-            </a:pPr>
-            <a:r>
-              <a:rPr lang="en-US" sz="1100">
-                <a:latin typeface="Consolas" panose="020B0609020204030204" pitchFamily="49" charset="0"/>
-              </a:rPr>
-              <a:t>arr[0] = 10</a:t>
-            </a:r>
-          </a:p>
-          <a:p>
-            <a:pPr marL="76200" indent="0">
-              <a:buNone/>
-            </a:pPr>
-            <a:r>
-              <a:rPr lang="en-US" sz="1100">
-                <a:latin typeface="Consolas" panose="020B0609020204030204" pitchFamily="49" charset="0"/>
-              </a:rPr>
-              <a:t>print(viewArr, copyArr)</a:t>
-            </a:r>
-          </a:p>
-          <a:p>
-            <a:pPr marL="76200" indent="0">
-              <a:buNone/>
-            </a:pPr>
-            <a:r>
-              <a:rPr lang="en-US" sz="1100">
-                <a:latin typeface="Consolas" panose="020B0609020204030204" pitchFamily="49" charset="0"/>
-              </a:rPr>
-              <a:t>print(viewArr</a:t>
+              <a:t>dtype =</a:t>
+            </a:r>
+            <a:r>
+              <a:rPr lang="en-US" sz="1100">
+                <a:latin typeface="Consolas" panose="020B0609020204030204" pitchFamily="49" charset="0"/>
+              </a:rPr>
+              <a:t> 'S')</a:t>
+            </a:r>
+          </a:p>
+          <a:p>
+            <a:pPr marL="76200" indent="0" algn="just">
+              <a:buNone/>
+            </a:pPr>
+            <a:r>
+              <a:rPr lang="en-US" sz="1100">
+                <a:latin typeface="Consolas" panose="020B0609020204030204" pitchFamily="49" charset="0"/>
+              </a:rPr>
+              <a:t>print(arr.dtype) </a:t>
+            </a:r>
+          </a:p>
+          <a:p>
+            <a:pPr marL="76200" indent="0" algn="just">
+              <a:buNone/>
+            </a:pPr>
+            <a:endParaRPr lang="en-US" sz="1100">
+              <a:latin typeface="Consolas" panose="020B0609020204030204" pitchFamily="49" charset="0"/>
+            </a:endParaRPr>
+          </a:p>
+          <a:p>
+            <a:pPr marL="76200" indent="0" algn="just">
+              <a:buNone/>
+            </a:pPr>
+            <a:r>
+              <a:rPr lang="en-US" sz="1400"/>
+              <a:t>Convert</a:t>
+            </a:r>
+          </a:p>
+          <a:p>
+            <a:pPr marL="76200" indent="0" algn="just">
+              <a:buNone/>
+            </a:pPr>
+            <a:r>
+              <a:rPr lang="en-US" sz="1100">
+                <a:latin typeface="Consolas" panose="020B0609020204030204" pitchFamily="49" charset="0"/>
+              </a:rPr>
+              <a:t>arr = np.array([1, 2, 3, 4])</a:t>
+            </a:r>
+          </a:p>
+          <a:p>
+            <a:pPr marL="76200" indent="0" algn="just">
+              <a:buNone/>
+            </a:pPr>
+            <a:r>
+              <a:rPr lang="en-US" sz="1100">
+                <a:latin typeface="Consolas" panose="020B0609020204030204" pitchFamily="49" charset="0"/>
+              </a:rPr>
+              <a:t>newArr = arr.</a:t>
             </a:r>
             <a:r>
               <a:rPr lang="en-US" sz="1100">
@@ -19440,13 +19612,33 @@
                 </a:solidFill>
                 <a:latin typeface="Consolas" panose="020B0609020204030204" pitchFamily="49" charset="0"/>
               </a:rPr>
-              <a:t>.base</a:t>
-            </a:r>
-            <a:r>
-              <a:rPr lang="en-US" sz="1100">
-                <a:latin typeface="Consolas" panose="020B0609020204030204" pitchFamily="49" charset="0"/>
-              </a:rPr>
-              <a:t>, copyArr.base)</a:t>
+              <a:t>astype(</a:t>
+            </a:r>
+            <a:r>
+              <a:rPr lang="en-US" sz="1100">
+                <a:latin typeface="Consolas" panose="020B0609020204030204" pitchFamily="49" charset="0"/>
+              </a:rPr>
+              <a:t>'S'</a:t>
+            </a:r>
+            <a:r>
+              <a:rPr lang="en-US" sz="1100">
+                <a:solidFill>
+                  <a:schemeClr val="accent1"/>
+                </a:solidFill>
+                <a:latin typeface="Consolas" panose="020B0609020204030204" pitchFamily="49" charset="0"/>
+              </a:rPr>
+              <a:t>)</a:t>
+            </a:r>
+          </a:p>
+          <a:p>
+            <a:pPr marL="76200" indent="0" algn="just">
+              <a:buNone/>
+            </a:pPr>
+            <a:r>
+              <a:rPr lang="en-US" sz="1100">
+                <a:latin typeface="Consolas" panose="020B0609020204030204" pitchFamily="49" charset="0"/>
+              </a:rPr>
+              <a:t>print(arr.dtype, newArr.dtype)</a:t>
             </a:r>
           </a:p>
         </p:txBody>
@@ -19489,10 +19681,38 @@
           </a:p>
         </p:txBody>
       </p:sp>
+      <p:graphicFrame>
+        <p:nvGraphicFramePr>
+          <p:cNvPr id="7" name="Diagram 6">
+            <a:extLst>
+              <a:ext uri="{FF2B5EF4-FFF2-40B4-BE49-F238E27FC236}">
+                <a16:creationId xmlns:a16="http://schemas.microsoft.com/office/drawing/2014/main" id="{C34AFF02-5127-48DD-81A7-8FCF3BEEC3C6}"/>
+              </a:ext>
+            </a:extLst>
+          </p:cNvPr>
+          <p:cNvGraphicFramePr/>
+          <p:nvPr>
+            <p:extLst>
+              <p:ext uri="{D42A27DB-BD31-4B8C-83A1-F6EECF244321}">
+                <p14:modId xmlns:p14="http://schemas.microsoft.com/office/powerpoint/2010/main" val="3147884932"/>
+              </p:ext>
+            </p:extLst>
+          </p:nvPr>
+        </p:nvGraphicFramePr>
+        <p:xfrm>
+          <a:off x="5562269" y="1142608"/>
+          <a:ext cx="3116465" cy="3626431"/>
+        </p:xfrm>
+        <a:graphic>
+          <a:graphicData uri="http://schemas.openxmlformats.org/drawingml/2006/diagram">
+            <dgm:relIds xmlns:dgm="http://schemas.openxmlformats.org/drawingml/2006/diagram" xmlns:r="http://schemas.openxmlformats.org/officeDocument/2006/relationships" r:dm="rId2" r:lo="rId3" r:qs="rId4" r:cs="rId5"/>
+          </a:graphicData>
+        </a:graphic>
+      </p:graphicFrame>
     </p:spTree>
     <p:extLst>
       <p:ext uri="{BB962C8B-B14F-4D97-AF65-F5344CB8AC3E}">
-        <p14:creationId xmlns:p14="http://schemas.microsoft.com/office/powerpoint/2010/main" val="3800470615"/>
+        <p14:creationId xmlns:p14="http://schemas.microsoft.com/office/powerpoint/2010/main" val="3558681173"/>
       </p:ext>
     </p:extLst>
   </p:cSld>
@@ -19542,7 +19762,7 @@
           <a:p>
             <a:r>
               <a:rPr lang="en-US" sz="2400"/>
-              <a:t>Shape</a:t>
+              <a:t>Copy and View</a:t>
             </a:r>
             <a:endParaRPr lang="fa-IR"/>
           </a:p>
@@ -19579,7 +19799,7 @@
             </a:pPr>
             <a:r>
               <a:rPr lang="en-US" sz="1400"/>
-              <a:t>Shape</a:t>
+              <a:t>Copy is a new array, and view is just a view of the original array.</a:t>
             </a:r>
           </a:p>
           <a:p>
@@ -19590,7 +19810,7 @@
               <a:rPr lang="en-US" sz="1100">
                 <a:latin typeface="Consolas" panose="020B0609020204030204" pitchFamily="49" charset="0"/>
               </a:rPr>
-              <a:t>arr = np.array([[1, 2, 3, 4], [5, 6, 7, 8]])</a:t>
+              <a:t>arr = np.array([1, 2, 3, 4, 5])</a:t>
             </a:r>
           </a:p>
           <a:p>
@@ -19601,7 +19821,7 @@
               <a:rPr lang="en-US" sz="1100">
                 <a:latin typeface="Consolas" panose="020B0609020204030204" pitchFamily="49" charset="0"/>
               </a:rPr>
-              <a:t>print(arr</a:t>
+              <a:t>viewArr = arr</a:t>
             </a:r>
             <a:r>
               <a:rPr lang="en-US" sz="1100">
@@ -19610,52 +19830,18 @@
                 </a:solidFill>
                 <a:latin typeface="Consolas" panose="020B0609020204030204" pitchFamily="49" charset="0"/>
               </a:rPr>
-              <a:t>.shape</a:t>
-            </a:r>
-            <a:r>
-              <a:rPr lang="en-US" sz="1100">
-                <a:latin typeface="Consolas" panose="020B0609020204030204" pitchFamily="49" charset="0"/>
-              </a:rPr>
-              <a:t>)</a:t>
+              <a:t>.view()</a:t>
             </a:r>
           </a:p>
           <a:p>
             <a:pPr marL="76200" indent="0">
               <a:buNone/>
             </a:pPr>
-            <a:endParaRPr lang="en-US" sz="1100">
-              <a:latin typeface="Consolas" panose="020B0609020204030204" pitchFamily="49" charset="0"/>
-            </a:endParaRPr>
-          </a:p>
-          <a:p>
-            <a:pPr marL="76200" indent="0">
-              <a:buNone/>
-            </a:pPr>
-            <a:r>
-              <a:rPr lang="en-US" sz="1400"/>
-              <a:t>Reshape</a:t>
-            </a:r>
-          </a:p>
-          <a:p>
-            <a:pPr marL="76200" indent="0">
-              <a:buNone/>
-            </a:pPr>
-            <a:r>
-              <a:rPr lang="en-US" sz="1100">
-                <a:latin typeface="Consolas" panose="020B0609020204030204" pitchFamily="49" charset="0"/>
-              </a:rPr>
-              <a:t>arr = np.array([1, 2, 3, 4, 5, 6, 7, 8])</a:t>
-            </a:r>
-          </a:p>
-          <a:p>
-            <a:pPr marL="76200" indent="0">
-              <a:buNone/>
-            </a:pPr>
-            <a:r>
-              <a:rPr lang="en-US" sz="1100">
-                <a:latin typeface="Consolas" panose="020B0609020204030204" pitchFamily="49" charset="0"/>
-              </a:rPr>
-              <a:t>print(arr</a:t>
+            <a:r>
+              <a:rPr lang="en-US" sz="1100">
+                <a:latin typeface="Consolas" panose="020B0609020204030204" pitchFamily="49" charset="0"/>
+              </a:rPr>
+              <a:t>copyArr = arr</a:t>
             </a:r>
             <a:r>
               <a:rPr lang="en-US" sz="1100">
@@ -19664,13 +19850,40 @@
                 </a:solidFill>
                 <a:latin typeface="Consolas" panose="020B0609020204030204" pitchFamily="49" charset="0"/>
               </a:rPr>
-              <a:t>.reshape(</a:t>
-            </a:r>
-            <a:r>
-              <a:rPr lang="en-US" sz="1100">
-                <a:latin typeface="Consolas" panose="020B0609020204030204" pitchFamily="49" charset="0"/>
-              </a:rPr>
-              <a:t>2, 4</a:t>
+              <a:t>.copy()</a:t>
+            </a:r>
+          </a:p>
+          <a:p>
+            <a:pPr marL="76200" indent="0">
+              <a:buNone/>
+            </a:pPr>
+            <a:r>
+              <a:rPr lang="en-US" sz="1100">
+                <a:latin typeface="Consolas" panose="020B0609020204030204" pitchFamily="49" charset="0"/>
+              </a:rPr>
+              <a:t>arr[0] = 10</a:t>
+            </a:r>
+          </a:p>
+          <a:p>
+            <a:pPr marL="76200" indent="0">
+              <a:buNone/>
+            </a:pPr>
+            <a:r>
+              <a:rPr lang="en-US" sz="1100">
+                <a:latin typeface="Consolas" panose="020B0609020204030204" pitchFamily="49" charset="0"/>
+              </a:rPr>
+              <a:t>print(viewArr, copyArr)</a:t>
+            </a:r>
+          </a:p>
+          <a:p>
+            <a:pPr marL="76200" indent="0">
+              <a:buNone/>
+            </a:pPr>
+            <a:r>
+              <a:rPr lang="en-US" sz="1100">
+                <a:latin typeface="Consolas" panose="020B0609020204030204" pitchFamily="49" charset="0"/>
+              </a:rPr>
+              <a:t>print(viewArr</a:t>
             </a:r>
             <a:r>
               <a:rPr lang="en-US" sz="1100">
@@ -19679,100 +19892,14 @@
                 </a:solidFill>
                 <a:latin typeface="Consolas" panose="020B0609020204030204" pitchFamily="49" charset="0"/>
               </a:rPr>
-              <a:t>)</a:t>
-            </a:r>
-            <a:r>
-              <a:rPr lang="en-US" sz="1100">
-                <a:latin typeface="Consolas" panose="020B0609020204030204" pitchFamily="49" charset="0"/>
-              </a:rPr>
-              <a:t>)</a:t>
-            </a:r>
-          </a:p>
-          <a:p>
-            <a:pPr marL="76200" indent="0">
-              <a:buNone/>
-            </a:pPr>
-            <a:r>
-              <a:rPr lang="en-US" sz="1100">
-                <a:latin typeface="Consolas" panose="020B0609020204030204" pitchFamily="49" charset="0"/>
-              </a:rPr>
-              <a:t>print(arr.reshape(2, 2, </a:t>
-            </a:r>
-            <a:r>
-              <a:rPr lang="en-US" sz="1100">
-                <a:solidFill>
-                  <a:schemeClr val="accent1"/>
-                </a:solidFill>
-                <a:latin typeface="Consolas" panose="020B0609020204030204" pitchFamily="49" charset="0"/>
-              </a:rPr>
-              <a:t>-1</a:t>
-            </a:r>
-            <a:r>
-              <a:rPr lang="en-US" sz="1100">
-                <a:latin typeface="Consolas" panose="020B0609020204030204" pitchFamily="49" charset="0"/>
-              </a:rPr>
-              <a:t>))</a:t>
-            </a:r>
-          </a:p>
-          <a:p>
-            <a:pPr marL="76200" indent="0">
-              <a:buNone/>
-            </a:pPr>
-            <a:endParaRPr lang="en-US" sz="1100">
-              <a:latin typeface="Consolas" panose="020B0609020204030204" pitchFamily="49" charset="0"/>
-            </a:endParaRPr>
-          </a:p>
-          <a:p>
-            <a:pPr marL="76200" indent="0">
-              <a:buNone/>
-            </a:pPr>
-            <a:r>
-              <a:rPr lang="en-US" sz="1400"/>
-              <a:t>Flatten</a:t>
-            </a:r>
-          </a:p>
-          <a:p>
-            <a:pPr marL="76200" indent="0">
-              <a:buNone/>
-            </a:pPr>
-            <a:r>
-              <a:rPr lang="en-US" sz="1100">
-                <a:latin typeface="Consolas" panose="020B0609020204030204" pitchFamily="49" charset="0"/>
-              </a:rPr>
-              <a:t>arr = np.array([[1, 2, 3, 4], [5, 6, 7, 8]])</a:t>
-            </a:r>
-          </a:p>
-          <a:p>
-            <a:pPr marL="76200" indent="0">
-              <a:buNone/>
-            </a:pPr>
-            <a:r>
-              <a:rPr lang="en-US" sz="1100">
-                <a:latin typeface="Consolas" panose="020B0609020204030204" pitchFamily="49" charset="0"/>
-              </a:rPr>
-              <a:t>print(arr.reshape(</a:t>
-            </a:r>
-            <a:r>
-              <a:rPr lang="en-US" sz="1100">
-                <a:solidFill>
-                  <a:schemeClr val="accent1"/>
-                </a:solidFill>
-                <a:latin typeface="Consolas" panose="020B0609020204030204" pitchFamily="49" charset="0"/>
-              </a:rPr>
-              <a:t>-1</a:t>
-            </a:r>
-            <a:r>
-              <a:rPr lang="en-US" sz="1100">
-                <a:latin typeface="Consolas" panose="020B0609020204030204" pitchFamily="49" charset="0"/>
-              </a:rPr>
-              <a:t>))</a:t>
-            </a:r>
-            <a:endParaRPr lang="en-US" sz="1100">
-              <a:solidFill>
-                <a:schemeClr val="accent1"/>
-              </a:solidFill>
-              <a:latin typeface="Consolas" panose="020B0609020204030204" pitchFamily="49" charset="0"/>
-            </a:endParaRPr>
+              <a:t>.base</a:t>
+            </a:r>
+            <a:r>
+              <a:rPr lang="en-US" sz="1100">
+                <a:latin typeface="Consolas" panose="020B0609020204030204" pitchFamily="49" charset="0"/>
+              </a:rPr>
+              <a:t>, copyArr.base)</a:t>
+            </a:r>
           </a:p>
         </p:txBody>
       </p:sp>
@@ -19817,7 +19944,7 @@
     </p:spTree>
     <p:extLst>
       <p:ext uri="{BB962C8B-B14F-4D97-AF65-F5344CB8AC3E}">
-        <p14:creationId xmlns:p14="http://schemas.microsoft.com/office/powerpoint/2010/main" val="1703438368"/>
+        <p14:creationId xmlns:p14="http://schemas.microsoft.com/office/powerpoint/2010/main" val="3800470615"/>
       </p:ext>
     </p:extLst>
   </p:cSld>
